--- a/Guillaume/Documents/Diapo Revues/Revue 2 de projet étudiant 1 Escape Game Téléthon.pptx
+++ b/Guillaume/Documents/Diapo Revues/Revue 2 de projet étudiant 1 Escape Game Téléthon.pptx
@@ -19,6 +19,7 @@
     <p:sldId id="266" r:id="rId13"/>
     <p:sldId id="271" r:id="rId14"/>
     <p:sldId id="272" r:id="rId15"/>
+    <p:sldId id="273" r:id="rId16"/>
   </p:sldIdLst>
   <p:sldSz cx="12192000" cy="6858000"/>
   <p:notesSz cx="6858000" cy="9144000"/>
@@ -848,7 +849,7 @@
             <a:fld id="{B61BEF0D-F0BB-DE4B-95CE-6DB70DBA9567}" type="datetimeFigureOut">
               <a:rPr lang="en-US" dirty="0"/>
               <a:pPr/>
-              <a:t>3/6/2020</a:t>
+              <a:t>3/10/2020</a:t>
             </a:fld>
             <a:endParaRPr lang="en-US" dirty="0"/>
           </a:p>
@@ -1096,7 +1097,7 @@
             <a:fld id="{B61BEF0D-F0BB-DE4B-95CE-6DB70DBA9567}" type="datetimeFigureOut">
               <a:rPr lang="en-US" dirty="0"/>
               <a:pPr/>
-              <a:t>3/6/2020</a:t>
+              <a:t>3/10/2020</a:t>
             </a:fld>
             <a:endParaRPr lang="en-US" dirty="0"/>
           </a:p>
@@ -1407,7 +1408,7 @@
             <a:fld id="{B61BEF0D-F0BB-DE4B-95CE-6DB70DBA9567}" type="datetimeFigureOut">
               <a:rPr lang="en-US" dirty="0"/>
               <a:pPr/>
-              <a:t>3/6/2020</a:t>
+              <a:t>3/10/2020</a:t>
             </a:fld>
             <a:endParaRPr lang="en-US" dirty="0"/>
           </a:p>
@@ -1745,7 +1746,7 @@
             <a:fld id="{B61BEF0D-F0BB-DE4B-95CE-6DB70DBA9567}" type="datetimeFigureOut">
               <a:rPr lang="en-US" dirty="0"/>
               <a:pPr/>
-              <a:t>3/6/2020</a:t>
+              <a:t>3/10/2020</a:t>
             </a:fld>
             <a:endParaRPr lang="en-US" dirty="0"/>
           </a:p>
@@ -2056,7 +2057,7 @@
             <a:fld id="{B61BEF0D-F0BB-DE4B-95CE-6DB70DBA9567}" type="datetimeFigureOut">
               <a:rPr lang="en-US" dirty="0"/>
               <a:pPr/>
-              <a:t>3/6/2020</a:t>
+              <a:t>3/10/2020</a:t>
             </a:fld>
             <a:endParaRPr lang="en-US" dirty="0"/>
           </a:p>
@@ -2446,7 +2447,7 @@
             <a:fld id="{B61BEF0D-F0BB-DE4B-95CE-6DB70DBA9567}" type="datetimeFigureOut">
               <a:rPr lang="en-US" dirty="0"/>
               <a:pPr/>
-              <a:t>3/6/2020</a:t>
+              <a:t>3/10/2020</a:t>
             </a:fld>
             <a:endParaRPr lang="en-US" dirty="0"/>
           </a:p>
@@ -2612,7 +2613,7 @@
           <a:p>
             <a:fld id="{55C6B4A9-1611-4792-9094-5F34BCA07E0B}" type="datetimeFigureOut">
               <a:rPr lang="en-US" dirty="0"/>
-              <a:t>3/6/2020</a:t>
+              <a:t>3/10/2020</a:t>
             </a:fld>
             <a:endParaRPr lang="en-US" dirty="0"/>
           </a:p>
@@ -2788,7 +2789,7 @@
             <a:fld id="{B61BEF0D-F0BB-DE4B-95CE-6DB70DBA9567}" type="datetimeFigureOut">
               <a:rPr lang="en-US" dirty="0"/>
               <a:pPr/>
-              <a:t>3/6/2020</a:t>
+              <a:t>3/10/2020</a:t>
             </a:fld>
             <a:endParaRPr lang="en-US" dirty="0"/>
           </a:p>
@@ -2961,7 +2962,7 @@
             <a:fld id="{B61BEF0D-F0BB-DE4B-95CE-6DB70DBA9567}" type="datetimeFigureOut">
               <a:rPr lang="en-US" dirty="0"/>
               <a:pPr/>
-              <a:t>3/6/2020</a:t>
+              <a:t>3/10/2020</a:t>
             </a:fld>
             <a:endParaRPr lang="en-US" dirty="0"/>
           </a:p>
@@ -3205,7 +3206,7 @@
             <a:fld id="{B61BEF0D-F0BB-DE4B-95CE-6DB70DBA9567}" type="datetimeFigureOut">
               <a:rPr lang="en-US" dirty="0"/>
               <a:pPr/>
-              <a:t>3/6/2020</a:t>
+              <a:t>3/10/2020</a:t>
             </a:fld>
             <a:endParaRPr lang="en-US" dirty="0"/>
           </a:p>
@@ -3433,7 +3434,7 @@
           <a:p>
             <a:fld id="{EB712588-04B1-427B-82EE-E8DB90309F08}" type="datetimeFigureOut">
               <a:rPr lang="en-US" dirty="0"/>
-              <a:t>3/6/2020</a:t>
+              <a:t>3/10/2020</a:t>
             </a:fld>
             <a:endParaRPr lang="en-US" dirty="0"/>
           </a:p>
@@ -3803,7 +3804,7 @@
             <a:fld id="{B61BEF0D-F0BB-DE4B-95CE-6DB70DBA9567}" type="datetimeFigureOut">
               <a:rPr lang="en-US" dirty="0"/>
               <a:pPr/>
-              <a:t>3/6/2020</a:t>
+              <a:t>3/10/2020</a:t>
             </a:fld>
             <a:endParaRPr lang="en-US" dirty="0"/>
           </a:p>
@@ -3923,7 +3924,7 @@
             <a:fld id="{B61BEF0D-F0BB-DE4B-95CE-6DB70DBA9567}" type="datetimeFigureOut">
               <a:rPr lang="en-US" dirty="0"/>
               <a:pPr/>
-              <a:t>3/6/2020</a:t>
+              <a:t>3/10/2020</a:t>
             </a:fld>
             <a:endParaRPr lang="en-US" dirty="0"/>
           </a:p>
@@ -4015,7 +4016,7 @@
             <a:fld id="{B61BEF0D-F0BB-DE4B-95CE-6DB70DBA9567}" type="datetimeFigureOut">
               <a:rPr lang="en-US" dirty="0"/>
               <a:pPr/>
-              <a:t>3/6/2020</a:t>
+              <a:t>3/10/2020</a:t>
             </a:fld>
             <a:endParaRPr lang="en-US" dirty="0"/>
           </a:p>
@@ -4266,7 +4267,7 @@
           <a:p>
             <a:fld id="{42A54C80-263E-416B-A8E0-580EDEADCBDC}" type="datetimeFigureOut">
               <a:rPr lang="en-US" dirty="0"/>
-              <a:t>3/6/2020</a:t>
+              <a:t>3/10/2020</a:t>
             </a:fld>
             <a:endParaRPr lang="en-US" dirty="0"/>
           </a:p>
@@ -4525,7 +4526,7 @@
             <a:fld id="{B61BEF0D-F0BB-DE4B-95CE-6DB70DBA9567}" type="datetimeFigureOut">
               <a:rPr lang="en-US" dirty="0"/>
               <a:pPr/>
-              <a:t>3/6/2020</a:t>
+              <a:t>3/10/2020</a:t>
             </a:fld>
             <a:endParaRPr lang="en-US" dirty="0"/>
           </a:p>
@@ -5265,7 +5266,7 @@
             <a:fld id="{B61BEF0D-F0BB-DE4B-95CE-6DB70DBA9567}" type="datetimeFigureOut">
               <a:rPr lang="en-US" dirty="0"/>
               <a:pPr/>
-              <a:t>3/6/2020</a:t>
+              <a:t>3/10/2020</a:t>
             </a:fld>
             <a:endParaRPr lang="en-US" dirty="0"/>
           </a:p>
@@ -10756,10 +10757,10 @@
       </p:sp>
       <p:pic>
         <p:nvPicPr>
-          <p:cNvPr id="5" name="Image 4" descr="Une image contenant grand, garé&#10;&#10;Description générée automatiquement">
-            <a:extLst>
-              <a:ext uri="{FF2B5EF4-FFF2-40B4-BE49-F238E27FC236}">
-                <a16:creationId xmlns:a16="http://schemas.microsoft.com/office/drawing/2014/main" id="{45FACC8A-CDD4-4C6C-963F-87F803BF7A76}"/>
+          <p:cNvPr id="4" name="Image 3">
+            <a:extLst>
+              <a:ext uri="{FF2B5EF4-FFF2-40B4-BE49-F238E27FC236}">
+                <a16:creationId xmlns:a16="http://schemas.microsoft.com/office/drawing/2014/main" id="{1F9A3EA9-0811-4B17-BBFD-30A0FB67957A}"/>
               </a:ext>
             </a:extLst>
           </p:cNvPr>
@@ -10776,8 +10777,8 @@
         </p:blipFill>
         <p:spPr>
           <a:xfrm>
-            <a:off x="416430" y="913408"/>
-            <a:ext cx="8485929" cy="5776332"/>
+            <a:off x="420624" y="822273"/>
+            <a:ext cx="8595602" cy="5867467"/>
           </a:xfrm>
           <a:prstGeom prst="rect">
             <a:avLst/>
@@ -10788,6 +10789,170 @@
     <p:extLst>
       <p:ext uri="{BB962C8B-B14F-4D97-AF65-F5344CB8AC3E}">
         <p14:creationId xmlns:p14="http://schemas.microsoft.com/office/powerpoint/2010/main" val="1042172690"/>
+      </p:ext>
+    </p:extLst>
+  </p:cSld>
+  <p:clrMapOvr>
+    <a:masterClrMapping/>
+  </p:clrMapOvr>
+  <mc:AlternateContent xmlns:mc="http://schemas.openxmlformats.org/markup-compatibility/2006" xmlns:p159="http://schemas.microsoft.com/office/powerpoint/2015/09/main">
+    <mc:Choice Requires="p159">
+      <p:transition xmlns:p14="http://schemas.microsoft.com/office/powerpoint/2010/main" spd="slow" p14:dur="2000">
+        <p159:morph option="byObject"/>
+      </p:transition>
+    </mc:Choice>
+    <mc:Fallback xmlns="">
+      <p:transition spd="slow">
+        <p:fade/>
+      </p:transition>
+    </mc:Fallback>
+  </mc:AlternateContent>
+</p:sld>
+</file>
+
+<file path=ppt/slides/slide15.xml><?xml version="1.0" encoding="utf-8"?>
+<p:sld xmlns:a="http://schemas.openxmlformats.org/drawingml/2006/main" xmlns:r="http://schemas.openxmlformats.org/officeDocument/2006/relationships" xmlns:p="http://schemas.openxmlformats.org/presentationml/2006/main">
+  <p:cSld>
+    <p:spTree>
+      <p:nvGrpSpPr>
+        <p:cNvPr id="1" name=""/>
+        <p:cNvGrpSpPr/>
+        <p:nvPr/>
+      </p:nvGrpSpPr>
+      <p:grpSpPr>
+        <a:xfrm>
+          <a:off x="0" y="0"/>
+          <a:ext cx="0" cy="0"/>
+          <a:chOff x="0" y="0"/>
+          <a:chExt cx="0" cy="0"/>
+        </a:xfrm>
+      </p:grpSpPr>
+      <p:pic>
+        <p:nvPicPr>
+          <p:cNvPr id="1026" name="Picture 2" descr="Image associée">
+            <a:extLst>
+              <a:ext uri="{FF2B5EF4-FFF2-40B4-BE49-F238E27FC236}">
+                <a16:creationId xmlns:a16="http://schemas.microsoft.com/office/drawing/2014/main" id="{C816F3D8-CC4C-46B3-A21E-58AE9AD30454}"/>
+              </a:ext>
+            </a:extLst>
+          </p:cNvPr>
+          <p:cNvPicPr>
+            <a:picLocks noChangeAspect="1" noChangeArrowheads="1"/>
+          </p:cNvPicPr>
+          <p:nvPr/>
+        </p:nvPicPr>
+        <p:blipFill rotWithShape="1">
+          <a:blip r:embed="rId2">
+            <a:extLst>
+              <a:ext uri="{28A0092B-C50C-407E-A947-70E740481C1C}">
+                <a14:useLocalDpi xmlns:a14="http://schemas.microsoft.com/office/drawing/2010/main" val="0"/>
+              </a:ext>
+            </a:extLst>
+          </a:blip>
+          <a:srcRect l="18677" r="15441"/>
+          <a:stretch/>
+        </p:blipFill>
+        <p:spPr bwMode="auto">
+          <a:xfrm>
+            <a:off x="143436" y="143435"/>
+            <a:ext cx="2269635" cy="609600"/>
+          </a:xfrm>
+          <a:prstGeom prst="rect">
+            <a:avLst/>
+          </a:prstGeom>
+          <a:noFill/>
+          <a:extLst>
+            <a:ext uri="{909E8E84-426E-40DD-AFC4-6F175D3DCCD1}">
+              <a14:hiddenFill xmlns:a14="http://schemas.microsoft.com/office/drawing/2010/main">
+                <a:solidFill>
+                  <a:srgbClr val="FFFFFF"/>
+                </a:solidFill>
+              </a14:hiddenFill>
+            </a:ext>
+          </a:extLst>
+        </p:spPr>
+      </p:pic>
+      <p:sp>
+        <p:nvSpPr>
+          <p:cNvPr id="3" name="ZoneTexte 2">
+            <a:extLst>
+              <a:ext uri="{FF2B5EF4-FFF2-40B4-BE49-F238E27FC236}">
+                <a16:creationId xmlns:a16="http://schemas.microsoft.com/office/drawing/2014/main" id="{1582123C-25BF-42F1-97F8-35FFB48DFFAA}"/>
+              </a:ext>
+            </a:extLst>
+          </p:cNvPr>
+          <p:cNvSpPr txBox="1"/>
+          <p:nvPr/>
+        </p:nvSpPr>
+        <p:spPr>
+          <a:xfrm>
+            <a:off x="2477079" y="168260"/>
+            <a:ext cx="6848856" cy="584775"/>
+          </a:xfrm>
+          <a:prstGeom prst="rect">
+            <a:avLst/>
+          </a:prstGeom>
+          <a:noFill/>
+          <a:ln>
+            <a:noFill/>
+          </a:ln>
+          <a:effectLst>
+            <a:glow rad="63500">
+              <a:schemeClr val="accent4">
+                <a:satMod val="175000"/>
+                <a:alpha val="40000"/>
+              </a:schemeClr>
+            </a:glow>
+            <a:outerShdw blurRad="50800" dist="38100" dir="5400000" algn="t" rotWithShape="0">
+              <a:prstClr val="black">
+                <a:alpha val="40000"/>
+              </a:prstClr>
+            </a:outerShdw>
+          </a:effectLst>
+          <a:scene3d>
+            <a:camera prst="orthographicFront">
+              <a:rot lat="0" lon="0" rev="0"/>
+            </a:camera>
+            <a:lightRig rig="soft" dir="t">
+              <a:rot lat="0" lon="0" rev="0"/>
+            </a:lightRig>
+          </a:scene3d>
+          <a:sp3d contourW="44450" prstMaterial="matte">
+            <a:bevelT w="63500" h="63500" prst="artDeco"/>
+            <a:contourClr>
+              <a:srgbClr val="FFFFFF"/>
+            </a:contourClr>
+          </a:sp3d>
+        </p:spPr>
+        <p:txBody>
+          <a:bodyPr wrap="square" rtlCol="0">
+            <a:spAutoFit/>
+          </a:bodyPr>
+          <a:lstStyle/>
+          <a:p>
+            <a:pPr algn="ctr"/>
+            <a:r>
+              <a:rPr lang="fr-FR" sz="3200" b="1" dirty="0">
+                <a:solidFill>
+                  <a:srgbClr val="A51258"/>
+                </a:solidFill>
+                <a:latin typeface="Eras Medium ITC" panose="020B0602030504020804" pitchFamily="34" charset="0"/>
+              </a:rPr>
+              <a:t>Librairie</a:t>
+            </a:r>
+            <a:endParaRPr lang="fr-FR" sz="2800" b="1" dirty="0">
+              <a:solidFill>
+                <a:srgbClr val="A51258"/>
+              </a:solidFill>
+              <a:latin typeface="Eras Medium ITC" panose="020B0602030504020804" pitchFamily="34" charset="0"/>
+            </a:endParaRPr>
+          </a:p>
+        </p:txBody>
+      </p:sp>
+    </p:spTree>
+    <p:extLst>
+      <p:ext uri="{BB962C8B-B14F-4D97-AF65-F5344CB8AC3E}">
+        <p14:creationId xmlns:p14="http://schemas.microsoft.com/office/powerpoint/2010/main" val="3952120001"/>
       </p:ext>
     </p:extLst>
   </p:cSld>

--- a/Guillaume/Documents/Diapo Revues/Revue 2 de projet étudiant 1 Escape Game Téléthon.pptx
+++ b/Guillaume/Documents/Diapo Revues/Revue 2 de projet étudiant 1 Escape Game Téléthon.pptx
@@ -10949,6 +10949,580 @@
           </a:p>
         </p:txBody>
       </p:sp>
+      <p:sp>
+        <p:nvSpPr>
+          <p:cNvPr id="5" name="Rectangle 4">
+            <a:extLst>
+              <a:ext uri="{FF2B5EF4-FFF2-40B4-BE49-F238E27FC236}">
+                <a16:creationId xmlns:a16="http://schemas.microsoft.com/office/drawing/2014/main" id="{E8071899-BAB1-4FE1-A456-5AC697088E0D}"/>
+              </a:ext>
+            </a:extLst>
+          </p:cNvPr>
+          <p:cNvSpPr/>
+          <p:nvPr/>
+        </p:nvSpPr>
+        <p:spPr>
+          <a:xfrm>
+            <a:off x="367308" y="1122121"/>
+            <a:ext cx="1850002" cy="752399"/>
+          </a:xfrm>
+          <a:prstGeom prst="rect">
+            <a:avLst/>
+          </a:prstGeom>
+          <a:noFill/>
+          <a:ln w="28575">
+            <a:solidFill>
+              <a:srgbClr val="A51258"/>
+            </a:solidFill>
+          </a:ln>
+          <a:effectLst>
+            <a:glow rad="50800">
+              <a:schemeClr val="tx1"/>
+            </a:glow>
+          </a:effectLst>
+        </p:spPr>
+        <p:style>
+          <a:lnRef idx="2">
+            <a:schemeClr val="accent1">
+              <a:shade val="50000"/>
+            </a:schemeClr>
+          </a:lnRef>
+          <a:fillRef idx="1">
+            <a:schemeClr val="accent1"/>
+          </a:fillRef>
+          <a:effectRef idx="0">
+            <a:schemeClr val="accent1"/>
+          </a:effectRef>
+          <a:fontRef idx="minor">
+            <a:schemeClr val="lt1"/>
+          </a:fontRef>
+        </p:style>
+        <p:txBody>
+          <a:bodyPr rtlCol="0" anchor="ctr"/>
+          <a:lstStyle/>
+          <a:p>
+            <a:pPr algn="ctr"/>
+            <a:r>
+              <a:rPr lang="fr-FR" sz="1200" dirty="0">
+                <a:solidFill>
+                  <a:srgbClr val="A51258"/>
+                </a:solidFill>
+              </a:rPr>
+              <a:t>pi-rc522</a:t>
+            </a:r>
+            <a:r>
+              <a:rPr lang="fr-FR" sz="1200" dirty="0">
+                <a:solidFill>
+                  <a:schemeClr val="tx1"/>
+                </a:solidFill>
+              </a:rPr>
+              <a:t> est une librairie sous </a:t>
+            </a:r>
+            <a:r>
+              <a:rPr lang="fr-FR" sz="1200" dirty="0">
+                <a:solidFill>
+                  <a:srgbClr val="A51258"/>
+                </a:solidFill>
+              </a:rPr>
+              <a:t>licence MIT</a:t>
+            </a:r>
+          </a:p>
+        </p:txBody>
+      </p:sp>
+      <p:pic>
+        <p:nvPicPr>
+          <p:cNvPr id="6" name="Image 5" descr="Une image contenant dessin, signe&#10;&#10;Description générée automatiquement">
+            <a:extLst>
+              <a:ext uri="{FF2B5EF4-FFF2-40B4-BE49-F238E27FC236}">
+                <a16:creationId xmlns:a16="http://schemas.microsoft.com/office/drawing/2014/main" id="{1476270C-68DA-4E1A-A34E-FB102FA05834}"/>
+              </a:ext>
+            </a:extLst>
+          </p:cNvPr>
+          <p:cNvPicPr>
+            <a:picLocks noChangeAspect="1"/>
+          </p:cNvPicPr>
+          <p:nvPr/>
+        </p:nvPicPr>
+        <p:blipFill>
+          <a:blip r:embed="rId3"/>
+          <a:stretch>
+            <a:fillRect/>
+          </a:stretch>
+        </p:blipFill>
+        <p:spPr>
+          <a:xfrm>
+            <a:off x="3511551" y="944237"/>
+            <a:ext cx="1486846" cy="1108165"/>
+          </a:xfrm>
+          <a:prstGeom prst="rect">
+            <a:avLst/>
+          </a:prstGeom>
+        </p:spPr>
+      </p:pic>
+      <p:cxnSp>
+        <p:nvCxnSpPr>
+          <p:cNvPr id="8" name="Connecteur droit avec flèche 7">
+            <a:extLst>
+              <a:ext uri="{FF2B5EF4-FFF2-40B4-BE49-F238E27FC236}">
+                <a16:creationId xmlns:a16="http://schemas.microsoft.com/office/drawing/2014/main" id="{8991D987-C960-4F9B-B5A3-ED2CD4D77C48}"/>
+              </a:ext>
+            </a:extLst>
+          </p:cNvPr>
+          <p:cNvCxnSpPr>
+            <a:cxnSpLocks/>
+            <a:stCxn id="5" idx="3"/>
+            <a:endCxn id="6" idx="1"/>
+          </p:cNvCxnSpPr>
+          <p:nvPr/>
+        </p:nvCxnSpPr>
+        <p:spPr>
+          <a:xfrm flipV="1">
+            <a:off x="2217310" y="1498320"/>
+            <a:ext cx="1294241" cy="1"/>
+          </a:xfrm>
+          <a:prstGeom prst="straightConnector1">
+            <a:avLst/>
+          </a:prstGeom>
+          <a:ln w="38100">
+            <a:solidFill>
+              <a:srgbClr val="A51258"/>
+            </a:solidFill>
+            <a:tailEnd type="triangle"/>
+          </a:ln>
+          <a:effectLst>
+            <a:glow rad="50800">
+              <a:schemeClr val="tx1"/>
+            </a:glow>
+          </a:effectLst>
+        </p:spPr>
+        <p:style>
+          <a:lnRef idx="1">
+            <a:schemeClr val="accent1"/>
+          </a:lnRef>
+          <a:fillRef idx="0">
+            <a:schemeClr val="accent1"/>
+          </a:fillRef>
+          <a:effectRef idx="0">
+            <a:schemeClr val="accent1"/>
+          </a:effectRef>
+          <a:fontRef idx="minor">
+            <a:schemeClr val="tx1"/>
+          </a:fontRef>
+        </p:style>
+      </p:cxnSp>
+      <p:pic>
+        <p:nvPicPr>
+          <p:cNvPr id="19" name="Image 18" descr="Une image contenant moniteur, intérieur, écran, noir&#10;&#10;Description générée automatiquement">
+            <a:extLst>
+              <a:ext uri="{FF2B5EF4-FFF2-40B4-BE49-F238E27FC236}">
+                <a16:creationId xmlns:a16="http://schemas.microsoft.com/office/drawing/2014/main" id="{78013C0C-D50E-4F62-A056-A002A217DCDE}"/>
+              </a:ext>
+            </a:extLst>
+          </p:cNvPr>
+          <p:cNvPicPr>
+            <a:picLocks noChangeAspect="1"/>
+          </p:cNvPicPr>
+          <p:nvPr/>
+        </p:nvPicPr>
+        <p:blipFill>
+          <a:blip r:embed="rId4"/>
+          <a:stretch>
+            <a:fillRect/>
+          </a:stretch>
+        </p:blipFill>
+        <p:spPr>
+          <a:xfrm>
+            <a:off x="456141" y="4723757"/>
+            <a:ext cx="4041872" cy="2024244"/>
+          </a:xfrm>
+          <a:prstGeom prst="rect">
+            <a:avLst/>
+          </a:prstGeom>
+          <a:ln w="38100">
+            <a:solidFill>
+              <a:srgbClr val="A51258"/>
+            </a:solidFill>
+          </a:ln>
+        </p:spPr>
+      </p:pic>
+      <p:pic>
+        <p:nvPicPr>
+          <p:cNvPr id="21" name="Image 20">
+            <a:extLst>
+              <a:ext uri="{FF2B5EF4-FFF2-40B4-BE49-F238E27FC236}">
+                <a16:creationId xmlns:a16="http://schemas.microsoft.com/office/drawing/2014/main" id="{900F7095-20DC-455F-BC6B-604E670A9783}"/>
+              </a:ext>
+            </a:extLst>
+          </p:cNvPr>
+          <p:cNvPicPr>
+            <a:picLocks noChangeAspect="1"/>
+          </p:cNvPicPr>
+          <p:nvPr/>
+        </p:nvPicPr>
+        <p:blipFill>
+          <a:blip r:embed="rId5"/>
+          <a:stretch>
+            <a:fillRect/>
+          </a:stretch>
+        </p:blipFill>
+        <p:spPr>
+          <a:xfrm>
+            <a:off x="5269770" y="944237"/>
+            <a:ext cx="4211613" cy="3601135"/>
+          </a:xfrm>
+          <a:prstGeom prst="rect">
+            <a:avLst/>
+          </a:prstGeom>
+          <a:ln w="28575">
+            <a:solidFill>
+              <a:srgbClr val="A51258"/>
+            </a:solidFill>
+          </a:ln>
+          <a:effectLst>
+            <a:glow>
+              <a:schemeClr val="bg1"/>
+            </a:glow>
+          </a:effectLst>
+        </p:spPr>
+      </p:pic>
+      <p:sp>
+        <p:nvSpPr>
+          <p:cNvPr id="26" name="Rectangle 25">
+            <a:extLst>
+              <a:ext uri="{FF2B5EF4-FFF2-40B4-BE49-F238E27FC236}">
+                <a16:creationId xmlns:a16="http://schemas.microsoft.com/office/drawing/2014/main" id="{8FD411F7-8FA0-48E4-817D-10CB94BCD191}"/>
+              </a:ext>
+            </a:extLst>
+          </p:cNvPr>
+          <p:cNvSpPr/>
+          <p:nvPr/>
+        </p:nvSpPr>
+        <p:spPr>
+          <a:xfrm>
+            <a:off x="6450575" y="5359679"/>
+            <a:ext cx="1850002" cy="752399"/>
+          </a:xfrm>
+          <a:prstGeom prst="rect">
+            <a:avLst/>
+          </a:prstGeom>
+          <a:noFill/>
+          <a:ln w="28575">
+            <a:solidFill>
+              <a:srgbClr val="A51258"/>
+            </a:solidFill>
+          </a:ln>
+          <a:effectLst>
+            <a:glow rad="50800">
+              <a:schemeClr val="tx1"/>
+            </a:glow>
+          </a:effectLst>
+        </p:spPr>
+        <p:style>
+          <a:lnRef idx="2">
+            <a:schemeClr val="accent1">
+              <a:shade val="50000"/>
+            </a:schemeClr>
+          </a:lnRef>
+          <a:fillRef idx="1">
+            <a:schemeClr val="accent1"/>
+          </a:fillRef>
+          <a:effectRef idx="0">
+            <a:schemeClr val="accent1"/>
+          </a:effectRef>
+          <a:fontRef idx="minor">
+            <a:schemeClr val="lt1"/>
+          </a:fontRef>
+        </p:style>
+        <p:txBody>
+          <a:bodyPr rtlCol="0" anchor="ctr"/>
+          <a:lstStyle/>
+          <a:p>
+            <a:pPr algn="ctr"/>
+            <a:r>
+              <a:rPr lang="fr-FR" sz="1200" dirty="0">
+                <a:solidFill>
+                  <a:srgbClr val="A51258"/>
+                </a:solidFill>
+              </a:rPr>
+              <a:t>Exemples</a:t>
+            </a:r>
+          </a:p>
+        </p:txBody>
+      </p:sp>
+      <p:cxnSp>
+        <p:nvCxnSpPr>
+          <p:cNvPr id="27" name="Connecteur droit avec flèche 26">
+            <a:extLst>
+              <a:ext uri="{FF2B5EF4-FFF2-40B4-BE49-F238E27FC236}">
+                <a16:creationId xmlns:a16="http://schemas.microsoft.com/office/drawing/2014/main" id="{9EA8D079-5BB8-4541-BAA5-902C067C3205}"/>
+              </a:ext>
+            </a:extLst>
+          </p:cNvPr>
+          <p:cNvCxnSpPr>
+            <a:cxnSpLocks/>
+            <a:stCxn id="26" idx="0"/>
+            <a:endCxn id="21" idx="2"/>
+          </p:cNvCxnSpPr>
+          <p:nvPr/>
+        </p:nvCxnSpPr>
+        <p:spPr>
+          <a:xfrm flipV="1">
+            <a:off x="7375576" y="4545372"/>
+            <a:ext cx="1" cy="814307"/>
+          </a:xfrm>
+          <a:prstGeom prst="straightConnector1">
+            <a:avLst/>
+          </a:prstGeom>
+          <a:ln w="38100">
+            <a:solidFill>
+              <a:srgbClr val="A51258"/>
+            </a:solidFill>
+            <a:tailEnd type="triangle"/>
+          </a:ln>
+          <a:effectLst>
+            <a:glow rad="50800">
+              <a:schemeClr val="tx1"/>
+            </a:glow>
+          </a:effectLst>
+        </p:spPr>
+        <p:style>
+          <a:lnRef idx="1">
+            <a:schemeClr val="accent1"/>
+          </a:lnRef>
+          <a:fillRef idx="0">
+            <a:schemeClr val="accent1"/>
+          </a:fillRef>
+          <a:effectRef idx="0">
+            <a:schemeClr val="accent1"/>
+          </a:effectRef>
+          <a:fontRef idx="minor">
+            <a:schemeClr val="tx1"/>
+          </a:fontRef>
+        </p:style>
+      </p:cxnSp>
+      <p:cxnSp>
+        <p:nvCxnSpPr>
+          <p:cNvPr id="30" name="Connecteur droit avec flèche 29">
+            <a:extLst>
+              <a:ext uri="{FF2B5EF4-FFF2-40B4-BE49-F238E27FC236}">
+                <a16:creationId xmlns:a16="http://schemas.microsoft.com/office/drawing/2014/main" id="{B1D6E6A8-FC45-4AFC-AAC2-664A3ECDE1DF}"/>
+              </a:ext>
+            </a:extLst>
+          </p:cNvPr>
+          <p:cNvCxnSpPr>
+            <a:cxnSpLocks/>
+            <a:stCxn id="26" idx="1"/>
+            <a:endCxn id="19" idx="3"/>
+          </p:cNvCxnSpPr>
+          <p:nvPr/>
+        </p:nvCxnSpPr>
+        <p:spPr>
+          <a:xfrm flipH="1">
+            <a:off x="4498013" y="5735879"/>
+            <a:ext cx="1952562" cy="0"/>
+          </a:xfrm>
+          <a:prstGeom prst="straightConnector1">
+            <a:avLst/>
+          </a:prstGeom>
+          <a:ln w="38100">
+            <a:solidFill>
+              <a:srgbClr val="A51258"/>
+            </a:solidFill>
+            <a:tailEnd type="triangle"/>
+          </a:ln>
+          <a:effectLst>
+            <a:glow rad="50800">
+              <a:schemeClr val="tx1"/>
+            </a:glow>
+          </a:effectLst>
+        </p:spPr>
+        <p:style>
+          <a:lnRef idx="1">
+            <a:schemeClr val="accent1"/>
+          </a:lnRef>
+          <a:fillRef idx="0">
+            <a:schemeClr val="accent1"/>
+          </a:fillRef>
+          <a:effectRef idx="0">
+            <a:schemeClr val="accent1"/>
+          </a:effectRef>
+          <a:fontRef idx="minor">
+            <a:schemeClr val="tx1"/>
+          </a:fontRef>
+        </p:style>
+      </p:cxnSp>
+      <p:sp>
+        <p:nvSpPr>
+          <p:cNvPr id="34" name="Rectangle 33">
+            <a:extLst>
+              <a:ext uri="{FF2B5EF4-FFF2-40B4-BE49-F238E27FC236}">
+                <a16:creationId xmlns:a16="http://schemas.microsoft.com/office/drawing/2014/main" id="{FE8A38AC-578F-4101-BB2A-5429A32B752B}"/>
+              </a:ext>
+            </a:extLst>
+          </p:cNvPr>
+          <p:cNvSpPr/>
+          <p:nvPr/>
+        </p:nvSpPr>
+        <p:spPr>
+          <a:xfrm>
+            <a:off x="367308" y="2922939"/>
+            <a:ext cx="1850002" cy="752399"/>
+          </a:xfrm>
+          <a:prstGeom prst="rect">
+            <a:avLst/>
+          </a:prstGeom>
+          <a:noFill/>
+          <a:ln w="28575">
+            <a:solidFill>
+              <a:srgbClr val="A51258"/>
+            </a:solidFill>
+          </a:ln>
+          <a:effectLst>
+            <a:glow rad="50800">
+              <a:schemeClr val="tx1"/>
+            </a:glow>
+          </a:effectLst>
+        </p:spPr>
+        <p:style>
+          <a:lnRef idx="2">
+            <a:schemeClr val="accent1">
+              <a:shade val="50000"/>
+            </a:schemeClr>
+          </a:lnRef>
+          <a:fillRef idx="1">
+            <a:schemeClr val="accent1"/>
+          </a:fillRef>
+          <a:effectRef idx="0">
+            <a:schemeClr val="accent1"/>
+          </a:effectRef>
+          <a:fontRef idx="minor">
+            <a:schemeClr val="lt1"/>
+          </a:fontRef>
+        </p:style>
+        <p:txBody>
+          <a:bodyPr rtlCol="0" anchor="ctr"/>
+          <a:lstStyle/>
+          <a:p>
+            <a:pPr algn="ctr"/>
+            <a:r>
+              <a:rPr lang="fr-FR" sz="1200" dirty="0">
+                <a:solidFill>
+                  <a:srgbClr val="A51258"/>
+                </a:solidFill>
+              </a:rPr>
+              <a:t>Facilite </a:t>
+            </a:r>
+            <a:r>
+              <a:rPr lang="fr-FR" sz="1200" dirty="0">
+                <a:solidFill>
+                  <a:schemeClr val="tx1"/>
+                </a:solidFill>
+              </a:rPr>
+              <a:t>l’utilisation des les lecteurs RFID</a:t>
+            </a:r>
+          </a:p>
+        </p:txBody>
+      </p:sp>
+      <p:cxnSp>
+        <p:nvCxnSpPr>
+          <p:cNvPr id="35" name="Connecteur droit avec flèche 34">
+            <a:extLst>
+              <a:ext uri="{FF2B5EF4-FFF2-40B4-BE49-F238E27FC236}">
+                <a16:creationId xmlns:a16="http://schemas.microsoft.com/office/drawing/2014/main" id="{B5957FC1-7DE0-4701-AB56-118B48A89468}"/>
+              </a:ext>
+            </a:extLst>
+          </p:cNvPr>
+          <p:cNvCxnSpPr>
+            <a:cxnSpLocks/>
+            <a:stCxn id="5" idx="2"/>
+            <a:endCxn id="34" idx="0"/>
+          </p:cNvCxnSpPr>
+          <p:nvPr/>
+        </p:nvCxnSpPr>
+        <p:spPr>
+          <a:xfrm>
+            <a:off x="1292309" y="1874520"/>
+            <a:ext cx="0" cy="1048419"/>
+          </a:xfrm>
+          <a:prstGeom prst="straightConnector1">
+            <a:avLst/>
+          </a:prstGeom>
+          <a:ln w="38100">
+            <a:solidFill>
+              <a:srgbClr val="A51258"/>
+            </a:solidFill>
+            <a:tailEnd type="triangle"/>
+          </a:ln>
+          <a:effectLst>
+            <a:glow rad="50800">
+              <a:schemeClr val="tx1"/>
+            </a:glow>
+          </a:effectLst>
+        </p:spPr>
+        <p:style>
+          <a:lnRef idx="1">
+            <a:schemeClr val="accent1"/>
+          </a:lnRef>
+          <a:fillRef idx="0">
+            <a:schemeClr val="accent1"/>
+          </a:fillRef>
+          <a:effectRef idx="0">
+            <a:schemeClr val="accent1"/>
+          </a:effectRef>
+          <a:fontRef idx="minor">
+            <a:schemeClr val="tx1"/>
+          </a:fontRef>
+        </p:style>
+      </p:cxnSp>
+      <p:cxnSp>
+        <p:nvCxnSpPr>
+          <p:cNvPr id="38" name="Connecteur droit avec flèche 37">
+            <a:extLst>
+              <a:ext uri="{FF2B5EF4-FFF2-40B4-BE49-F238E27FC236}">
+                <a16:creationId xmlns:a16="http://schemas.microsoft.com/office/drawing/2014/main" id="{85E766C0-203C-4472-B192-909211381607}"/>
+              </a:ext>
+            </a:extLst>
+          </p:cNvPr>
+          <p:cNvCxnSpPr>
+            <a:cxnSpLocks/>
+          </p:cNvCxnSpPr>
+          <p:nvPr/>
+        </p:nvCxnSpPr>
+        <p:spPr>
+          <a:xfrm>
+            <a:off x="2217310" y="3424390"/>
+            <a:ext cx="4233265" cy="1935289"/>
+          </a:xfrm>
+          <a:prstGeom prst="straightConnector1">
+            <a:avLst/>
+          </a:prstGeom>
+          <a:ln w="38100">
+            <a:solidFill>
+              <a:srgbClr val="A51258"/>
+            </a:solidFill>
+            <a:tailEnd type="triangle"/>
+          </a:ln>
+          <a:effectLst>
+            <a:glow rad="50800">
+              <a:schemeClr val="tx1"/>
+            </a:glow>
+          </a:effectLst>
+        </p:spPr>
+        <p:style>
+          <a:lnRef idx="1">
+            <a:schemeClr val="accent1"/>
+          </a:lnRef>
+          <a:fillRef idx="0">
+            <a:schemeClr val="accent1"/>
+          </a:fillRef>
+          <a:effectRef idx="0">
+            <a:schemeClr val="accent1"/>
+          </a:effectRef>
+          <a:fontRef idx="minor">
+            <a:schemeClr val="tx1"/>
+          </a:fontRef>
+        </p:style>
+      </p:cxnSp>
     </p:spTree>
     <p:extLst>
       <p:ext uri="{BB962C8B-B14F-4D97-AF65-F5344CB8AC3E}">

--- a/Guillaume/Documents/Diapo Revues/Revue 2 de projet étudiant 1 Escape Game Téléthon.pptx
+++ b/Guillaume/Documents/Diapo Revues/Revue 2 de projet étudiant 1 Escape Game Téléthon.pptx
@@ -12,14 +12,15 @@
     <p:sldId id="262" r:id="rId6"/>
     <p:sldId id="267" r:id="rId7"/>
     <p:sldId id="270" r:id="rId8"/>
-    <p:sldId id="269" r:id="rId9"/>
-    <p:sldId id="260" r:id="rId10"/>
-    <p:sldId id="265" r:id="rId11"/>
-    <p:sldId id="268" r:id="rId12"/>
-    <p:sldId id="266" r:id="rId13"/>
-    <p:sldId id="271" r:id="rId14"/>
-    <p:sldId id="272" r:id="rId15"/>
-    <p:sldId id="273" r:id="rId16"/>
+    <p:sldId id="273" r:id="rId9"/>
+    <p:sldId id="269" r:id="rId10"/>
+    <p:sldId id="260" r:id="rId11"/>
+    <p:sldId id="265" r:id="rId12"/>
+    <p:sldId id="268" r:id="rId13"/>
+    <p:sldId id="266" r:id="rId14"/>
+    <p:sldId id="274" r:id="rId15"/>
+    <p:sldId id="271" r:id="rId16"/>
+    <p:sldId id="272" r:id="rId17"/>
   </p:sldIdLst>
   <p:sldSz cx="12192000" cy="6858000"/>
   <p:notesSz cx="6858000" cy="9144000"/>
@@ -849,7 +850,7 @@
             <a:fld id="{B61BEF0D-F0BB-DE4B-95CE-6DB70DBA9567}" type="datetimeFigureOut">
               <a:rPr lang="en-US" dirty="0"/>
               <a:pPr/>
-              <a:t>3/10/2020</a:t>
+              <a:t>3/11/2020</a:t>
             </a:fld>
             <a:endParaRPr lang="en-US" dirty="0"/>
           </a:p>
@@ -1097,7 +1098,7 @@
             <a:fld id="{B61BEF0D-F0BB-DE4B-95CE-6DB70DBA9567}" type="datetimeFigureOut">
               <a:rPr lang="en-US" dirty="0"/>
               <a:pPr/>
-              <a:t>3/10/2020</a:t>
+              <a:t>3/11/2020</a:t>
             </a:fld>
             <a:endParaRPr lang="en-US" dirty="0"/>
           </a:p>
@@ -1408,7 +1409,7 @@
             <a:fld id="{B61BEF0D-F0BB-DE4B-95CE-6DB70DBA9567}" type="datetimeFigureOut">
               <a:rPr lang="en-US" dirty="0"/>
               <a:pPr/>
-              <a:t>3/10/2020</a:t>
+              <a:t>3/11/2020</a:t>
             </a:fld>
             <a:endParaRPr lang="en-US" dirty="0"/>
           </a:p>
@@ -1746,7 +1747,7 @@
             <a:fld id="{B61BEF0D-F0BB-DE4B-95CE-6DB70DBA9567}" type="datetimeFigureOut">
               <a:rPr lang="en-US" dirty="0"/>
               <a:pPr/>
-              <a:t>3/10/2020</a:t>
+              <a:t>3/11/2020</a:t>
             </a:fld>
             <a:endParaRPr lang="en-US" dirty="0"/>
           </a:p>
@@ -2057,7 +2058,7 @@
             <a:fld id="{B61BEF0D-F0BB-DE4B-95CE-6DB70DBA9567}" type="datetimeFigureOut">
               <a:rPr lang="en-US" dirty="0"/>
               <a:pPr/>
-              <a:t>3/10/2020</a:t>
+              <a:t>3/11/2020</a:t>
             </a:fld>
             <a:endParaRPr lang="en-US" dirty="0"/>
           </a:p>
@@ -2447,7 +2448,7 @@
             <a:fld id="{B61BEF0D-F0BB-DE4B-95CE-6DB70DBA9567}" type="datetimeFigureOut">
               <a:rPr lang="en-US" dirty="0"/>
               <a:pPr/>
-              <a:t>3/10/2020</a:t>
+              <a:t>3/11/2020</a:t>
             </a:fld>
             <a:endParaRPr lang="en-US" dirty="0"/>
           </a:p>
@@ -2613,7 +2614,7 @@
           <a:p>
             <a:fld id="{55C6B4A9-1611-4792-9094-5F34BCA07E0B}" type="datetimeFigureOut">
               <a:rPr lang="en-US" dirty="0"/>
-              <a:t>3/10/2020</a:t>
+              <a:t>3/11/2020</a:t>
             </a:fld>
             <a:endParaRPr lang="en-US" dirty="0"/>
           </a:p>
@@ -2789,7 +2790,7 @@
             <a:fld id="{B61BEF0D-F0BB-DE4B-95CE-6DB70DBA9567}" type="datetimeFigureOut">
               <a:rPr lang="en-US" dirty="0"/>
               <a:pPr/>
-              <a:t>3/10/2020</a:t>
+              <a:t>3/11/2020</a:t>
             </a:fld>
             <a:endParaRPr lang="en-US" dirty="0"/>
           </a:p>
@@ -2962,7 +2963,7 @@
             <a:fld id="{B61BEF0D-F0BB-DE4B-95CE-6DB70DBA9567}" type="datetimeFigureOut">
               <a:rPr lang="en-US" dirty="0"/>
               <a:pPr/>
-              <a:t>3/10/2020</a:t>
+              <a:t>3/11/2020</a:t>
             </a:fld>
             <a:endParaRPr lang="en-US" dirty="0"/>
           </a:p>
@@ -3206,7 +3207,7 @@
             <a:fld id="{B61BEF0D-F0BB-DE4B-95CE-6DB70DBA9567}" type="datetimeFigureOut">
               <a:rPr lang="en-US" dirty="0"/>
               <a:pPr/>
-              <a:t>3/10/2020</a:t>
+              <a:t>3/11/2020</a:t>
             </a:fld>
             <a:endParaRPr lang="en-US" dirty="0"/>
           </a:p>
@@ -3434,7 +3435,7 @@
           <a:p>
             <a:fld id="{EB712588-04B1-427B-82EE-E8DB90309F08}" type="datetimeFigureOut">
               <a:rPr lang="en-US" dirty="0"/>
-              <a:t>3/10/2020</a:t>
+              <a:t>3/11/2020</a:t>
             </a:fld>
             <a:endParaRPr lang="en-US" dirty="0"/>
           </a:p>
@@ -3804,7 +3805,7 @@
             <a:fld id="{B61BEF0D-F0BB-DE4B-95CE-6DB70DBA9567}" type="datetimeFigureOut">
               <a:rPr lang="en-US" dirty="0"/>
               <a:pPr/>
-              <a:t>3/10/2020</a:t>
+              <a:t>3/11/2020</a:t>
             </a:fld>
             <a:endParaRPr lang="en-US" dirty="0"/>
           </a:p>
@@ -3924,7 +3925,7 @@
             <a:fld id="{B61BEF0D-F0BB-DE4B-95CE-6DB70DBA9567}" type="datetimeFigureOut">
               <a:rPr lang="en-US" dirty="0"/>
               <a:pPr/>
-              <a:t>3/10/2020</a:t>
+              <a:t>3/11/2020</a:t>
             </a:fld>
             <a:endParaRPr lang="en-US" dirty="0"/>
           </a:p>
@@ -4016,7 +4017,7 @@
             <a:fld id="{B61BEF0D-F0BB-DE4B-95CE-6DB70DBA9567}" type="datetimeFigureOut">
               <a:rPr lang="en-US" dirty="0"/>
               <a:pPr/>
-              <a:t>3/10/2020</a:t>
+              <a:t>3/11/2020</a:t>
             </a:fld>
             <a:endParaRPr lang="en-US" dirty="0"/>
           </a:p>
@@ -4267,7 +4268,7 @@
           <a:p>
             <a:fld id="{42A54C80-263E-416B-A8E0-580EDEADCBDC}" type="datetimeFigureOut">
               <a:rPr lang="en-US" dirty="0"/>
-              <a:t>3/10/2020</a:t>
+              <a:t>3/11/2020</a:t>
             </a:fld>
             <a:endParaRPr lang="en-US" dirty="0"/>
           </a:p>
@@ -4526,7 +4527,7 @@
             <a:fld id="{B61BEF0D-F0BB-DE4B-95CE-6DB70DBA9567}" type="datetimeFigureOut">
               <a:rPr lang="en-US" dirty="0"/>
               <a:pPr/>
-              <a:t>3/10/2020</a:t>
+              <a:t>3/11/2020</a:t>
             </a:fld>
             <a:endParaRPr lang="en-US" dirty="0"/>
           </a:p>
@@ -5266,7 +5267,7 @@
             <a:fld id="{B61BEF0D-F0BB-DE4B-95CE-6DB70DBA9567}" type="datetimeFigureOut">
               <a:rPr lang="en-US" dirty="0"/>
               <a:pPr/>
-              <a:t>3/10/2020</a:t>
+              <a:t>3/11/2020</a:t>
             </a:fld>
             <a:endParaRPr lang="en-US" dirty="0"/>
           </a:p>
@@ -8128,8 +8129,8 @@
         </p:nvSpPr>
         <p:spPr>
           <a:xfrm>
-            <a:off x="-301752" y="2554862"/>
-            <a:ext cx="3758184" cy="646331"/>
+            <a:off x="2587752" y="143435"/>
+            <a:ext cx="6437376" cy="646331"/>
           </a:xfrm>
           <a:prstGeom prst="rect">
             <a:avLst/>
@@ -8144,7 +8145,7 @@
           <a:p>
             <a:pPr algn="ctr"/>
             <a:r>
-              <a:rPr lang="fr-FR" sz="2000" b="1" dirty="0">
+              <a:rPr lang="fr-FR" sz="3600" b="1" dirty="0">
                 <a:effectLst>
                   <a:outerShdw blurRad="38100" dist="38100" dir="2700000" algn="tl">
                     <a:srgbClr val="000000">
@@ -8154,15 +8155,12 @@
                 </a:effectLst>
                 <a:latin typeface="Eras Medium ITC" panose="020B0602030504020804" pitchFamily="34" charset="0"/>
               </a:rPr>
-              <a:t>Diagramme de séquence :</a:t>
-            </a:r>
-          </a:p>
-          <a:p>
-            <a:pPr algn="ctr"/>
-            <a:r>
-              <a:rPr lang="fr-FR" sz="1600" b="1" dirty="0">
+              <a:t>Diagramme de cas </a:t>
+            </a:r>
+            <a:r>
+              <a:rPr lang="fr-FR" sz="3600" b="1" dirty="0">
                 <a:solidFill>
-                  <a:srgbClr val="A51258"/>
+                  <a:srgbClr val="A31257"/>
                 </a:solidFill>
                 <a:effectLst>
                   <a:outerShdw blurRad="38100" dist="38100" dir="2700000" algn="tl">
@@ -8173,13 +8171,10 @@
                 </a:effectLst>
                 <a:latin typeface="Eras Medium ITC" panose="020B0602030504020804" pitchFamily="34" charset="0"/>
               </a:rPr>
-              <a:t>Système sous </a:t>
-            </a:r>
-            <a:r>
-              <a:rPr lang="fr-FR" sz="1600" b="1" dirty="0" err="1">
-                <a:solidFill>
-                  <a:srgbClr val="A51258"/>
-                </a:solidFill>
+              <a:t>d’utilisation</a:t>
+            </a:r>
+            <a:r>
+              <a:rPr lang="fr-FR" sz="3600" b="1" dirty="0">
                 <a:effectLst>
                   <a:outerShdw blurRad="38100" dist="38100" dir="2700000" algn="tl">
                     <a:srgbClr val="000000">
@@ -8189,27 +8184,40 @@
                 </a:effectLst>
                 <a:latin typeface="Eras Medium ITC" panose="020B0602030504020804" pitchFamily="34" charset="0"/>
               </a:rPr>
-              <a:t>raspberry</a:t>
-            </a:r>
-            <a:r>
-              <a:rPr lang="fr-FR" sz="1600" b="1" dirty="0">
-                <a:solidFill>
-                  <a:srgbClr val="A51258"/>
-                </a:solidFill>
-                <a:effectLst>
-                  <a:outerShdw blurRad="38100" dist="38100" dir="2700000" algn="tl">
-                    <a:srgbClr val="000000">
-                      <a:alpha val="43137"/>
-                    </a:srgbClr>
-                  </a:outerShdw>
-                </a:effectLst>
-                <a:latin typeface="Eras Medium ITC" panose="020B0602030504020804" pitchFamily="34" charset="0"/>
-              </a:rPr>
-              <a:t>, partie 1 </a:t>
-            </a:r>
-          </a:p>
-        </p:txBody>
-      </p:sp>
+              <a:t>  </a:t>
+            </a:r>
+          </a:p>
+        </p:txBody>
+      </p:sp>
+      <p:pic>
+        <p:nvPicPr>
+          <p:cNvPr id="5" name="Image 4" descr="Une image contenant texte, carte, capture d’écran&#10;&#10;Description générée automatiquement">
+            <a:extLst>
+              <a:ext uri="{FF2B5EF4-FFF2-40B4-BE49-F238E27FC236}">
+                <a16:creationId xmlns:a16="http://schemas.microsoft.com/office/drawing/2014/main" id="{F3CC10DC-37D4-43BE-BB94-2AA6BA44EF0A}"/>
+              </a:ext>
+            </a:extLst>
+          </p:cNvPr>
+          <p:cNvPicPr>
+            <a:picLocks noChangeAspect="1"/>
+          </p:cNvPicPr>
+          <p:nvPr/>
+        </p:nvPicPr>
+        <p:blipFill rotWithShape="1">
+          <a:blip r:embed="rId3"/>
+          <a:srcRect l="1206" t="3761" r="2523" b="2393"/>
+          <a:stretch/>
+        </p:blipFill>
+        <p:spPr>
+          <a:xfrm>
+            <a:off x="2796424" y="1022694"/>
+            <a:ext cx="4798345" cy="5405538"/>
+          </a:xfrm>
+          <a:prstGeom prst="rect">
+            <a:avLst/>
+          </a:prstGeom>
+        </p:spPr>
+      </p:pic>
       <p:sp>
         <p:nvSpPr>
           <p:cNvPr id="6" name="Organigramme : Terminateur 5">
@@ -8778,39 +8786,10 @@
           </a:p>
         </p:txBody>
       </p:sp>
-      <p:pic>
-        <p:nvPicPr>
-          <p:cNvPr id="4" name="Image 3">
-            <a:extLst>
-              <a:ext uri="{FF2B5EF4-FFF2-40B4-BE49-F238E27FC236}">
-                <a16:creationId xmlns:a16="http://schemas.microsoft.com/office/drawing/2014/main" id="{F6F50CF8-8F97-49CE-8AC9-109901FFB29C}"/>
-              </a:ext>
-            </a:extLst>
-          </p:cNvPr>
-          <p:cNvPicPr>
-            <a:picLocks noChangeAspect="1"/>
-          </p:cNvPicPr>
-          <p:nvPr/>
-        </p:nvPicPr>
-        <p:blipFill rotWithShape="1">
-          <a:blip r:embed="rId3"/>
-          <a:srcRect r="35426" b="36133"/>
-          <a:stretch/>
-        </p:blipFill>
-        <p:spPr>
-          <a:xfrm>
-            <a:off x="3513019" y="0"/>
-            <a:ext cx="5223127" cy="6858000"/>
-          </a:xfrm>
-          <a:prstGeom prst="rect">
-            <a:avLst/>
-          </a:prstGeom>
-        </p:spPr>
-      </p:pic>
     </p:spTree>
     <p:extLst>
       <p:ext uri="{BB962C8B-B14F-4D97-AF65-F5344CB8AC3E}">
-        <p14:creationId xmlns:p14="http://schemas.microsoft.com/office/powerpoint/2010/main" val="1939906211"/>
+        <p14:creationId xmlns:p14="http://schemas.microsoft.com/office/powerpoint/2010/main" val="1377170629"/>
       </p:ext>
     </p:extLst>
   </p:cSld>
@@ -8908,7 +8887,7 @@
         </p:nvSpPr>
         <p:spPr>
           <a:xfrm>
-            <a:off x="3704463" y="309052"/>
+            <a:off x="-301752" y="2554862"/>
             <a:ext cx="3758184" cy="646331"/>
           </a:xfrm>
           <a:prstGeom prst="rect">
@@ -8985,7 +8964,7 @@
                 </a:effectLst>
                 <a:latin typeface="Eras Medium ITC" panose="020B0602030504020804" pitchFamily="34" charset="0"/>
               </a:rPr>
-              <a:t>, partie 2 </a:t>
+              <a:t>, partie 1 </a:t>
             </a:r>
           </a:p>
         </p:txBody>
@@ -9574,13 +9553,13 @@
         </p:nvPicPr>
         <p:blipFill rotWithShape="1">
           <a:blip r:embed="rId3"/>
-          <a:srcRect t="63122" r="7042" b="1467"/>
+          <a:srcRect r="35426" b="36133"/>
           <a:stretch/>
         </p:blipFill>
         <p:spPr>
           <a:xfrm>
-            <a:off x="751403" y="1600200"/>
-            <a:ext cx="8968354" cy="4535424"/>
+            <a:off x="3513019" y="0"/>
+            <a:ext cx="5223127" cy="6858000"/>
           </a:xfrm>
           <a:prstGeom prst="rect">
             <a:avLst/>
@@ -9590,7 +9569,7 @@
     </p:spTree>
     <p:extLst>
       <p:ext uri="{BB962C8B-B14F-4D97-AF65-F5344CB8AC3E}">
-        <p14:creationId xmlns:p14="http://schemas.microsoft.com/office/powerpoint/2010/main" val="673851662"/>
+        <p14:creationId xmlns:p14="http://schemas.microsoft.com/office/powerpoint/2010/main" val="1939906211"/>
       </p:ext>
     </p:extLst>
   </p:cSld>
@@ -9688,8 +9667,8 @@
         </p:nvSpPr>
         <p:spPr>
           <a:xfrm>
-            <a:off x="2587752" y="143435"/>
-            <a:ext cx="6437376" cy="1077218"/>
+            <a:off x="3704463" y="309052"/>
+            <a:ext cx="3758184" cy="646331"/>
           </a:xfrm>
           <a:prstGeom prst="rect">
             <a:avLst/>
@@ -9704,7 +9683,7 @@
           <a:p>
             <a:pPr algn="ctr"/>
             <a:r>
-              <a:rPr lang="fr-FR" sz="3600" b="1" dirty="0">
+              <a:rPr lang="fr-FR" sz="2000" b="1" dirty="0">
                 <a:effectLst>
                   <a:outerShdw blurRad="38100" dist="38100" dir="2700000" algn="tl">
                     <a:srgbClr val="000000">
@@ -9720,7 +9699,7 @@
           <a:p>
             <a:pPr algn="ctr"/>
             <a:r>
-              <a:rPr lang="fr-FR" sz="2800" b="1" dirty="0">
+              <a:rPr lang="fr-FR" sz="1600" b="1" dirty="0">
                 <a:solidFill>
                   <a:srgbClr val="A51258"/>
                 </a:solidFill>
@@ -9733,7 +9712,39 @@
                 </a:effectLst>
                 <a:latin typeface="Eras Medium ITC" panose="020B0602030504020804" pitchFamily="34" charset="0"/>
               </a:rPr>
-              <a:t>Serveur socket</a:t>
+              <a:t>Système sous </a:t>
+            </a:r>
+            <a:r>
+              <a:rPr lang="fr-FR" sz="1600" b="1" dirty="0" err="1">
+                <a:solidFill>
+                  <a:srgbClr val="A51258"/>
+                </a:solidFill>
+                <a:effectLst>
+                  <a:outerShdw blurRad="38100" dist="38100" dir="2700000" algn="tl">
+                    <a:srgbClr val="000000">
+                      <a:alpha val="43137"/>
+                    </a:srgbClr>
+                  </a:outerShdw>
+                </a:effectLst>
+                <a:latin typeface="Eras Medium ITC" panose="020B0602030504020804" pitchFamily="34" charset="0"/>
+              </a:rPr>
+              <a:t>raspberry</a:t>
+            </a:r>
+            <a:r>
+              <a:rPr lang="fr-FR" sz="1600" b="1" dirty="0">
+                <a:solidFill>
+                  <a:srgbClr val="A51258"/>
+                </a:solidFill>
+                <a:effectLst>
+                  <a:outerShdw blurRad="38100" dist="38100" dir="2700000" algn="tl">
+                    <a:srgbClr val="000000">
+                      <a:alpha val="43137"/>
+                    </a:srgbClr>
+                  </a:outerShdw>
+                </a:effectLst>
+                <a:latin typeface="Eras Medium ITC" panose="020B0602030504020804" pitchFamily="34" charset="0"/>
+              </a:rPr>
+              <a:t>, partie 2 </a:t>
             </a:r>
           </a:p>
         </p:txBody>
@@ -10308,10 +10319,10 @@
       </p:sp>
       <p:pic>
         <p:nvPicPr>
-          <p:cNvPr id="4" name="Image 3" descr="Une image contenant capture d’écran&#10;&#10;Description générée automatiquement">
-            <a:extLst>
-              <a:ext uri="{FF2B5EF4-FFF2-40B4-BE49-F238E27FC236}">
-                <a16:creationId xmlns:a16="http://schemas.microsoft.com/office/drawing/2014/main" id="{54B866ED-4CFF-44BC-9BA8-DD16A9967414}"/>
+          <p:cNvPr id="4" name="Image 3">
+            <a:extLst>
+              <a:ext uri="{FF2B5EF4-FFF2-40B4-BE49-F238E27FC236}">
+                <a16:creationId xmlns:a16="http://schemas.microsoft.com/office/drawing/2014/main" id="{F6F50CF8-8F97-49CE-8AC9-109901FFB29C}"/>
               </a:ext>
             </a:extLst>
           </p:cNvPr>
@@ -10322,13 +10333,13 @@
         </p:nvPicPr>
         <p:blipFill rotWithShape="1">
           <a:blip r:embed="rId3"/>
-          <a:srcRect l="-781" t="593" r="47706" b="14900"/>
+          <a:srcRect t="63122" r="7042" b="1467"/>
           <a:stretch/>
         </p:blipFill>
         <p:spPr>
           <a:xfrm>
-            <a:off x="1919294" y="1220653"/>
-            <a:ext cx="5615362" cy="5659756"/>
+            <a:off x="751403" y="1600200"/>
+            <a:ext cx="8968354" cy="4535424"/>
           </a:xfrm>
           <a:prstGeom prst="rect">
             <a:avLst/>
@@ -10338,7 +10349,7 @@
     </p:spTree>
     <p:extLst>
       <p:ext uri="{BB962C8B-B14F-4D97-AF65-F5344CB8AC3E}">
-        <p14:creationId xmlns:p14="http://schemas.microsoft.com/office/powerpoint/2010/main" val="793625063"/>
+        <p14:creationId xmlns:p14="http://schemas.microsoft.com/office/powerpoint/2010/main" val="673851662"/>
       </p:ext>
     </p:extLst>
   </p:cSld>
@@ -10424,10 +10435,10 @@
       </p:pic>
       <p:sp>
         <p:nvSpPr>
-          <p:cNvPr id="3" name="ZoneTexte 2">
-            <a:extLst>
-              <a:ext uri="{FF2B5EF4-FFF2-40B4-BE49-F238E27FC236}">
-                <a16:creationId xmlns:a16="http://schemas.microsoft.com/office/drawing/2014/main" id="{1582123C-25BF-42F1-97F8-35FFB48DFFAA}"/>
+          <p:cNvPr id="2" name="ZoneTexte 1">
+            <a:extLst>
+              <a:ext uri="{FF2B5EF4-FFF2-40B4-BE49-F238E27FC236}">
+                <a16:creationId xmlns:a16="http://schemas.microsoft.com/office/drawing/2014/main" id="{144597CC-5B36-42C7-952E-C2CE1E34CACD}"/>
               </a:ext>
             </a:extLst>
           </p:cNvPr>
@@ -10436,43 +10447,13 @@
         </p:nvSpPr>
         <p:spPr>
           <a:xfrm>
-            <a:off x="2497873" y="143435"/>
-            <a:ext cx="6188927" cy="1138773"/>
+            <a:off x="2587752" y="143435"/>
+            <a:ext cx="6437376" cy="1077218"/>
           </a:xfrm>
           <a:prstGeom prst="rect">
             <a:avLst/>
           </a:prstGeom>
           <a:noFill/>
-          <a:ln>
-            <a:noFill/>
-          </a:ln>
-          <a:effectLst>
-            <a:glow rad="63500">
-              <a:schemeClr val="accent4">
-                <a:satMod val="175000"/>
-                <a:alpha val="40000"/>
-              </a:schemeClr>
-            </a:glow>
-            <a:outerShdw blurRad="50800" dist="38100" dir="5400000" algn="t" rotWithShape="0">
-              <a:prstClr val="black">
-                <a:alpha val="40000"/>
-              </a:prstClr>
-            </a:outerShdw>
-          </a:effectLst>
-          <a:scene3d>
-            <a:camera prst="orthographicFront">
-              <a:rot lat="0" lon="0" rev="0"/>
-            </a:camera>
-            <a:lightRig rig="soft" dir="t">
-              <a:rot lat="0" lon="0" rev="0"/>
-            </a:lightRig>
-          </a:scene3d>
-          <a:sp3d contourW="44450" prstMaterial="matte">
-            <a:bevelT w="63500" h="63500" prst="artDeco"/>
-            <a:contourClr>
-              <a:srgbClr val="FFFFFF"/>
-            </a:contourClr>
-          </a:sp3d>
         </p:spPr>
         <p:txBody>
           <a:bodyPr wrap="square" rtlCol="0">
@@ -10483,34 +10464,613 @@
             <a:pPr algn="ctr"/>
             <a:r>
               <a:rPr lang="fr-FR" sz="3600" b="1" dirty="0">
+                <a:effectLst>
+                  <a:outerShdw blurRad="38100" dist="38100" dir="2700000" algn="tl">
+                    <a:srgbClr val="000000">
+                      <a:alpha val="43137"/>
+                    </a:srgbClr>
+                  </a:outerShdw>
+                </a:effectLst>
                 <a:latin typeface="Eras Medium ITC" panose="020B0602030504020804" pitchFamily="34" charset="0"/>
               </a:rPr>
-              <a:t>Planification Gantt           </a:t>
-            </a:r>
-            <a:r>
-              <a:rPr lang="fr-FR" sz="3200" b="1" dirty="0">
+              <a:t>Diagramme de séquence :</a:t>
+            </a:r>
+          </a:p>
+          <a:p>
+            <a:pPr algn="ctr"/>
+            <a:r>
+              <a:rPr lang="fr-FR" sz="2800" b="1" dirty="0">
                 <a:solidFill>
-                  <a:srgbClr val="A41258"/>
+                  <a:srgbClr val="A51258"/>
                 </a:solidFill>
+                <a:effectLst>
+                  <a:outerShdw blurRad="38100" dist="38100" dir="2700000" algn="tl">
+                    <a:srgbClr val="000000">
+                      <a:alpha val="43137"/>
+                    </a:srgbClr>
+                  </a:outerShdw>
+                </a:effectLst>
                 <a:latin typeface="Eras Medium ITC" panose="020B0602030504020804" pitchFamily="34" charset="0"/>
               </a:rPr>
-              <a:t>Partie commune </a:t>
-            </a:r>
-            <a:r>
-              <a:rPr lang="fr-FR" sz="3200" b="1" dirty="0">
+              <a:t>Serveur socket</a:t>
+            </a:r>
+          </a:p>
+        </p:txBody>
+      </p:sp>
+      <p:sp>
+        <p:nvSpPr>
+          <p:cNvPr id="6" name="Organigramme : Terminateur 5">
+            <a:extLst>
+              <a:ext uri="{FF2B5EF4-FFF2-40B4-BE49-F238E27FC236}">
+                <a16:creationId xmlns:a16="http://schemas.microsoft.com/office/drawing/2014/main" id="{D0388349-375C-432D-95E5-4335229F72C4}"/>
+              </a:ext>
+            </a:extLst>
+          </p:cNvPr>
+          <p:cNvSpPr/>
+          <p:nvPr/>
+        </p:nvSpPr>
+        <p:spPr>
+          <a:xfrm>
+            <a:off x="11405115" y="1514475"/>
+            <a:ext cx="358260" cy="85725"/>
+          </a:xfrm>
+          <a:prstGeom prst="flowChartTerminator">
+            <a:avLst/>
+          </a:prstGeom>
+          <a:solidFill>
+            <a:srgbClr val="A8135A"/>
+          </a:solidFill>
+          <a:ln>
+            <a:solidFill>
+              <a:schemeClr val="bg1"/>
+            </a:solidFill>
+          </a:ln>
+        </p:spPr>
+        <p:style>
+          <a:lnRef idx="2">
+            <a:schemeClr val="accent1">
+              <a:shade val="50000"/>
+            </a:schemeClr>
+          </a:lnRef>
+          <a:fillRef idx="1">
+            <a:schemeClr val="accent1"/>
+          </a:fillRef>
+          <a:effectRef idx="0">
+            <a:schemeClr val="accent1"/>
+          </a:effectRef>
+          <a:fontRef idx="minor">
+            <a:schemeClr val="lt1"/>
+          </a:fontRef>
+        </p:style>
+        <p:txBody>
+          <a:bodyPr rtlCol="0" anchor="ctr"/>
+          <a:lstStyle/>
+          <a:p>
+            <a:pPr algn="ctr"/>
+            <a:endParaRPr lang="fr-FR"/>
+          </a:p>
+        </p:txBody>
+      </p:sp>
+      <p:sp>
+        <p:nvSpPr>
+          <p:cNvPr id="7" name="Rectangle 6">
+            <a:extLst>
+              <a:ext uri="{FF2B5EF4-FFF2-40B4-BE49-F238E27FC236}">
+                <a16:creationId xmlns:a16="http://schemas.microsoft.com/office/drawing/2014/main" id="{7965C92B-62A3-4F91-80E9-84A7357D8ED7}"/>
+              </a:ext>
+            </a:extLst>
+          </p:cNvPr>
+          <p:cNvSpPr/>
+          <p:nvPr/>
+        </p:nvSpPr>
+        <p:spPr>
+          <a:xfrm>
+            <a:off x="11658600" y="753035"/>
+            <a:ext cx="104775" cy="5614778"/>
+          </a:xfrm>
+          <a:prstGeom prst="rect">
+            <a:avLst/>
+          </a:prstGeom>
+          <a:solidFill>
+            <a:schemeClr val="bg1"/>
+          </a:solidFill>
+          <a:ln>
+            <a:solidFill>
+              <a:schemeClr val="bg1"/>
+            </a:solidFill>
+          </a:ln>
+        </p:spPr>
+        <p:style>
+          <a:lnRef idx="2">
+            <a:schemeClr val="accent1">
+              <a:shade val="50000"/>
+            </a:schemeClr>
+          </a:lnRef>
+          <a:fillRef idx="1">
+            <a:schemeClr val="accent1"/>
+          </a:fillRef>
+          <a:effectRef idx="0">
+            <a:schemeClr val="accent1"/>
+          </a:effectRef>
+          <a:fontRef idx="minor">
+            <a:schemeClr val="lt1"/>
+          </a:fontRef>
+        </p:style>
+        <p:txBody>
+          <a:bodyPr rtlCol="0" anchor="ctr"/>
+          <a:lstStyle/>
+          <a:p>
+            <a:pPr algn="ctr"/>
+            <a:endParaRPr lang="fr-FR"/>
+          </a:p>
+        </p:txBody>
+      </p:sp>
+      <p:sp>
+        <p:nvSpPr>
+          <p:cNvPr id="9" name="Ellipse 8">
+            <a:extLst>
+              <a:ext uri="{FF2B5EF4-FFF2-40B4-BE49-F238E27FC236}">
+                <a16:creationId xmlns:a16="http://schemas.microsoft.com/office/drawing/2014/main" id="{76D06B21-1630-4698-BFB5-5F24222D7239}"/>
+              </a:ext>
+            </a:extLst>
+          </p:cNvPr>
+          <p:cNvSpPr/>
+          <p:nvPr/>
+        </p:nvSpPr>
+        <p:spPr>
+          <a:xfrm>
+            <a:off x="11428928" y="5851700"/>
+            <a:ext cx="564118" cy="542925"/>
+          </a:xfrm>
+          <a:prstGeom prst="ellipse">
+            <a:avLst/>
+          </a:prstGeom>
+          <a:solidFill>
+            <a:schemeClr val="bg1"/>
+          </a:solidFill>
+          <a:ln>
+            <a:solidFill>
+              <a:schemeClr val="bg1"/>
+            </a:solidFill>
+          </a:ln>
+        </p:spPr>
+        <p:style>
+          <a:lnRef idx="2">
+            <a:schemeClr val="accent1">
+              <a:shade val="50000"/>
+            </a:schemeClr>
+          </a:lnRef>
+          <a:fillRef idx="1">
+            <a:schemeClr val="accent1"/>
+          </a:fillRef>
+          <a:effectRef idx="0">
+            <a:schemeClr val="accent1"/>
+          </a:effectRef>
+          <a:fontRef idx="minor">
+            <a:schemeClr val="lt1"/>
+          </a:fontRef>
+        </p:style>
+        <p:txBody>
+          <a:bodyPr rtlCol="0" anchor="ctr"/>
+          <a:lstStyle/>
+          <a:p>
+            <a:pPr algn="ctr"/>
+            <a:endParaRPr lang="fr-FR"/>
+          </a:p>
+        </p:txBody>
+      </p:sp>
+      <p:sp>
+        <p:nvSpPr>
+          <p:cNvPr id="10" name="Organigramme : Terminateur 9">
+            <a:extLst>
+              <a:ext uri="{FF2B5EF4-FFF2-40B4-BE49-F238E27FC236}">
+                <a16:creationId xmlns:a16="http://schemas.microsoft.com/office/drawing/2014/main" id="{CB8C87E6-B87B-4E15-81CC-6DBA23DB12CA}"/>
+              </a:ext>
+            </a:extLst>
+          </p:cNvPr>
+          <p:cNvSpPr/>
+          <p:nvPr/>
+        </p:nvSpPr>
+        <p:spPr>
+          <a:xfrm>
+            <a:off x="11405114" y="2347824"/>
+            <a:ext cx="358259" cy="85725"/>
+          </a:xfrm>
+          <a:prstGeom prst="flowChartTerminator">
+            <a:avLst/>
+          </a:prstGeom>
+          <a:solidFill>
+            <a:srgbClr val="A8135A"/>
+          </a:solidFill>
+          <a:ln>
+            <a:solidFill>
+              <a:schemeClr val="bg1"/>
+            </a:solidFill>
+          </a:ln>
+        </p:spPr>
+        <p:style>
+          <a:lnRef idx="2">
+            <a:schemeClr val="accent1">
+              <a:shade val="50000"/>
+            </a:schemeClr>
+          </a:lnRef>
+          <a:fillRef idx="1">
+            <a:schemeClr val="accent1"/>
+          </a:fillRef>
+          <a:effectRef idx="0">
+            <a:schemeClr val="accent1"/>
+          </a:effectRef>
+          <a:fontRef idx="minor">
+            <a:schemeClr val="lt1"/>
+          </a:fontRef>
+        </p:style>
+        <p:txBody>
+          <a:bodyPr rtlCol="0" anchor="ctr"/>
+          <a:lstStyle/>
+          <a:p>
+            <a:pPr algn="ctr"/>
+            <a:endParaRPr lang="fr-FR"/>
+          </a:p>
+        </p:txBody>
+      </p:sp>
+      <p:sp>
+        <p:nvSpPr>
+          <p:cNvPr id="11" name="ZoneTexte 10">
+            <a:extLst>
+              <a:ext uri="{FF2B5EF4-FFF2-40B4-BE49-F238E27FC236}">
+                <a16:creationId xmlns:a16="http://schemas.microsoft.com/office/drawing/2014/main" id="{470680A5-31CA-4A5F-A91F-7E3BEF289E7E}"/>
+              </a:ext>
+            </a:extLst>
+          </p:cNvPr>
+          <p:cNvSpPr txBox="1"/>
+          <p:nvPr/>
+        </p:nvSpPr>
+        <p:spPr>
+          <a:xfrm>
+            <a:off x="10299143" y="558449"/>
+            <a:ext cx="1129785" cy="461665"/>
+          </a:xfrm>
+          <a:prstGeom prst="rect">
+            <a:avLst/>
+          </a:prstGeom>
+          <a:noFill/>
+        </p:spPr>
+        <p:txBody>
+          <a:bodyPr wrap="square" rtlCol="0">
+            <a:spAutoFit/>
+          </a:bodyPr>
+          <a:lstStyle/>
+          <a:p>
+            <a:pPr algn="r"/>
+            <a:r>
+              <a:rPr lang="fr-FR" sz="1200" dirty="0">
                 <a:latin typeface="Eras Medium ITC" panose="020B0602030504020804" pitchFamily="34" charset="0"/>
               </a:rPr>
-              <a:t>:</a:t>
-            </a:r>
+              <a:t>Présentation du projet</a:t>
+            </a:r>
+          </a:p>
+        </p:txBody>
+      </p:sp>
+      <p:sp>
+        <p:nvSpPr>
+          <p:cNvPr id="12" name="ZoneTexte 11">
+            <a:extLst>
+              <a:ext uri="{FF2B5EF4-FFF2-40B4-BE49-F238E27FC236}">
+                <a16:creationId xmlns:a16="http://schemas.microsoft.com/office/drawing/2014/main" id="{118F324A-9355-4439-8D28-46B0B893CC58}"/>
+              </a:ext>
+            </a:extLst>
+          </p:cNvPr>
+          <p:cNvSpPr txBox="1"/>
+          <p:nvPr/>
+        </p:nvSpPr>
+        <p:spPr>
+          <a:xfrm>
+            <a:off x="10275329" y="1418837"/>
+            <a:ext cx="1129785" cy="276999"/>
+          </a:xfrm>
+          <a:prstGeom prst="rect">
+            <a:avLst/>
+          </a:prstGeom>
+          <a:noFill/>
+        </p:spPr>
+        <p:txBody>
+          <a:bodyPr wrap="square" rtlCol="0">
+            <a:spAutoFit/>
+          </a:bodyPr>
+          <a:lstStyle/>
+          <a:p>
+            <a:pPr algn="r"/>
+            <a:r>
+              <a:rPr lang="fr-FR" sz="1200" dirty="0">
+                <a:latin typeface="Eras Medium ITC" panose="020B0602030504020804" pitchFamily="34" charset="0"/>
+              </a:rPr>
+              <a:t>Générale</a:t>
+            </a:r>
+          </a:p>
+        </p:txBody>
+      </p:sp>
+      <p:sp>
+        <p:nvSpPr>
+          <p:cNvPr id="13" name="ZoneTexte 12">
+            <a:extLst>
+              <a:ext uri="{FF2B5EF4-FFF2-40B4-BE49-F238E27FC236}">
+                <a16:creationId xmlns:a16="http://schemas.microsoft.com/office/drawing/2014/main" id="{B0B65B09-BAE9-45E1-8DDD-BE198E82EA10}"/>
+              </a:ext>
+            </a:extLst>
+          </p:cNvPr>
+          <p:cNvSpPr txBox="1"/>
+          <p:nvPr/>
+        </p:nvSpPr>
+        <p:spPr>
+          <a:xfrm>
+            <a:off x="10310812" y="2252186"/>
+            <a:ext cx="1129785" cy="276999"/>
+          </a:xfrm>
+          <a:prstGeom prst="rect">
+            <a:avLst/>
+          </a:prstGeom>
+          <a:noFill/>
+        </p:spPr>
+        <p:txBody>
+          <a:bodyPr wrap="square" rtlCol="0">
+            <a:spAutoFit/>
+          </a:bodyPr>
+          <a:lstStyle/>
+          <a:p>
+            <a:pPr algn="r"/>
+            <a:r>
+              <a:rPr lang="fr-FR" sz="1200" dirty="0">
+                <a:latin typeface="Eras Medium ITC" panose="020B0602030504020804" pitchFamily="34" charset="0"/>
+              </a:rPr>
+              <a:t>Personnalisée</a:t>
+            </a:r>
+          </a:p>
+        </p:txBody>
+      </p:sp>
+      <p:sp>
+        <p:nvSpPr>
+          <p:cNvPr id="14" name="ZoneTexte 13">
+            <a:extLst>
+              <a:ext uri="{FF2B5EF4-FFF2-40B4-BE49-F238E27FC236}">
+                <a16:creationId xmlns:a16="http://schemas.microsoft.com/office/drawing/2014/main" id="{B5E860DF-2164-46BA-A256-EAAC919881DC}"/>
+              </a:ext>
+            </a:extLst>
+          </p:cNvPr>
+          <p:cNvSpPr txBox="1"/>
+          <p:nvPr/>
+        </p:nvSpPr>
+        <p:spPr>
+          <a:xfrm>
+            <a:off x="10113406" y="3241822"/>
+            <a:ext cx="1315522" cy="461665"/>
+          </a:xfrm>
+          <a:prstGeom prst="rect">
+            <a:avLst/>
+          </a:prstGeom>
+          <a:noFill/>
+        </p:spPr>
+        <p:txBody>
+          <a:bodyPr wrap="square" rtlCol="0">
+            <a:spAutoFit/>
+          </a:bodyPr>
+          <a:lstStyle/>
+          <a:p>
+            <a:pPr algn="r"/>
+            <a:r>
+              <a:rPr lang="fr-FR" sz="1200" dirty="0">
+                <a:latin typeface="Eras Medium ITC" panose="020B0602030504020804" pitchFamily="34" charset="0"/>
+              </a:rPr>
+              <a:t>Diagramme de cas d’utilisation</a:t>
+            </a:r>
+          </a:p>
+        </p:txBody>
+      </p:sp>
+      <p:sp>
+        <p:nvSpPr>
+          <p:cNvPr id="15" name="ZoneTexte 14">
+            <a:extLst>
+              <a:ext uri="{FF2B5EF4-FFF2-40B4-BE49-F238E27FC236}">
+                <a16:creationId xmlns:a16="http://schemas.microsoft.com/office/drawing/2014/main" id="{0E549171-6603-40D1-AACC-954D9ECD3358}"/>
+              </a:ext>
+            </a:extLst>
+          </p:cNvPr>
+          <p:cNvSpPr txBox="1"/>
+          <p:nvPr/>
+        </p:nvSpPr>
+        <p:spPr>
+          <a:xfrm>
+            <a:off x="10299143" y="5892329"/>
+            <a:ext cx="1129785" cy="461665"/>
+          </a:xfrm>
+          <a:prstGeom prst="rect">
+            <a:avLst/>
+          </a:prstGeom>
+          <a:noFill/>
+        </p:spPr>
+        <p:txBody>
+          <a:bodyPr wrap="square" rtlCol="0">
+            <a:spAutoFit/>
+          </a:bodyPr>
+          <a:lstStyle/>
+          <a:p>
+            <a:pPr algn="r"/>
+            <a:r>
+              <a:rPr lang="fr-FR" sz="1200" dirty="0">
+                <a:latin typeface="Eras Medium ITC" panose="020B0602030504020804" pitchFamily="34" charset="0"/>
+              </a:rPr>
+              <a:t>Les tâches personnelles</a:t>
+            </a:r>
+          </a:p>
+        </p:txBody>
+      </p:sp>
+      <p:sp>
+        <p:nvSpPr>
+          <p:cNvPr id="16" name="Rectangle 15">
+            <a:extLst>
+              <a:ext uri="{FF2B5EF4-FFF2-40B4-BE49-F238E27FC236}">
+                <a16:creationId xmlns:a16="http://schemas.microsoft.com/office/drawing/2014/main" id="{1D13FD37-1228-4A08-9F72-D32CBA322FEC}"/>
+              </a:ext>
+            </a:extLst>
+          </p:cNvPr>
+          <p:cNvSpPr/>
+          <p:nvPr/>
+        </p:nvSpPr>
+        <p:spPr>
+          <a:xfrm>
+            <a:off x="11658600" y="955383"/>
+            <a:ext cx="104773" cy="2245810"/>
+          </a:xfrm>
+          <a:prstGeom prst="rect">
+            <a:avLst/>
+          </a:prstGeom>
+          <a:solidFill>
+            <a:srgbClr val="A8135A"/>
+          </a:solidFill>
+          <a:ln>
+            <a:solidFill>
+              <a:schemeClr val="bg1"/>
+            </a:solidFill>
+          </a:ln>
+        </p:spPr>
+        <p:style>
+          <a:lnRef idx="2">
+            <a:schemeClr val="accent1">
+              <a:shade val="50000"/>
+            </a:schemeClr>
+          </a:lnRef>
+          <a:fillRef idx="1">
+            <a:schemeClr val="accent1"/>
+          </a:fillRef>
+          <a:effectRef idx="0">
+            <a:schemeClr val="accent1"/>
+          </a:effectRef>
+          <a:fontRef idx="minor">
+            <a:schemeClr val="lt1"/>
+          </a:fontRef>
+        </p:style>
+        <p:txBody>
+          <a:bodyPr rtlCol="0" anchor="ctr"/>
+          <a:lstStyle/>
+          <a:p>
+            <a:pPr algn="ctr"/>
+            <a:endParaRPr lang="fr-FR"/>
+          </a:p>
+        </p:txBody>
+      </p:sp>
+      <p:sp>
+        <p:nvSpPr>
+          <p:cNvPr id="17" name="Ellipse 16">
+            <a:extLst>
+              <a:ext uri="{FF2B5EF4-FFF2-40B4-BE49-F238E27FC236}">
+                <a16:creationId xmlns:a16="http://schemas.microsoft.com/office/drawing/2014/main" id="{9F704096-5C9D-41FD-B6A4-68CA21735651}"/>
+              </a:ext>
+            </a:extLst>
+          </p:cNvPr>
+          <p:cNvSpPr/>
+          <p:nvPr/>
+        </p:nvSpPr>
+        <p:spPr>
+          <a:xfrm>
+            <a:off x="11428928" y="550687"/>
+            <a:ext cx="564118" cy="542925"/>
+          </a:xfrm>
+          <a:prstGeom prst="ellipse">
+            <a:avLst/>
+          </a:prstGeom>
+          <a:solidFill>
+            <a:srgbClr val="A8135A"/>
+          </a:solidFill>
+          <a:ln>
+            <a:solidFill>
+              <a:schemeClr val="bg1"/>
+            </a:solidFill>
+          </a:ln>
+        </p:spPr>
+        <p:style>
+          <a:lnRef idx="2">
+            <a:schemeClr val="accent1">
+              <a:shade val="50000"/>
+            </a:schemeClr>
+          </a:lnRef>
+          <a:fillRef idx="1">
+            <a:schemeClr val="accent1"/>
+          </a:fillRef>
+          <a:effectRef idx="0">
+            <a:schemeClr val="accent1"/>
+          </a:effectRef>
+          <a:fontRef idx="minor">
+            <a:schemeClr val="lt1"/>
+          </a:fontRef>
+        </p:style>
+        <p:txBody>
+          <a:bodyPr rtlCol="0" anchor="ctr"/>
+          <a:lstStyle/>
+          <a:p>
+            <a:pPr algn="ctr"/>
+            <a:endParaRPr lang="fr-FR"/>
+          </a:p>
+        </p:txBody>
+      </p:sp>
+      <p:sp>
+        <p:nvSpPr>
+          <p:cNvPr id="8" name="Ellipse 7">
+            <a:extLst>
+              <a:ext uri="{FF2B5EF4-FFF2-40B4-BE49-F238E27FC236}">
+                <a16:creationId xmlns:a16="http://schemas.microsoft.com/office/drawing/2014/main" id="{527A32BE-E971-4F22-BE27-E8B13A47BF8B}"/>
+              </a:ext>
+            </a:extLst>
+          </p:cNvPr>
+          <p:cNvSpPr/>
+          <p:nvPr/>
+        </p:nvSpPr>
+        <p:spPr>
+          <a:xfrm>
+            <a:off x="11428928" y="3201193"/>
+            <a:ext cx="564118" cy="542925"/>
+          </a:xfrm>
+          <a:prstGeom prst="ellipse">
+            <a:avLst/>
+          </a:prstGeom>
+          <a:solidFill>
+            <a:srgbClr val="A8135A"/>
+          </a:solidFill>
+          <a:ln>
+            <a:solidFill>
+              <a:schemeClr val="bg1"/>
+            </a:solidFill>
+          </a:ln>
+        </p:spPr>
+        <p:style>
+          <a:lnRef idx="2">
+            <a:schemeClr val="accent1">
+              <a:shade val="50000"/>
+            </a:schemeClr>
+          </a:lnRef>
+          <a:fillRef idx="1">
+            <a:schemeClr val="accent1"/>
+          </a:fillRef>
+          <a:effectRef idx="0">
+            <a:schemeClr val="accent1"/>
+          </a:effectRef>
+          <a:fontRef idx="minor">
+            <a:schemeClr val="lt1"/>
+          </a:fontRef>
+        </p:style>
+        <p:txBody>
+          <a:bodyPr rtlCol="0" anchor="ctr"/>
+          <a:lstStyle/>
+          <a:p>
+            <a:pPr algn="ctr"/>
+            <a:endParaRPr lang="fr-FR"/>
           </a:p>
         </p:txBody>
       </p:sp>
       <p:pic>
         <p:nvPicPr>
-          <p:cNvPr id="6" name="Image 5" descr="Une image contenant capture d’écran&#10;&#10;Description générée automatiquement">
-            <a:extLst>
-              <a:ext uri="{FF2B5EF4-FFF2-40B4-BE49-F238E27FC236}">
-                <a16:creationId xmlns:a16="http://schemas.microsoft.com/office/drawing/2014/main" id="{612B15C4-79FA-4966-8D88-BD60FB5BE23E}"/>
+          <p:cNvPr id="4" name="Image 3" descr="Une image contenant capture d’écran&#10;&#10;Description générée automatiquement">
+            <a:extLst>
+              <a:ext uri="{FF2B5EF4-FFF2-40B4-BE49-F238E27FC236}">
+                <a16:creationId xmlns:a16="http://schemas.microsoft.com/office/drawing/2014/main" id="{54B866ED-4CFF-44BC-9BA8-DD16A9967414}"/>
               </a:ext>
             </a:extLst>
           </p:cNvPr>
@@ -10519,76 +11079,25 @@
           </p:cNvPicPr>
           <p:nvPr/>
         </p:nvPicPr>
-        <p:blipFill>
+        <p:blipFill rotWithShape="1">
           <a:blip r:embed="rId3"/>
-          <a:stretch>
-            <a:fillRect/>
-          </a:stretch>
+          <a:srcRect l="-781" t="593" r="47706" b="14900"/>
+          <a:stretch/>
         </p:blipFill>
         <p:spPr>
           <a:xfrm>
-            <a:off x="0" y="4248029"/>
-            <a:ext cx="10426390" cy="2013259"/>
+            <a:off x="1919294" y="1220653"/>
+            <a:ext cx="5615362" cy="5659756"/>
           </a:xfrm>
           <a:prstGeom prst="rect">
             <a:avLst/>
           </a:prstGeom>
-          <a:ln>
-            <a:noFill/>
-          </a:ln>
-          <a:effectLst>
-            <a:outerShdw blurRad="292100" dist="139700" dir="2700000" algn="tl" rotWithShape="0">
-              <a:srgbClr val="333333">
-                <a:alpha val="65000"/>
-              </a:srgbClr>
-            </a:outerShdw>
-          </a:effectLst>
-        </p:spPr>
-      </p:pic>
-      <p:pic>
-        <p:nvPicPr>
-          <p:cNvPr id="9" name="Image 8" descr="Une image contenant capture d’écran, ordinateur&#10;&#10;Description générée automatiquement">
-            <a:extLst>
-              <a:ext uri="{FF2B5EF4-FFF2-40B4-BE49-F238E27FC236}">
-                <a16:creationId xmlns:a16="http://schemas.microsoft.com/office/drawing/2014/main" id="{FA1C4999-4C72-456A-BFF1-A458813D70F4}"/>
-              </a:ext>
-            </a:extLst>
-          </p:cNvPr>
-          <p:cNvPicPr>
-            <a:picLocks noChangeAspect="1"/>
-          </p:cNvPicPr>
-          <p:nvPr/>
-        </p:nvPicPr>
-        <p:blipFill>
-          <a:blip r:embed="rId4"/>
-          <a:stretch>
-            <a:fillRect/>
-          </a:stretch>
-        </p:blipFill>
-        <p:spPr>
-          <a:xfrm>
-            <a:off x="0" y="1442053"/>
-            <a:ext cx="10426390" cy="2335835"/>
-          </a:xfrm>
-          <a:prstGeom prst="rect">
-            <a:avLst/>
-          </a:prstGeom>
-          <a:ln>
-            <a:noFill/>
-          </a:ln>
-          <a:effectLst>
-            <a:outerShdw blurRad="292100" dist="139700" dir="2700000" algn="tl" rotWithShape="0">
-              <a:srgbClr val="333333">
-                <a:alpha val="65000"/>
-              </a:srgbClr>
-            </a:outerShdw>
-          </a:effectLst>
         </p:spPr>
       </p:pic>
     </p:spTree>
     <p:extLst>
       <p:ext uri="{BB962C8B-B14F-4D97-AF65-F5344CB8AC3E}">
-        <p14:creationId xmlns:p14="http://schemas.microsoft.com/office/powerpoint/2010/main" val="779748466"/>
+        <p14:creationId xmlns:p14="http://schemas.microsoft.com/office/powerpoint/2010/main" val="793625063"/>
       </p:ext>
     </p:extLst>
   </p:cSld>
@@ -10674,10 +11183,10 @@
       </p:pic>
       <p:sp>
         <p:nvSpPr>
-          <p:cNvPr id="3" name="ZoneTexte 2">
-            <a:extLst>
-              <a:ext uri="{FF2B5EF4-FFF2-40B4-BE49-F238E27FC236}">
-                <a16:creationId xmlns:a16="http://schemas.microsoft.com/office/drawing/2014/main" id="{1582123C-25BF-42F1-97F8-35FFB48DFFAA}"/>
+          <p:cNvPr id="2" name="ZoneTexte 1">
+            <a:extLst>
+              <a:ext uri="{FF2B5EF4-FFF2-40B4-BE49-F238E27FC236}">
+                <a16:creationId xmlns:a16="http://schemas.microsoft.com/office/drawing/2014/main" id="{144597CC-5B36-42C7-952E-C2CE1E34CACD}"/>
               </a:ext>
             </a:extLst>
           </p:cNvPr>
@@ -10686,43 +11195,13 @@
         </p:nvSpPr>
         <p:spPr>
           <a:xfrm>
-            <a:off x="2477079" y="168260"/>
-            <a:ext cx="6848856" cy="584775"/>
+            <a:off x="2587752" y="143435"/>
+            <a:ext cx="6437376" cy="646331"/>
           </a:xfrm>
           <a:prstGeom prst="rect">
             <a:avLst/>
           </a:prstGeom>
           <a:noFill/>
-          <a:ln>
-            <a:noFill/>
-          </a:ln>
-          <a:effectLst>
-            <a:glow rad="63500">
-              <a:schemeClr val="accent4">
-                <a:satMod val="175000"/>
-                <a:alpha val="40000"/>
-              </a:schemeClr>
-            </a:glow>
-            <a:outerShdw blurRad="50800" dist="38100" dir="5400000" algn="t" rotWithShape="0">
-              <a:prstClr val="black">
-                <a:alpha val="40000"/>
-              </a:prstClr>
-            </a:outerShdw>
-          </a:effectLst>
-          <a:scene3d>
-            <a:camera prst="orthographicFront">
-              <a:rot lat="0" lon="0" rev="0"/>
-            </a:camera>
-            <a:lightRig rig="soft" dir="t">
-              <a:rot lat="0" lon="0" rev="0"/>
-            </a:lightRig>
-          </a:scene3d>
-          <a:sp3d contourW="44450" prstMaterial="matte">
-            <a:bevelT w="63500" h="63500" prst="artDeco"/>
-            <a:contourClr>
-              <a:srgbClr val="FFFFFF"/>
-            </a:contourClr>
-          </a:sp3d>
         </p:spPr>
         <p:txBody>
           <a:bodyPr wrap="square" rtlCol="0">
@@ -10732,35 +11211,611 @@
           <a:p>
             <a:pPr algn="ctr"/>
             <a:r>
-              <a:rPr lang="fr-FR" sz="3200" b="1" dirty="0">
+              <a:rPr lang="fr-FR" sz="3600" b="1" dirty="0">
+                <a:effectLst>
+                  <a:outerShdw blurRad="38100" dist="38100" dir="2700000" algn="tl">
+                    <a:srgbClr val="000000">
+                      <a:alpha val="43137"/>
+                    </a:srgbClr>
+                  </a:outerShdw>
+                </a:effectLst>
                 <a:latin typeface="Eras Medium ITC" panose="020B0602030504020804" pitchFamily="34" charset="0"/>
               </a:rPr>
-              <a:t>Planification Gantt - </a:t>
-            </a:r>
-            <a:r>
-              <a:rPr lang="fr-FR" sz="2800" b="1" dirty="0">
+              <a:t>Diagramme de </a:t>
+            </a:r>
+            <a:r>
+              <a:rPr lang="fr-FR" sz="3600" b="1" dirty="0">
                 <a:solidFill>
-                  <a:srgbClr val="A41258"/>
+                  <a:srgbClr val="A51258"/>
                 </a:solidFill>
+                <a:effectLst>
+                  <a:outerShdw blurRad="38100" dist="38100" dir="2700000" algn="tl">
+                    <a:srgbClr val="000000">
+                      <a:alpha val="43137"/>
+                    </a:srgbClr>
+                  </a:outerShdw>
+                </a:effectLst>
                 <a:latin typeface="Eras Medium ITC" panose="020B0602030504020804" pitchFamily="34" charset="0"/>
               </a:rPr>
-              <a:t>Partie personnelle </a:t>
-            </a:r>
-            <a:r>
-              <a:rPr lang="fr-FR" sz="2800" b="1" dirty="0">
+              <a:t>Classes</a:t>
+            </a:r>
+          </a:p>
+        </p:txBody>
+      </p:sp>
+      <p:sp>
+        <p:nvSpPr>
+          <p:cNvPr id="6" name="Organigramme : Terminateur 5">
+            <a:extLst>
+              <a:ext uri="{FF2B5EF4-FFF2-40B4-BE49-F238E27FC236}">
+                <a16:creationId xmlns:a16="http://schemas.microsoft.com/office/drawing/2014/main" id="{D0388349-375C-432D-95E5-4335229F72C4}"/>
+              </a:ext>
+            </a:extLst>
+          </p:cNvPr>
+          <p:cNvSpPr/>
+          <p:nvPr/>
+        </p:nvSpPr>
+        <p:spPr>
+          <a:xfrm>
+            <a:off x="11405115" y="1514475"/>
+            <a:ext cx="358260" cy="85725"/>
+          </a:xfrm>
+          <a:prstGeom prst="flowChartTerminator">
+            <a:avLst/>
+          </a:prstGeom>
+          <a:solidFill>
+            <a:srgbClr val="A8135A"/>
+          </a:solidFill>
+          <a:ln>
+            <a:solidFill>
+              <a:schemeClr val="bg1"/>
+            </a:solidFill>
+          </a:ln>
+        </p:spPr>
+        <p:style>
+          <a:lnRef idx="2">
+            <a:schemeClr val="accent1">
+              <a:shade val="50000"/>
+            </a:schemeClr>
+          </a:lnRef>
+          <a:fillRef idx="1">
+            <a:schemeClr val="accent1"/>
+          </a:fillRef>
+          <a:effectRef idx="0">
+            <a:schemeClr val="accent1"/>
+          </a:effectRef>
+          <a:fontRef idx="minor">
+            <a:schemeClr val="lt1"/>
+          </a:fontRef>
+        </p:style>
+        <p:txBody>
+          <a:bodyPr rtlCol="0" anchor="ctr"/>
+          <a:lstStyle/>
+          <a:p>
+            <a:pPr algn="ctr"/>
+            <a:endParaRPr lang="fr-FR"/>
+          </a:p>
+        </p:txBody>
+      </p:sp>
+      <p:sp>
+        <p:nvSpPr>
+          <p:cNvPr id="7" name="Rectangle 6">
+            <a:extLst>
+              <a:ext uri="{FF2B5EF4-FFF2-40B4-BE49-F238E27FC236}">
+                <a16:creationId xmlns:a16="http://schemas.microsoft.com/office/drawing/2014/main" id="{7965C92B-62A3-4F91-80E9-84A7357D8ED7}"/>
+              </a:ext>
+            </a:extLst>
+          </p:cNvPr>
+          <p:cNvSpPr/>
+          <p:nvPr/>
+        </p:nvSpPr>
+        <p:spPr>
+          <a:xfrm>
+            <a:off x="11658600" y="753035"/>
+            <a:ext cx="104775" cy="5614778"/>
+          </a:xfrm>
+          <a:prstGeom prst="rect">
+            <a:avLst/>
+          </a:prstGeom>
+          <a:solidFill>
+            <a:schemeClr val="bg1"/>
+          </a:solidFill>
+          <a:ln>
+            <a:solidFill>
+              <a:schemeClr val="bg1"/>
+            </a:solidFill>
+          </a:ln>
+        </p:spPr>
+        <p:style>
+          <a:lnRef idx="2">
+            <a:schemeClr val="accent1">
+              <a:shade val="50000"/>
+            </a:schemeClr>
+          </a:lnRef>
+          <a:fillRef idx="1">
+            <a:schemeClr val="accent1"/>
+          </a:fillRef>
+          <a:effectRef idx="0">
+            <a:schemeClr val="accent1"/>
+          </a:effectRef>
+          <a:fontRef idx="minor">
+            <a:schemeClr val="lt1"/>
+          </a:fontRef>
+        </p:style>
+        <p:txBody>
+          <a:bodyPr rtlCol="0" anchor="ctr"/>
+          <a:lstStyle/>
+          <a:p>
+            <a:pPr algn="ctr"/>
+            <a:endParaRPr lang="fr-FR"/>
+          </a:p>
+        </p:txBody>
+      </p:sp>
+      <p:sp>
+        <p:nvSpPr>
+          <p:cNvPr id="9" name="Ellipse 8">
+            <a:extLst>
+              <a:ext uri="{FF2B5EF4-FFF2-40B4-BE49-F238E27FC236}">
+                <a16:creationId xmlns:a16="http://schemas.microsoft.com/office/drawing/2014/main" id="{76D06B21-1630-4698-BFB5-5F24222D7239}"/>
+              </a:ext>
+            </a:extLst>
+          </p:cNvPr>
+          <p:cNvSpPr/>
+          <p:nvPr/>
+        </p:nvSpPr>
+        <p:spPr>
+          <a:xfrm>
+            <a:off x="11428928" y="5851700"/>
+            <a:ext cx="564118" cy="542925"/>
+          </a:xfrm>
+          <a:prstGeom prst="ellipse">
+            <a:avLst/>
+          </a:prstGeom>
+          <a:solidFill>
+            <a:schemeClr val="bg1"/>
+          </a:solidFill>
+          <a:ln>
+            <a:solidFill>
+              <a:schemeClr val="bg1"/>
+            </a:solidFill>
+          </a:ln>
+        </p:spPr>
+        <p:style>
+          <a:lnRef idx="2">
+            <a:schemeClr val="accent1">
+              <a:shade val="50000"/>
+            </a:schemeClr>
+          </a:lnRef>
+          <a:fillRef idx="1">
+            <a:schemeClr val="accent1"/>
+          </a:fillRef>
+          <a:effectRef idx="0">
+            <a:schemeClr val="accent1"/>
+          </a:effectRef>
+          <a:fontRef idx="minor">
+            <a:schemeClr val="lt1"/>
+          </a:fontRef>
+        </p:style>
+        <p:txBody>
+          <a:bodyPr rtlCol="0" anchor="ctr"/>
+          <a:lstStyle/>
+          <a:p>
+            <a:pPr algn="ctr"/>
+            <a:endParaRPr lang="fr-FR"/>
+          </a:p>
+        </p:txBody>
+      </p:sp>
+      <p:sp>
+        <p:nvSpPr>
+          <p:cNvPr id="10" name="Organigramme : Terminateur 9">
+            <a:extLst>
+              <a:ext uri="{FF2B5EF4-FFF2-40B4-BE49-F238E27FC236}">
+                <a16:creationId xmlns:a16="http://schemas.microsoft.com/office/drawing/2014/main" id="{CB8C87E6-B87B-4E15-81CC-6DBA23DB12CA}"/>
+              </a:ext>
+            </a:extLst>
+          </p:cNvPr>
+          <p:cNvSpPr/>
+          <p:nvPr/>
+        </p:nvSpPr>
+        <p:spPr>
+          <a:xfrm>
+            <a:off x="11405114" y="2347824"/>
+            <a:ext cx="358259" cy="85725"/>
+          </a:xfrm>
+          <a:prstGeom prst="flowChartTerminator">
+            <a:avLst/>
+          </a:prstGeom>
+          <a:solidFill>
+            <a:srgbClr val="A8135A"/>
+          </a:solidFill>
+          <a:ln>
+            <a:solidFill>
+              <a:schemeClr val="bg1"/>
+            </a:solidFill>
+          </a:ln>
+        </p:spPr>
+        <p:style>
+          <a:lnRef idx="2">
+            <a:schemeClr val="accent1">
+              <a:shade val="50000"/>
+            </a:schemeClr>
+          </a:lnRef>
+          <a:fillRef idx="1">
+            <a:schemeClr val="accent1"/>
+          </a:fillRef>
+          <a:effectRef idx="0">
+            <a:schemeClr val="accent1"/>
+          </a:effectRef>
+          <a:fontRef idx="minor">
+            <a:schemeClr val="lt1"/>
+          </a:fontRef>
+        </p:style>
+        <p:txBody>
+          <a:bodyPr rtlCol="0" anchor="ctr"/>
+          <a:lstStyle/>
+          <a:p>
+            <a:pPr algn="ctr"/>
+            <a:endParaRPr lang="fr-FR"/>
+          </a:p>
+        </p:txBody>
+      </p:sp>
+      <p:sp>
+        <p:nvSpPr>
+          <p:cNvPr id="11" name="ZoneTexte 10">
+            <a:extLst>
+              <a:ext uri="{FF2B5EF4-FFF2-40B4-BE49-F238E27FC236}">
+                <a16:creationId xmlns:a16="http://schemas.microsoft.com/office/drawing/2014/main" id="{470680A5-31CA-4A5F-A91F-7E3BEF289E7E}"/>
+              </a:ext>
+            </a:extLst>
+          </p:cNvPr>
+          <p:cNvSpPr txBox="1"/>
+          <p:nvPr/>
+        </p:nvSpPr>
+        <p:spPr>
+          <a:xfrm>
+            <a:off x="10299143" y="558449"/>
+            <a:ext cx="1129785" cy="461665"/>
+          </a:xfrm>
+          <a:prstGeom prst="rect">
+            <a:avLst/>
+          </a:prstGeom>
+          <a:noFill/>
+        </p:spPr>
+        <p:txBody>
+          <a:bodyPr wrap="square" rtlCol="0">
+            <a:spAutoFit/>
+          </a:bodyPr>
+          <a:lstStyle/>
+          <a:p>
+            <a:pPr algn="r"/>
+            <a:r>
+              <a:rPr lang="fr-FR" sz="1200" dirty="0">
                 <a:latin typeface="Eras Medium ITC" panose="020B0602030504020804" pitchFamily="34" charset="0"/>
               </a:rPr>
-              <a:t>:</a:t>
-            </a:r>
+              <a:t>Présentation du projet</a:t>
+            </a:r>
+          </a:p>
+        </p:txBody>
+      </p:sp>
+      <p:sp>
+        <p:nvSpPr>
+          <p:cNvPr id="12" name="ZoneTexte 11">
+            <a:extLst>
+              <a:ext uri="{FF2B5EF4-FFF2-40B4-BE49-F238E27FC236}">
+                <a16:creationId xmlns:a16="http://schemas.microsoft.com/office/drawing/2014/main" id="{118F324A-9355-4439-8D28-46B0B893CC58}"/>
+              </a:ext>
+            </a:extLst>
+          </p:cNvPr>
+          <p:cNvSpPr txBox="1"/>
+          <p:nvPr/>
+        </p:nvSpPr>
+        <p:spPr>
+          <a:xfrm>
+            <a:off x="10275329" y="1418837"/>
+            <a:ext cx="1129785" cy="276999"/>
+          </a:xfrm>
+          <a:prstGeom prst="rect">
+            <a:avLst/>
+          </a:prstGeom>
+          <a:noFill/>
+        </p:spPr>
+        <p:txBody>
+          <a:bodyPr wrap="square" rtlCol="0">
+            <a:spAutoFit/>
+          </a:bodyPr>
+          <a:lstStyle/>
+          <a:p>
+            <a:pPr algn="r"/>
+            <a:r>
+              <a:rPr lang="fr-FR" sz="1200" dirty="0">
+                <a:latin typeface="Eras Medium ITC" panose="020B0602030504020804" pitchFamily="34" charset="0"/>
+              </a:rPr>
+              <a:t>Générale</a:t>
+            </a:r>
+          </a:p>
+        </p:txBody>
+      </p:sp>
+      <p:sp>
+        <p:nvSpPr>
+          <p:cNvPr id="13" name="ZoneTexte 12">
+            <a:extLst>
+              <a:ext uri="{FF2B5EF4-FFF2-40B4-BE49-F238E27FC236}">
+                <a16:creationId xmlns:a16="http://schemas.microsoft.com/office/drawing/2014/main" id="{B0B65B09-BAE9-45E1-8DDD-BE198E82EA10}"/>
+              </a:ext>
+            </a:extLst>
+          </p:cNvPr>
+          <p:cNvSpPr txBox="1"/>
+          <p:nvPr/>
+        </p:nvSpPr>
+        <p:spPr>
+          <a:xfrm>
+            <a:off x="10310812" y="2252186"/>
+            <a:ext cx="1129785" cy="276999"/>
+          </a:xfrm>
+          <a:prstGeom prst="rect">
+            <a:avLst/>
+          </a:prstGeom>
+          <a:noFill/>
+        </p:spPr>
+        <p:txBody>
+          <a:bodyPr wrap="square" rtlCol="0">
+            <a:spAutoFit/>
+          </a:bodyPr>
+          <a:lstStyle/>
+          <a:p>
+            <a:pPr algn="r"/>
+            <a:r>
+              <a:rPr lang="fr-FR" sz="1200" dirty="0">
+                <a:latin typeface="Eras Medium ITC" panose="020B0602030504020804" pitchFamily="34" charset="0"/>
+              </a:rPr>
+              <a:t>Personnalisée</a:t>
+            </a:r>
+          </a:p>
+        </p:txBody>
+      </p:sp>
+      <p:sp>
+        <p:nvSpPr>
+          <p:cNvPr id="14" name="ZoneTexte 13">
+            <a:extLst>
+              <a:ext uri="{FF2B5EF4-FFF2-40B4-BE49-F238E27FC236}">
+                <a16:creationId xmlns:a16="http://schemas.microsoft.com/office/drawing/2014/main" id="{B5E860DF-2164-46BA-A256-EAAC919881DC}"/>
+              </a:ext>
+            </a:extLst>
+          </p:cNvPr>
+          <p:cNvSpPr txBox="1"/>
+          <p:nvPr/>
+        </p:nvSpPr>
+        <p:spPr>
+          <a:xfrm>
+            <a:off x="10113406" y="3241822"/>
+            <a:ext cx="1315522" cy="461665"/>
+          </a:xfrm>
+          <a:prstGeom prst="rect">
+            <a:avLst/>
+          </a:prstGeom>
+          <a:noFill/>
+        </p:spPr>
+        <p:txBody>
+          <a:bodyPr wrap="square" rtlCol="0">
+            <a:spAutoFit/>
+          </a:bodyPr>
+          <a:lstStyle/>
+          <a:p>
+            <a:pPr algn="r"/>
+            <a:r>
+              <a:rPr lang="fr-FR" sz="1200" dirty="0">
+                <a:latin typeface="Eras Medium ITC" panose="020B0602030504020804" pitchFamily="34" charset="0"/>
+              </a:rPr>
+              <a:t>Diagramme de cas d’utilisation</a:t>
+            </a:r>
+          </a:p>
+        </p:txBody>
+      </p:sp>
+      <p:sp>
+        <p:nvSpPr>
+          <p:cNvPr id="15" name="ZoneTexte 14">
+            <a:extLst>
+              <a:ext uri="{FF2B5EF4-FFF2-40B4-BE49-F238E27FC236}">
+                <a16:creationId xmlns:a16="http://schemas.microsoft.com/office/drawing/2014/main" id="{0E549171-6603-40D1-AACC-954D9ECD3358}"/>
+              </a:ext>
+            </a:extLst>
+          </p:cNvPr>
+          <p:cNvSpPr txBox="1"/>
+          <p:nvPr/>
+        </p:nvSpPr>
+        <p:spPr>
+          <a:xfrm>
+            <a:off x="10299143" y="5892329"/>
+            <a:ext cx="1129785" cy="461665"/>
+          </a:xfrm>
+          <a:prstGeom prst="rect">
+            <a:avLst/>
+          </a:prstGeom>
+          <a:noFill/>
+        </p:spPr>
+        <p:txBody>
+          <a:bodyPr wrap="square" rtlCol="0">
+            <a:spAutoFit/>
+          </a:bodyPr>
+          <a:lstStyle/>
+          <a:p>
+            <a:pPr algn="r"/>
+            <a:r>
+              <a:rPr lang="fr-FR" sz="1200" dirty="0">
+                <a:latin typeface="Eras Medium ITC" panose="020B0602030504020804" pitchFamily="34" charset="0"/>
+              </a:rPr>
+              <a:t>Les tâches personnelles</a:t>
+            </a:r>
+          </a:p>
+        </p:txBody>
+      </p:sp>
+      <p:sp>
+        <p:nvSpPr>
+          <p:cNvPr id="16" name="Rectangle 15">
+            <a:extLst>
+              <a:ext uri="{FF2B5EF4-FFF2-40B4-BE49-F238E27FC236}">
+                <a16:creationId xmlns:a16="http://schemas.microsoft.com/office/drawing/2014/main" id="{1D13FD37-1228-4A08-9F72-D32CBA322FEC}"/>
+              </a:ext>
+            </a:extLst>
+          </p:cNvPr>
+          <p:cNvSpPr/>
+          <p:nvPr/>
+        </p:nvSpPr>
+        <p:spPr>
+          <a:xfrm>
+            <a:off x="11658600" y="955383"/>
+            <a:ext cx="104773" cy="2245810"/>
+          </a:xfrm>
+          <a:prstGeom prst="rect">
+            <a:avLst/>
+          </a:prstGeom>
+          <a:solidFill>
+            <a:srgbClr val="A8135A"/>
+          </a:solidFill>
+          <a:ln>
+            <a:solidFill>
+              <a:schemeClr val="bg1"/>
+            </a:solidFill>
+          </a:ln>
+        </p:spPr>
+        <p:style>
+          <a:lnRef idx="2">
+            <a:schemeClr val="accent1">
+              <a:shade val="50000"/>
+            </a:schemeClr>
+          </a:lnRef>
+          <a:fillRef idx="1">
+            <a:schemeClr val="accent1"/>
+          </a:fillRef>
+          <a:effectRef idx="0">
+            <a:schemeClr val="accent1"/>
+          </a:effectRef>
+          <a:fontRef idx="minor">
+            <a:schemeClr val="lt1"/>
+          </a:fontRef>
+        </p:style>
+        <p:txBody>
+          <a:bodyPr rtlCol="0" anchor="ctr"/>
+          <a:lstStyle/>
+          <a:p>
+            <a:pPr algn="ctr"/>
+            <a:endParaRPr lang="fr-FR"/>
+          </a:p>
+        </p:txBody>
+      </p:sp>
+      <p:sp>
+        <p:nvSpPr>
+          <p:cNvPr id="17" name="Ellipse 16">
+            <a:extLst>
+              <a:ext uri="{FF2B5EF4-FFF2-40B4-BE49-F238E27FC236}">
+                <a16:creationId xmlns:a16="http://schemas.microsoft.com/office/drawing/2014/main" id="{9F704096-5C9D-41FD-B6A4-68CA21735651}"/>
+              </a:ext>
+            </a:extLst>
+          </p:cNvPr>
+          <p:cNvSpPr/>
+          <p:nvPr/>
+        </p:nvSpPr>
+        <p:spPr>
+          <a:xfrm>
+            <a:off x="11428928" y="550687"/>
+            <a:ext cx="564118" cy="542925"/>
+          </a:xfrm>
+          <a:prstGeom prst="ellipse">
+            <a:avLst/>
+          </a:prstGeom>
+          <a:solidFill>
+            <a:srgbClr val="A8135A"/>
+          </a:solidFill>
+          <a:ln>
+            <a:solidFill>
+              <a:schemeClr val="bg1"/>
+            </a:solidFill>
+          </a:ln>
+        </p:spPr>
+        <p:style>
+          <a:lnRef idx="2">
+            <a:schemeClr val="accent1">
+              <a:shade val="50000"/>
+            </a:schemeClr>
+          </a:lnRef>
+          <a:fillRef idx="1">
+            <a:schemeClr val="accent1"/>
+          </a:fillRef>
+          <a:effectRef idx="0">
+            <a:schemeClr val="accent1"/>
+          </a:effectRef>
+          <a:fontRef idx="minor">
+            <a:schemeClr val="lt1"/>
+          </a:fontRef>
+        </p:style>
+        <p:txBody>
+          <a:bodyPr rtlCol="0" anchor="ctr"/>
+          <a:lstStyle/>
+          <a:p>
+            <a:pPr algn="ctr"/>
+            <a:endParaRPr lang="fr-FR"/>
+          </a:p>
+        </p:txBody>
+      </p:sp>
+      <p:sp>
+        <p:nvSpPr>
+          <p:cNvPr id="8" name="Ellipse 7">
+            <a:extLst>
+              <a:ext uri="{FF2B5EF4-FFF2-40B4-BE49-F238E27FC236}">
+                <a16:creationId xmlns:a16="http://schemas.microsoft.com/office/drawing/2014/main" id="{527A32BE-E971-4F22-BE27-E8B13A47BF8B}"/>
+              </a:ext>
+            </a:extLst>
+          </p:cNvPr>
+          <p:cNvSpPr/>
+          <p:nvPr/>
+        </p:nvSpPr>
+        <p:spPr>
+          <a:xfrm>
+            <a:off x="11428928" y="3201193"/>
+            <a:ext cx="564118" cy="542925"/>
+          </a:xfrm>
+          <a:prstGeom prst="ellipse">
+            <a:avLst/>
+          </a:prstGeom>
+          <a:solidFill>
+            <a:srgbClr val="A8135A"/>
+          </a:solidFill>
+          <a:ln>
+            <a:solidFill>
+              <a:schemeClr val="bg1"/>
+            </a:solidFill>
+          </a:ln>
+        </p:spPr>
+        <p:style>
+          <a:lnRef idx="2">
+            <a:schemeClr val="accent1">
+              <a:shade val="50000"/>
+            </a:schemeClr>
+          </a:lnRef>
+          <a:fillRef idx="1">
+            <a:schemeClr val="accent1"/>
+          </a:fillRef>
+          <a:effectRef idx="0">
+            <a:schemeClr val="accent1"/>
+          </a:effectRef>
+          <a:fontRef idx="minor">
+            <a:schemeClr val="lt1"/>
+          </a:fontRef>
+        </p:style>
+        <p:txBody>
+          <a:bodyPr rtlCol="0" anchor="ctr"/>
+          <a:lstStyle/>
+          <a:p>
+            <a:pPr algn="ctr"/>
+            <a:endParaRPr lang="fr-FR"/>
           </a:p>
         </p:txBody>
       </p:sp>
       <p:pic>
         <p:nvPicPr>
-          <p:cNvPr id="4" name="Image 3">
-            <a:extLst>
-              <a:ext uri="{FF2B5EF4-FFF2-40B4-BE49-F238E27FC236}">
-                <a16:creationId xmlns:a16="http://schemas.microsoft.com/office/drawing/2014/main" id="{1F9A3EA9-0811-4B17-BBFD-30A0FB67957A}"/>
+          <p:cNvPr id="5" name="Image 4" descr="Une image contenant capture d’écran&#10;&#10;Description générée automatiquement">
+            <a:extLst>
+              <a:ext uri="{FF2B5EF4-FFF2-40B4-BE49-F238E27FC236}">
+                <a16:creationId xmlns:a16="http://schemas.microsoft.com/office/drawing/2014/main" id="{D927C046-ECF5-41E7-9886-C4626BE4554C}"/>
               </a:ext>
             </a:extLst>
           </p:cNvPr>
@@ -10777,8 +11832,8 @@
         </p:blipFill>
         <p:spPr>
           <a:xfrm>
-            <a:off x="420624" y="822273"/>
-            <a:ext cx="8595602" cy="5867467"/>
+            <a:off x="1343575" y="2002457"/>
+            <a:ext cx="6946533" cy="3115934"/>
           </a:xfrm>
           <a:prstGeom prst="rect">
             <a:avLst/>
@@ -10788,7 +11843,7 @@
     </p:spTree>
     <p:extLst>
       <p:ext uri="{BB962C8B-B14F-4D97-AF65-F5344CB8AC3E}">
-        <p14:creationId xmlns:p14="http://schemas.microsoft.com/office/powerpoint/2010/main" val="1042172690"/>
+        <p14:creationId xmlns:p14="http://schemas.microsoft.com/office/powerpoint/2010/main" val="83879156"/>
       </p:ext>
     </p:extLst>
   </p:cSld>
@@ -10886,8 +11941,8 @@
         </p:nvSpPr>
         <p:spPr>
           <a:xfrm>
-            <a:off x="2477079" y="168260"/>
-            <a:ext cx="6848856" cy="584775"/>
+            <a:off x="2497873" y="143435"/>
+            <a:ext cx="6188927" cy="1138773"/>
           </a:xfrm>
           <a:prstGeom prst="rect">
             <a:avLst/>
@@ -10932,109 +11987,35 @@
           <a:p>
             <a:pPr algn="ctr"/>
             <a:r>
+              <a:rPr lang="fr-FR" sz="3600" b="1" dirty="0">
+                <a:latin typeface="Eras Medium ITC" panose="020B0602030504020804" pitchFamily="34" charset="0"/>
+              </a:rPr>
+              <a:t>Planification Gantt           </a:t>
+            </a:r>
+            <a:r>
               <a:rPr lang="fr-FR" sz="3200" b="1" dirty="0">
                 <a:solidFill>
-                  <a:srgbClr val="A51258"/>
+                  <a:srgbClr val="A41258"/>
                 </a:solidFill>
                 <a:latin typeface="Eras Medium ITC" panose="020B0602030504020804" pitchFamily="34" charset="0"/>
               </a:rPr>
-              <a:t>Librairie</a:t>
-            </a:r>
-            <a:endParaRPr lang="fr-FR" sz="2800" b="1" dirty="0">
-              <a:solidFill>
-                <a:srgbClr val="A51258"/>
-              </a:solidFill>
-              <a:latin typeface="Eras Medium ITC" panose="020B0602030504020804" pitchFamily="34" charset="0"/>
-            </a:endParaRPr>
-          </a:p>
-        </p:txBody>
-      </p:sp>
-      <p:sp>
-        <p:nvSpPr>
-          <p:cNvPr id="5" name="Rectangle 4">
-            <a:extLst>
-              <a:ext uri="{FF2B5EF4-FFF2-40B4-BE49-F238E27FC236}">
-                <a16:creationId xmlns:a16="http://schemas.microsoft.com/office/drawing/2014/main" id="{E8071899-BAB1-4FE1-A456-5AC697088E0D}"/>
-              </a:ext>
-            </a:extLst>
-          </p:cNvPr>
-          <p:cNvSpPr/>
-          <p:nvPr/>
-        </p:nvSpPr>
-        <p:spPr>
-          <a:xfrm>
-            <a:off x="367308" y="1122121"/>
-            <a:ext cx="1850002" cy="752399"/>
-          </a:xfrm>
-          <a:prstGeom prst="rect">
-            <a:avLst/>
-          </a:prstGeom>
-          <a:noFill/>
-          <a:ln w="28575">
-            <a:solidFill>
-              <a:srgbClr val="A51258"/>
-            </a:solidFill>
-          </a:ln>
-          <a:effectLst>
-            <a:glow rad="50800">
-              <a:schemeClr val="tx1"/>
-            </a:glow>
-          </a:effectLst>
-        </p:spPr>
-        <p:style>
-          <a:lnRef idx="2">
-            <a:schemeClr val="accent1">
-              <a:shade val="50000"/>
-            </a:schemeClr>
-          </a:lnRef>
-          <a:fillRef idx="1">
-            <a:schemeClr val="accent1"/>
-          </a:fillRef>
-          <a:effectRef idx="0">
-            <a:schemeClr val="accent1"/>
-          </a:effectRef>
-          <a:fontRef idx="minor">
-            <a:schemeClr val="lt1"/>
-          </a:fontRef>
-        </p:style>
-        <p:txBody>
-          <a:bodyPr rtlCol="0" anchor="ctr"/>
-          <a:lstStyle/>
-          <a:p>
-            <a:pPr algn="ctr"/>
-            <a:r>
-              <a:rPr lang="fr-FR" sz="1200" dirty="0">
-                <a:solidFill>
-                  <a:srgbClr val="A51258"/>
-                </a:solidFill>
+              <a:t>Partie commune </a:t>
+            </a:r>
+            <a:r>
+              <a:rPr lang="fr-FR" sz="3200" b="1" dirty="0">
+                <a:latin typeface="Eras Medium ITC" panose="020B0602030504020804" pitchFamily="34" charset="0"/>
               </a:rPr>
-              <a:t>pi-rc522</a:t>
-            </a:r>
-            <a:r>
-              <a:rPr lang="fr-FR" sz="1200" dirty="0">
-                <a:solidFill>
-                  <a:schemeClr val="tx1"/>
-                </a:solidFill>
-              </a:rPr>
-              <a:t> est une librairie sous </a:t>
-            </a:r>
-            <a:r>
-              <a:rPr lang="fr-FR" sz="1200" dirty="0">
-                <a:solidFill>
-                  <a:srgbClr val="A51258"/>
-                </a:solidFill>
-              </a:rPr>
-              <a:t>licence MIT</a:t>
+              <a:t>:</a:t>
             </a:r>
           </a:p>
         </p:txBody>
       </p:sp>
       <p:pic>
         <p:nvPicPr>
-          <p:cNvPr id="6" name="Image 5" descr="Une image contenant dessin, signe&#10;&#10;Description générée automatiquement">
-            <a:extLst>
-              <a:ext uri="{FF2B5EF4-FFF2-40B4-BE49-F238E27FC236}">
-                <a16:creationId xmlns:a16="http://schemas.microsoft.com/office/drawing/2014/main" id="{1476270C-68DA-4E1A-A34E-FB102FA05834}"/>
+          <p:cNvPr id="6" name="Image 5" descr="Une image contenant capture d’écran&#10;&#10;Description générée automatiquement">
+            <a:extLst>
+              <a:ext uri="{FF2B5EF4-FFF2-40B4-BE49-F238E27FC236}">
+                <a16:creationId xmlns:a16="http://schemas.microsoft.com/office/drawing/2014/main" id="{612B15C4-79FA-4966-8D88-BD60FB5BE23E}"/>
               </a:ext>
             </a:extLst>
           </p:cNvPr>
@@ -11051,71 +12032,30 @@
         </p:blipFill>
         <p:spPr>
           <a:xfrm>
-            <a:off x="3511551" y="944237"/>
-            <a:ext cx="1486846" cy="1108165"/>
+            <a:off x="0" y="4248029"/>
+            <a:ext cx="10426390" cy="2013259"/>
           </a:xfrm>
           <a:prstGeom prst="rect">
             <a:avLst/>
           </a:prstGeom>
-        </p:spPr>
-      </p:pic>
-      <p:cxnSp>
-        <p:nvCxnSpPr>
-          <p:cNvPr id="8" name="Connecteur droit avec flèche 7">
-            <a:extLst>
-              <a:ext uri="{FF2B5EF4-FFF2-40B4-BE49-F238E27FC236}">
-                <a16:creationId xmlns:a16="http://schemas.microsoft.com/office/drawing/2014/main" id="{8991D987-C960-4F9B-B5A3-ED2CD4D77C48}"/>
-              </a:ext>
-            </a:extLst>
-          </p:cNvPr>
-          <p:cNvCxnSpPr>
-            <a:cxnSpLocks/>
-            <a:stCxn id="5" idx="3"/>
-            <a:endCxn id="6" idx="1"/>
-          </p:cNvCxnSpPr>
-          <p:nvPr/>
-        </p:nvCxnSpPr>
-        <p:spPr>
-          <a:xfrm flipV="1">
-            <a:off x="2217310" y="1498320"/>
-            <a:ext cx="1294241" cy="1"/>
-          </a:xfrm>
-          <a:prstGeom prst="straightConnector1">
-            <a:avLst/>
-          </a:prstGeom>
-          <a:ln w="38100">
-            <a:solidFill>
-              <a:srgbClr val="A51258"/>
-            </a:solidFill>
-            <a:tailEnd type="triangle"/>
+          <a:ln>
+            <a:noFill/>
           </a:ln>
           <a:effectLst>
-            <a:glow rad="50800">
-              <a:schemeClr val="tx1"/>
-            </a:glow>
+            <a:outerShdw blurRad="292100" dist="139700" dir="2700000" algn="tl" rotWithShape="0">
+              <a:srgbClr val="333333">
+                <a:alpha val="65000"/>
+              </a:srgbClr>
+            </a:outerShdw>
           </a:effectLst>
         </p:spPr>
-        <p:style>
-          <a:lnRef idx="1">
-            <a:schemeClr val="accent1"/>
-          </a:lnRef>
-          <a:fillRef idx="0">
-            <a:schemeClr val="accent1"/>
-          </a:fillRef>
-          <a:effectRef idx="0">
-            <a:schemeClr val="accent1"/>
-          </a:effectRef>
-          <a:fontRef idx="minor">
-            <a:schemeClr val="tx1"/>
-          </a:fontRef>
-        </p:style>
-      </p:cxnSp>
+      </p:pic>
       <p:pic>
         <p:nvPicPr>
-          <p:cNvPr id="19" name="Image 18" descr="Une image contenant moniteur, intérieur, écran, noir&#10;&#10;Description générée automatiquement">
-            <a:extLst>
-              <a:ext uri="{FF2B5EF4-FFF2-40B4-BE49-F238E27FC236}">
-                <a16:creationId xmlns:a16="http://schemas.microsoft.com/office/drawing/2014/main" id="{78013C0C-D50E-4F62-A056-A002A217DCDE}"/>
+          <p:cNvPr id="9" name="Image 8" descr="Une image contenant capture d’écran, ordinateur&#10;&#10;Description générée automatiquement">
+            <a:extLst>
+              <a:ext uri="{FF2B5EF4-FFF2-40B4-BE49-F238E27FC236}">
+                <a16:creationId xmlns:a16="http://schemas.microsoft.com/office/drawing/2014/main" id="{FA1C4999-4C72-456A-BFF1-A458813D70F4}"/>
               </a:ext>
             </a:extLst>
           </p:cNvPr>
@@ -11132,25 +12072,200 @@
         </p:blipFill>
         <p:spPr>
           <a:xfrm>
-            <a:off x="456141" y="4723757"/>
-            <a:ext cx="4041872" cy="2024244"/>
+            <a:off x="0" y="1442053"/>
+            <a:ext cx="10426390" cy="2335835"/>
           </a:xfrm>
           <a:prstGeom prst="rect">
             <a:avLst/>
           </a:prstGeom>
-          <a:ln w="38100">
-            <a:solidFill>
-              <a:srgbClr val="A51258"/>
-            </a:solidFill>
+          <a:ln>
+            <a:noFill/>
           </a:ln>
+          <a:effectLst>
+            <a:outerShdw blurRad="292100" dist="139700" dir="2700000" algn="tl" rotWithShape="0">
+              <a:srgbClr val="333333">
+                <a:alpha val="65000"/>
+              </a:srgbClr>
+            </a:outerShdw>
+          </a:effectLst>
         </p:spPr>
       </p:pic>
+    </p:spTree>
+    <p:extLst>
+      <p:ext uri="{BB962C8B-B14F-4D97-AF65-F5344CB8AC3E}">
+        <p14:creationId xmlns:p14="http://schemas.microsoft.com/office/powerpoint/2010/main" val="779748466"/>
+      </p:ext>
+    </p:extLst>
+  </p:cSld>
+  <p:clrMapOvr>
+    <a:masterClrMapping/>
+  </p:clrMapOvr>
+  <mc:AlternateContent xmlns:mc="http://schemas.openxmlformats.org/markup-compatibility/2006" xmlns:p159="http://schemas.microsoft.com/office/powerpoint/2015/09/main">
+    <mc:Choice Requires="p159">
+      <p:transition xmlns:p14="http://schemas.microsoft.com/office/powerpoint/2010/main" spd="slow" p14:dur="2000">
+        <p159:morph option="byObject"/>
+      </p:transition>
+    </mc:Choice>
+    <mc:Fallback xmlns="">
+      <p:transition spd="slow">
+        <p:fade/>
+      </p:transition>
+    </mc:Fallback>
+  </mc:AlternateContent>
+</p:sld>
+</file>
+
+<file path=ppt/slides/slide16.xml><?xml version="1.0" encoding="utf-8"?>
+<p:sld xmlns:a="http://schemas.openxmlformats.org/drawingml/2006/main" xmlns:r="http://schemas.openxmlformats.org/officeDocument/2006/relationships" xmlns:p="http://schemas.openxmlformats.org/presentationml/2006/main">
+  <p:cSld>
+    <p:spTree>
+      <p:nvGrpSpPr>
+        <p:cNvPr id="1" name=""/>
+        <p:cNvGrpSpPr/>
+        <p:nvPr/>
+      </p:nvGrpSpPr>
+      <p:grpSpPr>
+        <a:xfrm>
+          <a:off x="0" y="0"/>
+          <a:ext cx="0" cy="0"/>
+          <a:chOff x="0" y="0"/>
+          <a:chExt cx="0" cy="0"/>
+        </a:xfrm>
+      </p:grpSpPr>
       <p:pic>
         <p:nvPicPr>
-          <p:cNvPr id="21" name="Image 20">
-            <a:extLst>
-              <a:ext uri="{FF2B5EF4-FFF2-40B4-BE49-F238E27FC236}">
-                <a16:creationId xmlns:a16="http://schemas.microsoft.com/office/drawing/2014/main" id="{900F7095-20DC-455F-BC6B-604E670A9783}"/>
+          <p:cNvPr id="1026" name="Picture 2" descr="Image associée">
+            <a:extLst>
+              <a:ext uri="{FF2B5EF4-FFF2-40B4-BE49-F238E27FC236}">
+                <a16:creationId xmlns:a16="http://schemas.microsoft.com/office/drawing/2014/main" id="{C816F3D8-CC4C-46B3-A21E-58AE9AD30454}"/>
+              </a:ext>
+            </a:extLst>
+          </p:cNvPr>
+          <p:cNvPicPr>
+            <a:picLocks noChangeAspect="1" noChangeArrowheads="1"/>
+          </p:cNvPicPr>
+          <p:nvPr/>
+        </p:nvPicPr>
+        <p:blipFill rotWithShape="1">
+          <a:blip r:embed="rId2">
+            <a:extLst>
+              <a:ext uri="{28A0092B-C50C-407E-A947-70E740481C1C}">
+                <a14:useLocalDpi xmlns:a14="http://schemas.microsoft.com/office/drawing/2010/main" val="0"/>
+              </a:ext>
+            </a:extLst>
+          </a:blip>
+          <a:srcRect l="18677" r="15441"/>
+          <a:stretch/>
+        </p:blipFill>
+        <p:spPr bwMode="auto">
+          <a:xfrm>
+            <a:off x="143436" y="143435"/>
+            <a:ext cx="2269635" cy="609600"/>
+          </a:xfrm>
+          <a:prstGeom prst="rect">
+            <a:avLst/>
+          </a:prstGeom>
+          <a:noFill/>
+          <a:extLst>
+            <a:ext uri="{909E8E84-426E-40DD-AFC4-6F175D3DCCD1}">
+              <a14:hiddenFill xmlns:a14="http://schemas.microsoft.com/office/drawing/2010/main">
+                <a:solidFill>
+                  <a:srgbClr val="FFFFFF"/>
+                </a:solidFill>
+              </a14:hiddenFill>
+            </a:ext>
+          </a:extLst>
+        </p:spPr>
+      </p:pic>
+      <p:sp>
+        <p:nvSpPr>
+          <p:cNvPr id="3" name="ZoneTexte 2">
+            <a:extLst>
+              <a:ext uri="{FF2B5EF4-FFF2-40B4-BE49-F238E27FC236}">
+                <a16:creationId xmlns:a16="http://schemas.microsoft.com/office/drawing/2014/main" id="{1582123C-25BF-42F1-97F8-35FFB48DFFAA}"/>
+              </a:ext>
+            </a:extLst>
+          </p:cNvPr>
+          <p:cNvSpPr txBox="1"/>
+          <p:nvPr/>
+        </p:nvSpPr>
+        <p:spPr>
+          <a:xfrm>
+            <a:off x="2477079" y="168260"/>
+            <a:ext cx="6848856" cy="584775"/>
+          </a:xfrm>
+          <a:prstGeom prst="rect">
+            <a:avLst/>
+          </a:prstGeom>
+          <a:noFill/>
+          <a:ln>
+            <a:noFill/>
+          </a:ln>
+          <a:effectLst>
+            <a:glow rad="63500">
+              <a:schemeClr val="accent4">
+                <a:satMod val="175000"/>
+                <a:alpha val="40000"/>
+              </a:schemeClr>
+            </a:glow>
+            <a:outerShdw blurRad="50800" dist="38100" dir="5400000" algn="t" rotWithShape="0">
+              <a:prstClr val="black">
+                <a:alpha val="40000"/>
+              </a:prstClr>
+            </a:outerShdw>
+          </a:effectLst>
+          <a:scene3d>
+            <a:camera prst="orthographicFront">
+              <a:rot lat="0" lon="0" rev="0"/>
+            </a:camera>
+            <a:lightRig rig="soft" dir="t">
+              <a:rot lat="0" lon="0" rev="0"/>
+            </a:lightRig>
+          </a:scene3d>
+          <a:sp3d contourW="44450" prstMaterial="matte">
+            <a:bevelT w="63500" h="63500" prst="artDeco"/>
+            <a:contourClr>
+              <a:srgbClr val="FFFFFF"/>
+            </a:contourClr>
+          </a:sp3d>
+        </p:spPr>
+        <p:txBody>
+          <a:bodyPr wrap="square" rtlCol="0">
+            <a:spAutoFit/>
+          </a:bodyPr>
+          <a:lstStyle/>
+          <a:p>
+            <a:pPr algn="ctr"/>
+            <a:r>
+              <a:rPr lang="fr-FR" sz="3200" b="1" dirty="0">
+                <a:latin typeface="Eras Medium ITC" panose="020B0602030504020804" pitchFamily="34" charset="0"/>
+              </a:rPr>
+              <a:t>Planification Gantt - </a:t>
+            </a:r>
+            <a:r>
+              <a:rPr lang="fr-FR" sz="2800" b="1" dirty="0">
+                <a:solidFill>
+                  <a:srgbClr val="A41258"/>
+                </a:solidFill>
+                <a:latin typeface="Eras Medium ITC" panose="020B0602030504020804" pitchFamily="34" charset="0"/>
+              </a:rPr>
+              <a:t>Partie personnelle </a:t>
+            </a:r>
+            <a:r>
+              <a:rPr lang="fr-FR" sz="2800" b="1" dirty="0">
+                <a:latin typeface="Eras Medium ITC" panose="020B0602030504020804" pitchFamily="34" charset="0"/>
+              </a:rPr>
+              <a:t>:</a:t>
+            </a:r>
+          </a:p>
+        </p:txBody>
+      </p:sp>
+      <p:pic>
+        <p:nvPicPr>
+          <p:cNvPr id="4" name="Image 3">
+            <a:extLst>
+              <a:ext uri="{FF2B5EF4-FFF2-40B4-BE49-F238E27FC236}">
+                <a16:creationId xmlns:a16="http://schemas.microsoft.com/office/drawing/2014/main" id="{1F9A3EA9-0811-4B17-BBFD-30A0FB67957A}"/>
               </a:ext>
             </a:extLst>
           </p:cNvPr>
@@ -11160,373 +12275,25 @@
           <p:nvPr/>
         </p:nvPicPr>
         <p:blipFill>
-          <a:blip r:embed="rId5"/>
+          <a:blip r:embed="rId3"/>
           <a:stretch>
             <a:fillRect/>
           </a:stretch>
         </p:blipFill>
         <p:spPr>
           <a:xfrm>
-            <a:off x="5269770" y="944237"/>
-            <a:ext cx="4211613" cy="3601135"/>
+            <a:off x="420624" y="822273"/>
+            <a:ext cx="8595602" cy="5867467"/>
           </a:xfrm>
           <a:prstGeom prst="rect">
             <a:avLst/>
           </a:prstGeom>
-          <a:ln w="28575">
-            <a:solidFill>
-              <a:srgbClr val="A51258"/>
-            </a:solidFill>
-          </a:ln>
-          <a:effectLst>
-            <a:glow>
-              <a:schemeClr val="bg1"/>
-            </a:glow>
-          </a:effectLst>
         </p:spPr>
       </p:pic>
-      <p:sp>
-        <p:nvSpPr>
-          <p:cNvPr id="26" name="Rectangle 25">
-            <a:extLst>
-              <a:ext uri="{FF2B5EF4-FFF2-40B4-BE49-F238E27FC236}">
-                <a16:creationId xmlns:a16="http://schemas.microsoft.com/office/drawing/2014/main" id="{8FD411F7-8FA0-48E4-817D-10CB94BCD191}"/>
-              </a:ext>
-            </a:extLst>
-          </p:cNvPr>
-          <p:cNvSpPr/>
-          <p:nvPr/>
-        </p:nvSpPr>
-        <p:spPr>
-          <a:xfrm>
-            <a:off x="6450575" y="5359679"/>
-            <a:ext cx="1850002" cy="752399"/>
-          </a:xfrm>
-          <a:prstGeom prst="rect">
-            <a:avLst/>
-          </a:prstGeom>
-          <a:noFill/>
-          <a:ln w="28575">
-            <a:solidFill>
-              <a:srgbClr val="A51258"/>
-            </a:solidFill>
-          </a:ln>
-          <a:effectLst>
-            <a:glow rad="50800">
-              <a:schemeClr val="tx1"/>
-            </a:glow>
-          </a:effectLst>
-        </p:spPr>
-        <p:style>
-          <a:lnRef idx="2">
-            <a:schemeClr val="accent1">
-              <a:shade val="50000"/>
-            </a:schemeClr>
-          </a:lnRef>
-          <a:fillRef idx="1">
-            <a:schemeClr val="accent1"/>
-          </a:fillRef>
-          <a:effectRef idx="0">
-            <a:schemeClr val="accent1"/>
-          </a:effectRef>
-          <a:fontRef idx="minor">
-            <a:schemeClr val="lt1"/>
-          </a:fontRef>
-        </p:style>
-        <p:txBody>
-          <a:bodyPr rtlCol="0" anchor="ctr"/>
-          <a:lstStyle/>
-          <a:p>
-            <a:pPr algn="ctr"/>
-            <a:r>
-              <a:rPr lang="fr-FR" sz="1200" dirty="0">
-                <a:solidFill>
-                  <a:srgbClr val="A51258"/>
-                </a:solidFill>
-              </a:rPr>
-              <a:t>Exemples</a:t>
-            </a:r>
-          </a:p>
-        </p:txBody>
-      </p:sp>
-      <p:cxnSp>
-        <p:nvCxnSpPr>
-          <p:cNvPr id="27" name="Connecteur droit avec flèche 26">
-            <a:extLst>
-              <a:ext uri="{FF2B5EF4-FFF2-40B4-BE49-F238E27FC236}">
-                <a16:creationId xmlns:a16="http://schemas.microsoft.com/office/drawing/2014/main" id="{9EA8D079-5BB8-4541-BAA5-902C067C3205}"/>
-              </a:ext>
-            </a:extLst>
-          </p:cNvPr>
-          <p:cNvCxnSpPr>
-            <a:cxnSpLocks/>
-            <a:stCxn id="26" idx="0"/>
-            <a:endCxn id="21" idx="2"/>
-          </p:cNvCxnSpPr>
-          <p:nvPr/>
-        </p:nvCxnSpPr>
-        <p:spPr>
-          <a:xfrm flipV="1">
-            <a:off x="7375576" y="4545372"/>
-            <a:ext cx="1" cy="814307"/>
-          </a:xfrm>
-          <a:prstGeom prst="straightConnector1">
-            <a:avLst/>
-          </a:prstGeom>
-          <a:ln w="38100">
-            <a:solidFill>
-              <a:srgbClr val="A51258"/>
-            </a:solidFill>
-            <a:tailEnd type="triangle"/>
-          </a:ln>
-          <a:effectLst>
-            <a:glow rad="50800">
-              <a:schemeClr val="tx1"/>
-            </a:glow>
-          </a:effectLst>
-        </p:spPr>
-        <p:style>
-          <a:lnRef idx="1">
-            <a:schemeClr val="accent1"/>
-          </a:lnRef>
-          <a:fillRef idx="0">
-            <a:schemeClr val="accent1"/>
-          </a:fillRef>
-          <a:effectRef idx="0">
-            <a:schemeClr val="accent1"/>
-          </a:effectRef>
-          <a:fontRef idx="minor">
-            <a:schemeClr val="tx1"/>
-          </a:fontRef>
-        </p:style>
-      </p:cxnSp>
-      <p:cxnSp>
-        <p:nvCxnSpPr>
-          <p:cNvPr id="30" name="Connecteur droit avec flèche 29">
-            <a:extLst>
-              <a:ext uri="{FF2B5EF4-FFF2-40B4-BE49-F238E27FC236}">
-                <a16:creationId xmlns:a16="http://schemas.microsoft.com/office/drawing/2014/main" id="{B1D6E6A8-FC45-4AFC-AAC2-664A3ECDE1DF}"/>
-              </a:ext>
-            </a:extLst>
-          </p:cNvPr>
-          <p:cNvCxnSpPr>
-            <a:cxnSpLocks/>
-            <a:stCxn id="26" idx="1"/>
-            <a:endCxn id="19" idx="3"/>
-          </p:cNvCxnSpPr>
-          <p:nvPr/>
-        </p:nvCxnSpPr>
-        <p:spPr>
-          <a:xfrm flipH="1">
-            <a:off x="4498013" y="5735879"/>
-            <a:ext cx="1952562" cy="0"/>
-          </a:xfrm>
-          <a:prstGeom prst="straightConnector1">
-            <a:avLst/>
-          </a:prstGeom>
-          <a:ln w="38100">
-            <a:solidFill>
-              <a:srgbClr val="A51258"/>
-            </a:solidFill>
-            <a:tailEnd type="triangle"/>
-          </a:ln>
-          <a:effectLst>
-            <a:glow rad="50800">
-              <a:schemeClr val="tx1"/>
-            </a:glow>
-          </a:effectLst>
-        </p:spPr>
-        <p:style>
-          <a:lnRef idx="1">
-            <a:schemeClr val="accent1"/>
-          </a:lnRef>
-          <a:fillRef idx="0">
-            <a:schemeClr val="accent1"/>
-          </a:fillRef>
-          <a:effectRef idx="0">
-            <a:schemeClr val="accent1"/>
-          </a:effectRef>
-          <a:fontRef idx="minor">
-            <a:schemeClr val="tx1"/>
-          </a:fontRef>
-        </p:style>
-      </p:cxnSp>
-      <p:sp>
-        <p:nvSpPr>
-          <p:cNvPr id="34" name="Rectangle 33">
-            <a:extLst>
-              <a:ext uri="{FF2B5EF4-FFF2-40B4-BE49-F238E27FC236}">
-                <a16:creationId xmlns:a16="http://schemas.microsoft.com/office/drawing/2014/main" id="{FE8A38AC-578F-4101-BB2A-5429A32B752B}"/>
-              </a:ext>
-            </a:extLst>
-          </p:cNvPr>
-          <p:cNvSpPr/>
-          <p:nvPr/>
-        </p:nvSpPr>
-        <p:spPr>
-          <a:xfrm>
-            <a:off x="367308" y="2922939"/>
-            <a:ext cx="1850002" cy="752399"/>
-          </a:xfrm>
-          <a:prstGeom prst="rect">
-            <a:avLst/>
-          </a:prstGeom>
-          <a:noFill/>
-          <a:ln w="28575">
-            <a:solidFill>
-              <a:srgbClr val="A51258"/>
-            </a:solidFill>
-          </a:ln>
-          <a:effectLst>
-            <a:glow rad="50800">
-              <a:schemeClr val="tx1"/>
-            </a:glow>
-          </a:effectLst>
-        </p:spPr>
-        <p:style>
-          <a:lnRef idx="2">
-            <a:schemeClr val="accent1">
-              <a:shade val="50000"/>
-            </a:schemeClr>
-          </a:lnRef>
-          <a:fillRef idx="1">
-            <a:schemeClr val="accent1"/>
-          </a:fillRef>
-          <a:effectRef idx="0">
-            <a:schemeClr val="accent1"/>
-          </a:effectRef>
-          <a:fontRef idx="minor">
-            <a:schemeClr val="lt1"/>
-          </a:fontRef>
-        </p:style>
-        <p:txBody>
-          <a:bodyPr rtlCol="0" anchor="ctr"/>
-          <a:lstStyle/>
-          <a:p>
-            <a:pPr algn="ctr"/>
-            <a:r>
-              <a:rPr lang="fr-FR" sz="1200" dirty="0">
-                <a:solidFill>
-                  <a:srgbClr val="A51258"/>
-                </a:solidFill>
-              </a:rPr>
-              <a:t>Facilite </a:t>
-            </a:r>
-            <a:r>
-              <a:rPr lang="fr-FR" sz="1200" dirty="0">
-                <a:solidFill>
-                  <a:schemeClr val="tx1"/>
-                </a:solidFill>
-              </a:rPr>
-              <a:t>l’utilisation des les lecteurs RFID</a:t>
-            </a:r>
-          </a:p>
-        </p:txBody>
-      </p:sp>
-      <p:cxnSp>
-        <p:nvCxnSpPr>
-          <p:cNvPr id="35" name="Connecteur droit avec flèche 34">
-            <a:extLst>
-              <a:ext uri="{FF2B5EF4-FFF2-40B4-BE49-F238E27FC236}">
-                <a16:creationId xmlns:a16="http://schemas.microsoft.com/office/drawing/2014/main" id="{B5957FC1-7DE0-4701-AB56-118B48A89468}"/>
-              </a:ext>
-            </a:extLst>
-          </p:cNvPr>
-          <p:cNvCxnSpPr>
-            <a:cxnSpLocks/>
-            <a:stCxn id="5" idx="2"/>
-            <a:endCxn id="34" idx="0"/>
-          </p:cNvCxnSpPr>
-          <p:nvPr/>
-        </p:nvCxnSpPr>
-        <p:spPr>
-          <a:xfrm>
-            <a:off x="1292309" y="1874520"/>
-            <a:ext cx="0" cy="1048419"/>
-          </a:xfrm>
-          <a:prstGeom prst="straightConnector1">
-            <a:avLst/>
-          </a:prstGeom>
-          <a:ln w="38100">
-            <a:solidFill>
-              <a:srgbClr val="A51258"/>
-            </a:solidFill>
-            <a:tailEnd type="triangle"/>
-          </a:ln>
-          <a:effectLst>
-            <a:glow rad="50800">
-              <a:schemeClr val="tx1"/>
-            </a:glow>
-          </a:effectLst>
-        </p:spPr>
-        <p:style>
-          <a:lnRef idx="1">
-            <a:schemeClr val="accent1"/>
-          </a:lnRef>
-          <a:fillRef idx="0">
-            <a:schemeClr val="accent1"/>
-          </a:fillRef>
-          <a:effectRef idx="0">
-            <a:schemeClr val="accent1"/>
-          </a:effectRef>
-          <a:fontRef idx="minor">
-            <a:schemeClr val="tx1"/>
-          </a:fontRef>
-        </p:style>
-      </p:cxnSp>
-      <p:cxnSp>
-        <p:nvCxnSpPr>
-          <p:cNvPr id="38" name="Connecteur droit avec flèche 37">
-            <a:extLst>
-              <a:ext uri="{FF2B5EF4-FFF2-40B4-BE49-F238E27FC236}">
-                <a16:creationId xmlns:a16="http://schemas.microsoft.com/office/drawing/2014/main" id="{85E766C0-203C-4472-B192-909211381607}"/>
-              </a:ext>
-            </a:extLst>
-          </p:cNvPr>
-          <p:cNvCxnSpPr>
-            <a:cxnSpLocks/>
-          </p:cNvCxnSpPr>
-          <p:nvPr/>
-        </p:nvCxnSpPr>
-        <p:spPr>
-          <a:xfrm>
-            <a:off x="2217310" y="3424390"/>
-            <a:ext cx="4233265" cy="1935289"/>
-          </a:xfrm>
-          <a:prstGeom prst="straightConnector1">
-            <a:avLst/>
-          </a:prstGeom>
-          <a:ln w="38100">
-            <a:solidFill>
-              <a:srgbClr val="A51258"/>
-            </a:solidFill>
-            <a:tailEnd type="triangle"/>
-          </a:ln>
-          <a:effectLst>
-            <a:glow rad="50800">
-              <a:schemeClr val="tx1"/>
-            </a:glow>
-          </a:effectLst>
-        </p:spPr>
-        <p:style>
-          <a:lnRef idx="1">
-            <a:schemeClr val="accent1"/>
-          </a:lnRef>
-          <a:fillRef idx="0">
-            <a:schemeClr val="accent1"/>
-          </a:fillRef>
-          <a:effectRef idx="0">
-            <a:schemeClr val="accent1"/>
-          </a:effectRef>
-          <a:fontRef idx="minor">
-            <a:schemeClr val="tx1"/>
-          </a:fontRef>
-        </p:style>
-      </p:cxnSp>
     </p:spTree>
     <p:extLst>
       <p:ext uri="{BB962C8B-B14F-4D97-AF65-F5344CB8AC3E}">
-        <p14:creationId xmlns:p14="http://schemas.microsoft.com/office/powerpoint/2010/main" val="3952120001"/>
+        <p14:creationId xmlns:p14="http://schemas.microsoft.com/office/powerpoint/2010/main" val="1042172690"/>
       </p:ext>
     </p:extLst>
   </p:cSld>
@@ -11567,6 +12334,114 @@
       </p:grpSpPr>
       <p:sp>
         <p:nvSpPr>
+          <p:cNvPr id="25" name="Organigramme : Terminateur 24">
+            <a:extLst>
+              <a:ext uri="{FF2B5EF4-FFF2-40B4-BE49-F238E27FC236}">
+                <a16:creationId xmlns:a16="http://schemas.microsoft.com/office/drawing/2014/main" id="{A3E96C3B-DEAC-405A-8CE9-01A73EC9C13F}"/>
+              </a:ext>
+            </a:extLst>
+          </p:cNvPr>
+          <p:cNvSpPr/>
+          <p:nvPr/>
+        </p:nvSpPr>
+        <p:spPr>
+          <a:xfrm rot="16200000">
+            <a:off x="3616965" y="2992938"/>
+            <a:ext cx="358260" cy="85725"/>
+          </a:xfrm>
+          <a:prstGeom prst="flowChartTerminator">
+            <a:avLst/>
+          </a:prstGeom>
+          <a:solidFill>
+            <a:srgbClr val="A8135A"/>
+          </a:solidFill>
+          <a:ln>
+            <a:solidFill>
+              <a:schemeClr val="tx1"/>
+            </a:solidFill>
+          </a:ln>
+        </p:spPr>
+        <p:style>
+          <a:lnRef idx="2">
+            <a:schemeClr val="accent1">
+              <a:shade val="50000"/>
+            </a:schemeClr>
+          </a:lnRef>
+          <a:fillRef idx="1">
+            <a:schemeClr val="accent1"/>
+          </a:fillRef>
+          <a:effectRef idx="0">
+            <a:schemeClr val="accent1"/>
+          </a:effectRef>
+          <a:fontRef idx="minor">
+            <a:schemeClr val="lt1"/>
+          </a:fontRef>
+        </p:style>
+        <p:txBody>
+          <a:bodyPr rtlCol="0" anchor="ctr"/>
+          <a:lstStyle/>
+          <a:p>
+            <a:pPr algn="ctr"/>
+            <a:endParaRPr lang="fr-FR"/>
+          </a:p>
+        </p:txBody>
+      </p:sp>
+      <p:sp>
+        <p:nvSpPr>
+          <p:cNvPr id="18" name="Organigramme : Terminateur 17">
+            <a:extLst>
+              <a:ext uri="{FF2B5EF4-FFF2-40B4-BE49-F238E27FC236}">
+                <a16:creationId xmlns:a16="http://schemas.microsoft.com/office/drawing/2014/main" id="{94612B86-F314-49DF-924D-9F7692DB9F35}"/>
+              </a:ext>
+            </a:extLst>
+          </p:cNvPr>
+          <p:cNvSpPr/>
+          <p:nvPr/>
+        </p:nvSpPr>
+        <p:spPr>
+          <a:xfrm rot="16200000">
+            <a:off x="2476143" y="2991946"/>
+            <a:ext cx="358260" cy="85725"/>
+          </a:xfrm>
+          <a:prstGeom prst="flowChartTerminator">
+            <a:avLst/>
+          </a:prstGeom>
+          <a:solidFill>
+            <a:srgbClr val="A8135A"/>
+          </a:solidFill>
+          <a:ln>
+            <a:solidFill>
+              <a:schemeClr val="tx1"/>
+            </a:solidFill>
+          </a:ln>
+        </p:spPr>
+        <p:style>
+          <a:lnRef idx="2">
+            <a:schemeClr val="accent1">
+              <a:shade val="50000"/>
+            </a:schemeClr>
+          </a:lnRef>
+          <a:fillRef idx="1">
+            <a:schemeClr val="accent1"/>
+          </a:fillRef>
+          <a:effectRef idx="0">
+            <a:schemeClr val="accent1"/>
+          </a:effectRef>
+          <a:fontRef idx="minor">
+            <a:schemeClr val="lt1"/>
+          </a:fontRef>
+        </p:style>
+        <p:txBody>
+          <a:bodyPr rtlCol="0" anchor="ctr"/>
+          <a:lstStyle/>
+          <a:p>
+            <a:pPr algn="ctr"/>
+            <a:endParaRPr lang="fr-FR"/>
+          </a:p>
+        </p:txBody>
+      </p:sp>
+      <p:sp>
+        <p:nvSpPr>
           <p:cNvPr id="19" name="Organigramme : Terminateur 18">
             <a:extLst>
               <a:ext uri="{FF2B5EF4-FFF2-40B4-BE49-F238E27FC236}">
@@ -11579,7 +12454,7 @@
         </p:nvSpPr>
         <p:spPr>
           <a:xfrm rot="16200000">
-            <a:off x="1846358" y="3013801"/>
+            <a:off x="1827878" y="2991946"/>
             <a:ext cx="358260" cy="85725"/>
           </a:xfrm>
           <a:prstGeom prst="flowChartTerminator">
@@ -11726,7 +12601,7 @@
         </p:nvSpPr>
         <p:spPr>
           <a:xfrm rot="16200000">
-            <a:off x="1221044" y="2995776"/>
+            <a:off x="1184952" y="2991946"/>
             <a:ext cx="358260" cy="85725"/>
           </a:xfrm>
           <a:prstGeom prst="flowChartTerminator">
@@ -11872,7 +12747,7 @@
         </p:nvSpPr>
         <p:spPr>
           <a:xfrm>
-            <a:off x="1781685" y="2521978"/>
+            <a:off x="799177" y="1996681"/>
             <a:ext cx="1129785" cy="307777"/>
           </a:xfrm>
           <a:prstGeom prst="rect">
@@ -11910,7 +12785,7 @@
         </p:nvSpPr>
         <p:spPr>
           <a:xfrm>
-            <a:off x="3031245" y="2524528"/>
+            <a:off x="1349247" y="2551614"/>
             <a:ext cx="1315521" cy="307777"/>
           </a:xfrm>
           <a:prstGeom prst="rect">
@@ -11948,7 +12823,7 @@
         </p:nvSpPr>
         <p:spPr>
           <a:xfrm>
-            <a:off x="4354508" y="3523843"/>
+            <a:off x="5972996" y="4151057"/>
             <a:ext cx="1315522" cy="738664"/>
           </a:xfrm>
           <a:prstGeom prst="rect">
@@ -12132,10 +13007,414 @@
         </p:nvSpPr>
         <p:spPr>
           <a:xfrm>
-            <a:off x="4730211" y="2918761"/>
+            <a:off x="5621466" y="2916694"/>
             <a:ext cx="564118" cy="542925"/>
           </a:xfrm>
           <a:prstGeom prst="ellipse">
+            <a:avLst/>
+          </a:prstGeom>
+          <a:solidFill>
+            <a:srgbClr val="A8135A"/>
+          </a:solidFill>
+          <a:ln>
+            <a:solidFill>
+              <a:schemeClr val="tx1"/>
+            </a:solidFill>
+          </a:ln>
+        </p:spPr>
+        <p:style>
+          <a:lnRef idx="2">
+            <a:schemeClr val="accent1">
+              <a:shade val="50000"/>
+            </a:schemeClr>
+          </a:lnRef>
+          <a:fillRef idx="1">
+            <a:schemeClr val="accent1"/>
+          </a:fillRef>
+          <a:effectRef idx="0">
+            <a:schemeClr val="accent1"/>
+          </a:effectRef>
+          <a:fontRef idx="minor">
+            <a:schemeClr val="lt1"/>
+          </a:fontRef>
+        </p:style>
+        <p:txBody>
+          <a:bodyPr rtlCol="0" anchor="ctr"/>
+          <a:lstStyle/>
+          <a:p>
+            <a:pPr algn="ctr"/>
+            <a:endParaRPr lang="fr-FR"/>
+          </a:p>
+        </p:txBody>
+      </p:sp>
+      <p:cxnSp>
+        <p:nvCxnSpPr>
+          <p:cNvPr id="4" name="Connecteur droit avec flèche 3">
+            <a:extLst>
+              <a:ext uri="{FF2B5EF4-FFF2-40B4-BE49-F238E27FC236}">
+                <a16:creationId xmlns:a16="http://schemas.microsoft.com/office/drawing/2014/main" id="{03D15D86-7BAD-4B70-BB4F-C40BCD474AB3}"/>
+              </a:ext>
+            </a:extLst>
+          </p:cNvPr>
+          <p:cNvCxnSpPr>
+            <a:stCxn id="5" idx="3"/>
+            <a:endCxn id="12" idx="2"/>
+          </p:cNvCxnSpPr>
+          <p:nvPr/>
+        </p:nvCxnSpPr>
+        <p:spPr>
+          <a:xfrm flipH="1" flipV="1">
+            <a:off x="1364070" y="2304458"/>
+            <a:ext cx="13" cy="551221"/>
+          </a:xfrm>
+          <a:prstGeom prst="straightConnector1">
+            <a:avLst/>
+          </a:prstGeom>
+          <a:ln w="28575">
+            <a:solidFill>
+              <a:srgbClr val="A51258"/>
+            </a:solidFill>
+            <a:tailEnd type="triangle"/>
+          </a:ln>
+        </p:spPr>
+        <p:style>
+          <a:lnRef idx="1">
+            <a:schemeClr val="accent1"/>
+          </a:lnRef>
+          <a:fillRef idx="0">
+            <a:schemeClr val="accent1"/>
+          </a:fillRef>
+          <a:effectRef idx="0">
+            <a:schemeClr val="accent1"/>
+          </a:effectRef>
+          <a:fontRef idx="minor">
+            <a:schemeClr val="tx1"/>
+          </a:fontRef>
+        </p:style>
+      </p:cxnSp>
+      <p:sp>
+        <p:nvSpPr>
+          <p:cNvPr id="20" name="ZoneTexte 19">
+            <a:extLst>
+              <a:ext uri="{FF2B5EF4-FFF2-40B4-BE49-F238E27FC236}">
+                <a16:creationId xmlns:a16="http://schemas.microsoft.com/office/drawing/2014/main" id="{C3DC0E1A-4026-4E51-B444-A2AA1EC23DF4}"/>
+              </a:ext>
+            </a:extLst>
+          </p:cNvPr>
+          <p:cNvSpPr txBox="1"/>
+          <p:nvPr/>
+        </p:nvSpPr>
+        <p:spPr>
+          <a:xfrm>
+            <a:off x="1997513" y="1780232"/>
+            <a:ext cx="1315521" cy="523220"/>
+          </a:xfrm>
+          <a:prstGeom prst="rect">
+            <a:avLst/>
+          </a:prstGeom>
+          <a:noFill/>
+        </p:spPr>
+        <p:txBody>
+          <a:bodyPr wrap="square" rtlCol="0">
+            <a:spAutoFit/>
+          </a:bodyPr>
+          <a:lstStyle/>
+          <a:p>
+            <a:pPr algn="ctr"/>
+            <a:r>
+              <a:rPr lang="fr-FR" sz="1400" dirty="0">
+                <a:latin typeface="Eras Medium ITC" panose="020B0602030504020804" pitchFamily="34" charset="0"/>
+              </a:rPr>
+              <a:t>Taches personnelles</a:t>
+            </a:r>
+          </a:p>
+        </p:txBody>
+      </p:sp>
+      <p:cxnSp>
+        <p:nvCxnSpPr>
+          <p:cNvPr id="21" name="Connecteur droit avec flèche 20">
+            <a:extLst>
+              <a:ext uri="{FF2B5EF4-FFF2-40B4-BE49-F238E27FC236}">
+                <a16:creationId xmlns:a16="http://schemas.microsoft.com/office/drawing/2014/main" id="{7840FEB0-6F58-4A72-8E39-76D7C38EA6A3}"/>
+              </a:ext>
+            </a:extLst>
+          </p:cNvPr>
+          <p:cNvCxnSpPr>
+            <a:cxnSpLocks/>
+            <a:stCxn id="18" idx="3"/>
+            <a:endCxn id="20" idx="2"/>
+          </p:cNvCxnSpPr>
+          <p:nvPr/>
+        </p:nvCxnSpPr>
+        <p:spPr>
+          <a:xfrm flipV="1">
+            <a:off x="2655274" y="2303452"/>
+            <a:ext cx="0" cy="552227"/>
+          </a:xfrm>
+          <a:prstGeom prst="straightConnector1">
+            <a:avLst/>
+          </a:prstGeom>
+          <a:ln w="28575">
+            <a:solidFill>
+              <a:srgbClr val="A51258"/>
+            </a:solidFill>
+            <a:tailEnd type="triangle"/>
+          </a:ln>
+        </p:spPr>
+        <p:style>
+          <a:lnRef idx="1">
+            <a:schemeClr val="accent1"/>
+          </a:lnRef>
+          <a:fillRef idx="0">
+            <a:schemeClr val="accent1"/>
+          </a:fillRef>
+          <a:effectRef idx="0">
+            <a:schemeClr val="accent1"/>
+          </a:effectRef>
+          <a:fontRef idx="minor">
+            <a:schemeClr val="tx1"/>
+          </a:fontRef>
+        </p:style>
+      </p:cxnSp>
+      <p:sp>
+        <p:nvSpPr>
+          <p:cNvPr id="23" name="Ellipse 22">
+            <a:extLst>
+              <a:ext uri="{FF2B5EF4-FFF2-40B4-BE49-F238E27FC236}">
+                <a16:creationId xmlns:a16="http://schemas.microsoft.com/office/drawing/2014/main" id="{ACC7BA16-860D-4293-8075-FC7E0E2ADB32}"/>
+              </a:ext>
+            </a:extLst>
+          </p:cNvPr>
+          <p:cNvSpPr/>
+          <p:nvPr/>
+        </p:nvSpPr>
+        <p:spPr>
+          <a:xfrm>
+            <a:off x="2974335" y="2918760"/>
+            <a:ext cx="564118" cy="542925"/>
+          </a:xfrm>
+          <a:prstGeom prst="ellipse">
+            <a:avLst/>
+          </a:prstGeom>
+          <a:solidFill>
+            <a:srgbClr val="A8135A"/>
+          </a:solidFill>
+          <a:ln>
+            <a:solidFill>
+              <a:schemeClr val="tx1"/>
+            </a:solidFill>
+          </a:ln>
+        </p:spPr>
+        <p:style>
+          <a:lnRef idx="2">
+            <a:schemeClr val="accent1">
+              <a:shade val="50000"/>
+            </a:schemeClr>
+          </a:lnRef>
+          <a:fillRef idx="1">
+            <a:schemeClr val="accent1"/>
+          </a:fillRef>
+          <a:effectRef idx="0">
+            <a:schemeClr val="accent1"/>
+          </a:effectRef>
+          <a:fontRef idx="minor">
+            <a:schemeClr val="lt1"/>
+          </a:fontRef>
+        </p:style>
+        <p:txBody>
+          <a:bodyPr rtlCol="0" anchor="ctr"/>
+          <a:lstStyle/>
+          <a:p>
+            <a:pPr algn="ctr"/>
+            <a:endParaRPr lang="fr-FR"/>
+          </a:p>
+        </p:txBody>
+      </p:sp>
+      <p:sp>
+        <p:nvSpPr>
+          <p:cNvPr id="24" name="ZoneTexte 23">
+            <a:extLst>
+              <a:ext uri="{FF2B5EF4-FFF2-40B4-BE49-F238E27FC236}">
+                <a16:creationId xmlns:a16="http://schemas.microsoft.com/office/drawing/2014/main" id="{D5C5B391-8991-4DF8-AB7A-4AF7DEAE8DB5}"/>
+              </a:ext>
+            </a:extLst>
+          </p:cNvPr>
+          <p:cNvSpPr txBox="1"/>
+          <p:nvPr/>
+        </p:nvSpPr>
+        <p:spPr>
+          <a:xfrm>
+            <a:off x="2538467" y="3466775"/>
+            <a:ext cx="1435854" cy="523220"/>
+          </a:xfrm>
+          <a:prstGeom prst="rect">
+            <a:avLst/>
+          </a:prstGeom>
+          <a:noFill/>
+        </p:spPr>
+        <p:txBody>
+          <a:bodyPr wrap="square" rtlCol="0">
+            <a:spAutoFit/>
+          </a:bodyPr>
+          <a:lstStyle/>
+          <a:p>
+            <a:pPr algn="ctr"/>
+            <a:r>
+              <a:rPr lang="fr-FR" sz="1400" dirty="0">
+                <a:latin typeface="Eras Medium ITC" panose="020B0602030504020804" pitchFamily="34" charset="0"/>
+              </a:rPr>
+              <a:t>Langage de programmation </a:t>
+            </a:r>
+          </a:p>
+        </p:txBody>
+      </p:sp>
+      <p:sp>
+        <p:nvSpPr>
+          <p:cNvPr id="31" name="ZoneTexte 30">
+            <a:extLst>
+              <a:ext uri="{FF2B5EF4-FFF2-40B4-BE49-F238E27FC236}">
+                <a16:creationId xmlns:a16="http://schemas.microsoft.com/office/drawing/2014/main" id="{0EB7216C-B84F-47A0-96F8-77D97570434F}"/>
+              </a:ext>
+            </a:extLst>
+          </p:cNvPr>
+          <p:cNvSpPr txBox="1"/>
+          <p:nvPr/>
+        </p:nvSpPr>
+        <p:spPr>
+          <a:xfrm>
+            <a:off x="3000408" y="2313377"/>
+            <a:ext cx="1591374" cy="523220"/>
+          </a:xfrm>
+          <a:prstGeom prst="rect">
+            <a:avLst/>
+          </a:prstGeom>
+          <a:noFill/>
+        </p:spPr>
+        <p:txBody>
+          <a:bodyPr wrap="square" rtlCol="0">
+            <a:spAutoFit/>
+          </a:bodyPr>
+          <a:lstStyle/>
+          <a:p>
+            <a:pPr algn="ctr"/>
+            <a:r>
+              <a:rPr lang="fr-FR" sz="1400" dirty="0">
+                <a:latin typeface="Eras Medium ITC" panose="020B0602030504020804" pitchFamily="34" charset="0"/>
+              </a:rPr>
+              <a:t>1</a:t>
+            </a:r>
+            <a:r>
+              <a:rPr lang="fr-FR" sz="1400" baseline="30000" dirty="0">
+                <a:latin typeface="Eras Medium ITC" panose="020B0602030504020804" pitchFamily="34" charset="0"/>
+              </a:rPr>
+              <a:t>er </a:t>
+            </a:r>
+            <a:r>
+              <a:rPr lang="fr-FR" sz="1400" dirty="0">
+                <a:latin typeface="Eras Medium ITC" panose="020B0602030504020804" pitchFamily="34" charset="0"/>
+              </a:rPr>
+              <a:t>environnement</a:t>
+            </a:r>
+          </a:p>
+        </p:txBody>
+      </p:sp>
+      <p:sp>
+        <p:nvSpPr>
+          <p:cNvPr id="29" name="Rectangle 28">
+            <a:extLst>
+              <a:ext uri="{FF2B5EF4-FFF2-40B4-BE49-F238E27FC236}">
+                <a16:creationId xmlns:a16="http://schemas.microsoft.com/office/drawing/2014/main" id="{4C59B2C0-D027-40BD-A8EA-8FEDD6126FA6}"/>
+              </a:ext>
+            </a:extLst>
+          </p:cNvPr>
+          <p:cNvSpPr/>
+          <p:nvPr/>
+        </p:nvSpPr>
+        <p:spPr>
+          <a:xfrm>
+            <a:off x="3389765" y="5426945"/>
+            <a:ext cx="2231701" cy="369332"/>
+          </a:xfrm>
+          <a:prstGeom prst="rect">
+            <a:avLst/>
+          </a:prstGeom>
+        </p:spPr>
+        <p:txBody>
+          <a:bodyPr wrap="none">
+            <a:spAutoFit/>
+          </a:bodyPr>
+          <a:lstStyle/>
+          <a:p>
+            <a:r>
+              <a:rPr lang="fr-FR" b="1" dirty="0">
+                <a:solidFill>
+                  <a:srgbClr val="A51258"/>
+                </a:solidFill>
+                <a:effectLst>
+                  <a:outerShdw blurRad="38100" dist="38100" dir="2700000" algn="tl">
+                    <a:srgbClr val="000000">
+                      <a:alpha val="43137"/>
+                    </a:srgbClr>
+                  </a:outerShdw>
+                </a:effectLst>
+                <a:latin typeface="Eras Medium ITC" panose="020B0602030504020804" pitchFamily="34" charset="0"/>
+              </a:rPr>
+              <a:t>2</a:t>
+            </a:r>
+            <a:r>
+              <a:rPr lang="fr-FR" b="1" baseline="30000" dirty="0">
+                <a:solidFill>
+                  <a:srgbClr val="A51258"/>
+                </a:solidFill>
+                <a:effectLst>
+                  <a:outerShdw blurRad="38100" dist="38100" dir="2700000" algn="tl">
+                    <a:srgbClr val="000000">
+                      <a:alpha val="43137"/>
+                    </a:srgbClr>
+                  </a:outerShdw>
+                </a:effectLst>
+                <a:latin typeface="Eras Medium ITC" panose="020B0602030504020804" pitchFamily="34" charset="0"/>
+              </a:rPr>
+              <a:t>ème </a:t>
+            </a:r>
+            <a:r>
+              <a:rPr lang="fr-FR" b="1" dirty="0">
+                <a:solidFill>
+                  <a:srgbClr val="A51258"/>
+                </a:solidFill>
+                <a:effectLst>
+                  <a:outerShdw blurRad="38100" dist="38100" dir="2700000" algn="tl">
+                    <a:srgbClr val="000000">
+                      <a:alpha val="43137"/>
+                    </a:srgbClr>
+                  </a:outerShdw>
+                </a:effectLst>
+                <a:latin typeface="Eras Medium ITC" panose="020B0602030504020804" pitchFamily="34" charset="0"/>
+              </a:rPr>
+              <a:t>environnement</a:t>
+            </a:r>
+            <a:endParaRPr lang="fr-FR" dirty="0"/>
+          </a:p>
+        </p:txBody>
+      </p:sp>
+      <p:sp>
+        <p:nvSpPr>
+          <p:cNvPr id="33" name="Organigramme : Terminateur 32">
+            <a:extLst>
+              <a:ext uri="{FF2B5EF4-FFF2-40B4-BE49-F238E27FC236}">
+                <a16:creationId xmlns:a16="http://schemas.microsoft.com/office/drawing/2014/main" id="{0468469B-3B5B-4A66-A87B-3CBE7DC2B237}"/>
+              </a:ext>
+            </a:extLst>
+          </p:cNvPr>
+          <p:cNvSpPr/>
+          <p:nvPr/>
+        </p:nvSpPr>
+        <p:spPr>
+          <a:xfrm rot="16200000">
+            <a:off x="4154793" y="2991945"/>
+            <a:ext cx="358260" cy="85725"/>
+          </a:xfrm>
+          <a:prstGeom prst="flowChartTerminator">
             <a:avLst/>
           </a:prstGeom>
           <a:solidFill>
@@ -14863,7 +16142,7 @@
         <p:spPr>
           <a:xfrm>
             <a:off x="4867669" y="1631532"/>
-            <a:ext cx="3799332" cy="3139321"/>
+            <a:ext cx="3799332" cy="3970318"/>
           </a:xfrm>
           <a:prstGeom prst="rect">
             <a:avLst/>
@@ -14908,7 +16187,7 @@
               <a:rPr lang="fr-FR" dirty="0">
                 <a:latin typeface="Eras Medium ITC" panose="020B0602030504020804" pitchFamily="34" charset="0"/>
               </a:rPr>
-              <a:t>Allumé une LED correspondante dans la seconde si UID correct.</a:t>
+              <a:t>Allumé ou éteindre une LED correspondante dans la seconde selon l'état du capteur.</a:t>
             </a:r>
           </a:p>
           <a:p>
@@ -14920,7 +16199,7 @@
               <a:rPr lang="fr-FR" dirty="0">
                 <a:latin typeface="Eras Medium ITC" panose="020B0602030504020804" pitchFamily="34" charset="0"/>
               </a:rPr>
-              <a:t>Si 4 UID corrects, ouvrir la gâche électrique et envoyer l’ordre de fin partie à l’application de supervision.</a:t>
+              <a:t>Si 4 UID corrects, ouvrir la gâche électrique et envoyer l’ordre de fin partie à l’application de supervision via un système client socket.</a:t>
             </a:r>
           </a:p>
           <a:p>
@@ -14932,7 +16211,7 @@
               <a:rPr lang="fr-FR" dirty="0">
                 <a:latin typeface="Eras Medium ITC" panose="020B0602030504020804" pitchFamily="34" charset="0"/>
               </a:rPr>
-              <a:t>Détecté l’ordre de fin de partie dans l’application de supervision.</a:t>
+              <a:t>Détecté l’ordre de fin de partie dans l’application de supervision via un système serveur socket.</a:t>
             </a:r>
           </a:p>
         </p:txBody>
@@ -15854,7 +17133,7 @@
                 </a:effectLst>
                 <a:latin typeface="Eras Medium ITC" panose="020B0602030504020804" pitchFamily="34" charset="0"/>
               </a:rPr>
-              <a:t>développement 1</a:t>
+              <a:t>programmation: 1</a:t>
             </a:r>
             <a:r>
               <a:rPr lang="fr-FR" sz="3200" b="1" baseline="30000" dirty="0">
@@ -16716,7 +17995,7 @@
         <p:spPr>
           <a:xfrm>
             <a:off x="2059803" y="3697092"/>
-            <a:ext cx="2889820" cy="0"/>
+            <a:ext cx="2925471" cy="0"/>
           </a:xfrm>
           <a:prstGeom prst="straightConnector1">
             <a:avLst/>
@@ -16770,7 +18049,7 @@
         </p:blipFill>
         <p:spPr>
           <a:xfrm>
-            <a:off x="4949623" y="3011420"/>
+            <a:off x="4985274" y="3011420"/>
             <a:ext cx="1310396" cy="1371344"/>
           </a:xfrm>
           <a:prstGeom prst="rect">
@@ -17176,7 +18455,7 @@
                 </a:effectLst>
                 <a:latin typeface="Eras Medium ITC" panose="020B0602030504020804" pitchFamily="34" charset="0"/>
               </a:rPr>
-              <a:t>développement 2</a:t>
+              <a:t>programmation: 2</a:t>
             </a:r>
             <a:r>
               <a:rPr lang="fr-FR" sz="3200" b="1" baseline="30000" dirty="0">
@@ -17885,7 +19164,7 @@
         <p:spPr>
           <a:xfrm flipV="1">
             <a:off x="2061511" y="2000822"/>
-            <a:ext cx="1537093" cy="1"/>
+            <a:ext cx="2042398" cy="1"/>
           </a:xfrm>
           <a:prstGeom prst="straightConnector1">
             <a:avLst/>
@@ -18182,7 +19461,7 @@
         <p:spPr>
           <a:xfrm>
             <a:off x="2059803" y="5393362"/>
-            <a:ext cx="4581520" cy="0"/>
+            <a:ext cx="4441900" cy="0"/>
           </a:xfrm>
           <a:prstGeom prst="straightConnector1">
             <a:avLst/>
@@ -18286,7 +19565,7 @@
         </p:blipFill>
         <p:spPr>
           <a:xfrm>
-            <a:off x="3598604" y="1726785"/>
+            <a:off x="4103909" y="1726785"/>
             <a:ext cx="2756146" cy="548074"/>
           </a:xfrm>
           <a:prstGeom prst="rect">
@@ -18345,7 +19624,7 @@
         </p:blipFill>
         <p:spPr>
           <a:xfrm>
-            <a:off x="6641323" y="4525848"/>
+            <a:off x="6501703" y="4525848"/>
             <a:ext cx="1726396" cy="1735028"/>
           </a:xfrm>
           <a:prstGeom prst="rect">
@@ -18442,10 +19721,10 @@
       </p:pic>
       <p:sp>
         <p:nvSpPr>
-          <p:cNvPr id="2" name="ZoneTexte 1">
-            <a:extLst>
-              <a:ext uri="{FF2B5EF4-FFF2-40B4-BE49-F238E27FC236}">
-                <a16:creationId xmlns:a16="http://schemas.microsoft.com/office/drawing/2014/main" id="{144597CC-5B36-42C7-952E-C2CE1E34CACD}"/>
+          <p:cNvPr id="3" name="ZoneTexte 2">
+            <a:extLst>
+              <a:ext uri="{FF2B5EF4-FFF2-40B4-BE49-F238E27FC236}">
+                <a16:creationId xmlns:a16="http://schemas.microsoft.com/office/drawing/2014/main" id="{1582123C-25BF-42F1-97F8-35FFB48DFFAA}"/>
               </a:ext>
             </a:extLst>
           </p:cNvPr>
@@ -18454,13 +19733,43 @@
         </p:nvSpPr>
         <p:spPr>
           <a:xfrm>
-            <a:off x="2587752" y="143435"/>
-            <a:ext cx="6437376" cy="646331"/>
+            <a:off x="2477079" y="168260"/>
+            <a:ext cx="6848856" cy="584775"/>
           </a:xfrm>
           <a:prstGeom prst="rect">
             <a:avLst/>
           </a:prstGeom>
           <a:noFill/>
+          <a:ln>
+            <a:noFill/>
+          </a:ln>
+          <a:effectLst>
+            <a:glow rad="63500">
+              <a:schemeClr val="accent4">
+                <a:satMod val="175000"/>
+                <a:alpha val="40000"/>
+              </a:schemeClr>
+            </a:glow>
+            <a:outerShdw blurRad="50800" dist="38100" dir="5400000" algn="t" rotWithShape="0">
+              <a:prstClr val="black">
+                <a:alpha val="40000"/>
+              </a:prstClr>
+            </a:outerShdw>
+          </a:effectLst>
+          <a:scene3d>
+            <a:camera prst="orthographicFront">
+              <a:rot lat="0" lon="0" rev="0"/>
+            </a:camera>
+            <a:lightRig rig="soft" dir="t">
+              <a:rot lat="0" lon="0" rev="0"/>
+            </a:lightRig>
+          </a:scene3d>
+          <a:sp3d contourW="44450" prstMaterial="matte">
+            <a:bevelT w="63500" h="63500" prst="artDeco"/>
+            <a:contourClr>
+              <a:srgbClr val="FFFFFF"/>
+            </a:contourClr>
+          </a:sp3d>
         </p:spPr>
         <p:txBody>
           <a:bodyPr wrap="square" rtlCol="0">
@@ -18470,32 +19779,18 @@
           <a:p>
             <a:pPr algn="ctr"/>
             <a:r>
-              <a:rPr lang="fr-FR" sz="3600" b="1" dirty="0">
+              <a:rPr lang="fr-FR" sz="3200" b="1" dirty="0">
                 <a:solidFill>
                   <a:srgbClr val="A51258"/>
                 </a:solidFill>
-                <a:effectLst>
-                  <a:outerShdw blurRad="38100" dist="38100" dir="2700000" algn="tl">
-                    <a:srgbClr val="000000">
-                      <a:alpha val="43137"/>
-                    </a:srgbClr>
-                  </a:outerShdw>
-                </a:effectLst>
                 <a:latin typeface="Eras Medium ITC" panose="020B0602030504020804" pitchFamily="34" charset="0"/>
               </a:rPr>
-              <a:t>Câblage</a:t>
+              <a:t>Librairie</a:t>
             </a:r>
             <a:endParaRPr lang="fr-FR" sz="2800" b="1" dirty="0">
               <a:solidFill>
                 <a:srgbClr val="A51258"/>
               </a:solidFill>
-              <a:effectLst>
-                <a:outerShdw blurRad="38100" dist="38100" dir="2700000" algn="tl">
-                  <a:srgbClr val="000000">
-                    <a:alpha val="43137"/>
-                  </a:srgbClr>
-                </a:outerShdw>
-              </a:effectLst>
               <a:latin typeface="Eras Medium ITC" panose="020B0602030504020804" pitchFamily="34" charset="0"/>
             </a:endParaRPr>
           </a:p>
@@ -18503,10 +19798,10 @@
       </p:sp>
       <p:sp>
         <p:nvSpPr>
-          <p:cNvPr id="6" name="Organigramme : Terminateur 5">
-            <a:extLst>
-              <a:ext uri="{FF2B5EF4-FFF2-40B4-BE49-F238E27FC236}">
-                <a16:creationId xmlns:a16="http://schemas.microsoft.com/office/drawing/2014/main" id="{D0388349-375C-432D-95E5-4335229F72C4}"/>
+          <p:cNvPr id="5" name="Rectangle 4">
+            <a:extLst>
+              <a:ext uri="{FF2B5EF4-FFF2-40B4-BE49-F238E27FC236}">
+                <a16:creationId xmlns:a16="http://schemas.microsoft.com/office/drawing/2014/main" id="{E8071899-BAB1-4FE1-A456-5AC697088E0D}"/>
               </a:ext>
             </a:extLst>
           </p:cNvPr>
@@ -18515,20 +19810,23 @@
         </p:nvSpPr>
         <p:spPr>
           <a:xfrm>
-            <a:off x="11405115" y="1514475"/>
-            <a:ext cx="358260" cy="85725"/>
-          </a:xfrm>
-          <a:prstGeom prst="flowChartTerminator">
-            <a:avLst/>
-          </a:prstGeom>
-          <a:solidFill>
-            <a:srgbClr val="A8135A"/>
-          </a:solidFill>
-          <a:ln>
+            <a:off x="367308" y="1122121"/>
+            <a:ext cx="1850002" cy="752399"/>
+          </a:xfrm>
+          <a:prstGeom prst="rect">
+            <a:avLst/>
+          </a:prstGeom>
+          <a:noFill/>
+          <a:ln w="28575">
             <a:solidFill>
-              <a:schemeClr val="bg1"/>
+              <a:srgbClr val="A51258"/>
             </a:solidFill>
           </a:ln>
+          <a:effectLst>
+            <a:glow rad="50800">
+              <a:schemeClr val="tx1"/>
+            </a:glow>
+          </a:effectLst>
         </p:spPr>
         <p:style>
           <a:lnRef idx="2">
@@ -18551,38 +19849,236 @@
           <a:lstStyle/>
           <a:p>
             <a:pPr algn="ctr"/>
-            <a:endParaRPr lang="fr-FR"/>
-          </a:p>
-        </p:txBody>
-      </p:sp>
-      <p:sp>
-        <p:nvSpPr>
-          <p:cNvPr id="7" name="Rectangle 6">
-            <a:extLst>
-              <a:ext uri="{FF2B5EF4-FFF2-40B4-BE49-F238E27FC236}">
-                <a16:creationId xmlns:a16="http://schemas.microsoft.com/office/drawing/2014/main" id="{7965C92B-62A3-4F91-80E9-84A7357D8ED7}"/>
-              </a:ext>
-            </a:extLst>
-          </p:cNvPr>
-          <p:cNvSpPr/>
-          <p:nvPr/>
-        </p:nvSpPr>
-        <p:spPr>
-          <a:xfrm>
-            <a:off x="11658600" y="753035"/>
-            <a:ext cx="104775" cy="5614778"/>
+            <a:r>
+              <a:rPr lang="fr-FR" sz="1200" dirty="0">
+                <a:solidFill>
+                  <a:srgbClr val="A51258"/>
+                </a:solidFill>
+              </a:rPr>
+              <a:t>pi-rc522</a:t>
+            </a:r>
+            <a:r>
+              <a:rPr lang="fr-FR" sz="1200" dirty="0">
+                <a:solidFill>
+                  <a:schemeClr val="tx1"/>
+                </a:solidFill>
+              </a:rPr>
+              <a:t> est une librairie sous </a:t>
+            </a:r>
+            <a:r>
+              <a:rPr lang="fr-FR" sz="1200" dirty="0">
+                <a:solidFill>
+                  <a:srgbClr val="A51258"/>
+                </a:solidFill>
+              </a:rPr>
+              <a:t>licence MIT </a:t>
+            </a:r>
+            <a:r>
+              <a:rPr lang="fr-FR" sz="1200" dirty="0">
+                <a:solidFill>
+                  <a:schemeClr val="tx1"/>
+                </a:solidFill>
+              </a:rPr>
+              <a:t>pour le</a:t>
+            </a:r>
+            <a:r>
+              <a:rPr lang="fr-FR" sz="1200" dirty="0">
+                <a:solidFill>
+                  <a:srgbClr val="A51258"/>
+                </a:solidFill>
+              </a:rPr>
+              <a:t> Python</a:t>
+            </a:r>
+          </a:p>
+        </p:txBody>
+      </p:sp>
+      <p:pic>
+        <p:nvPicPr>
+          <p:cNvPr id="6" name="Image 5" descr="Une image contenant dessin, signe&#10;&#10;Description générée automatiquement">
+            <a:extLst>
+              <a:ext uri="{FF2B5EF4-FFF2-40B4-BE49-F238E27FC236}">
+                <a16:creationId xmlns:a16="http://schemas.microsoft.com/office/drawing/2014/main" id="{1476270C-68DA-4E1A-A34E-FB102FA05834}"/>
+              </a:ext>
+            </a:extLst>
+          </p:cNvPr>
+          <p:cNvPicPr>
+            <a:picLocks noChangeAspect="1"/>
+          </p:cNvPicPr>
+          <p:nvPr/>
+        </p:nvPicPr>
+        <p:blipFill>
+          <a:blip r:embed="rId3"/>
+          <a:stretch>
+            <a:fillRect/>
+          </a:stretch>
+        </p:blipFill>
+        <p:spPr>
+          <a:xfrm>
+            <a:off x="3284053" y="944237"/>
+            <a:ext cx="1486846" cy="1108165"/>
           </a:xfrm>
           <a:prstGeom prst="rect">
             <a:avLst/>
           </a:prstGeom>
-          <a:solidFill>
-            <a:schemeClr val="bg1"/>
-          </a:solidFill>
-          <a:ln>
+        </p:spPr>
+      </p:pic>
+      <p:cxnSp>
+        <p:nvCxnSpPr>
+          <p:cNvPr id="8" name="Connecteur droit avec flèche 7">
+            <a:extLst>
+              <a:ext uri="{FF2B5EF4-FFF2-40B4-BE49-F238E27FC236}">
+                <a16:creationId xmlns:a16="http://schemas.microsoft.com/office/drawing/2014/main" id="{8991D987-C960-4F9B-B5A3-ED2CD4D77C48}"/>
+              </a:ext>
+            </a:extLst>
+          </p:cNvPr>
+          <p:cNvCxnSpPr>
+            <a:cxnSpLocks/>
+            <a:stCxn id="5" idx="3"/>
+            <a:endCxn id="6" idx="1"/>
+          </p:cNvCxnSpPr>
+          <p:nvPr/>
+        </p:nvCxnSpPr>
+        <p:spPr>
+          <a:xfrm flipV="1">
+            <a:off x="2217310" y="1498320"/>
+            <a:ext cx="1066743" cy="1"/>
+          </a:xfrm>
+          <a:prstGeom prst="straightConnector1">
+            <a:avLst/>
+          </a:prstGeom>
+          <a:ln w="38100">
             <a:solidFill>
-              <a:schemeClr val="bg1"/>
+              <a:srgbClr val="A51258"/>
+            </a:solidFill>
+            <a:tailEnd type="triangle"/>
+          </a:ln>
+          <a:effectLst>
+            <a:glow rad="50800">
+              <a:schemeClr val="tx1"/>
+            </a:glow>
+          </a:effectLst>
+        </p:spPr>
+        <p:style>
+          <a:lnRef idx="1">
+            <a:schemeClr val="accent1"/>
+          </a:lnRef>
+          <a:fillRef idx="0">
+            <a:schemeClr val="accent1"/>
+          </a:fillRef>
+          <a:effectRef idx="0">
+            <a:schemeClr val="accent1"/>
+          </a:effectRef>
+          <a:fontRef idx="minor">
+            <a:schemeClr val="tx1"/>
+          </a:fontRef>
+        </p:style>
+      </p:cxnSp>
+      <p:pic>
+        <p:nvPicPr>
+          <p:cNvPr id="19" name="Image 18" descr="Une image contenant moniteur, intérieur, écran, noir&#10;&#10;Description générée automatiquement">
+            <a:extLst>
+              <a:ext uri="{FF2B5EF4-FFF2-40B4-BE49-F238E27FC236}">
+                <a16:creationId xmlns:a16="http://schemas.microsoft.com/office/drawing/2014/main" id="{78013C0C-D50E-4F62-A056-A002A217DCDE}"/>
+              </a:ext>
+            </a:extLst>
+          </p:cNvPr>
+          <p:cNvPicPr>
+            <a:picLocks noChangeAspect="1"/>
+          </p:cNvPicPr>
+          <p:nvPr/>
+        </p:nvPicPr>
+        <p:blipFill>
+          <a:blip r:embed="rId4"/>
+          <a:stretch>
+            <a:fillRect/>
+          </a:stretch>
+        </p:blipFill>
+        <p:spPr>
+          <a:xfrm>
+            <a:off x="556725" y="4723757"/>
+            <a:ext cx="4041872" cy="2024244"/>
+          </a:xfrm>
+          <a:prstGeom prst="rect">
+            <a:avLst/>
+          </a:prstGeom>
+          <a:ln w="38100">
+            <a:solidFill>
+              <a:srgbClr val="A51258"/>
             </a:solidFill>
           </a:ln>
+        </p:spPr>
+      </p:pic>
+      <p:pic>
+        <p:nvPicPr>
+          <p:cNvPr id="21" name="Image 20">
+            <a:extLst>
+              <a:ext uri="{FF2B5EF4-FFF2-40B4-BE49-F238E27FC236}">
+                <a16:creationId xmlns:a16="http://schemas.microsoft.com/office/drawing/2014/main" id="{900F7095-20DC-455F-BC6B-604E670A9783}"/>
+              </a:ext>
+            </a:extLst>
+          </p:cNvPr>
+          <p:cNvPicPr>
+            <a:picLocks noChangeAspect="1"/>
+          </p:cNvPicPr>
+          <p:nvPr/>
+        </p:nvPicPr>
+        <p:blipFill>
+          <a:blip r:embed="rId5"/>
+          <a:stretch>
+            <a:fillRect/>
+          </a:stretch>
+        </p:blipFill>
+        <p:spPr>
+          <a:xfrm>
+            <a:off x="5269770" y="930917"/>
+            <a:ext cx="4211613" cy="3601135"/>
+          </a:xfrm>
+          <a:prstGeom prst="rect">
+            <a:avLst/>
+          </a:prstGeom>
+          <a:ln w="28575">
+            <a:solidFill>
+              <a:srgbClr val="A51258"/>
+            </a:solidFill>
+          </a:ln>
+          <a:effectLst>
+            <a:glow>
+              <a:schemeClr val="bg1"/>
+            </a:glow>
+          </a:effectLst>
+        </p:spPr>
+      </p:pic>
+      <p:sp>
+        <p:nvSpPr>
+          <p:cNvPr id="26" name="Rectangle 25">
+            <a:extLst>
+              <a:ext uri="{FF2B5EF4-FFF2-40B4-BE49-F238E27FC236}">
+                <a16:creationId xmlns:a16="http://schemas.microsoft.com/office/drawing/2014/main" id="{8FD411F7-8FA0-48E4-817D-10CB94BCD191}"/>
+              </a:ext>
+            </a:extLst>
+          </p:cNvPr>
+          <p:cNvSpPr/>
+          <p:nvPr/>
+        </p:nvSpPr>
+        <p:spPr>
+          <a:xfrm>
+            <a:off x="6450575" y="5359679"/>
+            <a:ext cx="1850002" cy="752399"/>
+          </a:xfrm>
+          <a:prstGeom prst="rect">
+            <a:avLst/>
+          </a:prstGeom>
+          <a:noFill/>
+          <a:ln w="28575">
+            <a:solidFill>
+              <a:srgbClr val="A51258"/>
+            </a:solidFill>
+          </a:ln>
+          <a:effectLst>
+            <a:glow rad="50800">
+              <a:schemeClr val="tx1"/>
+            </a:glow>
+          </a:effectLst>
         </p:spPr>
         <p:style>
           <a:lnRef idx="2">
@@ -18605,16 +20101,125 @@
           <a:lstStyle/>
           <a:p>
             <a:pPr algn="ctr"/>
-            <a:endParaRPr lang="fr-FR"/>
-          </a:p>
-        </p:txBody>
-      </p:sp>
-      <p:sp>
-        <p:nvSpPr>
-          <p:cNvPr id="9" name="Ellipse 8">
-            <a:extLst>
-              <a:ext uri="{FF2B5EF4-FFF2-40B4-BE49-F238E27FC236}">
-                <a16:creationId xmlns:a16="http://schemas.microsoft.com/office/drawing/2014/main" id="{76D06B21-1630-4698-BFB5-5F24222D7239}"/>
+            <a:r>
+              <a:rPr lang="fr-FR" sz="1200" dirty="0">
+                <a:solidFill>
+                  <a:srgbClr val="A51258"/>
+                </a:solidFill>
+              </a:rPr>
+              <a:t>Exemples</a:t>
+            </a:r>
+          </a:p>
+        </p:txBody>
+      </p:sp>
+      <p:cxnSp>
+        <p:nvCxnSpPr>
+          <p:cNvPr id="27" name="Connecteur droit avec flèche 26">
+            <a:extLst>
+              <a:ext uri="{FF2B5EF4-FFF2-40B4-BE49-F238E27FC236}">
+                <a16:creationId xmlns:a16="http://schemas.microsoft.com/office/drawing/2014/main" id="{9EA8D079-5BB8-4541-BAA5-902C067C3205}"/>
+              </a:ext>
+            </a:extLst>
+          </p:cNvPr>
+          <p:cNvCxnSpPr>
+            <a:cxnSpLocks/>
+            <a:stCxn id="26" idx="0"/>
+            <a:endCxn id="21" idx="2"/>
+          </p:cNvCxnSpPr>
+          <p:nvPr/>
+        </p:nvCxnSpPr>
+        <p:spPr>
+          <a:xfrm flipV="1">
+            <a:off x="7375576" y="4532052"/>
+            <a:ext cx="1" cy="827627"/>
+          </a:xfrm>
+          <a:prstGeom prst="straightConnector1">
+            <a:avLst/>
+          </a:prstGeom>
+          <a:ln w="38100">
+            <a:solidFill>
+              <a:srgbClr val="A51258"/>
+            </a:solidFill>
+            <a:tailEnd type="triangle"/>
+          </a:ln>
+          <a:effectLst>
+            <a:glow rad="50800">
+              <a:schemeClr val="tx1"/>
+            </a:glow>
+          </a:effectLst>
+        </p:spPr>
+        <p:style>
+          <a:lnRef idx="1">
+            <a:schemeClr val="accent1"/>
+          </a:lnRef>
+          <a:fillRef idx="0">
+            <a:schemeClr val="accent1"/>
+          </a:fillRef>
+          <a:effectRef idx="0">
+            <a:schemeClr val="accent1"/>
+          </a:effectRef>
+          <a:fontRef idx="minor">
+            <a:schemeClr val="tx1"/>
+          </a:fontRef>
+        </p:style>
+      </p:cxnSp>
+      <p:cxnSp>
+        <p:nvCxnSpPr>
+          <p:cNvPr id="30" name="Connecteur droit avec flèche 29">
+            <a:extLst>
+              <a:ext uri="{FF2B5EF4-FFF2-40B4-BE49-F238E27FC236}">
+                <a16:creationId xmlns:a16="http://schemas.microsoft.com/office/drawing/2014/main" id="{B1D6E6A8-FC45-4AFC-AAC2-664A3ECDE1DF}"/>
+              </a:ext>
+            </a:extLst>
+          </p:cNvPr>
+          <p:cNvCxnSpPr>
+            <a:cxnSpLocks/>
+            <a:stCxn id="26" idx="1"/>
+            <a:endCxn id="19" idx="3"/>
+          </p:cNvCxnSpPr>
+          <p:nvPr/>
+        </p:nvCxnSpPr>
+        <p:spPr>
+          <a:xfrm flipH="1">
+            <a:off x="4598597" y="5735879"/>
+            <a:ext cx="1851978" cy="0"/>
+          </a:xfrm>
+          <a:prstGeom prst="straightConnector1">
+            <a:avLst/>
+          </a:prstGeom>
+          <a:ln w="38100">
+            <a:solidFill>
+              <a:srgbClr val="A51258"/>
+            </a:solidFill>
+            <a:tailEnd type="triangle"/>
+          </a:ln>
+          <a:effectLst>
+            <a:glow rad="50800">
+              <a:schemeClr val="tx1"/>
+            </a:glow>
+          </a:effectLst>
+        </p:spPr>
+        <p:style>
+          <a:lnRef idx="1">
+            <a:schemeClr val="accent1"/>
+          </a:lnRef>
+          <a:fillRef idx="0">
+            <a:schemeClr val="accent1"/>
+          </a:fillRef>
+          <a:effectRef idx="0">
+            <a:schemeClr val="accent1"/>
+          </a:effectRef>
+          <a:fontRef idx="minor">
+            <a:schemeClr val="tx1"/>
+          </a:fontRef>
+        </p:style>
+      </p:cxnSp>
+      <p:sp>
+        <p:nvSpPr>
+          <p:cNvPr id="34" name="Rectangle 33">
+            <a:extLst>
+              <a:ext uri="{FF2B5EF4-FFF2-40B4-BE49-F238E27FC236}">
+                <a16:creationId xmlns:a16="http://schemas.microsoft.com/office/drawing/2014/main" id="{FE8A38AC-578F-4101-BB2A-5429A32B752B}"/>
               </a:ext>
             </a:extLst>
           </p:cNvPr>
@@ -18623,20 +20228,23 @@
         </p:nvSpPr>
         <p:spPr>
           <a:xfrm>
-            <a:off x="11428928" y="5851700"/>
-            <a:ext cx="564118" cy="542925"/>
-          </a:xfrm>
-          <a:prstGeom prst="ellipse">
-            <a:avLst/>
-          </a:prstGeom>
-          <a:solidFill>
-            <a:schemeClr val="bg1"/>
-          </a:solidFill>
-          <a:ln>
+            <a:off x="367308" y="2922939"/>
+            <a:ext cx="1850002" cy="752399"/>
+          </a:xfrm>
+          <a:prstGeom prst="rect">
+            <a:avLst/>
+          </a:prstGeom>
+          <a:noFill/>
+          <a:ln w="28575">
             <a:solidFill>
-              <a:schemeClr val="bg1"/>
+              <a:srgbClr val="A51258"/>
             </a:solidFill>
           </a:ln>
+          <a:effectLst>
+            <a:glow rad="50800">
+              <a:schemeClr val="tx1"/>
+            </a:glow>
+          </a:effectLst>
         </p:spPr>
         <p:style>
           <a:lnRef idx="2">
@@ -18659,16 +20267,132 @@
           <a:lstStyle/>
           <a:p>
             <a:pPr algn="ctr"/>
-            <a:endParaRPr lang="fr-FR"/>
-          </a:p>
-        </p:txBody>
-      </p:sp>
-      <p:sp>
-        <p:nvSpPr>
-          <p:cNvPr id="10" name="Organigramme : Terminateur 9">
-            <a:extLst>
-              <a:ext uri="{FF2B5EF4-FFF2-40B4-BE49-F238E27FC236}">
-                <a16:creationId xmlns:a16="http://schemas.microsoft.com/office/drawing/2014/main" id="{CB8C87E6-B87B-4E15-81CC-6DBA23DB12CA}"/>
+            <a:r>
+              <a:rPr lang="fr-FR" sz="1200" dirty="0">
+                <a:solidFill>
+                  <a:srgbClr val="A51258"/>
+                </a:solidFill>
+              </a:rPr>
+              <a:t>Facilite </a:t>
+            </a:r>
+            <a:r>
+              <a:rPr lang="fr-FR" sz="1200" dirty="0">
+                <a:solidFill>
+                  <a:schemeClr val="tx1"/>
+                </a:solidFill>
+              </a:rPr>
+              <a:t>l’utilisation des lecteurs RFID RC-522</a:t>
+            </a:r>
+          </a:p>
+        </p:txBody>
+      </p:sp>
+      <p:cxnSp>
+        <p:nvCxnSpPr>
+          <p:cNvPr id="35" name="Connecteur droit avec flèche 34">
+            <a:extLst>
+              <a:ext uri="{FF2B5EF4-FFF2-40B4-BE49-F238E27FC236}">
+                <a16:creationId xmlns:a16="http://schemas.microsoft.com/office/drawing/2014/main" id="{B5957FC1-7DE0-4701-AB56-118B48A89468}"/>
+              </a:ext>
+            </a:extLst>
+          </p:cNvPr>
+          <p:cNvCxnSpPr>
+            <a:cxnSpLocks/>
+            <a:stCxn id="5" idx="2"/>
+            <a:endCxn id="34" idx="0"/>
+          </p:cNvCxnSpPr>
+          <p:nvPr/>
+        </p:nvCxnSpPr>
+        <p:spPr>
+          <a:xfrm>
+            <a:off x="1292309" y="1874520"/>
+            <a:ext cx="0" cy="1048419"/>
+          </a:xfrm>
+          <a:prstGeom prst="straightConnector1">
+            <a:avLst/>
+          </a:prstGeom>
+          <a:ln w="38100">
+            <a:solidFill>
+              <a:srgbClr val="A51258"/>
+            </a:solidFill>
+            <a:tailEnd type="triangle"/>
+          </a:ln>
+          <a:effectLst>
+            <a:glow rad="50800">
+              <a:schemeClr val="tx1"/>
+            </a:glow>
+          </a:effectLst>
+        </p:spPr>
+        <p:style>
+          <a:lnRef idx="1">
+            <a:schemeClr val="accent1"/>
+          </a:lnRef>
+          <a:fillRef idx="0">
+            <a:schemeClr val="accent1"/>
+          </a:fillRef>
+          <a:effectRef idx="0">
+            <a:schemeClr val="accent1"/>
+          </a:effectRef>
+          <a:fontRef idx="minor">
+            <a:schemeClr val="tx1"/>
+          </a:fontRef>
+        </p:style>
+      </p:cxnSp>
+      <p:cxnSp>
+        <p:nvCxnSpPr>
+          <p:cNvPr id="38" name="Connecteur droit avec flèche 37">
+            <a:extLst>
+              <a:ext uri="{FF2B5EF4-FFF2-40B4-BE49-F238E27FC236}">
+                <a16:creationId xmlns:a16="http://schemas.microsoft.com/office/drawing/2014/main" id="{85E766C0-203C-4472-B192-909211381607}"/>
+              </a:ext>
+            </a:extLst>
+          </p:cNvPr>
+          <p:cNvCxnSpPr>
+            <a:cxnSpLocks/>
+            <a:stCxn id="34" idx="3"/>
+          </p:cNvCxnSpPr>
+          <p:nvPr/>
+        </p:nvCxnSpPr>
+        <p:spPr>
+          <a:xfrm>
+            <a:off x="2217310" y="3299139"/>
+            <a:ext cx="4233265" cy="2060540"/>
+          </a:xfrm>
+          <a:prstGeom prst="straightConnector1">
+            <a:avLst/>
+          </a:prstGeom>
+          <a:ln w="38100">
+            <a:solidFill>
+              <a:srgbClr val="A51258"/>
+            </a:solidFill>
+            <a:tailEnd type="triangle"/>
+          </a:ln>
+          <a:effectLst>
+            <a:glow rad="50800">
+              <a:schemeClr val="tx1"/>
+            </a:glow>
+          </a:effectLst>
+        </p:spPr>
+        <p:style>
+          <a:lnRef idx="1">
+            <a:schemeClr val="accent1"/>
+          </a:lnRef>
+          <a:fillRef idx="0">
+            <a:schemeClr val="accent1"/>
+          </a:fillRef>
+          <a:effectRef idx="0">
+            <a:schemeClr val="accent1"/>
+          </a:effectRef>
+          <a:fontRef idx="minor">
+            <a:schemeClr val="tx1"/>
+          </a:fontRef>
+        </p:style>
+      </p:cxnSp>
+      <p:sp>
+        <p:nvSpPr>
+          <p:cNvPr id="15" name="Rectangle 14">
+            <a:extLst>
+              <a:ext uri="{FF2B5EF4-FFF2-40B4-BE49-F238E27FC236}">
+                <a16:creationId xmlns:a16="http://schemas.microsoft.com/office/drawing/2014/main" id="{39F0D42D-15DF-4ED4-BF05-4AA440D940B1}"/>
               </a:ext>
             </a:extLst>
           </p:cNvPr>
@@ -18677,20 +20401,23 @@
         </p:nvSpPr>
         <p:spPr>
           <a:xfrm>
-            <a:off x="11405114" y="2347824"/>
-            <a:ext cx="358259" cy="85725"/>
-          </a:xfrm>
-          <a:prstGeom prst="flowChartTerminator">
-            <a:avLst/>
-          </a:prstGeom>
-          <a:solidFill>
-            <a:srgbClr val="A8135A"/>
-          </a:solidFill>
-          <a:ln>
+            <a:off x="3102475" y="2606485"/>
+            <a:ext cx="1850002" cy="752399"/>
+          </a:xfrm>
+          <a:prstGeom prst="rect">
+            <a:avLst/>
+          </a:prstGeom>
+          <a:noFill/>
+          <a:ln w="28575">
             <a:solidFill>
-              <a:schemeClr val="bg1"/>
+              <a:srgbClr val="A51258"/>
             </a:solidFill>
           </a:ln>
+          <a:effectLst>
+            <a:glow rad="50800">
+              <a:schemeClr val="tx1"/>
+            </a:glow>
+          </a:effectLst>
         </p:spPr>
         <p:style>
           <a:lnRef idx="2">
@@ -18713,396 +20440,93 @@
           <a:lstStyle/>
           <a:p>
             <a:pPr algn="ctr"/>
-            <a:endParaRPr lang="fr-FR"/>
-          </a:p>
-        </p:txBody>
-      </p:sp>
-      <p:sp>
-        <p:nvSpPr>
-          <p:cNvPr id="11" name="ZoneTexte 10">
-            <a:extLst>
-              <a:ext uri="{FF2B5EF4-FFF2-40B4-BE49-F238E27FC236}">
-                <a16:creationId xmlns:a16="http://schemas.microsoft.com/office/drawing/2014/main" id="{470680A5-31CA-4A5F-A91F-7E3BEF289E7E}"/>
-              </a:ext>
-            </a:extLst>
-          </p:cNvPr>
-          <p:cNvSpPr txBox="1"/>
-          <p:nvPr/>
-        </p:nvSpPr>
-        <p:spPr>
-          <a:xfrm>
-            <a:off x="10299143" y="558449"/>
-            <a:ext cx="1129785" cy="461665"/>
-          </a:xfrm>
-          <a:prstGeom prst="rect">
-            <a:avLst/>
-          </a:prstGeom>
-          <a:noFill/>
-        </p:spPr>
-        <p:txBody>
-          <a:bodyPr wrap="square" rtlCol="0">
-            <a:spAutoFit/>
-          </a:bodyPr>
-          <a:lstStyle/>
-          <a:p>
-            <a:pPr algn="r"/>
             <a:r>
               <a:rPr lang="fr-FR" sz="1200" dirty="0">
-                <a:latin typeface="Eras Medium ITC" panose="020B0602030504020804" pitchFamily="34" charset="0"/>
+                <a:solidFill>
+                  <a:srgbClr val="A51258"/>
+                </a:solidFill>
               </a:rPr>
-              <a:t>Présentation du projet</a:t>
-            </a:r>
-          </a:p>
-        </p:txBody>
-      </p:sp>
-      <p:sp>
-        <p:nvSpPr>
-          <p:cNvPr id="12" name="ZoneTexte 11">
-            <a:extLst>
-              <a:ext uri="{FF2B5EF4-FFF2-40B4-BE49-F238E27FC236}">
-                <a16:creationId xmlns:a16="http://schemas.microsoft.com/office/drawing/2014/main" id="{118F324A-9355-4439-8D28-46B0B893CC58}"/>
-              </a:ext>
-            </a:extLst>
-          </p:cNvPr>
-          <p:cNvSpPr txBox="1"/>
-          <p:nvPr/>
-        </p:nvSpPr>
-        <p:spPr>
-          <a:xfrm>
-            <a:off x="10275329" y="1418837"/>
-            <a:ext cx="1129785" cy="276999"/>
-          </a:xfrm>
-          <a:prstGeom prst="rect">
-            <a:avLst/>
-          </a:prstGeom>
-          <a:noFill/>
-        </p:spPr>
-        <p:txBody>
-          <a:bodyPr wrap="square" rtlCol="0">
-            <a:spAutoFit/>
-          </a:bodyPr>
-          <a:lstStyle/>
-          <a:p>
-            <a:pPr algn="r"/>
+              <a:t>« Logiciels libres </a:t>
+            </a:r>
             <a:r>
               <a:rPr lang="fr-FR" sz="1200" dirty="0">
-                <a:latin typeface="Eras Medium ITC" panose="020B0602030504020804" pitchFamily="34" charset="0"/>
+                <a:solidFill>
+                  <a:schemeClr val="tx1"/>
+                </a:solidFill>
               </a:rPr>
-              <a:t>Générale</a:t>
-            </a:r>
-          </a:p>
-        </p:txBody>
-      </p:sp>
-      <p:sp>
-        <p:nvSpPr>
-          <p:cNvPr id="13" name="ZoneTexte 12">
-            <a:extLst>
-              <a:ext uri="{FF2B5EF4-FFF2-40B4-BE49-F238E27FC236}">
-                <a16:creationId xmlns:a16="http://schemas.microsoft.com/office/drawing/2014/main" id="{B0B65B09-BAE9-45E1-8DDD-BE198E82EA10}"/>
-              </a:ext>
-            </a:extLst>
-          </p:cNvPr>
-          <p:cNvSpPr txBox="1"/>
-          <p:nvPr/>
-        </p:nvSpPr>
-        <p:spPr>
-          <a:xfrm>
-            <a:off x="10310812" y="2252186"/>
-            <a:ext cx="1129785" cy="276999"/>
-          </a:xfrm>
-          <a:prstGeom prst="rect">
-            <a:avLst/>
-          </a:prstGeom>
-          <a:noFill/>
-        </p:spPr>
-        <p:txBody>
-          <a:bodyPr wrap="square" rtlCol="0">
-            <a:spAutoFit/>
-          </a:bodyPr>
-          <a:lstStyle/>
-          <a:p>
-            <a:pPr algn="r"/>
+              <a:t>et</a:t>
+            </a:r>
             <a:r>
               <a:rPr lang="fr-FR" sz="1200" dirty="0">
-                <a:latin typeface="Eras Medium ITC" panose="020B0602030504020804" pitchFamily="34" charset="0"/>
+                <a:solidFill>
+                  <a:srgbClr val="A51258"/>
+                </a:solidFill>
               </a:rPr>
-              <a:t>Personnalisée</a:t>
-            </a:r>
-          </a:p>
-        </p:txBody>
-      </p:sp>
-      <p:sp>
-        <p:nvSpPr>
-          <p:cNvPr id="14" name="ZoneTexte 13">
-            <a:extLst>
-              <a:ext uri="{FF2B5EF4-FFF2-40B4-BE49-F238E27FC236}">
-                <a16:creationId xmlns:a16="http://schemas.microsoft.com/office/drawing/2014/main" id="{B5E860DF-2164-46BA-A256-EAAC919881DC}"/>
-              </a:ext>
-            </a:extLst>
-          </p:cNvPr>
-          <p:cNvSpPr txBox="1"/>
-          <p:nvPr/>
-        </p:nvSpPr>
-        <p:spPr>
-          <a:xfrm>
-            <a:off x="10113406" y="3241822"/>
-            <a:ext cx="1315522" cy="461665"/>
-          </a:xfrm>
-          <a:prstGeom prst="rect">
-            <a:avLst/>
-          </a:prstGeom>
-          <a:noFill/>
-        </p:spPr>
-        <p:txBody>
-          <a:bodyPr wrap="square" rtlCol="0">
-            <a:spAutoFit/>
-          </a:bodyPr>
-          <a:lstStyle/>
-          <a:p>
-            <a:pPr algn="r"/>
-            <a:r>
-              <a:rPr lang="fr-FR" sz="1200" dirty="0">
-                <a:latin typeface="Eras Medium ITC" panose="020B0602030504020804" pitchFamily="34" charset="0"/>
-              </a:rPr>
-              <a:t>Diagramme de cas d’utilisation</a:t>
-            </a:r>
-          </a:p>
-        </p:txBody>
-      </p:sp>
-      <p:sp>
-        <p:nvSpPr>
-          <p:cNvPr id="15" name="ZoneTexte 14">
-            <a:extLst>
-              <a:ext uri="{FF2B5EF4-FFF2-40B4-BE49-F238E27FC236}">
-                <a16:creationId xmlns:a16="http://schemas.microsoft.com/office/drawing/2014/main" id="{0E549171-6603-40D1-AACC-954D9ECD3358}"/>
-              </a:ext>
-            </a:extLst>
-          </p:cNvPr>
-          <p:cNvSpPr txBox="1"/>
-          <p:nvPr/>
-        </p:nvSpPr>
-        <p:spPr>
-          <a:xfrm>
-            <a:off x="10299143" y="5892329"/>
-            <a:ext cx="1129785" cy="461665"/>
-          </a:xfrm>
-          <a:prstGeom prst="rect">
-            <a:avLst/>
-          </a:prstGeom>
-          <a:noFill/>
-        </p:spPr>
-        <p:txBody>
-          <a:bodyPr wrap="square" rtlCol="0">
-            <a:spAutoFit/>
-          </a:bodyPr>
-          <a:lstStyle/>
-          <a:p>
-            <a:pPr algn="r"/>
-            <a:r>
-              <a:rPr lang="fr-FR" sz="1200" dirty="0">
-                <a:latin typeface="Eras Medium ITC" panose="020B0602030504020804" pitchFamily="34" charset="0"/>
-              </a:rPr>
-              <a:t>Les tâches personnelles</a:t>
-            </a:r>
-          </a:p>
-        </p:txBody>
-      </p:sp>
-      <p:sp>
-        <p:nvSpPr>
-          <p:cNvPr id="16" name="Rectangle 15">
-            <a:extLst>
-              <a:ext uri="{FF2B5EF4-FFF2-40B4-BE49-F238E27FC236}">
-                <a16:creationId xmlns:a16="http://schemas.microsoft.com/office/drawing/2014/main" id="{1D13FD37-1228-4A08-9F72-D32CBA322FEC}"/>
-              </a:ext>
-            </a:extLst>
-          </p:cNvPr>
-          <p:cNvSpPr/>
-          <p:nvPr/>
-        </p:nvSpPr>
-        <p:spPr>
-          <a:xfrm>
-            <a:off x="11658600" y="955383"/>
-            <a:ext cx="104773" cy="2245810"/>
-          </a:xfrm>
-          <a:prstGeom prst="rect">
-            <a:avLst/>
-          </a:prstGeom>
-          <a:solidFill>
-            <a:srgbClr val="A8135A"/>
-          </a:solidFill>
-          <a:ln>
+              <a:t> open source »</a:t>
+            </a:r>
+            <a:endParaRPr lang="fr-FR" sz="1200" dirty="0">
+              <a:solidFill>
+                <a:schemeClr val="tx1"/>
+              </a:solidFill>
+            </a:endParaRPr>
+          </a:p>
+        </p:txBody>
+      </p:sp>
+      <p:cxnSp>
+        <p:nvCxnSpPr>
+          <p:cNvPr id="18" name="Connecteur droit avec flèche 17">
+            <a:extLst>
+              <a:ext uri="{FF2B5EF4-FFF2-40B4-BE49-F238E27FC236}">
+                <a16:creationId xmlns:a16="http://schemas.microsoft.com/office/drawing/2014/main" id="{E2066C5F-E3BB-4FDC-8651-5E634143B6B2}"/>
+              </a:ext>
+            </a:extLst>
+          </p:cNvPr>
+          <p:cNvCxnSpPr>
+            <a:cxnSpLocks/>
+            <a:stCxn id="6" idx="2"/>
+            <a:endCxn id="15" idx="0"/>
+          </p:cNvCxnSpPr>
+          <p:nvPr/>
+        </p:nvCxnSpPr>
+        <p:spPr>
+          <a:xfrm>
+            <a:off x="4027476" y="2052402"/>
+            <a:ext cx="0" cy="554083"/>
+          </a:xfrm>
+          <a:prstGeom prst="straightConnector1">
+            <a:avLst/>
+          </a:prstGeom>
+          <a:ln w="38100">
             <a:solidFill>
-              <a:schemeClr val="bg1"/>
+              <a:srgbClr val="A51258"/>
             </a:solidFill>
+            <a:tailEnd type="triangle"/>
           </a:ln>
+          <a:effectLst>
+            <a:glow rad="50800">
+              <a:schemeClr val="tx1"/>
+            </a:glow>
+          </a:effectLst>
         </p:spPr>
         <p:style>
-          <a:lnRef idx="2">
-            <a:schemeClr val="accent1">
-              <a:shade val="50000"/>
-            </a:schemeClr>
+          <a:lnRef idx="1">
+            <a:schemeClr val="accent1"/>
           </a:lnRef>
-          <a:fillRef idx="1">
+          <a:fillRef idx="0">
             <a:schemeClr val="accent1"/>
           </a:fillRef>
           <a:effectRef idx="0">
             <a:schemeClr val="accent1"/>
           </a:effectRef>
           <a:fontRef idx="minor">
-            <a:schemeClr val="lt1"/>
+            <a:schemeClr val="tx1"/>
           </a:fontRef>
         </p:style>
-        <p:txBody>
-          <a:bodyPr rtlCol="0" anchor="ctr"/>
-          <a:lstStyle/>
-          <a:p>
-            <a:pPr algn="ctr"/>
-            <a:endParaRPr lang="fr-FR"/>
-          </a:p>
-        </p:txBody>
-      </p:sp>
-      <p:sp>
-        <p:nvSpPr>
-          <p:cNvPr id="17" name="Ellipse 16">
-            <a:extLst>
-              <a:ext uri="{FF2B5EF4-FFF2-40B4-BE49-F238E27FC236}">
-                <a16:creationId xmlns:a16="http://schemas.microsoft.com/office/drawing/2014/main" id="{9F704096-5C9D-41FD-B6A4-68CA21735651}"/>
-              </a:ext>
-            </a:extLst>
-          </p:cNvPr>
-          <p:cNvSpPr/>
-          <p:nvPr/>
-        </p:nvSpPr>
-        <p:spPr>
-          <a:xfrm>
-            <a:off x="11428928" y="550687"/>
-            <a:ext cx="564118" cy="542925"/>
-          </a:xfrm>
-          <a:prstGeom prst="ellipse">
-            <a:avLst/>
-          </a:prstGeom>
-          <a:solidFill>
-            <a:srgbClr val="A8135A"/>
-          </a:solidFill>
-          <a:ln>
-            <a:solidFill>
-              <a:schemeClr val="bg1"/>
-            </a:solidFill>
-          </a:ln>
-        </p:spPr>
-        <p:style>
-          <a:lnRef idx="2">
-            <a:schemeClr val="accent1">
-              <a:shade val="50000"/>
-            </a:schemeClr>
-          </a:lnRef>
-          <a:fillRef idx="1">
-            <a:schemeClr val="accent1"/>
-          </a:fillRef>
-          <a:effectRef idx="0">
-            <a:schemeClr val="accent1"/>
-          </a:effectRef>
-          <a:fontRef idx="minor">
-            <a:schemeClr val="lt1"/>
-          </a:fontRef>
-        </p:style>
-        <p:txBody>
-          <a:bodyPr rtlCol="0" anchor="ctr"/>
-          <a:lstStyle/>
-          <a:p>
-            <a:pPr algn="ctr"/>
-            <a:endParaRPr lang="fr-FR"/>
-          </a:p>
-        </p:txBody>
-      </p:sp>
-      <p:sp>
-        <p:nvSpPr>
-          <p:cNvPr id="8" name="Ellipse 7">
-            <a:extLst>
-              <a:ext uri="{FF2B5EF4-FFF2-40B4-BE49-F238E27FC236}">
-                <a16:creationId xmlns:a16="http://schemas.microsoft.com/office/drawing/2014/main" id="{527A32BE-E971-4F22-BE27-E8B13A47BF8B}"/>
-              </a:ext>
-            </a:extLst>
-          </p:cNvPr>
-          <p:cNvSpPr/>
-          <p:nvPr/>
-        </p:nvSpPr>
-        <p:spPr>
-          <a:xfrm>
-            <a:off x="11428928" y="3201193"/>
-            <a:ext cx="564118" cy="542925"/>
-          </a:xfrm>
-          <a:prstGeom prst="ellipse">
-            <a:avLst/>
-          </a:prstGeom>
-          <a:solidFill>
-            <a:srgbClr val="A8135A"/>
-          </a:solidFill>
-          <a:ln>
-            <a:solidFill>
-              <a:schemeClr val="bg1"/>
-            </a:solidFill>
-          </a:ln>
-        </p:spPr>
-        <p:style>
-          <a:lnRef idx="2">
-            <a:schemeClr val="accent1">
-              <a:shade val="50000"/>
-            </a:schemeClr>
-          </a:lnRef>
-          <a:fillRef idx="1">
-            <a:schemeClr val="accent1"/>
-          </a:fillRef>
-          <a:effectRef idx="0">
-            <a:schemeClr val="accent1"/>
-          </a:effectRef>
-          <a:fontRef idx="minor">
-            <a:schemeClr val="lt1"/>
-          </a:fontRef>
-        </p:style>
-        <p:txBody>
-          <a:bodyPr rtlCol="0" anchor="ctr"/>
-          <a:lstStyle/>
-          <a:p>
-            <a:pPr algn="ctr"/>
-            <a:endParaRPr lang="fr-FR"/>
-          </a:p>
-        </p:txBody>
-      </p:sp>
-      <p:pic>
-        <p:nvPicPr>
-          <p:cNvPr id="20" name="Image 19" descr="Une image contenant ordinateur&#10;&#10;Description générée automatiquement">
-            <a:extLst>
-              <a:ext uri="{FF2B5EF4-FFF2-40B4-BE49-F238E27FC236}">
-                <a16:creationId xmlns:a16="http://schemas.microsoft.com/office/drawing/2014/main" id="{2CECDA03-D18F-459D-A3E6-1C306067CAC0}"/>
-              </a:ext>
-            </a:extLst>
-          </p:cNvPr>
-          <p:cNvPicPr>
-            <a:picLocks noChangeAspect="1"/>
-          </p:cNvPicPr>
-          <p:nvPr/>
-        </p:nvPicPr>
-        <p:blipFill>
-          <a:blip r:embed="rId3"/>
-          <a:stretch>
-            <a:fillRect/>
-          </a:stretch>
-        </p:blipFill>
-        <p:spPr>
-          <a:xfrm>
-            <a:off x="1729603" y="859862"/>
-            <a:ext cx="6717629" cy="5998138"/>
-          </a:xfrm>
-          <a:prstGeom prst="rect">
-            <a:avLst/>
-          </a:prstGeom>
-        </p:spPr>
-      </p:pic>
+      </p:cxnSp>
     </p:spTree>
     <p:extLst>
       <p:ext uri="{BB962C8B-B14F-4D97-AF65-F5344CB8AC3E}">
-        <p14:creationId xmlns:p14="http://schemas.microsoft.com/office/powerpoint/2010/main" val="3484094220"/>
+        <p14:creationId xmlns:p14="http://schemas.microsoft.com/office/powerpoint/2010/main" val="3952120001"/>
       </p:ext>
     </p:extLst>
   </p:cSld>
@@ -19217,21 +20641,8 @@
             <a:pPr algn="ctr"/>
             <a:r>
               <a:rPr lang="fr-FR" sz="3600" b="1" dirty="0">
-                <a:effectLst>
-                  <a:outerShdw blurRad="38100" dist="38100" dir="2700000" algn="tl">
-                    <a:srgbClr val="000000">
-                      <a:alpha val="43137"/>
-                    </a:srgbClr>
-                  </a:outerShdw>
-                </a:effectLst>
-                <a:latin typeface="Eras Medium ITC" panose="020B0602030504020804" pitchFamily="34" charset="0"/>
-              </a:rPr>
-              <a:t>Diagramme de cas </a:t>
-            </a:r>
-            <a:r>
-              <a:rPr lang="fr-FR" sz="3600" b="1" dirty="0">
                 <a:solidFill>
-                  <a:srgbClr val="A31257"/>
+                  <a:srgbClr val="A51258"/>
                 </a:solidFill>
                 <a:effectLst>
                   <a:outerShdw blurRad="38100" dist="38100" dir="2700000" algn="tl">
@@ -19242,53 +20653,24 @@
                 </a:effectLst>
                 <a:latin typeface="Eras Medium ITC" panose="020B0602030504020804" pitchFamily="34" charset="0"/>
               </a:rPr>
-              <a:t>d’utilisation</a:t>
-            </a:r>
-            <a:r>
-              <a:rPr lang="fr-FR" sz="3600" b="1" dirty="0">
-                <a:effectLst>
-                  <a:outerShdw blurRad="38100" dist="38100" dir="2700000" algn="tl">
-                    <a:srgbClr val="000000">
-                      <a:alpha val="43137"/>
-                    </a:srgbClr>
-                  </a:outerShdw>
-                </a:effectLst>
-                <a:latin typeface="Eras Medium ITC" panose="020B0602030504020804" pitchFamily="34" charset="0"/>
-              </a:rPr>
-              <a:t>  </a:t>
-            </a:r>
-          </a:p>
-        </p:txBody>
-      </p:sp>
-      <p:pic>
-        <p:nvPicPr>
-          <p:cNvPr id="5" name="Image 4" descr="Une image contenant texte, carte, capture d’écran&#10;&#10;Description générée automatiquement">
-            <a:extLst>
-              <a:ext uri="{FF2B5EF4-FFF2-40B4-BE49-F238E27FC236}">
-                <a16:creationId xmlns:a16="http://schemas.microsoft.com/office/drawing/2014/main" id="{F3CC10DC-37D4-43BE-BB94-2AA6BA44EF0A}"/>
-              </a:ext>
-            </a:extLst>
-          </p:cNvPr>
-          <p:cNvPicPr>
-            <a:picLocks noChangeAspect="1"/>
-          </p:cNvPicPr>
-          <p:nvPr/>
-        </p:nvPicPr>
-        <p:blipFill rotWithShape="1">
-          <a:blip r:embed="rId3"/>
-          <a:srcRect l="1206" t="3761" r="2523" b="2393"/>
-          <a:stretch/>
-        </p:blipFill>
-        <p:spPr>
-          <a:xfrm>
-            <a:off x="2796424" y="1022694"/>
-            <a:ext cx="4798345" cy="5405538"/>
-          </a:xfrm>
-          <a:prstGeom prst="rect">
-            <a:avLst/>
-          </a:prstGeom>
-        </p:spPr>
-      </p:pic>
+              <a:t>Câblage</a:t>
+            </a:r>
+            <a:endParaRPr lang="fr-FR" sz="2800" b="1" dirty="0">
+              <a:solidFill>
+                <a:srgbClr val="A51258"/>
+              </a:solidFill>
+              <a:effectLst>
+                <a:outerShdw blurRad="38100" dist="38100" dir="2700000" algn="tl">
+                  <a:srgbClr val="000000">
+                    <a:alpha val="43137"/>
+                  </a:srgbClr>
+                </a:outerShdw>
+              </a:effectLst>
+              <a:latin typeface="Eras Medium ITC" panose="020B0602030504020804" pitchFamily="34" charset="0"/>
+            </a:endParaRPr>
+          </a:p>
+        </p:txBody>
+      </p:sp>
       <p:sp>
         <p:nvSpPr>
           <p:cNvPr id="6" name="Organigramme : Terminateur 5">
@@ -19857,10 +21239,40 @@
           </a:p>
         </p:txBody>
       </p:sp>
+      <p:pic>
+        <p:nvPicPr>
+          <p:cNvPr id="20" name="Image 19" descr="Une image contenant ordinateur&#10;&#10;Description générée automatiquement">
+            <a:extLst>
+              <a:ext uri="{FF2B5EF4-FFF2-40B4-BE49-F238E27FC236}">
+                <a16:creationId xmlns:a16="http://schemas.microsoft.com/office/drawing/2014/main" id="{2CECDA03-D18F-459D-A3E6-1C306067CAC0}"/>
+              </a:ext>
+            </a:extLst>
+          </p:cNvPr>
+          <p:cNvPicPr>
+            <a:picLocks noChangeAspect="1"/>
+          </p:cNvPicPr>
+          <p:nvPr/>
+        </p:nvPicPr>
+        <p:blipFill>
+          <a:blip r:embed="rId3"/>
+          <a:stretch>
+            <a:fillRect/>
+          </a:stretch>
+        </p:blipFill>
+        <p:spPr>
+          <a:xfrm>
+            <a:off x="1729603" y="859862"/>
+            <a:ext cx="6717629" cy="5998138"/>
+          </a:xfrm>
+          <a:prstGeom prst="rect">
+            <a:avLst/>
+          </a:prstGeom>
+        </p:spPr>
+      </p:pic>
     </p:spTree>
     <p:extLst>
       <p:ext uri="{BB962C8B-B14F-4D97-AF65-F5344CB8AC3E}">
-        <p14:creationId xmlns:p14="http://schemas.microsoft.com/office/powerpoint/2010/main" val="1377170629"/>
+        <p14:creationId xmlns:p14="http://schemas.microsoft.com/office/powerpoint/2010/main" val="3484094220"/>
       </p:ext>
     </p:extLst>
   </p:cSld>

--- a/Guillaume/Documents/Diapo Revues/Revue 2 de projet étudiant 1 Escape Game Téléthon.pptx
+++ b/Guillaume/Documents/Diapo Revues/Revue 2 de projet étudiant 1 Escape Game Téléthon.pptx
@@ -12334,10 +12334,10 @@
       </p:grpSpPr>
       <p:sp>
         <p:nvSpPr>
-          <p:cNvPr id="25" name="Organigramme : Terminateur 24">
-            <a:extLst>
-              <a:ext uri="{FF2B5EF4-FFF2-40B4-BE49-F238E27FC236}">
-                <a16:creationId xmlns:a16="http://schemas.microsoft.com/office/drawing/2014/main" id="{A3E96C3B-DEAC-405A-8CE9-01A73EC9C13F}"/>
+          <p:cNvPr id="33" name="Organigramme : Terminateur 32">
+            <a:extLst>
+              <a:ext uri="{FF2B5EF4-FFF2-40B4-BE49-F238E27FC236}">
+                <a16:creationId xmlns:a16="http://schemas.microsoft.com/office/drawing/2014/main" id="{0468469B-3B5B-4A66-A87B-3CBE7DC2B237}"/>
               </a:ext>
             </a:extLst>
           </p:cNvPr>
@@ -12346,7 +12346,7 @@
         </p:nvSpPr>
         <p:spPr>
           <a:xfrm rot="16200000">
-            <a:off x="3616965" y="2992938"/>
+            <a:off x="4154794" y="2991945"/>
             <a:ext cx="358260" cy="85725"/>
           </a:xfrm>
           <a:prstGeom prst="flowChartTerminator">
@@ -12388,10 +12388,10 @@
       </p:sp>
       <p:sp>
         <p:nvSpPr>
-          <p:cNvPr id="18" name="Organigramme : Terminateur 17">
-            <a:extLst>
-              <a:ext uri="{FF2B5EF4-FFF2-40B4-BE49-F238E27FC236}">
-                <a16:creationId xmlns:a16="http://schemas.microsoft.com/office/drawing/2014/main" id="{94612B86-F314-49DF-924D-9F7692DB9F35}"/>
+          <p:cNvPr id="25" name="Organigramme : Terminateur 24">
+            <a:extLst>
+              <a:ext uri="{FF2B5EF4-FFF2-40B4-BE49-F238E27FC236}">
+                <a16:creationId xmlns:a16="http://schemas.microsoft.com/office/drawing/2014/main" id="{A3E96C3B-DEAC-405A-8CE9-01A73EC9C13F}"/>
               </a:ext>
             </a:extLst>
           </p:cNvPr>
@@ -12400,7 +12400,7 @@
         </p:nvSpPr>
         <p:spPr>
           <a:xfrm rot="16200000">
-            <a:off x="2476143" y="2991946"/>
+            <a:off x="3616965" y="2992938"/>
             <a:ext cx="358260" cy="85725"/>
           </a:xfrm>
           <a:prstGeom prst="flowChartTerminator">
@@ -12442,6 +12442,60 @@
       </p:sp>
       <p:sp>
         <p:nvSpPr>
+          <p:cNvPr id="18" name="Organigramme : Terminateur 17">
+            <a:extLst>
+              <a:ext uri="{FF2B5EF4-FFF2-40B4-BE49-F238E27FC236}">
+                <a16:creationId xmlns:a16="http://schemas.microsoft.com/office/drawing/2014/main" id="{94612B86-F314-49DF-924D-9F7692DB9F35}"/>
+              </a:ext>
+            </a:extLst>
+          </p:cNvPr>
+          <p:cNvSpPr/>
+          <p:nvPr/>
+        </p:nvSpPr>
+        <p:spPr>
+          <a:xfrm rot="16200000">
+            <a:off x="2476143" y="2991946"/>
+            <a:ext cx="358260" cy="85725"/>
+          </a:xfrm>
+          <a:prstGeom prst="flowChartTerminator">
+            <a:avLst/>
+          </a:prstGeom>
+          <a:solidFill>
+            <a:srgbClr val="A8135A"/>
+          </a:solidFill>
+          <a:ln>
+            <a:solidFill>
+              <a:schemeClr val="tx1"/>
+            </a:solidFill>
+          </a:ln>
+        </p:spPr>
+        <p:style>
+          <a:lnRef idx="2">
+            <a:schemeClr val="accent1">
+              <a:shade val="50000"/>
+            </a:schemeClr>
+          </a:lnRef>
+          <a:fillRef idx="1">
+            <a:schemeClr val="accent1"/>
+          </a:fillRef>
+          <a:effectRef idx="0">
+            <a:schemeClr val="accent1"/>
+          </a:effectRef>
+          <a:fontRef idx="minor">
+            <a:schemeClr val="lt1"/>
+          </a:fontRef>
+        </p:style>
+        <p:txBody>
+          <a:bodyPr rtlCol="0" anchor="ctr"/>
+          <a:lstStyle/>
+          <a:p>
+            <a:pPr algn="ctr"/>
+            <a:endParaRPr lang="fr-FR"/>
+          </a:p>
+        </p:txBody>
+      </p:sp>
+      <p:sp>
+        <p:nvSpPr>
           <p:cNvPr id="19" name="Organigramme : Terminateur 18">
             <a:extLst>
               <a:ext uri="{FF2B5EF4-FFF2-40B4-BE49-F238E27FC236}">
@@ -12454,7 +12508,7 @@
         </p:nvSpPr>
         <p:spPr>
           <a:xfrm rot="16200000">
-            <a:off x="1827878" y="2991946"/>
+            <a:off x="1830603" y="2991942"/>
             <a:ext cx="358260" cy="85725"/>
           </a:xfrm>
           <a:prstGeom prst="flowChartTerminator">
@@ -12601,7 +12655,7 @@
         </p:nvSpPr>
         <p:spPr>
           <a:xfrm rot="16200000">
-            <a:off x="1184952" y="2991946"/>
+            <a:off x="1189564" y="2991943"/>
             <a:ext cx="358260" cy="85725"/>
           </a:xfrm>
           <a:prstGeom prst="flowChartTerminator">
@@ -12746,8 +12800,8 @@
           <p:nvPr/>
         </p:nvSpPr>
         <p:spPr>
-          <a:xfrm>
-            <a:off x="799177" y="1996681"/>
+          <a:xfrm rot="18921619">
+            <a:off x="1045833" y="2371818"/>
             <a:ext cx="1129785" cy="307777"/>
           </a:xfrm>
           <a:prstGeom prst="rect">
@@ -12784,8 +12838,8 @@
           <p:nvPr/>
         </p:nvSpPr>
         <p:spPr>
-          <a:xfrm>
-            <a:off x="1349247" y="2551614"/>
+          <a:xfrm rot="19028537">
+            <a:off x="1656387" y="2260001"/>
             <a:ext cx="1315521" cy="307777"/>
           </a:xfrm>
           <a:prstGeom prst="rect">
@@ -13047,51 +13101,6 @@
           </a:p>
         </p:txBody>
       </p:sp>
-      <p:cxnSp>
-        <p:nvCxnSpPr>
-          <p:cNvPr id="4" name="Connecteur droit avec flèche 3">
-            <a:extLst>
-              <a:ext uri="{FF2B5EF4-FFF2-40B4-BE49-F238E27FC236}">
-                <a16:creationId xmlns:a16="http://schemas.microsoft.com/office/drawing/2014/main" id="{03D15D86-7BAD-4B70-BB4F-C40BCD474AB3}"/>
-              </a:ext>
-            </a:extLst>
-          </p:cNvPr>
-          <p:cNvCxnSpPr>
-            <a:stCxn id="5" idx="3"/>
-            <a:endCxn id="12" idx="2"/>
-          </p:cNvCxnSpPr>
-          <p:nvPr/>
-        </p:nvCxnSpPr>
-        <p:spPr>
-          <a:xfrm flipH="1" flipV="1">
-            <a:off x="1364070" y="2304458"/>
-            <a:ext cx="13" cy="551221"/>
-          </a:xfrm>
-          <a:prstGeom prst="straightConnector1">
-            <a:avLst/>
-          </a:prstGeom>
-          <a:ln w="28575">
-            <a:solidFill>
-              <a:srgbClr val="A51258"/>
-            </a:solidFill>
-            <a:tailEnd type="triangle"/>
-          </a:ln>
-        </p:spPr>
-        <p:style>
-          <a:lnRef idx="1">
-            <a:schemeClr val="accent1"/>
-          </a:lnRef>
-          <a:fillRef idx="0">
-            <a:schemeClr val="accent1"/>
-          </a:fillRef>
-          <a:effectRef idx="0">
-            <a:schemeClr val="accent1"/>
-          </a:effectRef>
-          <a:fontRef idx="minor">
-            <a:schemeClr val="tx1"/>
-          </a:fontRef>
-        </p:style>
-      </p:cxnSp>
       <p:sp>
         <p:nvSpPr>
           <p:cNvPr id="20" name="ZoneTexte 19">
@@ -13105,9 +13114,9 @@
           <p:nvPr/>
         </p:nvSpPr>
         <p:spPr>
-          <a:xfrm>
-            <a:off x="1997513" y="1780232"/>
-            <a:ext cx="1315521" cy="523220"/>
+          <a:xfrm rot="19095891">
+            <a:off x="2260972" y="2064215"/>
+            <a:ext cx="1990842" cy="307777"/>
           </a:xfrm>
           <a:prstGeom prst="rect">
             <a:avLst/>
@@ -13130,52 +13139,6 @@
           </a:p>
         </p:txBody>
       </p:sp>
-      <p:cxnSp>
-        <p:nvCxnSpPr>
-          <p:cNvPr id="21" name="Connecteur droit avec flèche 20">
-            <a:extLst>
-              <a:ext uri="{FF2B5EF4-FFF2-40B4-BE49-F238E27FC236}">
-                <a16:creationId xmlns:a16="http://schemas.microsoft.com/office/drawing/2014/main" id="{7840FEB0-6F58-4A72-8E39-76D7C38EA6A3}"/>
-              </a:ext>
-            </a:extLst>
-          </p:cNvPr>
-          <p:cNvCxnSpPr>
-            <a:cxnSpLocks/>
-            <a:stCxn id="18" idx="3"/>
-            <a:endCxn id="20" idx="2"/>
-          </p:cNvCxnSpPr>
-          <p:nvPr/>
-        </p:nvCxnSpPr>
-        <p:spPr>
-          <a:xfrm flipV="1">
-            <a:off x="2655274" y="2303452"/>
-            <a:ext cx="0" cy="552227"/>
-          </a:xfrm>
-          <a:prstGeom prst="straightConnector1">
-            <a:avLst/>
-          </a:prstGeom>
-          <a:ln w="28575">
-            <a:solidFill>
-              <a:srgbClr val="A51258"/>
-            </a:solidFill>
-            <a:tailEnd type="triangle"/>
-          </a:ln>
-        </p:spPr>
-        <p:style>
-          <a:lnRef idx="1">
-            <a:schemeClr val="accent1"/>
-          </a:lnRef>
-          <a:fillRef idx="0">
-            <a:schemeClr val="accent1"/>
-          </a:fillRef>
-          <a:effectRef idx="0">
-            <a:schemeClr val="accent1"/>
-          </a:effectRef>
-          <a:fontRef idx="minor">
-            <a:schemeClr val="tx1"/>
-          </a:fontRef>
-        </p:style>
-      </p:cxnSp>
       <p:sp>
         <p:nvSpPr>
           <p:cNvPr id="23" name="Ellipse 22">
@@ -13281,9 +13244,9 @@
           <p:nvPr/>
         </p:nvSpPr>
         <p:spPr>
-          <a:xfrm>
-            <a:off x="3000408" y="2313377"/>
-            <a:ext cx="1591374" cy="523220"/>
+          <a:xfrm rot="18980234">
+            <a:off x="3426014" y="2097411"/>
+            <a:ext cx="1690510" cy="307777"/>
           </a:xfrm>
           <a:prstGeom prst="rect">
             <a:avLst/>
@@ -13331,9 +13294,9 @@
           <p:nvPr/>
         </p:nvSpPr>
         <p:spPr>
-          <a:xfrm>
-            <a:off x="3389765" y="5426945"/>
-            <a:ext cx="2231701" cy="369332"/>
+          <a:xfrm rot="19045150">
+            <a:off x="4040854" y="2065691"/>
+            <a:ext cx="1776448" cy="307777"/>
           </a:xfrm>
           <a:prstGeom prst="rect">
             <a:avLst/>
@@ -13346,108 +13309,24 @@
           <a:lstStyle/>
           <a:p>
             <a:r>
-              <a:rPr lang="fr-FR" b="1" dirty="0">
-                <a:solidFill>
-                  <a:srgbClr val="A51258"/>
-                </a:solidFill>
-                <a:effectLst>
-                  <a:outerShdw blurRad="38100" dist="38100" dir="2700000" algn="tl">
-                    <a:srgbClr val="000000">
-                      <a:alpha val="43137"/>
-                    </a:srgbClr>
-                  </a:outerShdw>
-                </a:effectLst>
+              <a:rPr lang="fr-FR" sz="1400" dirty="0">
                 <a:latin typeface="Eras Medium ITC" panose="020B0602030504020804" pitchFamily="34" charset="0"/>
               </a:rPr>
               <a:t>2</a:t>
             </a:r>
             <a:r>
-              <a:rPr lang="fr-FR" b="1" baseline="30000" dirty="0">
-                <a:solidFill>
-                  <a:srgbClr val="A51258"/>
-                </a:solidFill>
-                <a:effectLst>
-                  <a:outerShdw blurRad="38100" dist="38100" dir="2700000" algn="tl">
-                    <a:srgbClr val="000000">
-                      <a:alpha val="43137"/>
-                    </a:srgbClr>
-                  </a:outerShdw>
-                </a:effectLst>
+              <a:rPr lang="fr-FR" sz="1400" baseline="30000" dirty="0">
                 <a:latin typeface="Eras Medium ITC" panose="020B0602030504020804" pitchFamily="34" charset="0"/>
               </a:rPr>
               <a:t>ème </a:t>
             </a:r>
             <a:r>
-              <a:rPr lang="fr-FR" b="1" dirty="0">
-                <a:solidFill>
-                  <a:srgbClr val="A51258"/>
-                </a:solidFill>
-                <a:effectLst>
-                  <a:outerShdw blurRad="38100" dist="38100" dir="2700000" algn="tl">
-                    <a:srgbClr val="000000">
-                      <a:alpha val="43137"/>
-                    </a:srgbClr>
-                  </a:outerShdw>
-                </a:effectLst>
+              <a:rPr lang="fr-FR" sz="1400" dirty="0">
                 <a:latin typeface="Eras Medium ITC" panose="020B0602030504020804" pitchFamily="34" charset="0"/>
               </a:rPr>
               <a:t>environnement</a:t>
             </a:r>
-            <a:endParaRPr lang="fr-FR" dirty="0"/>
-          </a:p>
-        </p:txBody>
-      </p:sp>
-      <p:sp>
-        <p:nvSpPr>
-          <p:cNvPr id="33" name="Organigramme : Terminateur 32">
-            <a:extLst>
-              <a:ext uri="{FF2B5EF4-FFF2-40B4-BE49-F238E27FC236}">
-                <a16:creationId xmlns:a16="http://schemas.microsoft.com/office/drawing/2014/main" id="{0468469B-3B5B-4A66-A87B-3CBE7DC2B237}"/>
-              </a:ext>
-            </a:extLst>
-          </p:cNvPr>
-          <p:cNvSpPr/>
-          <p:nvPr/>
-        </p:nvSpPr>
-        <p:spPr>
-          <a:xfrm rot="16200000">
-            <a:off x="4154793" y="2991945"/>
-            <a:ext cx="358260" cy="85725"/>
-          </a:xfrm>
-          <a:prstGeom prst="flowChartTerminator">
-            <a:avLst/>
-          </a:prstGeom>
-          <a:solidFill>
-            <a:srgbClr val="A8135A"/>
-          </a:solidFill>
-          <a:ln>
-            <a:solidFill>
-              <a:schemeClr val="tx1"/>
-            </a:solidFill>
-          </a:ln>
-        </p:spPr>
-        <p:style>
-          <a:lnRef idx="2">
-            <a:schemeClr val="accent1">
-              <a:shade val="50000"/>
-            </a:schemeClr>
-          </a:lnRef>
-          <a:fillRef idx="1">
-            <a:schemeClr val="accent1"/>
-          </a:fillRef>
-          <a:effectRef idx="0">
-            <a:schemeClr val="accent1"/>
-          </a:effectRef>
-          <a:fontRef idx="minor">
-            <a:schemeClr val="lt1"/>
-          </a:fontRef>
-        </p:style>
-        <p:txBody>
-          <a:bodyPr rtlCol="0" anchor="ctr"/>
-          <a:lstStyle/>
-          <a:p>
-            <a:pPr algn="ctr"/>
-            <a:endParaRPr lang="fr-FR"/>
+            <a:endParaRPr lang="fr-FR" sz="1400" dirty="0"/>
           </a:p>
         </p:txBody>
       </p:sp>

--- a/Guillaume/Documents/Diapo Revues/Revue 2 de projet étudiant 1 Escape Game Téléthon.pptx
+++ b/Guillaume/Documents/Diapo Revues/Revue 2 de projet étudiant 1 Escape Game Téléthon.pptx
@@ -8351,35 +8351,6 @@
           </a:p>
         </p:txBody>
       </p:sp>
-      <p:pic>
-        <p:nvPicPr>
-          <p:cNvPr id="5" name="Image 4" descr="Une image contenant texte, carte, capture d’écran&#10;&#10;Description générée automatiquement">
-            <a:extLst>
-              <a:ext uri="{FF2B5EF4-FFF2-40B4-BE49-F238E27FC236}">
-                <a16:creationId xmlns:a16="http://schemas.microsoft.com/office/drawing/2014/main" id="{F3CC10DC-37D4-43BE-BB94-2AA6BA44EF0A}"/>
-              </a:ext>
-            </a:extLst>
-          </p:cNvPr>
-          <p:cNvPicPr>
-            <a:picLocks noChangeAspect="1"/>
-          </p:cNvPicPr>
-          <p:nvPr/>
-        </p:nvPicPr>
-        <p:blipFill rotWithShape="1">
-          <a:blip r:embed="rId3"/>
-          <a:srcRect l="1206" t="3761" r="2523" b="2393"/>
-          <a:stretch/>
-        </p:blipFill>
-        <p:spPr>
-          <a:xfrm>
-            <a:off x="2796424" y="1022694"/>
-            <a:ext cx="4798345" cy="5405538"/>
-          </a:xfrm>
-          <a:prstGeom prst="rect">
-            <a:avLst/>
-          </a:prstGeom>
-        </p:spPr>
-      </p:pic>
       <p:sp>
         <p:nvSpPr>
           <p:cNvPr id="18" name="Organigramme : Terminateur 17">
@@ -9565,7 +9536,7 @@
         <p:spPr>
           <a:xfrm>
             <a:off x="9449238" y="5521771"/>
-            <a:ext cx="1952779" cy="276999"/>
+            <a:ext cx="2013693" cy="276999"/>
           </a:xfrm>
           <a:prstGeom prst="rect">
             <a:avLst/>
@@ -9581,7 +9552,7 @@
               <a:rPr lang="fr-FR" sz="1200" dirty="0">
                 <a:latin typeface="Eras Medium ITC" panose="020B0602030504020804" pitchFamily="34" charset="0"/>
               </a:rPr>
-              <a:t>Diagramme de séquences</a:t>
+              <a:t>Diagrammes de séquences</a:t>
             </a:r>
             <a:endParaRPr lang="fr-FR" sz="1200" dirty="0"/>
           </a:p>
@@ -9768,6 +9739,36 @@
           </a:p>
         </p:txBody>
       </p:sp>
+      <p:pic>
+        <p:nvPicPr>
+          <p:cNvPr id="4" name="Image 3" descr="Une image contenant fruit&#10;&#10;Description générée automatiquement">
+            <a:extLst>
+              <a:ext uri="{FF2B5EF4-FFF2-40B4-BE49-F238E27FC236}">
+                <a16:creationId xmlns:a16="http://schemas.microsoft.com/office/drawing/2014/main" id="{845B7024-EEB5-441D-B354-2691E0E5B9AC}"/>
+              </a:ext>
+            </a:extLst>
+          </p:cNvPr>
+          <p:cNvPicPr>
+            <a:picLocks noChangeAspect="1"/>
+          </p:cNvPicPr>
+          <p:nvPr/>
+        </p:nvPicPr>
+        <p:blipFill>
+          <a:blip r:embed="rId3"/>
+          <a:stretch>
+            <a:fillRect/>
+          </a:stretch>
+        </p:blipFill>
+        <p:spPr>
+          <a:xfrm>
+            <a:off x="745204" y="1280887"/>
+            <a:ext cx="7458197" cy="4142218"/>
+          </a:xfrm>
+          <a:prstGeom prst="rect">
+            <a:avLst/>
+          </a:prstGeom>
+        </p:spPr>
+      </p:pic>
     </p:spTree>
     <p:extLst>
       <p:ext uri="{BB962C8B-B14F-4D97-AF65-F5344CB8AC3E}">
@@ -9951,35 +9952,6 @@
           </a:p>
         </p:txBody>
       </p:sp>
-      <p:pic>
-        <p:nvPicPr>
-          <p:cNvPr id="4" name="Image 3">
-            <a:extLst>
-              <a:ext uri="{FF2B5EF4-FFF2-40B4-BE49-F238E27FC236}">
-                <a16:creationId xmlns:a16="http://schemas.microsoft.com/office/drawing/2014/main" id="{F6F50CF8-8F97-49CE-8AC9-109901FFB29C}"/>
-              </a:ext>
-            </a:extLst>
-          </p:cNvPr>
-          <p:cNvPicPr>
-            <a:picLocks noChangeAspect="1"/>
-          </p:cNvPicPr>
-          <p:nvPr/>
-        </p:nvPicPr>
-        <p:blipFill rotWithShape="1">
-          <a:blip r:embed="rId3"/>
-          <a:srcRect r="35426" b="36133"/>
-          <a:stretch/>
-        </p:blipFill>
-        <p:spPr>
-          <a:xfrm>
-            <a:off x="3513019" y="0"/>
-            <a:ext cx="5223127" cy="6858000"/>
-          </a:xfrm>
-          <a:prstGeom prst="rect">
-            <a:avLst/>
-          </a:prstGeom>
-        </p:spPr>
-      </p:pic>
       <p:sp>
         <p:nvSpPr>
           <p:cNvPr id="18" name="Organigramme : Terminateur 17">
@@ -11327,7 +11299,7 @@
         <p:spPr>
           <a:xfrm>
             <a:off x="9449238" y="5521771"/>
-            <a:ext cx="1952779" cy="276999"/>
+            <a:ext cx="2013693" cy="276999"/>
           </a:xfrm>
           <a:prstGeom prst="rect">
             <a:avLst/>
@@ -11350,7 +11322,7 @@
                 </a:effectLst>
                 <a:latin typeface="Eras Medium ITC" panose="020B0602030504020804" pitchFamily="34" charset="0"/>
               </a:rPr>
-              <a:t>Diagramme de séquences</a:t>
+              <a:t>Diagrammes de séquences</a:t>
             </a:r>
             <a:endParaRPr lang="fr-FR" sz="1200" dirty="0">
               <a:effectLst>
@@ -11545,6 +11517,35 @@
           </a:p>
         </p:txBody>
       </p:sp>
+      <p:pic>
+        <p:nvPicPr>
+          <p:cNvPr id="7" name="Image 6" descr="Une image contenant noir, télévision, écran&#10;&#10;Description générée automatiquement">
+            <a:extLst>
+              <a:ext uri="{FF2B5EF4-FFF2-40B4-BE49-F238E27FC236}">
+                <a16:creationId xmlns:a16="http://schemas.microsoft.com/office/drawing/2014/main" id="{09ACE944-3CA8-4A8D-89AB-B179853E78CA}"/>
+              </a:ext>
+            </a:extLst>
+          </p:cNvPr>
+          <p:cNvPicPr>
+            <a:picLocks noChangeAspect="1"/>
+          </p:cNvPicPr>
+          <p:nvPr/>
+        </p:nvPicPr>
+        <p:blipFill rotWithShape="1">
+          <a:blip r:embed="rId3"/>
+          <a:srcRect r="33418" b="34133"/>
+          <a:stretch/>
+        </p:blipFill>
+        <p:spPr>
+          <a:xfrm>
+            <a:off x="3632970" y="0"/>
+            <a:ext cx="4979596" cy="6858000"/>
+          </a:xfrm>
+          <a:prstGeom prst="rect">
+            <a:avLst/>
+          </a:prstGeom>
+        </p:spPr>
+      </p:pic>
     </p:spTree>
     <p:extLst>
       <p:ext uri="{BB962C8B-B14F-4D97-AF65-F5344CB8AC3E}">
@@ -11728,35 +11729,6 @@
           </a:p>
         </p:txBody>
       </p:sp>
-      <p:pic>
-        <p:nvPicPr>
-          <p:cNvPr id="4" name="Image 3">
-            <a:extLst>
-              <a:ext uri="{FF2B5EF4-FFF2-40B4-BE49-F238E27FC236}">
-                <a16:creationId xmlns:a16="http://schemas.microsoft.com/office/drawing/2014/main" id="{F6F50CF8-8F97-49CE-8AC9-109901FFB29C}"/>
-              </a:ext>
-            </a:extLst>
-          </p:cNvPr>
-          <p:cNvPicPr>
-            <a:picLocks noChangeAspect="1"/>
-          </p:cNvPicPr>
-          <p:nvPr/>
-        </p:nvPicPr>
-        <p:blipFill rotWithShape="1">
-          <a:blip r:embed="rId3"/>
-          <a:srcRect t="63122" r="7042" b="1467"/>
-          <a:stretch/>
-        </p:blipFill>
-        <p:spPr>
-          <a:xfrm>
-            <a:off x="751403" y="1600200"/>
-            <a:ext cx="8968354" cy="4535424"/>
-          </a:xfrm>
-          <a:prstGeom prst="rect">
-            <a:avLst/>
-          </a:prstGeom>
-        </p:spPr>
-      </p:pic>
       <p:sp>
         <p:nvSpPr>
           <p:cNvPr id="18" name="Organigramme : Terminateur 17">
@@ -13104,7 +13076,7 @@
         <p:spPr>
           <a:xfrm>
             <a:off x="9449238" y="5521771"/>
-            <a:ext cx="1952779" cy="276999"/>
+            <a:ext cx="2013693" cy="276999"/>
           </a:xfrm>
           <a:prstGeom prst="rect">
             <a:avLst/>
@@ -13127,7 +13099,7 @@
                 </a:effectLst>
                 <a:latin typeface="Eras Medium ITC" panose="020B0602030504020804" pitchFamily="34" charset="0"/>
               </a:rPr>
-              <a:t>Diagramme de séquences</a:t>
+              <a:t>Diagrammes de séquences</a:t>
             </a:r>
             <a:endParaRPr lang="fr-FR" sz="1200" dirty="0">
               <a:effectLst>
@@ -13322,6 +13294,35 @@
           </a:p>
         </p:txBody>
       </p:sp>
+      <p:pic>
+        <p:nvPicPr>
+          <p:cNvPr id="6" name="Image 5" descr="Une image contenant noir, télévision, écran&#10;&#10;Description générée automatiquement">
+            <a:extLst>
+              <a:ext uri="{FF2B5EF4-FFF2-40B4-BE49-F238E27FC236}">
+                <a16:creationId xmlns:a16="http://schemas.microsoft.com/office/drawing/2014/main" id="{3F4B39A6-DFEA-4840-A44F-403C51E0175F}"/>
+              </a:ext>
+            </a:extLst>
+          </p:cNvPr>
+          <p:cNvPicPr>
+            <a:picLocks noChangeAspect="1"/>
+          </p:cNvPicPr>
+          <p:nvPr/>
+        </p:nvPicPr>
+        <p:blipFill rotWithShape="1">
+          <a:blip r:embed="rId3"/>
+          <a:srcRect l="1428" t="66000"/>
+          <a:stretch/>
+        </p:blipFill>
+        <p:spPr>
+          <a:xfrm>
+            <a:off x="320039" y="1723129"/>
+            <a:ext cx="9131477" cy="4384950"/>
+          </a:xfrm>
+          <a:prstGeom prst="rect">
+            <a:avLst/>
+          </a:prstGeom>
+        </p:spPr>
+      </p:pic>
     </p:spTree>
     <p:extLst>
       <p:ext uri="{BB962C8B-B14F-4D97-AF65-F5344CB8AC3E}">
@@ -14849,7 +14850,7 @@
         <p:spPr>
           <a:xfrm>
             <a:off x="9449238" y="5521771"/>
-            <a:ext cx="1952779" cy="276999"/>
+            <a:ext cx="2013693" cy="276999"/>
           </a:xfrm>
           <a:prstGeom prst="rect">
             <a:avLst/>
@@ -14872,7 +14873,7 @@
                 </a:effectLst>
                 <a:latin typeface="Eras Medium ITC" panose="020B0602030504020804" pitchFamily="34" charset="0"/>
               </a:rPr>
-              <a:t>Diagramme de séquences</a:t>
+              <a:t>Diagrammes de séquences</a:t>
             </a:r>
             <a:endParaRPr lang="fr-FR" sz="1200" dirty="0">
               <a:effectLst>
@@ -15215,36 +15216,6 @@
           </a:p>
         </p:txBody>
       </p:sp>
-      <p:pic>
-        <p:nvPicPr>
-          <p:cNvPr id="5" name="Image 4" descr="Une image contenant capture d’écran&#10;&#10;Description générée automatiquement">
-            <a:extLst>
-              <a:ext uri="{FF2B5EF4-FFF2-40B4-BE49-F238E27FC236}">
-                <a16:creationId xmlns:a16="http://schemas.microsoft.com/office/drawing/2014/main" id="{D927C046-ECF5-41E7-9886-C4626BE4554C}"/>
-              </a:ext>
-            </a:extLst>
-          </p:cNvPr>
-          <p:cNvPicPr>
-            <a:picLocks noChangeAspect="1"/>
-          </p:cNvPicPr>
-          <p:nvPr/>
-        </p:nvPicPr>
-        <p:blipFill>
-          <a:blip r:embed="rId3"/>
-          <a:stretch>
-            <a:fillRect/>
-          </a:stretch>
-        </p:blipFill>
-        <p:spPr>
-          <a:xfrm>
-            <a:off x="1343575" y="2002457"/>
-            <a:ext cx="6946533" cy="3115934"/>
-          </a:xfrm>
-          <a:prstGeom prst="rect">
-            <a:avLst/>
-          </a:prstGeom>
-        </p:spPr>
-      </p:pic>
       <p:sp>
         <p:nvSpPr>
           <p:cNvPr id="18" name="Organigramme : Terminateur 17">
@@ -16592,7 +16563,7 @@
         <p:spPr>
           <a:xfrm>
             <a:off x="9449238" y="5521771"/>
-            <a:ext cx="1952779" cy="276999"/>
+            <a:ext cx="2013693" cy="276999"/>
           </a:xfrm>
           <a:prstGeom prst="rect">
             <a:avLst/>
@@ -16608,7 +16579,7 @@
               <a:rPr lang="fr-FR" sz="1200" dirty="0">
                 <a:latin typeface="Eras Medium ITC" panose="020B0602030504020804" pitchFamily="34" charset="0"/>
               </a:rPr>
-              <a:t>Diagramme de </a:t>
+              <a:t>Diagrammes de </a:t>
             </a:r>
             <a:r>
               <a:rPr lang="fr-FR" sz="1200" dirty="0">
@@ -16831,6 +16802,36 @@
           </a:p>
         </p:txBody>
       </p:sp>
+      <p:pic>
+        <p:nvPicPr>
+          <p:cNvPr id="4" name="Image 3" descr="Une image contenant capture d’écran&#10;&#10;Description générée automatiquement">
+            <a:extLst>
+              <a:ext uri="{FF2B5EF4-FFF2-40B4-BE49-F238E27FC236}">
+                <a16:creationId xmlns:a16="http://schemas.microsoft.com/office/drawing/2014/main" id="{463B97D0-75CC-4360-9C94-D5D7BCD53D80}"/>
+              </a:ext>
+            </a:extLst>
+          </p:cNvPr>
+          <p:cNvPicPr>
+            <a:picLocks noChangeAspect="1"/>
+          </p:cNvPicPr>
+          <p:nvPr/>
+        </p:nvPicPr>
+        <p:blipFill>
+          <a:blip r:embed="rId3"/>
+          <a:stretch>
+            <a:fillRect/>
+          </a:stretch>
+        </p:blipFill>
+        <p:spPr>
+          <a:xfrm>
+            <a:off x="615482" y="1676445"/>
+            <a:ext cx="8461633" cy="3925257"/>
+          </a:xfrm>
+          <a:prstGeom prst="rect">
+            <a:avLst/>
+          </a:prstGeom>
+        </p:spPr>
+      </p:pic>
     </p:spTree>
     <p:extLst>
       <p:ext uri="{BB962C8B-B14F-4D97-AF65-F5344CB8AC3E}">
@@ -18400,7 +18401,7 @@
         <p:spPr>
           <a:xfrm>
             <a:off x="9449238" y="5521771"/>
-            <a:ext cx="1952779" cy="276999"/>
+            <a:ext cx="2013693" cy="276999"/>
           </a:xfrm>
           <a:prstGeom prst="rect">
             <a:avLst/>
@@ -18416,7 +18417,7 @@
               <a:rPr lang="fr-FR" sz="1200" dirty="0">
                 <a:latin typeface="Eras Medium ITC" panose="020B0602030504020804" pitchFamily="34" charset="0"/>
               </a:rPr>
-              <a:t>Diagramme de </a:t>
+              <a:t>Diagrammes de </a:t>
             </a:r>
             <a:r>
               <a:rPr lang="fr-FR" sz="1200" dirty="0">
@@ -20204,7 +20205,7 @@
         <p:spPr>
           <a:xfrm>
             <a:off x="9449238" y="5521771"/>
-            <a:ext cx="1952779" cy="276999"/>
+            <a:ext cx="2013693" cy="276999"/>
           </a:xfrm>
           <a:prstGeom prst="rect">
             <a:avLst/>
@@ -20220,7 +20221,7 @@
               <a:rPr lang="fr-FR" sz="1200" dirty="0">
                 <a:latin typeface="Eras Medium ITC" panose="020B0602030504020804" pitchFamily="34" charset="0"/>
               </a:rPr>
-              <a:t>Diagramme de </a:t>
+              <a:t>Diagrammes de </a:t>
             </a:r>
             <a:r>
               <a:rPr lang="fr-FR" sz="1200" dirty="0">
@@ -21495,7 +21496,7 @@
               <a:rPr lang="fr-FR" sz="1400" dirty="0">
                 <a:latin typeface="Eras Medium ITC" panose="020B0602030504020804" pitchFamily="34" charset="0"/>
               </a:rPr>
-              <a:t>Taches personnelles</a:t>
+              <a:t>Tâches personnelles</a:t>
             </a:r>
           </a:p>
         </p:txBody>
@@ -21925,8 +21926,8 @@
         </p:nvSpPr>
         <p:spPr>
           <a:xfrm rot="19045150">
-            <a:off x="7674684" y="1911182"/>
-            <a:ext cx="2246128" cy="307777"/>
+            <a:off x="7639418" y="1911182"/>
+            <a:ext cx="2316660" cy="307777"/>
           </a:xfrm>
           <a:prstGeom prst="rect">
             <a:avLst/>
@@ -21942,7 +21943,7 @@
               <a:rPr lang="fr-FR" sz="1400" dirty="0">
                 <a:latin typeface="Eras Medium ITC" panose="020B0602030504020804" pitchFamily="34" charset="0"/>
               </a:rPr>
-              <a:t>Diagramme de séquences</a:t>
+              <a:t>Diagrammes de séquences</a:t>
             </a:r>
             <a:endParaRPr lang="fr-FR" sz="1400" dirty="0"/>
           </a:p>
@@ -21962,8 +21963,8 @@
         </p:nvSpPr>
         <p:spPr>
           <a:xfrm rot="19045150">
-            <a:off x="8201109" y="2026535"/>
-            <a:ext cx="1871025" cy="307777"/>
+            <a:off x="8165843" y="2026535"/>
+            <a:ext cx="1941557" cy="307777"/>
           </a:xfrm>
           <a:prstGeom prst="rect">
             <a:avLst/>
@@ -21979,7 +21980,7 @@
               <a:rPr lang="fr-FR" sz="1400" dirty="0">
                 <a:latin typeface="Eras Medium ITC" panose="020B0602030504020804" pitchFamily="34" charset="0"/>
               </a:rPr>
-              <a:t>Diagramme de classe</a:t>
+              <a:t>Diagramme de classes</a:t>
             </a:r>
             <a:endParaRPr lang="fr-FR" sz="1400" dirty="0"/>
           </a:p>
@@ -23526,7 +23527,7 @@
         <p:spPr>
           <a:xfrm>
             <a:off x="9449238" y="5521771"/>
-            <a:ext cx="1952779" cy="276999"/>
+            <a:ext cx="2013693" cy="276999"/>
           </a:xfrm>
           <a:prstGeom prst="rect">
             <a:avLst/>
@@ -23542,7 +23543,7 @@
               <a:rPr lang="fr-FR" sz="1200" dirty="0">
                 <a:latin typeface="Eras Medium ITC" panose="020B0602030504020804" pitchFamily="34" charset="0"/>
               </a:rPr>
-              <a:t>Diagramme de séquences</a:t>
+              <a:t>Diagrammes de séquences</a:t>
             </a:r>
             <a:endParaRPr lang="fr-FR" sz="1200" dirty="0"/>
           </a:p>
@@ -25567,7 +25568,7 @@
         <p:spPr>
           <a:xfrm>
             <a:off x="9449238" y="5521771"/>
-            <a:ext cx="1952779" cy="276999"/>
+            <a:ext cx="2013693" cy="276999"/>
           </a:xfrm>
           <a:prstGeom prst="rect">
             <a:avLst/>
@@ -25583,7 +25584,7 @@
               <a:rPr lang="fr-FR" sz="1200" dirty="0">
                 <a:latin typeface="Eras Medium ITC" panose="020B0602030504020804" pitchFamily="34" charset="0"/>
               </a:rPr>
-              <a:t>Diagramme de séquences</a:t>
+              <a:t>Diagrammes de séquences</a:t>
             </a:r>
             <a:endParaRPr lang="fr-FR" sz="1200" dirty="0"/>
           </a:p>
@@ -26525,7 +26526,7 @@
         <p:spPr>
           <a:xfrm>
             <a:off x="4867669" y="1631532"/>
-            <a:ext cx="3799332" cy="3970318"/>
+            <a:ext cx="3799332" cy="4801314"/>
           </a:xfrm>
           <a:prstGeom prst="rect">
             <a:avLst/>
@@ -26552,7 +26553,7 @@
               <a:rPr lang="fr-FR" i="1" dirty="0">
                 <a:latin typeface="Eras Medium ITC" panose="020B0602030504020804" pitchFamily="34" charset="0"/>
               </a:rPr>
-              <a:t>(user Identifier)</a:t>
+              <a:t>(User Identifier)</a:t>
             </a:r>
             <a:r>
               <a:rPr lang="fr-FR" dirty="0">
@@ -26570,7 +26571,31 @@
               <a:rPr lang="fr-FR" dirty="0">
                 <a:latin typeface="Eras Medium ITC" panose="020B0602030504020804" pitchFamily="34" charset="0"/>
               </a:rPr>
-              <a:t>Allumé ou éteindre une LED correspondante dans la seconde selon l'état du capteur.</a:t>
+              <a:t>Utiliser un bus SPI (</a:t>
+            </a:r>
+            <a:r>
+              <a:rPr lang="fr-FR" i="1" dirty="0">
+                <a:latin typeface="Eras Medium ITC" panose="020B0602030504020804" pitchFamily="34" charset="0"/>
+              </a:rPr>
+              <a:t>Serial </a:t>
+            </a:r>
+            <a:r>
+              <a:rPr lang="fr-FR" i="1" dirty="0" err="1">
+                <a:latin typeface="Eras Medium ITC" panose="020B0602030504020804" pitchFamily="34" charset="0"/>
+              </a:rPr>
+              <a:t>Peripheral</a:t>
+            </a:r>
+            <a:r>
+              <a:rPr lang="fr-FR" i="1" dirty="0">
+                <a:latin typeface="Eras Medium ITC" panose="020B0602030504020804" pitchFamily="34" charset="0"/>
+              </a:rPr>
+              <a:t> Interface</a:t>
+            </a:r>
+            <a:r>
+              <a:rPr lang="fr-FR" dirty="0">
+                <a:latin typeface="Eras Medium ITC" panose="020B0602030504020804" pitchFamily="34" charset="0"/>
+              </a:rPr>
+              <a:t>).</a:t>
             </a:r>
           </a:p>
           <a:p>
@@ -26582,7 +26607,7 @@
               <a:rPr lang="fr-FR" dirty="0">
                 <a:latin typeface="Eras Medium ITC" panose="020B0602030504020804" pitchFamily="34" charset="0"/>
               </a:rPr>
-              <a:t>Si 4 UID corrects, ouvrir la gâche électrique et envoyer l’ordre de fin partie à l’application de supervision via un système client socket.</a:t>
+              <a:t>Allumer ou éteindre une LED correspondante dans la seconde selon l'état du capteur dans la seconde.</a:t>
             </a:r>
           </a:p>
           <a:p>
@@ -26594,7 +26619,19 @@
               <a:rPr lang="fr-FR" dirty="0">
                 <a:latin typeface="Eras Medium ITC" panose="020B0602030504020804" pitchFamily="34" charset="0"/>
               </a:rPr>
-              <a:t>Détecté l’ordre de fin de partie dans l’application de supervision via un système serveur socket.</a:t>
+              <a:t>Si 4 UID corrects, ouvrir la gâche électrique et envoyer l’ordre de fin partie à l’application de supervision via un système client socket.</a:t>
+            </a:r>
+          </a:p>
+          <a:p>
+            <a:pPr marL="285750" indent="-285750">
+              <a:buFont typeface="Arial" panose="020B0604020202020204" pitchFamily="34" charset="0"/>
+              <a:buChar char="•"/>
+            </a:pPr>
+            <a:r>
+              <a:rPr lang="fr-FR" dirty="0">
+                <a:latin typeface="Eras Medium ITC" panose="020B0602030504020804" pitchFamily="34" charset="0"/>
+              </a:rPr>
+              <a:t>Détecter l’ordre de fin de partie dans l’application de supervision via un système serveur socket.</a:t>
             </a:r>
           </a:p>
         </p:txBody>
@@ -28042,7 +28079,7 @@
         <p:spPr>
           <a:xfrm>
             <a:off x="9449238" y="5521771"/>
-            <a:ext cx="1952779" cy="276999"/>
+            <a:ext cx="2013693" cy="276999"/>
           </a:xfrm>
           <a:prstGeom prst="rect">
             <a:avLst/>
@@ -28058,7 +28095,7 @@
               <a:rPr lang="fr-FR" sz="1200" dirty="0">
                 <a:latin typeface="Eras Medium ITC" panose="020B0602030504020804" pitchFamily="34" charset="0"/>
               </a:rPr>
-              <a:t>Diagramme de séquences</a:t>
+              <a:t>Diagrammes de séquences</a:t>
             </a:r>
             <a:endParaRPr lang="fr-FR" sz="1200" dirty="0"/>
           </a:p>
@@ -30212,7 +30249,7 @@
         <p:spPr>
           <a:xfrm>
             <a:off x="9449238" y="5521771"/>
-            <a:ext cx="1952779" cy="276999"/>
+            <a:ext cx="2013693" cy="276999"/>
           </a:xfrm>
           <a:prstGeom prst="rect">
             <a:avLst/>
@@ -30228,7 +30265,7 @@
               <a:rPr lang="fr-FR" sz="1200" dirty="0">
                 <a:latin typeface="Eras Medium ITC" panose="020B0602030504020804" pitchFamily="34" charset="0"/>
               </a:rPr>
-              <a:t>Diagramme de séquences</a:t>
+              <a:t>Diagrammes de séquences</a:t>
             </a:r>
             <a:endParaRPr lang="fr-FR" sz="1200" dirty="0"/>
           </a:p>
@@ -32478,7 +32515,7 @@
         <p:spPr>
           <a:xfrm>
             <a:off x="9449238" y="5521771"/>
-            <a:ext cx="1952779" cy="276999"/>
+            <a:ext cx="2013693" cy="276999"/>
           </a:xfrm>
           <a:prstGeom prst="rect">
             <a:avLst/>
@@ -32494,7 +32531,7 @@
               <a:rPr lang="fr-FR" sz="1200" dirty="0">
                 <a:latin typeface="Eras Medium ITC" panose="020B0602030504020804" pitchFamily="34" charset="0"/>
               </a:rPr>
-              <a:t>Diagramme de séquences</a:t>
+              <a:t>Diagrammes de séquences</a:t>
             </a:r>
             <a:endParaRPr lang="fr-FR" sz="1200" dirty="0"/>
           </a:p>
@@ -34846,7 +34883,7 @@
         <p:spPr>
           <a:xfrm>
             <a:off x="9449238" y="5521771"/>
-            <a:ext cx="1952779" cy="276999"/>
+            <a:ext cx="2013693" cy="276999"/>
           </a:xfrm>
           <a:prstGeom prst="rect">
             <a:avLst/>
@@ -34862,7 +34899,7 @@
               <a:rPr lang="fr-FR" sz="1200" dirty="0">
                 <a:latin typeface="Eras Medium ITC" panose="020B0602030504020804" pitchFamily="34" charset="0"/>
               </a:rPr>
-              <a:t>Diagramme de séquences</a:t>
+              <a:t>Diagrammes de séquences</a:t>
             </a:r>
             <a:endParaRPr lang="fr-FR" sz="1200" dirty="0"/>
           </a:p>
@@ -36545,7 +36582,7 @@
         <p:spPr>
           <a:xfrm>
             <a:off x="9449238" y="5521771"/>
-            <a:ext cx="1952779" cy="276999"/>
+            <a:ext cx="2013693" cy="276999"/>
           </a:xfrm>
           <a:prstGeom prst="rect">
             <a:avLst/>
@@ -36561,7 +36598,7 @@
               <a:rPr lang="fr-FR" sz="1200" dirty="0">
                 <a:latin typeface="Eras Medium ITC" panose="020B0602030504020804" pitchFamily="34" charset="0"/>
               </a:rPr>
-              <a:t>Diagramme de séquences</a:t>
+              <a:t>Diagrammes de séquences</a:t>
             </a:r>
             <a:endParaRPr lang="fr-FR" sz="1200" dirty="0"/>
           </a:p>
@@ -36693,6 +36730,43 @@
           <a:p>
             <a:pPr algn="ctr"/>
             <a:endParaRPr lang="fr-FR"/>
+          </a:p>
+        </p:txBody>
+      </p:sp>
+      <p:sp>
+        <p:nvSpPr>
+          <p:cNvPr id="48" name="Rectangle 47">
+            <a:extLst>
+              <a:ext uri="{FF2B5EF4-FFF2-40B4-BE49-F238E27FC236}">
+                <a16:creationId xmlns:a16="http://schemas.microsoft.com/office/drawing/2014/main" id="{FD397723-3B95-4EBD-9CBF-192053CCD646}"/>
+              </a:ext>
+            </a:extLst>
+          </p:cNvPr>
+          <p:cNvSpPr/>
+          <p:nvPr/>
+        </p:nvSpPr>
+        <p:spPr>
+          <a:xfrm>
+            <a:off x="9153946" y="5212462"/>
+            <a:ext cx="2274982" cy="276999"/>
+          </a:xfrm>
+          <a:prstGeom prst="rect">
+            <a:avLst/>
+          </a:prstGeom>
+        </p:spPr>
+        <p:txBody>
+          <a:bodyPr wrap="none">
+            <a:spAutoFit/>
+          </a:bodyPr>
+          <a:lstStyle/>
+          <a:p>
+            <a:r>
+              <a:rPr lang="fr-FR" sz="1200" dirty="0">
+                <a:latin typeface="Eras Medium ITC" panose="020B0602030504020804" pitchFamily="34" charset="0"/>
+              </a:rPr>
+              <a:t>Diagramme de cas d’utilisation</a:t>
+            </a:r>
+            <a:endParaRPr lang="fr-FR" sz="1200" dirty="0"/>
           </a:p>
         </p:txBody>
       </p:sp>

--- a/Guillaume/Documents/Diapo Revues/Revue 2 de projet étudiant 1 Escape Game Téléthon.pptx
+++ b/Guillaume/Documents/Diapo Revues/Revue 2 de projet étudiant 1 Escape Game Téléthon.pptx
@@ -21,6 +21,8 @@
     <p:sldId id="274" r:id="rId15"/>
     <p:sldId id="271" r:id="rId16"/>
     <p:sldId id="272" r:id="rId17"/>
+    <p:sldId id="275" r:id="rId18"/>
+    <p:sldId id="276" r:id="rId19"/>
   </p:sldIdLst>
   <p:sldSz cx="12192000" cy="6858000"/>
   <p:notesSz cx="6858000" cy="9144000"/>
@@ -9573,7 +9575,7 @@
         <p:spPr>
           <a:xfrm>
             <a:off x="9765115" y="5831080"/>
-            <a:ext cx="1632178" cy="276999"/>
+            <a:ext cx="1693092" cy="276999"/>
           </a:xfrm>
           <a:prstGeom prst="rect">
             <a:avLst/>
@@ -9589,7 +9591,7 @@
               <a:rPr lang="fr-FR" sz="1200" dirty="0">
                 <a:latin typeface="Eras Medium ITC" panose="020B0602030504020804" pitchFamily="34" charset="0"/>
               </a:rPr>
-              <a:t>Diagramme de classe</a:t>
+              <a:t>Diagramme de classes</a:t>
             </a:r>
             <a:endParaRPr lang="fr-FR" sz="1200" dirty="0"/>
           </a:p>
@@ -11351,7 +11353,7 @@
         <p:spPr>
           <a:xfrm>
             <a:off x="9765115" y="5831080"/>
-            <a:ext cx="1632178" cy="276999"/>
+            <a:ext cx="1693092" cy="276999"/>
           </a:xfrm>
           <a:prstGeom prst="rect">
             <a:avLst/>
@@ -11367,7 +11369,7 @@
               <a:rPr lang="fr-FR" sz="1200" dirty="0">
                 <a:latin typeface="Eras Medium ITC" panose="020B0602030504020804" pitchFamily="34" charset="0"/>
               </a:rPr>
-              <a:t>Diagramme de classe</a:t>
+              <a:t>Diagramme de classes</a:t>
             </a:r>
             <a:endParaRPr lang="fr-FR" sz="1200" dirty="0"/>
           </a:p>
@@ -13128,7 +13130,7 @@
         <p:spPr>
           <a:xfrm>
             <a:off x="9765115" y="5831080"/>
-            <a:ext cx="1632178" cy="276999"/>
+            <a:ext cx="1693092" cy="276999"/>
           </a:xfrm>
           <a:prstGeom prst="rect">
             <a:avLst/>
@@ -13144,7 +13146,7 @@
               <a:rPr lang="fr-FR" sz="1200" dirty="0">
                 <a:latin typeface="Eras Medium ITC" panose="020B0602030504020804" pitchFamily="34" charset="0"/>
               </a:rPr>
-              <a:t>Diagramme de classe</a:t>
+              <a:t>Diagramme de classes</a:t>
             </a:r>
             <a:endParaRPr lang="fr-FR" sz="1200" dirty="0"/>
           </a:p>
@@ -14902,7 +14904,7 @@
         <p:spPr>
           <a:xfrm>
             <a:off x="9765115" y="5831080"/>
-            <a:ext cx="1632178" cy="276999"/>
+            <a:ext cx="1693092" cy="276999"/>
           </a:xfrm>
           <a:prstGeom prst="rect">
             <a:avLst/>
@@ -14918,7 +14920,7 @@
               <a:rPr lang="fr-FR" sz="1200" dirty="0">
                 <a:latin typeface="Eras Medium ITC" panose="020B0602030504020804" pitchFamily="34" charset="0"/>
               </a:rPr>
-              <a:t>Diagramme de classe</a:t>
+              <a:t>Diagramme de classes</a:t>
             </a:r>
             <a:endParaRPr lang="fr-FR" sz="1200" dirty="0"/>
           </a:p>
@@ -16621,7 +16623,7 @@
         <p:spPr>
           <a:xfrm>
             <a:off x="9765115" y="5831080"/>
-            <a:ext cx="1632178" cy="276999"/>
+            <a:ext cx="1693092" cy="276999"/>
           </a:xfrm>
           <a:prstGeom prst="rect">
             <a:avLst/>
@@ -16644,7 +16646,7 @@
                 </a:effectLst>
                 <a:latin typeface="Eras Medium ITC" panose="020B0602030504020804" pitchFamily="34" charset="0"/>
               </a:rPr>
-              <a:t>Diagramme de classe</a:t>
+              <a:t>Diagramme de classes</a:t>
             </a:r>
             <a:endParaRPr lang="fr-FR" sz="1200" dirty="0">
               <a:effectLst>
@@ -17034,10 +17036,10 @@
             <a:noFill/>
           </a:ln>
           <a:effectLst>
-            <a:outerShdw blurRad="292100" dist="139700" dir="2700000" algn="tl" rotWithShape="0">
-              <a:srgbClr val="333333">
-                <a:alpha val="65000"/>
-              </a:srgbClr>
+            <a:outerShdw blurRad="63500" sx="102000" sy="102000" algn="ctr" rotWithShape="0">
+              <a:prstClr val="black">
+                <a:alpha val="40000"/>
+              </a:prstClr>
             </a:outerShdw>
           </a:effectLst>
         </p:spPr>
@@ -17074,10 +17076,10 @@
             <a:noFill/>
           </a:ln>
           <a:effectLst>
-            <a:outerShdw blurRad="292100" dist="139700" dir="2700000" algn="tl" rotWithShape="0">
-              <a:srgbClr val="333333">
-                <a:alpha val="65000"/>
-              </a:srgbClr>
+            <a:outerShdw blurRad="63500" sx="102000" sy="102000" algn="ctr" rotWithShape="0">
+              <a:prstClr val="black">
+                <a:alpha val="40000"/>
+              </a:prstClr>
             </a:outerShdw>
           </a:effectLst>
         </p:spPr>
@@ -18459,7 +18461,7 @@
         <p:spPr>
           <a:xfrm>
             <a:off x="9765115" y="5831080"/>
-            <a:ext cx="1632178" cy="276999"/>
+            <a:ext cx="1693092" cy="276999"/>
           </a:xfrm>
           <a:prstGeom prst="rect">
             <a:avLst/>
@@ -18475,7 +18477,7 @@
               <a:rPr lang="fr-FR" sz="1200" dirty="0">
                 <a:latin typeface="Eras Medium ITC" panose="020B0602030504020804" pitchFamily="34" charset="0"/>
               </a:rPr>
-              <a:t>Diagramme de classe</a:t>
+              <a:t>Diagramme de classes</a:t>
             </a:r>
             <a:endParaRPr lang="fr-FR" sz="1200" dirty="0"/>
           </a:p>
@@ -18870,20 +18872,26 @@
           </p:cNvPicPr>
           <p:nvPr/>
         </p:nvPicPr>
-        <p:blipFill>
+        <p:blipFill rotWithShape="1">
           <a:blip r:embed="rId3"/>
-          <a:stretch>
-            <a:fillRect/>
-          </a:stretch>
+          <a:srcRect b="87727"/>
+          <a:stretch/>
         </p:blipFill>
         <p:spPr>
           <a:xfrm>
-            <a:off x="420624" y="822273"/>
-            <a:ext cx="8595602" cy="5867467"/>
+            <a:off x="198954" y="2013204"/>
+            <a:ext cx="9259257" cy="775685"/>
           </a:xfrm>
           <a:prstGeom prst="rect">
             <a:avLst/>
           </a:prstGeom>
+          <a:effectLst>
+            <a:outerShdw blurRad="63500" sx="102000" sy="102000" algn="ctr" rotWithShape="0">
+              <a:prstClr val="black">
+                <a:alpha val="40000"/>
+              </a:prstClr>
+            </a:outerShdw>
+          </a:effectLst>
         </p:spPr>
       </p:pic>
       <p:sp>
@@ -20263,7 +20271,7 @@
         <p:spPr>
           <a:xfrm>
             <a:off x="9765115" y="5831080"/>
-            <a:ext cx="1632178" cy="276999"/>
+            <a:ext cx="1693092" cy="276999"/>
           </a:xfrm>
           <a:prstGeom prst="rect">
             <a:avLst/>
@@ -20279,7 +20287,7 @@
               <a:rPr lang="fr-FR" sz="1200" dirty="0">
                 <a:latin typeface="Eras Medium ITC" panose="020B0602030504020804" pitchFamily="34" charset="0"/>
               </a:rPr>
-              <a:t>Diagramme de classe</a:t>
+              <a:t>Diagramme de classes</a:t>
             </a:r>
             <a:endParaRPr lang="fr-FR" sz="1200" dirty="0"/>
           </a:p>
@@ -20490,10 +20498,3738 @@
           </a:p>
         </p:txBody>
       </p:sp>
+      <p:pic>
+        <p:nvPicPr>
+          <p:cNvPr id="35" name="Image 34">
+            <a:extLst>
+              <a:ext uri="{FF2B5EF4-FFF2-40B4-BE49-F238E27FC236}">
+                <a16:creationId xmlns:a16="http://schemas.microsoft.com/office/drawing/2014/main" id="{7478F2F6-B568-4E6D-A348-90844F5CEF94}"/>
+              </a:ext>
+            </a:extLst>
+          </p:cNvPr>
+          <p:cNvPicPr>
+            <a:picLocks noChangeAspect="1"/>
+          </p:cNvPicPr>
+          <p:nvPr/>
+        </p:nvPicPr>
+        <p:blipFill rotWithShape="1">
+          <a:blip r:embed="rId3"/>
+          <a:srcRect l="84" t="11753" r="-84" b="70802"/>
+          <a:stretch/>
+        </p:blipFill>
+        <p:spPr>
+          <a:xfrm>
+            <a:off x="198954" y="3862900"/>
+            <a:ext cx="9371757" cy="1115970"/>
+          </a:xfrm>
+          <a:prstGeom prst="rect">
+            <a:avLst/>
+          </a:prstGeom>
+          <a:effectLst>
+            <a:outerShdw blurRad="63500" sx="102000" sy="102000" algn="ctr" rotWithShape="0">
+              <a:prstClr val="black">
+                <a:alpha val="40000"/>
+              </a:prstClr>
+            </a:outerShdw>
+          </a:effectLst>
+        </p:spPr>
+      </p:pic>
     </p:spTree>
     <p:extLst>
       <p:ext uri="{BB962C8B-B14F-4D97-AF65-F5344CB8AC3E}">
         <p14:creationId xmlns:p14="http://schemas.microsoft.com/office/powerpoint/2010/main" val="1042172690"/>
+      </p:ext>
+    </p:extLst>
+  </p:cSld>
+  <p:clrMapOvr>
+    <a:masterClrMapping/>
+  </p:clrMapOvr>
+  <mc:AlternateContent xmlns:mc="http://schemas.openxmlformats.org/markup-compatibility/2006" xmlns:p159="http://schemas.microsoft.com/office/powerpoint/2015/09/main">
+    <mc:Choice Requires="p159">
+      <p:transition xmlns:p14="http://schemas.microsoft.com/office/powerpoint/2010/main" spd="slow" p14:dur="2000">
+        <p159:morph option="byObject"/>
+      </p:transition>
+    </mc:Choice>
+    <mc:Fallback xmlns="">
+      <p:transition spd="slow">
+        <p:fade/>
+      </p:transition>
+    </mc:Fallback>
+  </mc:AlternateContent>
+</p:sld>
+</file>
+
+<file path=ppt/slides/slide17.xml><?xml version="1.0" encoding="utf-8"?>
+<p:sld xmlns:a="http://schemas.openxmlformats.org/drawingml/2006/main" xmlns:r="http://schemas.openxmlformats.org/officeDocument/2006/relationships" xmlns:p="http://schemas.openxmlformats.org/presentationml/2006/main">
+  <p:cSld>
+    <p:spTree>
+      <p:nvGrpSpPr>
+        <p:cNvPr id="1" name=""/>
+        <p:cNvGrpSpPr/>
+        <p:nvPr/>
+      </p:nvGrpSpPr>
+      <p:grpSpPr>
+        <a:xfrm>
+          <a:off x="0" y="0"/>
+          <a:ext cx="0" cy="0"/>
+          <a:chOff x="0" y="0"/>
+          <a:chExt cx="0" cy="0"/>
+        </a:xfrm>
+      </p:grpSpPr>
+      <p:pic>
+        <p:nvPicPr>
+          <p:cNvPr id="1026" name="Picture 2" descr="Image associée">
+            <a:extLst>
+              <a:ext uri="{FF2B5EF4-FFF2-40B4-BE49-F238E27FC236}">
+                <a16:creationId xmlns:a16="http://schemas.microsoft.com/office/drawing/2014/main" id="{C816F3D8-CC4C-46B3-A21E-58AE9AD30454}"/>
+              </a:ext>
+            </a:extLst>
+          </p:cNvPr>
+          <p:cNvPicPr>
+            <a:picLocks noChangeAspect="1" noChangeArrowheads="1"/>
+          </p:cNvPicPr>
+          <p:nvPr/>
+        </p:nvPicPr>
+        <p:blipFill rotWithShape="1">
+          <a:blip r:embed="rId2">
+            <a:extLst>
+              <a:ext uri="{28A0092B-C50C-407E-A947-70E740481C1C}">
+                <a14:useLocalDpi xmlns:a14="http://schemas.microsoft.com/office/drawing/2010/main" val="0"/>
+              </a:ext>
+            </a:extLst>
+          </a:blip>
+          <a:srcRect l="18677" r="15441"/>
+          <a:stretch/>
+        </p:blipFill>
+        <p:spPr bwMode="auto">
+          <a:xfrm>
+            <a:off x="143436" y="143435"/>
+            <a:ext cx="2269635" cy="609600"/>
+          </a:xfrm>
+          <a:prstGeom prst="rect">
+            <a:avLst/>
+          </a:prstGeom>
+          <a:noFill/>
+          <a:extLst>
+            <a:ext uri="{909E8E84-426E-40DD-AFC4-6F175D3DCCD1}">
+              <a14:hiddenFill xmlns:a14="http://schemas.microsoft.com/office/drawing/2010/main">
+                <a:solidFill>
+                  <a:srgbClr val="FFFFFF"/>
+                </a:solidFill>
+              </a14:hiddenFill>
+            </a:ext>
+          </a:extLst>
+        </p:spPr>
+      </p:pic>
+      <p:sp>
+        <p:nvSpPr>
+          <p:cNvPr id="3" name="ZoneTexte 2">
+            <a:extLst>
+              <a:ext uri="{FF2B5EF4-FFF2-40B4-BE49-F238E27FC236}">
+                <a16:creationId xmlns:a16="http://schemas.microsoft.com/office/drawing/2014/main" id="{1582123C-25BF-42F1-97F8-35FFB48DFFAA}"/>
+              </a:ext>
+            </a:extLst>
+          </p:cNvPr>
+          <p:cNvSpPr txBox="1"/>
+          <p:nvPr/>
+        </p:nvSpPr>
+        <p:spPr>
+          <a:xfrm>
+            <a:off x="2477079" y="168260"/>
+            <a:ext cx="6848856" cy="584775"/>
+          </a:xfrm>
+          <a:prstGeom prst="rect">
+            <a:avLst/>
+          </a:prstGeom>
+          <a:noFill/>
+          <a:ln>
+            <a:noFill/>
+          </a:ln>
+          <a:effectLst>
+            <a:glow rad="63500">
+              <a:schemeClr val="accent4">
+                <a:satMod val="175000"/>
+                <a:alpha val="40000"/>
+              </a:schemeClr>
+            </a:glow>
+            <a:outerShdw blurRad="50800" dist="38100" dir="5400000" algn="t" rotWithShape="0">
+              <a:prstClr val="black">
+                <a:alpha val="40000"/>
+              </a:prstClr>
+            </a:outerShdw>
+          </a:effectLst>
+          <a:scene3d>
+            <a:camera prst="orthographicFront">
+              <a:rot lat="0" lon="0" rev="0"/>
+            </a:camera>
+            <a:lightRig rig="soft" dir="t">
+              <a:rot lat="0" lon="0" rev="0"/>
+            </a:lightRig>
+          </a:scene3d>
+          <a:sp3d contourW="44450" prstMaterial="matte">
+            <a:bevelT w="63500" h="63500" prst="artDeco"/>
+            <a:contourClr>
+              <a:srgbClr val="FFFFFF"/>
+            </a:contourClr>
+          </a:sp3d>
+        </p:spPr>
+        <p:txBody>
+          <a:bodyPr wrap="square" rtlCol="0">
+            <a:spAutoFit/>
+          </a:bodyPr>
+          <a:lstStyle/>
+          <a:p>
+            <a:pPr algn="ctr"/>
+            <a:r>
+              <a:rPr lang="fr-FR" sz="3200" b="1" dirty="0">
+                <a:latin typeface="Eras Medium ITC" panose="020B0602030504020804" pitchFamily="34" charset="0"/>
+              </a:rPr>
+              <a:t>Planification Gantt - </a:t>
+            </a:r>
+            <a:r>
+              <a:rPr lang="fr-FR" sz="2800" b="1" dirty="0">
+                <a:solidFill>
+                  <a:srgbClr val="A41258"/>
+                </a:solidFill>
+                <a:latin typeface="Eras Medium ITC" panose="020B0602030504020804" pitchFamily="34" charset="0"/>
+              </a:rPr>
+              <a:t>Partie personnelle </a:t>
+            </a:r>
+            <a:r>
+              <a:rPr lang="fr-FR" sz="2800" b="1" dirty="0">
+                <a:latin typeface="Eras Medium ITC" panose="020B0602030504020804" pitchFamily="34" charset="0"/>
+              </a:rPr>
+              <a:t>:</a:t>
+            </a:r>
+          </a:p>
+        </p:txBody>
+      </p:sp>
+      <p:sp>
+        <p:nvSpPr>
+          <p:cNvPr id="5" name="Organigramme : Terminateur 4">
+            <a:extLst>
+              <a:ext uri="{FF2B5EF4-FFF2-40B4-BE49-F238E27FC236}">
+                <a16:creationId xmlns:a16="http://schemas.microsoft.com/office/drawing/2014/main" id="{D1F75C67-19ED-4C1C-8C02-A891450335AA}"/>
+              </a:ext>
+            </a:extLst>
+          </p:cNvPr>
+          <p:cNvSpPr/>
+          <p:nvPr/>
+        </p:nvSpPr>
+        <p:spPr>
+          <a:xfrm>
+            <a:off x="11402638" y="5933492"/>
+            <a:ext cx="358260" cy="85725"/>
+          </a:xfrm>
+          <a:prstGeom prst="flowChartTerminator">
+            <a:avLst/>
+          </a:prstGeom>
+          <a:solidFill>
+            <a:srgbClr val="A51258"/>
+          </a:solidFill>
+          <a:ln>
+            <a:solidFill>
+              <a:schemeClr val="bg1"/>
+            </a:solidFill>
+          </a:ln>
+        </p:spPr>
+        <p:style>
+          <a:lnRef idx="2">
+            <a:schemeClr val="accent1">
+              <a:shade val="50000"/>
+            </a:schemeClr>
+          </a:lnRef>
+          <a:fillRef idx="1">
+            <a:schemeClr val="accent1"/>
+          </a:fillRef>
+          <a:effectRef idx="0">
+            <a:schemeClr val="accent1"/>
+          </a:effectRef>
+          <a:fontRef idx="minor">
+            <a:schemeClr val="lt1"/>
+          </a:fontRef>
+        </p:style>
+        <p:txBody>
+          <a:bodyPr rtlCol="0" anchor="ctr"/>
+          <a:lstStyle/>
+          <a:p>
+            <a:pPr algn="ctr"/>
+            <a:endParaRPr lang="fr-FR"/>
+          </a:p>
+        </p:txBody>
+      </p:sp>
+      <p:sp>
+        <p:nvSpPr>
+          <p:cNvPr id="6" name="Organigramme : Terminateur 5">
+            <a:extLst>
+              <a:ext uri="{FF2B5EF4-FFF2-40B4-BE49-F238E27FC236}">
+                <a16:creationId xmlns:a16="http://schemas.microsoft.com/office/drawing/2014/main" id="{FDDABDCB-05CA-4CE6-8FB2-9551BFDA6DB8}"/>
+              </a:ext>
+            </a:extLst>
+          </p:cNvPr>
+          <p:cNvSpPr/>
+          <p:nvPr/>
+        </p:nvSpPr>
+        <p:spPr>
+          <a:xfrm>
+            <a:off x="11402638" y="5635436"/>
+            <a:ext cx="358260" cy="85725"/>
+          </a:xfrm>
+          <a:prstGeom prst="flowChartTerminator">
+            <a:avLst/>
+          </a:prstGeom>
+          <a:solidFill>
+            <a:srgbClr val="A51258"/>
+          </a:solidFill>
+          <a:ln>
+            <a:solidFill>
+              <a:schemeClr val="bg1"/>
+            </a:solidFill>
+          </a:ln>
+        </p:spPr>
+        <p:style>
+          <a:lnRef idx="2">
+            <a:schemeClr val="accent1">
+              <a:shade val="50000"/>
+            </a:schemeClr>
+          </a:lnRef>
+          <a:fillRef idx="1">
+            <a:schemeClr val="accent1"/>
+          </a:fillRef>
+          <a:effectRef idx="0">
+            <a:schemeClr val="accent1"/>
+          </a:effectRef>
+          <a:fontRef idx="minor">
+            <a:schemeClr val="lt1"/>
+          </a:fontRef>
+        </p:style>
+        <p:txBody>
+          <a:bodyPr rtlCol="0" anchor="ctr"/>
+          <a:lstStyle/>
+          <a:p>
+            <a:pPr algn="ctr"/>
+            <a:endParaRPr lang="fr-FR"/>
+          </a:p>
+        </p:txBody>
+      </p:sp>
+      <p:sp>
+        <p:nvSpPr>
+          <p:cNvPr id="7" name="Organigramme : Terminateur 6">
+            <a:extLst>
+              <a:ext uri="{FF2B5EF4-FFF2-40B4-BE49-F238E27FC236}">
+                <a16:creationId xmlns:a16="http://schemas.microsoft.com/office/drawing/2014/main" id="{676653C4-7739-41DF-B04D-9F0A08D5AAC8}"/>
+              </a:ext>
+            </a:extLst>
+          </p:cNvPr>
+          <p:cNvSpPr/>
+          <p:nvPr/>
+        </p:nvSpPr>
+        <p:spPr>
+          <a:xfrm>
+            <a:off x="11402638" y="5337380"/>
+            <a:ext cx="358260" cy="85725"/>
+          </a:xfrm>
+          <a:prstGeom prst="flowChartTerminator">
+            <a:avLst/>
+          </a:prstGeom>
+          <a:solidFill>
+            <a:srgbClr val="A51258"/>
+          </a:solidFill>
+          <a:ln>
+            <a:solidFill>
+              <a:schemeClr val="bg1"/>
+            </a:solidFill>
+          </a:ln>
+        </p:spPr>
+        <p:style>
+          <a:lnRef idx="2">
+            <a:schemeClr val="accent1">
+              <a:shade val="50000"/>
+            </a:schemeClr>
+          </a:lnRef>
+          <a:fillRef idx="1">
+            <a:schemeClr val="accent1"/>
+          </a:fillRef>
+          <a:effectRef idx="0">
+            <a:schemeClr val="accent1"/>
+          </a:effectRef>
+          <a:fontRef idx="minor">
+            <a:schemeClr val="lt1"/>
+          </a:fontRef>
+        </p:style>
+        <p:txBody>
+          <a:bodyPr rtlCol="0" anchor="ctr"/>
+          <a:lstStyle/>
+          <a:p>
+            <a:pPr algn="ctr"/>
+            <a:endParaRPr lang="fr-FR"/>
+          </a:p>
+        </p:txBody>
+      </p:sp>
+      <p:sp>
+        <p:nvSpPr>
+          <p:cNvPr id="8" name="Organigramme : Terminateur 7">
+            <a:extLst>
+              <a:ext uri="{FF2B5EF4-FFF2-40B4-BE49-F238E27FC236}">
+                <a16:creationId xmlns:a16="http://schemas.microsoft.com/office/drawing/2014/main" id="{25FEC329-248D-4382-B5B6-198779EC99F9}"/>
+              </a:ext>
+            </a:extLst>
+          </p:cNvPr>
+          <p:cNvSpPr/>
+          <p:nvPr/>
+        </p:nvSpPr>
+        <p:spPr>
+          <a:xfrm>
+            <a:off x="11402638" y="3001220"/>
+            <a:ext cx="358260" cy="85725"/>
+          </a:xfrm>
+          <a:prstGeom prst="flowChartTerminator">
+            <a:avLst/>
+          </a:prstGeom>
+          <a:solidFill>
+            <a:srgbClr val="A51258"/>
+          </a:solidFill>
+          <a:ln>
+            <a:solidFill>
+              <a:schemeClr val="bg1"/>
+            </a:solidFill>
+          </a:ln>
+        </p:spPr>
+        <p:style>
+          <a:lnRef idx="2">
+            <a:schemeClr val="accent1">
+              <a:shade val="50000"/>
+            </a:schemeClr>
+          </a:lnRef>
+          <a:fillRef idx="1">
+            <a:schemeClr val="accent1"/>
+          </a:fillRef>
+          <a:effectRef idx="0">
+            <a:schemeClr val="accent1"/>
+          </a:effectRef>
+          <a:fontRef idx="minor">
+            <a:schemeClr val="lt1"/>
+          </a:fontRef>
+        </p:style>
+        <p:txBody>
+          <a:bodyPr rtlCol="0" anchor="ctr"/>
+          <a:lstStyle/>
+          <a:p>
+            <a:pPr algn="ctr"/>
+            <a:endParaRPr lang="fr-FR"/>
+          </a:p>
+        </p:txBody>
+      </p:sp>
+      <p:sp>
+        <p:nvSpPr>
+          <p:cNvPr id="9" name="Organigramme : Terminateur 8">
+            <a:extLst>
+              <a:ext uri="{FF2B5EF4-FFF2-40B4-BE49-F238E27FC236}">
+                <a16:creationId xmlns:a16="http://schemas.microsoft.com/office/drawing/2014/main" id="{C8D6D83F-A4D2-4EFF-A51F-9F3B5E5E834E}"/>
+              </a:ext>
+            </a:extLst>
+          </p:cNvPr>
+          <p:cNvSpPr/>
+          <p:nvPr/>
+        </p:nvSpPr>
+        <p:spPr>
+          <a:xfrm>
+            <a:off x="11405115" y="2703164"/>
+            <a:ext cx="358260" cy="85725"/>
+          </a:xfrm>
+          <a:prstGeom prst="flowChartTerminator">
+            <a:avLst/>
+          </a:prstGeom>
+          <a:solidFill>
+            <a:srgbClr val="A51258"/>
+          </a:solidFill>
+          <a:ln>
+            <a:solidFill>
+              <a:schemeClr val="bg1"/>
+            </a:solidFill>
+          </a:ln>
+        </p:spPr>
+        <p:style>
+          <a:lnRef idx="2">
+            <a:schemeClr val="accent1">
+              <a:shade val="50000"/>
+            </a:schemeClr>
+          </a:lnRef>
+          <a:fillRef idx="1">
+            <a:schemeClr val="accent1"/>
+          </a:fillRef>
+          <a:effectRef idx="0">
+            <a:schemeClr val="accent1"/>
+          </a:effectRef>
+          <a:fontRef idx="minor">
+            <a:schemeClr val="lt1"/>
+          </a:fontRef>
+        </p:style>
+        <p:txBody>
+          <a:bodyPr rtlCol="0" anchor="ctr"/>
+          <a:lstStyle/>
+          <a:p>
+            <a:pPr algn="ctr"/>
+            <a:endParaRPr lang="fr-FR"/>
+          </a:p>
+        </p:txBody>
+      </p:sp>
+      <p:sp>
+        <p:nvSpPr>
+          <p:cNvPr id="10" name="Organigramme : Terminateur 9">
+            <a:extLst>
+              <a:ext uri="{FF2B5EF4-FFF2-40B4-BE49-F238E27FC236}">
+                <a16:creationId xmlns:a16="http://schemas.microsoft.com/office/drawing/2014/main" id="{0147FA4E-EBD6-48D6-95CB-A3702F259E41}"/>
+              </a:ext>
+            </a:extLst>
+          </p:cNvPr>
+          <p:cNvSpPr/>
+          <p:nvPr/>
+        </p:nvSpPr>
+        <p:spPr>
+          <a:xfrm>
+            <a:off x="11405115" y="2405108"/>
+            <a:ext cx="358260" cy="85725"/>
+          </a:xfrm>
+          <a:prstGeom prst="flowChartTerminator">
+            <a:avLst/>
+          </a:prstGeom>
+          <a:solidFill>
+            <a:srgbClr val="A51258"/>
+          </a:solidFill>
+          <a:ln>
+            <a:solidFill>
+              <a:schemeClr val="bg1"/>
+            </a:solidFill>
+          </a:ln>
+        </p:spPr>
+        <p:style>
+          <a:lnRef idx="2">
+            <a:schemeClr val="accent1">
+              <a:shade val="50000"/>
+            </a:schemeClr>
+          </a:lnRef>
+          <a:fillRef idx="1">
+            <a:schemeClr val="accent1"/>
+          </a:fillRef>
+          <a:effectRef idx="0">
+            <a:schemeClr val="accent1"/>
+          </a:effectRef>
+          <a:fontRef idx="minor">
+            <a:schemeClr val="lt1"/>
+          </a:fontRef>
+        </p:style>
+        <p:txBody>
+          <a:bodyPr rtlCol="0" anchor="ctr"/>
+          <a:lstStyle/>
+          <a:p>
+            <a:pPr algn="ctr"/>
+            <a:endParaRPr lang="fr-FR"/>
+          </a:p>
+        </p:txBody>
+      </p:sp>
+      <p:sp>
+        <p:nvSpPr>
+          <p:cNvPr id="11" name="Organigramme : Terminateur 10">
+            <a:extLst>
+              <a:ext uri="{FF2B5EF4-FFF2-40B4-BE49-F238E27FC236}">
+                <a16:creationId xmlns:a16="http://schemas.microsoft.com/office/drawing/2014/main" id="{E796141D-0542-46C0-8D5E-4E1963407D8A}"/>
+              </a:ext>
+            </a:extLst>
+          </p:cNvPr>
+          <p:cNvSpPr/>
+          <p:nvPr/>
+        </p:nvSpPr>
+        <p:spPr>
+          <a:xfrm>
+            <a:off x="11405115" y="1374644"/>
+            <a:ext cx="358260" cy="85725"/>
+          </a:xfrm>
+          <a:prstGeom prst="flowChartTerminator">
+            <a:avLst/>
+          </a:prstGeom>
+          <a:solidFill>
+            <a:srgbClr val="A51258"/>
+          </a:solidFill>
+          <a:ln>
+            <a:solidFill>
+              <a:schemeClr val="bg1"/>
+            </a:solidFill>
+          </a:ln>
+        </p:spPr>
+        <p:style>
+          <a:lnRef idx="2">
+            <a:schemeClr val="accent1">
+              <a:shade val="50000"/>
+            </a:schemeClr>
+          </a:lnRef>
+          <a:fillRef idx="1">
+            <a:schemeClr val="accent1"/>
+          </a:fillRef>
+          <a:effectRef idx="0">
+            <a:schemeClr val="accent1"/>
+          </a:effectRef>
+          <a:fontRef idx="minor">
+            <a:schemeClr val="lt1"/>
+          </a:fontRef>
+        </p:style>
+        <p:txBody>
+          <a:bodyPr rtlCol="0" anchor="ctr"/>
+          <a:lstStyle/>
+          <a:p>
+            <a:pPr algn="ctr"/>
+            <a:endParaRPr lang="fr-FR"/>
+          </a:p>
+        </p:txBody>
+      </p:sp>
+      <p:sp>
+        <p:nvSpPr>
+          <p:cNvPr id="12" name="Organigramme : Terminateur 11">
+            <a:extLst>
+              <a:ext uri="{FF2B5EF4-FFF2-40B4-BE49-F238E27FC236}">
+                <a16:creationId xmlns:a16="http://schemas.microsoft.com/office/drawing/2014/main" id="{4D16A4E3-7015-4EA7-AE31-1F830D11C5D6}"/>
+              </a:ext>
+            </a:extLst>
+          </p:cNvPr>
+          <p:cNvSpPr/>
+          <p:nvPr/>
+        </p:nvSpPr>
+        <p:spPr>
+          <a:xfrm>
+            <a:off x="11405115" y="1103173"/>
+            <a:ext cx="358260" cy="85725"/>
+          </a:xfrm>
+          <a:prstGeom prst="flowChartTerminator">
+            <a:avLst/>
+          </a:prstGeom>
+          <a:solidFill>
+            <a:srgbClr val="A51258"/>
+          </a:solidFill>
+          <a:ln>
+            <a:solidFill>
+              <a:schemeClr val="bg1"/>
+            </a:solidFill>
+          </a:ln>
+        </p:spPr>
+        <p:style>
+          <a:lnRef idx="2">
+            <a:schemeClr val="accent1">
+              <a:shade val="50000"/>
+            </a:schemeClr>
+          </a:lnRef>
+          <a:fillRef idx="1">
+            <a:schemeClr val="accent1"/>
+          </a:fillRef>
+          <a:effectRef idx="0">
+            <a:schemeClr val="accent1"/>
+          </a:effectRef>
+          <a:fontRef idx="minor">
+            <a:schemeClr val="lt1"/>
+          </a:fontRef>
+        </p:style>
+        <p:txBody>
+          <a:bodyPr rtlCol="0" anchor="ctr"/>
+          <a:lstStyle/>
+          <a:p>
+            <a:pPr algn="ctr"/>
+            <a:endParaRPr lang="fr-FR"/>
+          </a:p>
+        </p:txBody>
+      </p:sp>
+      <p:sp>
+        <p:nvSpPr>
+          <p:cNvPr id="13" name="Organigramme : Terminateur 12">
+            <a:extLst>
+              <a:ext uri="{FF2B5EF4-FFF2-40B4-BE49-F238E27FC236}">
+                <a16:creationId xmlns:a16="http://schemas.microsoft.com/office/drawing/2014/main" id="{845DB0F9-A940-4960-B5EE-B0CFAAF264EE}"/>
+              </a:ext>
+            </a:extLst>
+          </p:cNvPr>
+          <p:cNvSpPr/>
+          <p:nvPr/>
+        </p:nvSpPr>
+        <p:spPr>
+          <a:xfrm>
+            <a:off x="11402638" y="797984"/>
+            <a:ext cx="358260" cy="85725"/>
+          </a:xfrm>
+          <a:prstGeom prst="flowChartTerminator">
+            <a:avLst/>
+          </a:prstGeom>
+          <a:solidFill>
+            <a:srgbClr val="A8135A"/>
+          </a:solidFill>
+          <a:ln>
+            <a:solidFill>
+              <a:schemeClr val="bg1"/>
+            </a:solidFill>
+          </a:ln>
+        </p:spPr>
+        <p:style>
+          <a:lnRef idx="2">
+            <a:schemeClr val="accent1">
+              <a:shade val="50000"/>
+            </a:schemeClr>
+          </a:lnRef>
+          <a:fillRef idx="1">
+            <a:schemeClr val="accent1"/>
+          </a:fillRef>
+          <a:effectRef idx="0">
+            <a:schemeClr val="accent1"/>
+          </a:effectRef>
+          <a:fontRef idx="minor">
+            <a:schemeClr val="lt1"/>
+          </a:fontRef>
+        </p:style>
+        <p:txBody>
+          <a:bodyPr rtlCol="0" anchor="ctr"/>
+          <a:lstStyle/>
+          <a:p>
+            <a:pPr algn="ctr"/>
+            <a:endParaRPr lang="fr-FR"/>
+          </a:p>
+        </p:txBody>
+      </p:sp>
+      <p:sp>
+        <p:nvSpPr>
+          <p:cNvPr id="14" name="Rectangle 13">
+            <a:extLst>
+              <a:ext uri="{FF2B5EF4-FFF2-40B4-BE49-F238E27FC236}">
+                <a16:creationId xmlns:a16="http://schemas.microsoft.com/office/drawing/2014/main" id="{23E28F36-0181-430B-B3BB-CBCD6C8EC12C}"/>
+              </a:ext>
+            </a:extLst>
+          </p:cNvPr>
+          <p:cNvSpPr/>
+          <p:nvPr/>
+        </p:nvSpPr>
+        <p:spPr>
+          <a:xfrm>
+            <a:off x="11658600" y="429658"/>
+            <a:ext cx="104775" cy="5938155"/>
+          </a:xfrm>
+          <a:prstGeom prst="rect">
+            <a:avLst/>
+          </a:prstGeom>
+          <a:solidFill>
+            <a:schemeClr val="bg1"/>
+          </a:solidFill>
+          <a:ln>
+            <a:solidFill>
+              <a:schemeClr val="bg1"/>
+            </a:solidFill>
+          </a:ln>
+        </p:spPr>
+        <p:style>
+          <a:lnRef idx="2">
+            <a:schemeClr val="accent1">
+              <a:shade val="50000"/>
+            </a:schemeClr>
+          </a:lnRef>
+          <a:fillRef idx="1">
+            <a:schemeClr val="accent1"/>
+          </a:fillRef>
+          <a:effectRef idx="0">
+            <a:schemeClr val="accent1"/>
+          </a:effectRef>
+          <a:fontRef idx="minor">
+            <a:schemeClr val="lt1"/>
+          </a:fontRef>
+        </p:style>
+        <p:txBody>
+          <a:bodyPr rtlCol="0" anchor="ctr"/>
+          <a:lstStyle/>
+          <a:p>
+            <a:pPr algn="ctr"/>
+            <a:endParaRPr lang="fr-FR"/>
+          </a:p>
+        </p:txBody>
+      </p:sp>
+      <p:sp>
+        <p:nvSpPr>
+          <p:cNvPr id="15" name="ZoneTexte 14">
+            <a:extLst>
+              <a:ext uri="{FF2B5EF4-FFF2-40B4-BE49-F238E27FC236}">
+                <a16:creationId xmlns:a16="http://schemas.microsoft.com/office/drawing/2014/main" id="{88319DA3-0883-4060-A117-7BA5FC93C17A}"/>
+              </a:ext>
+            </a:extLst>
+          </p:cNvPr>
+          <p:cNvSpPr txBox="1"/>
+          <p:nvPr/>
+        </p:nvSpPr>
+        <p:spPr>
+          <a:xfrm>
+            <a:off x="10299143" y="138796"/>
+            <a:ext cx="1129785" cy="461665"/>
+          </a:xfrm>
+          <a:prstGeom prst="rect">
+            <a:avLst/>
+          </a:prstGeom>
+          <a:noFill/>
+          <a:effectLst>
+            <a:glow>
+              <a:schemeClr val="bg1"/>
+            </a:glow>
+            <a:reflection endPos="0" dir="5400000" sy="-100000" algn="bl" rotWithShape="0"/>
+          </a:effectLst>
+        </p:spPr>
+        <p:txBody>
+          <a:bodyPr wrap="square" rtlCol="0">
+            <a:spAutoFit/>
+          </a:bodyPr>
+          <a:lstStyle/>
+          <a:p>
+            <a:pPr algn="r"/>
+            <a:r>
+              <a:rPr lang="fr-FR" sz="1200" dirty="0">
+                <a:effectLst>
+                  <a:glow>
+                    <a:schemeClr val="bg1">
+                      <a:alpha val="40000"/>
+                    </a:schemeClr>
+                  </a:glow>
+                </a:effectLst>
+                <a:latin typeface="Eras Medium ITC" panose="020B0602030504020804" pitchFamily="34" charset="0"/>
+              </a:rPr>
+              <a:t>Présentation du projet</a:t>
+            </a:r>
+          </a:p>
+        </p:txBody>
+      </p:sp>
+      <p:sp>
+        <p:nvSpPr>
+          <p:cNvPr id="16" name="ZoneTexte 15">
+            <a:extLst>
+              <a:ext uri="{FF2B5EF4-FFF2-40B4-BE49-F238E27FC236}">
+                <a16:creationId xmlns:a16="http://schemas.microsoft.com/office/drawing/2014/main" id="{27BEA1F5-A47F-41D6-9171-13EF0AB037DD}"/>
+              </a:ext>
+            </a:extLst>
+          </p:cNvPr>
+          <p:cNvSpPr txBox="1"/>
+          <p:nvPr/>
+        </p:nvSpPr>
+        <p:spPr>
+          <a:xfrm>
+            <a:off x="10299143" y="685631"/>
+            <a:ext cx="1129785" cy="276999"/>
+          </a:xfrm>
+          <a:prstGeom prst="rect">
+            <a:avLst/>
+          </a:prstGeom>
+          <a:noFill/>
+        </p:spPr>
+        <p:txBody>
+          <a:bodyPr wrap="square" rtlCol="0">
+            <a:spAutoFit/>
+          </a:bodyPr>
+          <a:lstStyle/>
+          <a:p>
+            <a:pPr algn="r"/>
+            <a:r>
+              <a:rPr lang="fr-FR" sz="1200" dirty="0">
+                <a:effectLst>
+                  <a:glow>
+                    <a:schemeClr val="bg1">
+                      <a:alpha val="40000"/>
+                    </a:schemeClr>
+                  </a:glow>
+                </a:effectLst>
+                <a:latin typeface="Eras Medium ITC" panose="020B0602030504020804" pitchFamily="34" charset="0"/>
+              </a:rPr>
+              <a:t>Générale</a:t>
+            </a:r>
+          </a:p>
+        </p:txBody>
+      </p:sp>
+      <p:sp>
+        <p:nvSpPr>
+          <p:cNvPr id="17" name="ZoneTexte 16">
+            <a:extLst>
+              <a:ext uri="{FF2B5EF4-FFF2-40B4-BE49-F238E27FC236}">
+                <a16:creationId xmlns:a16="http://schemas.microsoft.com/office/drawing/2014/main" id="{457556AC-2FF4-4BFE-A2A1-0B61887B2F0E}"/>
+              </a:ext>
+            </a:extLst>
+          </p:cNvPr>
+          <p:cNvSpPr txBox="1"/>
+          <p:nvPr/>
+        </p:nvSpPr>
+        <p:spPr>
+          <a:xfrm>
+            <a:off x="10272853" y="980780"/>
+            <a:ext cx="1129785" cy="276999"/>
+          </a:xfrm>
+          <a:prstGeom prst="rect">
+            <a:avLst/>
+          </a:prstGeom>
+          <a:noFill/>
+        </p:spPr>
+        <p:txBody>
+          <a:bodyPr wrap="square" rtlCol="0">
+            <a:spAutoFit/>
+          </a:bodyPr>
+          <a:lstStyle/>
+          <a:p>
+            <a:pPr algn="r"/>
+            <a:r>
+              <a:rPr lang="fr-FR" sz="1200" dirty="0">
+                <a:latin typeface="Eras Medium ITC" panose="020B0602030504020804" pitchFamily="34" charset="0"/>
+              </a:rPr>
+              <a:t>Personnalisée</a:t>
+            </a:r>
+          </a:p>
+        </p:txBody>
+      </p:sp>
+      <p:sp>
+        <p:nvSpPr>
+          <p:cNvPr id="18" name="ZoneTexte 17">
+            <a:extLst>
+              <a:ext uri="{FF2B5EF4-FFF2-40B4-BE49-F238E27FC236}">
+                <a16:creationId xmlns:a16="http://schemas.microsoft.com/office/drawing/2014/main" id="{40EB533E-00B5-43D9-A511-9C4E231C19D6}"/>
+              </a:ext>
+            </a:extLst>
+          </p:cNvPr>
+          <p:cNvSpPr txBox="1"/>
+          <p:nvPr/>
+        </p:nvSpPr>
+        <p:spPr>
+          <a:xfrm>
+            <a:off x="10081771" y="4645593"/>
+            <a:ext cx="1315522" cy="461665"/>
+          </a:xfrm>
+          <a:prstGeom prst="rect">
+            <a:avLst/>
+          </a:prstGeom>
+          <a:noFill/>
+          <a:effectLst>
+            <a:glow>
+              <a:schemeClr val="bg1">
+                <a:alpha val="40000"/>
+              </a:schemeClr>
+            </a:glow>
+          </a:effectLst>
+        </p:spPr>
+        <p:txBody>
+          <a:bodyPr wrap="square" rtlCol="0">
+            <a:spAutoFit/>
+          </a:bodyPr>
+          <a:lstStyle/>
+          <a:p>
+            <a:pPr algn="r"/>
+            <a:r>
+              <a:rPr lang="fr-FR" sz="1200" dirty="0">
+                <a:effectLst>
+                  <a:glow>
+                    <a:schemeClr val="bg1">
+                      <a:alpha val="40000"/>
+                    </a:schemeClr>
+                  </a:glow>
+                </a:effectLst>
+                <a:latin typeface="Eras Medium ITC" panose="020B0602030504020804" pitchFamily="34" charset="0"/>
+              </a:rPr>
+              <a:t>Diagramme</a:t>
+            </a:r>
+            <a:r>
+              <a:rPr lang="fr-FR" sz="1200" dirty="0">
+                <a:effectLst>
+                  <a:glow rad="63500">
+                    <a:schemeClr val="bg1">
+                      <a:alpha val="40000"/>
+                    </a:schemeClr>
+                  </a:glow>
+                </a:effectLst>
+                <a:latin typeface="Eras Medium ITC" panose="020B0602030504020804" pitchFamily="34" charset="0"/>
+              </a:rPr>
+              <a:t> </a:t>
+            </a:r>
+            <a:r>
+              <a:rPr lang="fr-FR" sz="1200" dirty="0">
+                <a:effectLst>
+                  <a:glow>
+                    <a:schemeClr val="bg1">
+                      <a:alpha val="40000"/>
+                    </a:schemeClr>
+                  </a:glow>
+                </a:effectLst>
+                <a:latin typeface="Eras Medium ITC" panose="020B0602030504020804" pitchFamily="34" charset="0"/>
+              </a:rPr>
+              <a:t>UML</a:t>
+            </a:r>
+          </a:p>
+        </p:txBody>
+      </p:sp>
+      <p:sp>
+        <p:nvSpPr>
+          <p:cNvPr id="19" name="ZoneTexte 18">
+            <a:extLst>
+              <a:ext uri="{FF2B5EF4-FFF2-40B4-BE49-F238E27FC236}">
+                <a16:creationId xmlns:a16="http://schemas.microsoft.com/office/drawing/2014/main" id="{8AA20E32-14CB-4817-9330-FD51FF28E8A3}"/>
+              </a:ext>
+            </a:extLst>
+          </p:cNvPr>
+          <p:cNvSpPr txBox="1"/>
+          <p:nvPr/>
+        </p:nvSpPr>
+        <p:spPr>
+          <a:xfrm>
+            <a:off x="10272853" y="1197729"/>
+            <a:ext cx="1129785" cy="461665"/>
+          </a:xfrm>
+          <a:prstGeom prst="rect">
+            <a:avLst/>
+          </a:prstGeom>
+          <a:noFill/>
+        </p:spPr>
+        <p:txBody>
+          <a:bodyPr wrap="square" rtlCol="0">
+            <a:spAutoFit/>
+          </a:bodyPr>
+          <a:lstStyle/>
+          <a:p>
+            <a:pPr algn="r"/>
+            <a:r>
+              <a:rPr lang="fr-FR" sz="1200" dirty="0">
+                <a:effectLst>
+                  <a:glow>
+                    <a:schemeClr val="bg1">
+                      <a:alpha val="40000"/>
+                    </a:schemeClr>
+                  </a:glow>
+                </a:effectLst>
+                <a:latin typeface="Eras Medium ITC" panose="020B0602030504020804" pitchFamily="34" charset="0"/>
+              </a:rPr>
+              <a:t>Les tâches personnelles</a:t>
+            </a:r>
+          </a:p>
+        </p:txBody>
+      </p:sp>
+      <p:sp>
+        <p:nvSpPr>
+          <p:cNvPr id="20" name="Rectangle 19">
+            <a:extLst>
+              <a:ext uri="{FF2B5EF4-FFF2-40B4-BE49-F238E27FC236}">
+                <a16:creationId xmlns:a16="http://schemas.microsoft.com/office/drawing/2014/main" id="{DB847651-9CF5-4F65-AB43-0C71B580474B}"/>
+              </a:ext>
+            </a:extLst>
+          </p:cNvPr>
+          <p:cNvSpPr/>
+          <p:nvPr/>
+        </p:nvSpPr>
+        <p:spPr>
+          <a:xfrm>
+            <a:off x="11658599" y="257442"/>
+            <a:ext cx="97587" cy="6264543"/>
+          </a:xfrm>
+          <a:prstGeom prst="rect">
+            <a:avLst/>
+          </a:prstGeom>
+          <a:solidFill>
+            <a:srgbClr val="A8135A"/>
+          </a:solidFill>
+          <a:ln>
+            <a:solidFill>
+              <a:schemeClr val="bg1"/>
+            </a:solidFill>
+          </a:ln>
+        </p:spPr>
+        <p:style>
+          <a:lnRef idx="2">
+            <a:schemeClr val="accent1">
+              <a:shade val="50000"/>
+            </a:schemeClr>
+          </a:lnRef>
+          <a:fillRef idx="1">
+            <a:schemeClr val="accent1"/>
+          </a:fillRef>
+          <a:effectRef idx="0">
+            <a:schemeClr val="accent1"/>
+          </a:effectRef>
+          <a:fontRef idx="minor">
+            <a:schemeClr val="lt1"/>
+          </a:fontRef>
+        </p:style>
+        <p:txBody>
+          <a:bodyPr rtlCol="0" anchor="ctr"/>
+          <a:lstStyle/>
+          <a:p>
+            <a:pPr algn="ctr"/>
+            <a:endParaRPr lang="fr-FR"/>
+          </a:p>
+        </p:txBody>
+      </p:sp>
+      <p:sp>
+        <p:nvSpPr>
+          <p:cNvPr id="21" name="Ellipse 20">
+            <a:extLst>
+              <a:ext uri="{FF2B5EF4-FFF2-40B4-BE49-F238E27FC236}">
+                <a16:creationId xmlns:a16="http://schemas.microsoft.com/office/drawing/2014/main" id="{378A782E-CBD1-4373-B057-36E8D7732145}"/>
+              </a:ext>
+            </a:extLst>
+          </p:cNvPr>
+          <p:cNvSpPr/>
+          <p:nvPr/>
+        </p:nvSpPr>
+        <p:spPr>
+          <a:xfrm>
+            <a:off x="11428928" y="76454"/>
+            <a:ext cx="564118" cy="542925"/>
+          </a:xfrm>
+          <a:prstGeom prst="ellipse">
+            <a:avLst/>
+          </a:prstGeom>
+          <a:solidFill>
+            <a:srgbClr val="A8135A"/>
+          </a:solidFill>
+          <a:ln>
+            <a:solidFill>
+              <a:schemeClr val="bg1"/>
+            </a:solidFill>
+          </a:ln>
+        </p:spPr>
+        <p:style>
+          <a:lnRef idx="2">
+            <a:schemeClr val="accent1">
+              <a:shade val="50000"/>
+            </a:schemeClr>
+          </a:lnRef>
+          <a:fillRef idx="1">
+            <a:schemeClr val="accent1"/>
+          </a:fillRef>
+          <a:effectRef idx="0">
+            <a:schemeClr val="accent1"/>
+          </a:effectRef>
+          <a:fontRef idx="minor">
+            <a:schemeClr val="lt1"/>
+          </a:fontRef>
+        </p:style>
+        <p:txBody>
+          <a:bodyPr rtlCol="0" anchor="ctr"/>
+          <a:lstStyle/>
+          <a:p>
+            <a:pPr algn="ctr"/>
+            <a:endParaRPr lang="fr-FR"/>
+          </a:p>
+        </p:txBody>
+      </p:sp>
+      <p:sp>
+        <p:nvSpPr>
+          <p:cNvPr id="22" name="Ellipse 21">
+            <a:extLst>
+              <a:ext uri="{FF2B5EF4-FFF2-40B4-BE49-F238E27FC236}">
+                <a16:creationId xmlns:a16="http://schemas.microsoft.com/office/drawing/2014/main" id="{CFA016F4-5AC6-48CC-B34D-CC1928527737}"/>
+              </a:ext>
+            </a:extLst>
+          </p:cNvPr>
+          <p:cNvSpPr/>
+          <p:nvPr/>
+        </p:nvSpPr>
+        <p:spPr>
+          <a:xfrm>
+            <a:off x="11428928" y="3276436"/>
+            <a:ext cx="564118" cy="542925"/>
+          </a:xfrm>
+          <a:prstGeom prst="ellipse">
+            <a:avLst/>
+          </a:prstGeom>
+          <a:solidFill>
+            <a:srgbClr val="A51258"/>
+          </a:solidFill>
+          <a:ln>
+            <a:solidFill>
+              <a:schemeClr val="bg1"/>
+            </a:solidFill>
+          </a:ln>
+        </p:spPr>
+        <p:style>
+          <a:lnRef idx="2">
+            <a:schemeClr val="accent1">
+              <a:shade val="50000"/>
+            </a:schemeClr>
+          </a:lnRef>
+          <a:fillRef idx="1">
+            <a:schemeClr val="accent1"/>
+          </a:fillRef>
+          <a:effectRef idx="0">
+            <a:schemeClr val="accent1"/>
+          </a:effectRef>
+          <a:fontRef idx="minor">
+            <a:schemeClr val="lt1"/>
+          </a:fontRef>
+        </p:style>
+        <p:txBody>
+          <a:bodyPr rtlCol="0" anchor="ctr"/>
+          <a:lstStyle/>
+          <a:p>
+            <a:pPr algn="ctr"/>
+            <a:endParaRPr lang="fr-FR"/>
+          </a:p>
+        </p:txBody>
+      </p:sp>
+      <p:sp>
+        <p:nvSpPr>
+          <p:cNvPr id="23" name="Ellipse 22">
+            <a:extLst>
+              <a:ext uri="{FF2B5EF4-FFF2-40B4-BE49-F238E27FC236}">
+                <a16:creationId xmlns:a16="http://schemas.microsoft.com/office/drawing/2014/main" id="{E0A2BF47-D3F7-4393-AA9B-52E72547212A}"/>
+              </a:ext>
+            </a:extLst>
+          </p:cNvPr>
+          <p:cNvSpPr/>
+          <p:nvPr/>
+        </p:nvSpPr>
+        <p:spPr>
+          <a:xfrm>
+            <a:off x="11428928" y="4604964"/>
+            <a:ext cx="564118" cy="542925"/>
+          </a:xfrm>
+          <a:prstGeom prst="ellipse">
+            <a:avLst/>
+          </a:prstGeom>
+          <a:solidFill>
+            <a:srgbClr val="A51258"/>
+          </a:solidFill>
+          <a:ln>
+            <a:solidFill>
+              <a:schemeClr val="bg1"/>
+            </a:solidFill>
+          </a:ln>
+        </p:spPr>
+        <p:style>
+          <a:lnRef idx="2">
+            <a:schemeClr val="accent1">
+              <a:shade val="50000"/>
+            </a:schemeClr>
+          </a:lnRef>
+          <a:fillRef idx="1">
+            <a:schemeClr val="accent1"/>
+          </a:fillRef>
+          <a:effectRef idx="0">
+            <a:schemeClr val="accent1"/>
+          </a:effectRef>
+          <a:fontRef idx="minor">
+            <a:schemeClr val="lt1"/>
+          </a:fontRef>
+        </p:style>
+        <p:txBody>
+          <a:bodyPr rtlCol="0" anchor="ctr"/>
+          <a:lstStyle/>
+          <a:p>
+            <a:pPr algn="ctr"/>
+            <a:endParaRPr lang="fr-FR"/>
+          </a:p>
+        </p:txBody>
+      </p:sp>
+      <p:sp>
+        <p:nvSpPr>
+          <p:cNvPr id="24" name="ZoneTexte 23">
+            <a:extLst>
+              <a:ext uri="{FF2B5EF4-FFF2-40B4-BE49-F238E27FC236}">
+                <a16:creationId xmlns:a16="http://schemas.microsoft.com/office/drawing/2014/main" id="{5993BD75-5291-4BB9-807C-0E77B8527ABC}"/>
+              </a:ext>
+            </a:extLst>
+          </p:cNvPr>
+          <p:cNvSpPr txBox="1"/>
+          <p:nvPr/>
+        </p:nvSpPr>
+        <p:spPr>
+          <a:xfrm>
+            <a:off x="10146108" y="1699669"/>
+            <a:ext cx="1435854" cy="461665"/>
+          </a:xfrm>
+          <a:prstGeom prst="rect">
+            <a:avLst/>
+          </a:prstGeom>
+          <a:noFill/>
+        </p:spPr>
+        <p:txBody>
+          <a:bodyPr wrap="square" rtlCol="0">
+            <a:spAutoFit/>
+          </a:bodyPr>
+          <a:lstStyle/>
+          <a:p>
+            <a:pPr algn="ctr"/>
+            <a:r>
+              <a:rPr lang="fr-FR" sz="1200" dirty="0">
+                <a:effectLst>
+                  <a:glow>
+                    <a:schemeClr val="bg1">
+                      <a:alpha val="40000"/>
+                    </a:schemeClr>
+                  </a:glow>
+                </a:effectLst>
+                <a:latin typeface="Eras Medium ITC" panose="020B0602030504020804" pitchFamily="34" charset="0"/>
+              </a:rPr>
+              <a:t>Langage de programmation </a:t>
+            </a:r>
+          </a:p>
+        </p:txBody>
+      </p:sp>
+      <p:sp>
+        <p:nvSpPr>
+          <p:cNvPr id="25" name="ZoneTexte 24">
+            <a:extLst>
+              <a:ext uri="{FF2B5EF4-FFF2-40B4-BE49-F238E27FC236}">
+                <a16:creationId xmlns:a16="http://schemas.microsoft.com/office/drawing/2014/main" id="{41AE40F1-82F3-49DB-AFD2-7B6706852C19}"/>
+              </a:ext>
+            </a:extLst>
+          </p:cNvPr>
+          <p:cNvSpPr txBox="1"/>
+          <p:nvPr/>
+        </p:nvSpPr>
+        <p:spPr>
+          <a:xfrm>
+            <a:off x="9891258" y="2281165"/>
+            <a:ext cx="1690510" cy="276999"/>
+          </a:xfrm>
+          <a:prstGeom prst="rect">
+            <a:avLst/>
+          </a:prstGeom>
+          <a:noFill/>
+        </p:spPr>
+        <p:txBody>
+          <a:bodyPr wrap="square" rtlCol="0">
+            <a:spAutoFit/>
+          </a:bodyPr>
+          <a:lstStyle/>
+          <a:p>
+            <a:pPr algn="ctr"/>
+            <a:r>
+              <a:rPr lang="fr-FR" sz="1200" dirty="0">
+                <a:effectLst>
+                  <a:glow>
+                    <a:schemeClr val="bg1">
+                      <a:alpha val="40000"/>
+                    </a:schemeClr>
+                  </a:glow>
+                </a:effectLst>
+                <a:latin typeface="Eras Medium ITC" panose="020B0602030504020804" pitchFamily="34" charset="0"/>
+              </a:rPr>
+              <a:t>1</a:t>
+            </a:r>
+            <a:r>
+              <a:rPr lang="fr-FR" sz="1200" baseline="30000" dirty="0">
+                <a:effectLst>
+                  <a:glow>
+                    <a:schemeClr val="bg1">
+                      <a:alpha val="40000"/>
+                    </a:schemeClr>
+                  </a:glow>
+                </a:effectLst>
+                <a:latin typeface="Eras Medium ITC" panose="020B0602030504020804" pitchFamily="34" charset="0"/>
+              </a:rPr>
+              <a:t>er </a:t>
+            </a:r>
+            <a:r>
+              <a:rPr lang="fr-FR" sz="1200" dirty="0">
+                <a:effectLst>
+                  <a:glow>
+                    <a:schemeClr val="bg1">
+                      <a:alpha val="40000"/>
+                    </a:schemeClr>
+                  </a:glow>
+                </a:effectLst>
+                <a:latin typeface="Eras Medium ITC" panose="020B0602030504020804" pitchFamily="34" charset="0"/>
+              </a:rPr>
+              <a:t>environnement</a:t>
+            </a:r>
+          </a:p>
+        </p:txBody>
+      </p:sp>
+      <p:sp>
+        <p:nvSpPr>
+          <p:cNvPr id="26" name="Rectangle 25">
+            <a:extLst>
+              <a:ext uri="{FF2B5EF4-FFF2-40B4-BE49-F238E27FC236}">
+                <a16:creationId xmlns:a16="http://schemas.microsoft.com/office/drawing/2014/main" id="{D8315F37-CF93-49DB-AE1E-66714E0F7FC1}"/>
+              </a:ext>
+            </a:extLst>
+          </p:cNvPr>
+          <p:cNvSpPr/>
+          <p:nvPr/>
+        </p:nvSpPr>
+        <p:spPr>
+          <a:xfrm>
+            <a:off x="9878504" y="2577960"/>
+            <a:ext cx="1550424" cy="276999"/>
+          </a:xfrm>
+          <a:prstGeom prst="rect">
+            <a:avLst/>
+          </a:prstGeom>
+        </p:spPr>
+        <p:txBody>
+          <a:bodyPr wrap="none">
+            <a:spAutoFit/>
+          </a:bodyPr>
+          <a:lstStyle/>
+          <a:p>
+            <a:r>
+              <a:rPr lang="fr-FR" sz="1200" dirty="0">
+                <a:effectLst>
+                  <a:glow>
+                    <a:schemeClr val="bg1">
+                      <a:alpha val="40000"/>
+                    </a:schemeClr>
+                  </a:glow>
+                </a:effectLst>
+                <a:latin typeface="Eras Medium ITC" panose="020B0602030504020804" pitchFamily="34" charset="0"/>
+              </a:rPr>
+              <a:t>2</a:t>
+            </a:r>
+            <a:r>
+              <a:rPr lang="fr-FR" sz="1200" baseline="30000" dirty="0">
+                <a:effectLst>
+                  <a:glow>
+                    <a:schemeClr val="bg1">
+                      <a:alpha val="40000"/>
+                    </a:schemeClr>
+                  </a:glow>
+                </a:effectLst>
+                <a:latin typeface="Eras Medium ITC" panose="020B0602030504020804" pitchFamily="34" charset="0"/>
+              </a:rPr>
+              <a:t>ème </a:t>
+            </a:r>
+            <a:r>
+              <a:rPr lang="fr-FR" sz="1200" dirty="0">
+                <a:effectLst>
+                  <a:glow>
+                    <a:schemeClr val="bg1">
+                      <a:alpha val="40000"/>
+                    </a:schemeClr>
+                  </a:glow>
+                </a:effectLst>
+                <a:latin typeface="Eras Medium ITC" panose="020B0602030504020804" pitchFamily="34" charset="0"/>
+              </a:rPr>
+              <a:t>environnement</a:t>
+            </a:r>
+            <a:endParaRPr lang="fr-FR" sz="1200" dirty="0">
+              <a:effectLst>
+                <a:glow>
+                  <a:schemeClr val="bg1">
+                    <a:alpha val="40000"/>
+                  </a:schemeClr>
+                </a:glow>
+              </a:effectLst>
+            </a:endParaRPr>
+          </a:p>
+        </p:txBody>
+      </p:sp>
+      <p:sp>
+        <p:nvSpPr>
+          <p:cNvPr id="27" name="Rectangle 26">
+            <a:extLst>
+              <a:ext uri="{FF2B5EF4-FFF2-40B4-BE49-F238E27FC236}">
+                <a16:creationId xmlns:a16="http://schemas.microsoft.com/office/drawing/2014/main" id="{923969F8-469C-4A44-AA14-2C70DD436F46}"/>
+              </a:ext>
+            </a:extLst>
+          </p:cNvPr>
+          <p:cNvSpPr/>
+          <p:nvPr/>
+        </p:nvSpPr>
+        <p:spPr>
+          <a:xfrm>
+            <a:off x="10667606" y="2897741"/>
+            <a:ext cx="729687" cy="276999"/>
+          </a:xfrm>
+          <a:prstGeom prst="rect">
+            <a:avLst/>
+          </a:prstGeom>
+        </p:spPr>
+        <p:txBody>
+          <a:bodyPr wrap="none">
+            <a:spAutoFit/>
+          </a:bodyPr>
+          <a:lstStyle/>
+          <a:p>
+            <a:r>
+              <a:rPr lang="fr-FR" sz="1200" dirty="0">
+                <a:effectLst>
+                  <a:glow>
+                    <a:schemeClr val="bg1">
+                      <a:alpha val="40000"/>
+                    </a:schemeClr>
+                  </a:glow>
+                </a:effectLst>
+                <a:latin typeface="Eras Medium ITC" panose="020B0602030504020804" pitchFamily="34" charset="0"/>
+              </a:rPr>
+              <a:t>Librairie</a:t>
+            </a:r>
+            <a:endParaRPr lang="fr-FR" sz="1200" dirty="0">
+              <a:effectLst>
+                <a:glow>
+                  <a:schemeClr val="bg1">
+                    <a:alpha val="40000"/>
+                  </a:schemeClr>
+                </a:glow>
+              </a:effectLst>
+            </a:endParaRPr>
+          </a:p>
+        </p:txBody>
+      </p:sp>
+      <p:sp>
+        <p:nvSpPr>
+          <p:cNvPr id="28" name="ZoneTexte 27">
+            <a:extLst>
+              <a:ext uri="{FF2B5EF4-FFF2-40B4-BE49-F238E27FC236}">
+                <a16:creationId xmlns:a16="http://schemas.microsoft.com/office/drawing/2014/main" id="{A65CFF15-3FB0-444D-8280-AC0FBE3580B1}"/>
+              </a:ext>
+            </a:extLst>
+          </p:cNvPr>
+          <p:cNvSpPr txBox="1"/>
+          <p:nvPr/>
+        </p:nvSpPr>
+        <p:spPr>
+          <a:xfrm>
+            <a:off x="10374688" y="3409399"/>
+            <a:ext cx="1315522" cy="276999"/>
+          </a:xfrm>
+          <a:prstGeom prst="rect">
+            <a:avLst/>
+          </a:prstGeom>
+          <a:noFill/>
+        </p:spPr>
+        <p:txBody>
+          <a:bodyPr wrap="square" rtlCol="0">
+            <a:spAutoFit/>
+          </a:bodyPr>
+          <a:lstStyle/>
+          <a:p>
+            <a:pPr algn="ctr"/>
+            <a:r>
+              <a:rPr lang="fr-FR" sz="1200" dirty="0">
+                <a:effectLst>
+                  <a:glow>
+                    <a:schemeClr val="bg1">
+                      <a:alpha val="40000"/>
+                    </a:schemeClr>
+                  </a:glow>
+                </a:effectLst>
+                <a:latin typeface="Eras Medium ITC" panose="020B0602030504020804" pitchFamily="34" charset="0"/>
+              </a:rPr>
+              <a:t>Câblage</a:t>
+            </a:r>
+          </a:p>
+        </p:txBody>
+      </p:sp>
+      <p:sp>
+        <p:nvSpPr>
+          <p:cNvPr id="29" name="Rectangle 28">
+            <a:extLst>
+              <a:ext uri="{FF2B5EF4-FFF2-40B4-BE49-F238E27FC236}">
+                <a16:creationId xmlns:a16="http://schemas.microsoft.com/office/drawing/2014/main" id="{DD717CF4-4431-429D-92FD-CAFBB480EDCE}"/>
+              </a:ext>
+            </a:extLst>
+          </p:cNvPr>
+          <p:cNvSpPr/>
+          <p:nvPr/>
+        </p:nvSpPr>
+        <p:spPr>
+          <a:xfrm>
+            <a:off x="9449238" y="5521771"/>
+            <a:ext cx="2013693" cy="276999"/>
+          </a:xfrm>
+          <a:prstGeom prst="rect">
+            <a:avLst/>
+          </a:prstGeom>
+        </p:spPr>
+        <p:txBody>
+          <a:bodyPr wrap="none">
+            <a:spAutoFit/>
+          </a:bodyPr>
+          <a:lstStyle/>
+          <a:p>
+            <a:r>
+              <a:rPr lang="fr-FR" sz="1200" dirty="0">
+                <a:latin typeface="Eras Medium ITC" panose="020B0602030504020804" pitchFamily="34" charset="0"/>
+              </a:rPr>
+              <a:t>Diagrammes de </a:t>
+            </a:r>
+            <a:r>
+              <a:rPr lang="fr-FR" sz="1200" dirty="0">
+                <a:effectLst>
+                  <a:glow>
+                    <a:schemeClr val="bg1">
+                      <a:alpha val="40000"/>
+                    </a:schemeClr>
+                  </a:glow>
+                </a:effectLst>
+                <a:latin typeface="Eras Medium ITC" panose="020B0602030504020804" pitchFamily="34" charset="0"/>
+              </a:rPr>
+              <a:t>séquences</a:t>
+            </a:r>
+            <a:endParaRPr lang="fr-FR" sz="1200" dirty="0">
+              <a:effectLst>
+                <a:glow>
+                  <a:schemeClr val="bg1">
+                    <a:alpha val="40000"/>
+                  </a:schemeClr>
+                </a:glow>
+              </a:effectLst>
+            </a:endParaRPr>
+          </a:p>
+        </p:txBody>
+      </p:sp>
+      <p:sp>
+        <p:nvSpPr>
+          <p:cNvPr id="30" name="Rectangle 29">
+            <a:extLst>
+              <a:ext uri="{FF2B5EF4-FFF2-40B4-BE49-F238E27FC236}">
+                <a16:creationId xmlns:a16="http://schemas.microsoft.com/office/drawing/2014/main" id="{3D6AD31E-AEC8-4416-A217-B407AF48B207}"/>
+              </a:ext>
+            </a:extLst>
+          </p:cNvPr>
+          <p:cNvSpPr/>
+          <p:nvPr/>
+        </p:nvSpPr>
+        <p:spPr>
+          <a:xfrm>
+            <a:off x="9765115" y="5831080"/>
+            <a:ext cx="1693092" cy="276999"/>
+          </a:xfrm>
+          <a:prstGeom prst="rect">
+            <a:avLst/>
+          </a:prstGeom>
+        </p:spPr>
+        <p:txBody>
+          <a:bodyPr wrap="none">
+            <a:spAutoFit/>
+          </a:bodyPr>
+          <a:lstStyle/>
+          <a:p>
+            <a:r>
+              <a:rPr lang="fr-FR" sz="1200" dirty="0">
+                <a:latin typeface="Eras Medium ITC" panose="020B0602030504020804" pitchFamily="34" charset="0"/>
+              </a:rPr>
+              <a:t>Diagramme de classes</a:t>
+            </a:r>
+            <a:endParaRPr lang="fr-FR" sz="1200" dirty="0"/>
+          </a:p>
+        </p:txBody>
+      </p:sp>
+      <p:sp>
+        <p:nvSpPr>
+          <p:cNvPr id="31" name="ZoneTexte 30">
+            <a:extLst>
+              <a:ext uri="{FF2B5EF4-FFF2-40B4-BE49-F238E27FC236}">
+                <a16:creationId xmlns:a16="http://schemas.microsoft.com/office/drawing/2014/main" id="{05758958-669F-4181-9016-D07520B886DA}"/>
+              </a:ext>
+            </a:extLst>
+          </p:cNvPr>
+          <p:cNvSpPr txBox="1"/>
+          <p:nvPr/>
+        </p:nvSpPr>
+        <p:spPr>
+          <a:xfrm>
+            <a:off x="10357219" y="6341671"/>
+            <a:ext cx="1188567" cy="276999"/>
+          </a:xfrm>
+          <a:prstGeom prst="rect">
+            <a:avLst/>
+          </a:prstGeom>
+          <a:noFill/>
+        </p:spPr>
+        <p:txBody>
+          <a:bodyPr wrap="square" rtlCol="0">
+            <a:spAutoFit/>
+          </a:bodyPr>
+          <a:lstStyle/>
+          <a:p>
+            <a:pPr algn="ctr"/>
+            <a:r>
+              <a:rPr lang="fr-FR" sz="1200" dirty="0">
+                <a:effectLst>
+                  <a:glow rad="63500">
+                    <a:schemeClr val="bg1">
+                      <a:alpha val="40000"/>
+                    </a:schemeClr>
+                  </a:glow>
+                </a:effectLst>
+                <a:latin typeface="Eras Medium ITC" panose="020B0602030504020804" pitchFamily="34" charset="0"/>
+              </a:rPr>
+              <a:t>Planification</a:t>
+            </a:r>
+          </a:p>
+        </p:txBody>
+      </p:sp>
+      <p:sp>
+        <p:nvSpPr>
+          <p:cNvPr id="32" name="Ellipse 31">
+            <a:extLst>
+              <a:ext uri="{FF2B5EF4-FFF2-40B4-BE49-F238E27FC236}">
+                <a16:creationId xmlns:a16="http://schemas.microsoft.com/office/drawing/2014/main" id="{AF514257-875A-4394-8D82-9BE82991254F}"/>
+              </a:ext>
+            </a:extLst>
+          </p:cNvPr>
+          <p:cNvSpPr/>
+          <p:nvPr/>
+        </p:nvSpPr>
+        <p:spPr>
+          <a:xfrm>
+            <a:off x="11428928" y="1676445"/>
+            <a:ext cx="564118" cy="542925"/>
+          </a:xfrm>
+          <a:prstGeom prst="ellipse">
+            <a:avLst/>
+          </a:prstGeom>
+          <a:solidFill>
+            <a:srgbClr val="A51258"/>
+          </a:solidFill>
+          <a:ln>
+            <a:solidFill>
+              <a:schemeClr val="bg1"/>
+            </a:solidFill>
+          </a:ln>
+        </p:spPr>
+        <p:style>
+          <a:lnRef idx="2">
+            <a:schemeClr val="accent1">
+              <a:shade val="50000"/>
+            </a:schemeClr>
+          </a:lnRef>
+          <a:fillRef idx="1">
+            <a:schemeClr val="accent1"/>
+          </a:fillRef>
+          <a:effectRef idx="0">
+            <a:schemeClr val="accent1"/>
+          </a:effectRef>
+          <a:fontRef idx="minor">
+            <a:schemeClr val="lt1"/>
+          </a:fontRef>
+        </p:style>
+        <p:txBody>
+          <a:bodyPr rtlCol="0" anchor="ctr"/>
+          <a:lstStyle/>
+          <a:p>
+            <a:pPr algn="ctr"/>
+            <a:endParaRPr lang="fr-FR"/>
+          </a:p>
+        </p:txBody>
+      </p:sp>
+      <p:sp>
+        <p:nvSpPr>
+          <p:cNvPr id="33" name="Rectangle 32">
+            <a:extLst>
+              <a:ext uri="{FF2B5EF4-FFF2-40B4-BE49-F238E27FC236}">
+                <a16:creationId xmlns:a16="http://schemas.microsoft.com/office/drawing/2014/main" id="{00A201EB-9C26-4223-9373-5BAA95843830}"/>
+              </a:ext>
+            </a:extLst>
+          </p:cNvPr>
+          <p:cNvSpPr/>
+          <p:nvPr/>
+        </p:nvSpPr>
+        <p:spPr>
+          <a:xfrm>
+            <a:off x="9153946" y="5212462"/>
+            <a:ext cx="2274982" cy="276999"/>
+          </a:xfrm>
+          <a:prstGeom prst="rect">
+            <a:avLst/>
+          </a:prstGeom>
+        </p:spPr>
+        <p:txBody>
+          <a:bodyPr wrap="none">
+            <a:spAutoFit/>
+          </a:bodyPr>
+          <a:lstStyle/>
+          <a:p>
+            <a:r>
+              <a:rPr lang="fr-FR" sz="1200" dirty="0">
+                <a:effectLst>
+                  <a:glow>
+                    <a:schemeClr val="bg1">
+                      <a:alpha val="40000"/>
+                    </a:schemeClr>
+                  </a:glow>
+                </a:effectLst>
+                <a:latin typeface="Eras Medium ITC" panose="020B0602030504020804" pitchFamily="34" charset="0"/>
+              </a:rPr>
+              <a:t>Diagramme de cas d’utilisation</a:t>
+            </a:r>
+            <a:endParaRPr lang="fr-FR" sz="1200" dirty="0">
+              <a:effectLst>
+                <a:glow>
+                  <a:schemeClr val="bg1">
+                    <a:alpha val="40000"/>
+                  </a:schemeClr>
+                </a:glow>
+              </a:effectLst>
+            </a:endParaRPr>
+          </a:p>
+        </p:txBody>
+      </p:sp>
+      <p:sp>
+        <p:nvSpPr>
+          <p:cNvPr id="34" name="Ellipse 33">
+            <a:extLst>
+              <a:ext uri="{FF2B5EF4-FFF2-40B4-BE49-F238E27FC236}">
+                <a16:creationId xmlns:a16="http://schemas.microsoft.com/office/drawing/2014/main" id="{DEF9B0EB-D4DE-42BF-9D66-E76B8B51674D}"/>
+              </a:ext>
+            </a:extLst>
+          </p:cNvPr>
+          <p:cNvSpPr/>
+          <p:nvPr/>
+        </p:nvSpPr>
+        <p:spPr>
+          <a:xfrm>
+            <a:off x="11428928" y="6208709"/>
+            <a:ext cx="564118" cy="542925"/>
+          </a:xfrm>
+          <a:prstGeom prst="ellipse">
+            <a:avLst/>
+          </a:prstGeom>
+          <a:solidFill>
+            <a:srgbClr val="A51258"/>
+          </a:solidFill>
+          <a:ln>
+            <a:solidFill>
+              <a:schemeClr val="bg1"/>
+            </a:solidFill>
+          </a:ln>
+        </p:spPr>
+        <p:style>
+          <a:lnRef idx="2">
+            <a:schemeClr val="accent1">
+              <a:shade val="50000"/>
+            </a:schemeClr>
+          </a:lnRef>
+          <a:fillRef idx="1">
+            <a:schemeClr val="accent1"/>
+          </a:fillRef>
+          <a:effectRef idx="0">
+            <a:schemeClr val="accent1"/>
+          </a:effectRef>
+          <a:fontRef idx="minor">
+            <a:schemeClr val="lt1"/>
+          </a:fontRef>
+        </p:style>
+        <p:txBody>
+          <a:bodyPr rtlCol="0" anchor="ctr"/>
+          <a:lstStyle/>
+          <a:p>
+            <a:pPr algn="ctr"/>
+            <a:endParaRPr lang="fr-FR"/>
+          </a:p>
+        </p:txBody>
+      </p:sp>
+      <p:pic>
+        <p:nvPicPr>
+          <p:cNvPr id="36" name="Image 35">
+            <a:extLst>
+              <a:ext uri="{FF2B5EF4-FFF2-40B4-BE49-F238E27FC236}">
+                <a16:creationId xmlns:a16="http://schemas.microsoft.com/office/drawing/2014/main" id="{4FCEDE30-13DE-47E1-A8EA-63A40D17FF07}"/>
+              </a:ext>
+            </a:extLst>
+          </p:cNvPr>
+          <p:cNvPicPr>
+            <a:picLocks noChangeAspect="1"/>
+          </p:cNvPicPr>
+          <p:nvPr/>
+        </p:nvPicPr>
+        <p:blipFill rotWithShape="1">
+          <a:blip r:embed="rId3"/>
+          <a:srcRect l="84" t="28861" r="-84" b="44788"/>
+          <a:stretch/>
+        </p:blipFill>
+        <p:spPr>
+          <a:xfrm>
+            <a:off x="198954" y="1558068"/>
+            <a:ext cx="9371757" cy="1685716"/>
+          </a:xfrm>
+          <a:prstGeom prst="rect">
+            <a:avLst/>
+          </a:prstGeom>
+          <a:effectLst>
+            <a:outerShdw blurRad="63500" sx="102000" sy="102000" algn="ctr" rotWithShape="0">
+              <a:prstClr val="black">
+                <a:alpha val="40000"/>
+              </a:prstClr>
+            </a:outerShdw>
+          </a:effectLst>
+        </p:spPr>
+      </p:pic>
+      <p:pic>
+        <p:nvPicPr>
+          <p:cNvPr id="37" name="Image 36">
+            <a:extLst>
+              <a:ext uri="{FF2B5EF4-FFF2-40B4-BE49-F238E27FC236}">
+                <a16:creationId xmlns:a16="http://schemas.microsoft.com/office/drawing/2014/main" id="{18ECBEDB-EEA3-4CD8-AA02-E9EEDAEBEB65}"/>
+              </a:ext>
+            </a:extLst>
+          </p:cNvPr>
+          <p:cNvPicPr>
+            <a:picLocks noChangeAspect="1"/>
+          </p:cNvPicPr>
+          <p:nvPr/>
+        </p:nvPicPr>
+        <p:blipFill rotWithShape="1">
+          <a:blip r:embed="rId3"/>
+          <a:srcRect l="84" t="55423" r="-84" b="26394"/>
+          <a:stretch/>
+        </p:blipFill>
+        <p:spPr>
+          <a:xfrm>
+            <a:off x="198954" y="3901290"/>
+            <a:ext cx="9657924" cy="1198705"/>
+          </a:xfrm>
+          <a:prstGeom prst="rect">
+            <a:avLst/>
+          </a:prstGeom>
+          <a:effectLst>
+            <a:outerShdw blurRad="63500" sx="102000" sy="102000" algn="ctr" rotWithShape="0">
+              <a:prstClr val="black">
+                <a:alpha val="40000"/>
+              </a:prstClr>
+            </a:outerShdw>
+          </a:effectLst>
+        </p:spPr>
+      </p:pic>
+    </p:spTree>
+    <p:extLst>
+      <p:ext uri="{BB962C8B-B14F-4D97-AF65-F5344CB8AC3E}">
+        <p14:creationId xmlns:p14="http://schemas.microsoft.com/office/powerpoint/2010/main" val="2032735981"/>
+      </p:ext>
+    </p:extLst>
+  </p:cSld>
+  <p:clrMapOvr>
+    <a:masterClrMapping/>
+  </p:clrMapOvr>
+  <mc:AlternateContent xmlns:mc="http://schemas.openxmlformats.org/markup-compatibility/2006" xmlns:p159="http://schemas.microsoft.com/office/powerpoint/2015/09/main">
+    <mc:Choice Requires="p159">
+      <p:transition xmlns:p14="http://schemas.microsoft.com/office/powerpoint/2010/main" spd="slow" p14:dur="2000">
+        <p159:morph option="byObject"/>
+      </p:transition>
+    </mc:Choice>
+    <mc:Fallback xmlns="">
+      <p:transition spd="slow">
+        <p:fade/>
+      </p:transition>
+    </mc:Fallback>
+  </mc:AlternateContent>
+</p:sld>
+</file>
+
+<file path=ppt/slides/slide18.xml><?xml version="1.0" encoding="utf-8"?>
+<p:sld xmlns:a="http://schemas.openxmlformats.org/drawingml/2006/main" xmlns:r="http://schemas.openxmlformats.org/officeDocument/2006/relationships" xmlns:p="http://schemas.openxmlformats.org/presentationml/2006/main">
+  <p:cSld>
+    <p:spTree>
+      <p:nvGrpSpPr>
+        <p:cNvPr id="1" name=""/>
+        <p:cNvGrpSpPr/>
+        <p:nvPr/>
+      </p:nvGrpSpPr>
+      <p:grpSpPr>
+        <a:xfrm>
+          <a:off x="0" y="0"/>
+          <a:ext cx="0" cy="0"/>
+          <a:chOff x="0" y="0"/>
+          <a:chExt cx="0" cy="0"/>
+        </a:xfrm>
+      </p:grpSpPr>
+      <p:pic>
+        <p:nvPicPr>
+          <p:cNvPr id="1026" name="Picture 2" descr="Image associée">
+            <a:extLst>
+              <a:ext uri="{FF2B5EF4-FFF2-40B4-BE49-F238E27FC236}">
+                <a16:creationId xmlns:a16="http://schemas.microsoft.com/office/drawing/2014/main" id="{C816F3D8-CC4C-46B3-A21E-58AE9AD30454}"/>
+              </a:ext>
+            </a:extLst>
+          </p:cNvPr>
+          <p:cNvPicPr>
+            <a:picLocks noChangeAspect="1" noChangeArrowheads="1"/>
+          </p:cNvPicPr>
+          <p:nvPr/>
+        </p:nvPicPr>
+        <p:blipFill rotWithShape="1">
+          <a:blip r:embed="rId2">
+            <a:extLst>
+              <a:ext uri="{28A0092B-C50C-407E-A947-70E740481C1C}">
+                <a14:useLocalDpi xmlns:a14="http://schemas.microsoft.com/office/drawing/2010/main" val="0"/>
+              </a:ext>
+            </a:extLst>
+          </a:blip>
+          <a:srcRect l="18677" r="15441"/>
+          <a:stretch/>
+        </p:blipFill>
+        <p:spPr bwMode="auto">
+          <a:xfrm>
+            <a:off x="143436" y="143435"/>
+            <a:ext cx="2269635" cy="609600"/>
+          </a:xfrm>
+          <a:prstGeom prst="rect">
+            <a:avLst/>
+          </a:prstGeom>
+          <a:noFill/>
+          <a:extLst>
+            <a:ext uri="{909E8E84-426E-40DD-AFC4-6F175D3DCCD1}">
+              <a14:hiddenFill xmlns:a14="http://schemas.microsoft.com/office/drawing/2010/main">
+                <a:solidFill>
+                  <a:srgbClr val="FFFFFF"/>
+                </a:solidFill>
+              </a14:hiddenFill>
+            </a:ext>
+          </a:extLst>
+        </p:spPr>
+      </p:pic>
+      <p:sp>
+        <p:nvSpPr>
+          <p:cNvPr id="3" name="ZoneTexte 2">
+            <a:extLst>
+              <a:ext uri="{FF2B5EF4-FFF2-40B4-BE49-F238E27FC236}">
+                <a16:creationId xmlns:a16="http://schemas.microsoft.com/office/drawing/2014/main" id="{1582123C-25BF-42F1-97F8-35FFB48DFFAA}"/>
+              </a:ext>
+            </a:extLst>
+          </p:cNvPr>
+          <p:cNvSpPr txBox="1"/>
+          <p:nvPr/>
+        </p:nvSpPr>
+        <p:spPr>
+          <a:xfrm>
+            <a:off x="2477079" y="168260"/>
+            <a:ext cx="6848856" cy="584775"/>
+          </a:xfrm>
+          <a:prstGeom prst="rect">
+            <a:avLst/>
+          </a:prstGeom>
+          <a:noFill/>
+          <a:ln>
+            <a:noFill/>
+          </a:ln>
+          <a:effectLst>
+            <a:glow rad="63500">
+              <a:schemeClr val="accent4">
+                <a:satMod val="175000"/>
+                <a:alpha val="40000"/>
+              </a:schemeClr>
+            </a:glow>
+            <a:outerShdw blurRad="50800" dist="38100" dir="5400000" algn="t" rotWithShape="0">
+              <a:prstClr val="black">
+                <a:alpha val="40000"/>
+              </a:prstClr>
+            </a:outerShdw>
+          </a:effectLst>
+          <a:scene3d>
+            <a:camera prst="orthographicFront">
+              <a:rot lat="0" lon="0" rev="0"/>
+            </a:camera>
+            <a:lightRig rig="soft" dir="t">
+              <a:rot lat="0" lon="0" rev="0"/>
+            </a:lightRig>
+          </a:scene3d>
+          <a:sp3d contourW="44450" prstMaterial="matte">
+            <a:bevelT w="63500" h="63500" prst="artDeco"/>
+            <a:contourClr>
+              <a:srgbClr val="FFFFFF"/>
+            </a:contourClr>
+          </a:sp3d>
+        </p:spPr>
+        <p:txBody>
+          <a:bodyPr wrap="square" rtlCol="0">
+            <a:spAutoFit/>
+          </a:bodyPr>
+          <a:lstStyle/>
+          <a:p>
+            <a:pPr algn="ctr"/>
+            <a:r>
+              <a:rPr lang="fr-FR" sz="3200" b="1" dirty="0">
+                <a:latin typeface="Eras Medium ITC" panose="020B0602030504020804" pitchFamily="34" charset="0"/>
+              </a:rPr>
+              <a:t>Planification Gantt - </a:t>
+            </a:r>
+            <a:r>
+              <a:rPr lang="fr-FR" sz="2800" b="1" dirty="0">
+                <a:solidFill>
+                  <a:srgbClr val="A41258"/>
+                </a:solidFill>
+                <a:latin typeface="Eras Medium ITC" panose="020B0602030504020804" pitchFamily="34" charset="0"/>
+              </a:rPr>
+              <a:t>Partie personnelle </a:t>
+            </a:r>
+            <a:r>
+              <a:rPr lang="fr-FR" sz="2800" b="1" dirty="0">
+                <a:latin typeface="Eras Medium ITC" panose="020B0602030504020804" pitchFamily="34" charset="0"/>
+              </a:rPr>
+              <a:t>:</a:t>
+            </a:r>
+          </a:p>
+        </p:txBody>
+      </p:sp>
+      <p:sp>
+        <p:nvSpPr>
+          <p:cNvPr id="5" name="Organigramme : Terminateur 4">
+            <a:extLst>
+              <a:ext uri="{FF2B5EF4-FFF2-40B4-BE49-F238E27FC236}">
+                <a16:creationId xmlns:a16="http://schemas.microsoft.com/office/drawing/2014/main" id="{D1F75C67-19ED-4C1C-8C02-A891450335AA}"/>
+              </a:ext>
+            </a:extLst>
+          </p:cNvPr>
+          <p:cNvSpPr/>
+          <p:nvPr/>
+        </p:nvSpPr>
+        <p:spPr>
+          <a:xfrm>
+            <a:off x="11402638" y="5933492"/>
+            <a:ext cx="358260" cy="85725"/>
+          </a:xfrm>
+          <a:prstGeom prst="flowChartTerminator">
+            <a:avLst/>
+          </a:prstGeom>
+          <a:solidFill>
+            <a:srgbClr val="A51258"/>
+          </a:solidFill>
+          <a:ln>
+            <a:solidFill>
+              <a:schemeClr val="bg1"/>
+            </a:solidFill>
+          </a:ln>
+        </p:spPr>
+        <p:style>
+          <a:lnRef idx="2">
+            <a:schemeClr val="accent1">
+              <a:shade val="50000"/>
+            </a:schemeClr>
+          </a:lnRef>
+          <a:fillRef idx="1">
+            <a:schemeClr val="accent1"/>
+          </a:fillRef>
+          <a:effectRef idx="0">
+            <a:schemeClr val="accent1"/>
+          </a:effectRef>
+          <a:fontRef idx="minor">
+            <a:schemeClr val="lt1"/>
+          </a:fontRef>
+        </p:style>
+        <p:txBody>
+          <a:bodyPr rtlCol="0" anchor="ctr"/>
+          <a:lstStyle/>
+          <a:p>
+            <a:pPr algn="ctr"/>
+            <a:endParaRPr lang="fr-FR"/>
+          </a:p>
+        </p:txBody>
+      </p:sp>
+      <p:sp>
+        <p:nvSpPr>
+          <p:cNvPr id="6" name="Organigramme : Terminateur 5">
+            <a:extLst>
+              <a:ext uri="{FF2B5EF4-FFF2-40B4-BE49-F238E27FC236}">
+                <a16:creationId xmlns:a16="http://schemas.microsoft.com/office/drawing/2014/main" id="{FDDABDCB-05CA-4CE6-8FB2-9551BFDA6DB8}"/>
+              </a:ext>
+            </a:extLst>
+          </p:cNvPr>
+          <p:cNvSpPr/>
+          <p:nvPr/>
+        </p:nvSpPr>
+        <p:spPr>
+          <a:xfrm>
+            <a:off x="11402638" y="5635436"/>
+            <a:ext cx="358260" cy="85725"/>
+          </a:xfrm>
+          <a:prstGeom prst="flowChartTerminator">
+            <a:avLst/>
+          </a:prstGeom>
+          <a:solidFill>
+            <a:srgbClr val="A51258"/>
+          </a:solidFill>
+          <a:ln>
+            <a:solidFill>
+              <a:schemeClr val="bg1"/>
+            </a:solidFill>
+          </a:ln>
+        </p:spPr>
+        <p:style>
+          <a:lnRef idx="2">
+            <a:schemeClr val="accent1">
+              <a:shade val="50000"/>
+            </a:schemeClr>
+          </a:lnRef>
+          <a:fillRef idx="1">
+            <a:schemeClr val="accent1"/>
+          </a:fillRef>
+          <a:effectRef idx="0">
+            <a:schemeClr val="accent1"/>
+          </a:effectRef>
+          <a:fontRef idx="minor">
+            <a:schemeClr val="lt1"/>
+          </a:fontRef>
+        </p:style>
+        <p:txBody>
+          <a:bodyPr rtlCol="0" anchor="ctr"/>
+          <a:lstStyle/>
+          <a:p>
+            <a:pPr algn="ctr"/>
+            <a:endParaRPr lang="fr-FR"/>
+          </a:p>
+        </p:txBody>
+      </p:sp>
+      <p:sp>
+        <p:nvSpPr>
+          <p:cNvPr id="7" name="Organigramme : Terminateur 6">
+            <a:extLst>
+              <a:ext uri="{FF2B5EF4-FFF2-40B4-BE49-F238E27FC236}">
+                <a16:creationId xmlns:a16="http://schemas.microsoft.com/office/drawing/2014/main" id="{676653C4-7739-41DF-B04D-9F0A08D5AAC8}"/>
+              </a:ext>
+            </a:extLst>
+          </p:cNvPr>
+          <p:cNvSpPr/>
+          <p:nvPr/>
+        </p:nvSpPr>
+        <p:spPr>
+          <a:xfrm>
+            <a:off x="11402638" y="5337380"/>
+            <a:ext cx="358260" cy="85725"/>
+          </a:xfrm>
+          <a:prstGeom prst="flowChartTerminator">
+            <a:avLst/>
+          </a:prstGeom>
+          <a:solidFill>
+            <a:srgbClr val="A51258"/>
+          </a:solidFill>
+          <a:ln>
+            <a:solidFill>
+              <a:schemeClr val="bg1"/>
+            </a:solidFill>
+          </a:ln>
+        </p:spPr>
+        <p:style>
+          <a:lnRef idx="2">
+            <a:schemeClr val="accent1">
+              <a:shade val="50000"/>
+            </a:schemeClr>
+          </a:lnRef>
+          <a:fillRef idx="1">
+            <a:schemeClr val="accent1"/>
+          </a:fillRef>
+          <a:effectRef idx="0">
+            <a:schemeClr val="accent1"/>
+          </a:effectRef>
+          <a:fontRef idx="minor">
+            <a:schemeClr val="lt1"/>
+          </a:fontRef>
+        </p:style>
+        <p:txBody>
+          <a:bodyPr rtlCol="0" anchor="ctr"/>
+          <a:lstStyle/>
+          <a:p>
+            <a:pPr algn="ctr"/>
+            <a:endParaRPr lang="fr-FR"/>
+          </a:p>
+        </p:txBody>
+      </p:sp>
+      <p:sp>
+        <p:nvSpPr>
+          <p:cNvPr id="8" name="Organigramme : Terminateur 7">
+            <a:extLst>
+              <a:ext uri="{FF2B5EF4-FFF2-40B4-BE49-F238E27FC236}">
+                <a16:creationId xmlns:a16="http://schemas.microsoft.com/office/drawing/2014/main" id="{25FEC329-248D-4382-B5B6-198779EC99F9}"/>
+              </a:ext>
+            </a:extLst>
+          </p:cNvPr>
+          <p:cNvSpPr/>
+          <p:nvPr/>
+        </p:nvSpPr>
+        <p:spPr>
+          <a:xfrm>
+            <a:off x="11402638" y="3001220"/>
+            <a:ext cx="358260" cy="85725"/>
+          </a:xfrm>
+          <a:prstGeom prst="flowChartTerminator">
+            <a:avLst/>
+          </a:prstGeom>
+          <a:solidFill>
+            <a:srgbClr val="A51258"/>
+          </a:solidFill>
+          <a:ln>
+            <a:solidFill>
+              <a:schemeClr val="bg1"/>
+            </a:solidFill>
+          </a:ln>
+        </p:spPr>
+        <p:style>
+          <a:lnRef idx="2">
+            <a:schemeClr val="accent1">
+              <a:shade val="50000"/>
+            </a:schemeClr>
+          </a:lnRef>
+          <a:fillRef idx="1">
+            <a:schemeClr val="accent1"/>
+          </a:fillRef>
+          <a:effectRef idx="0">
+            <a:schemeClr val="accent1"/>
+          </a:effectRef>
+          <a:fontRef idx="minor">
+            <a:schemeClr val="lt1"/>
+          </a:fontRef>
+        </p:style>
+        <p:txBody>
+          <a:bodyPr rtlCol="0" anchor="ctr"/>
+          <a:lstStyle/>
+          <a:p>
+            <a:pPr algn="ctr"/>
+            <a:endParaRPr lang="fr-FR"/>
+          </a:p>
+        </p:txBody>
+      </p:sp>
+      <p:sp>
+        <p:nvSpPr>
+          <p:cNvPr id="9" name="Organigramme : Terminateur 8">
+            <a:extLst>
+              <a:ext uri="{FF2B5EF4-FFF2-40B4-BE49-F238E27FC236}">
+                <a16:creationId xmlns:a16="http://schemas.microsoft.com/office/drawing/2014/main" id="{C8D6D83F-A4D2-4EFF-A51F-9F3B5E5E834E}"/>
+              </a:ext>
+            </a:extLst>
+          </p:cNvPr>
+          <p:cNvSpPr/>
+          <p:nvPr/>
+        </p:nvSpPr>
+        <p:spPr>
+          <a:xfrm>
+            <a:off x="11405115" y="2703164"/>
+            <a:ext cx="358260" cy="85725"/>
+          </a:xfrm>
+          <a:prstGeom prst="flowChartTerminator">
+            <a:avLst/>
+          </a:prstGeom>
+          <a:solidFill>
+            <a:srgbClr val="A51258"/>
+          </a:solidFill>
+          <a:ln>
+            <a:solidFill>
+              <a:schemeClr val="bg1"/>
+            </a:solidFill>
+          </a:ln>
+        </p:spPr>
+        <p:style>
+          <a:lnRef idx="2">
+            <a:schemeClr val="accent1">
+              <a:shade val="50000"/>
+            </a:schemeClr>
+          </a:lnRef>
+          <a:fillRef idx="1">
+            <a:schemeClr val="accent1"/>
+          </a:fillRef>
+          <a:effectRef idx="0">
+            <a:schemeClr val="accent1"/>
+          </a:effectRef>
+          <a:fontRef idx="minor">
+            <a:schemeClr val="lt1"/>
+          </a:fontRef>
+        </p:style>
+        <p:txBody>
+          <a:bodyPr rtlCol="0" anchor="ctr"/>
+          <a:lstStyle/>
+          <a:p>
+            <a:pPr algn="ctr"/>
+            <a:endParaRPr lang="fr-FR"/>
+          </a:p>
+        </p:txBody>
+      </p:sp>
+      <p:sp>
+        <p:nvSpPr>
+          <p:cNvPr id="10" name="Organigramme : Terminateur 9">
+            <a:extLst>
+              <a:ext uri="{FF2B5EF4-FFF2-40B4-BE49-F238E27FC236}">
+                <a16:creationId xmlns:a16="http://schemas.microsoft.com/office/drawing/2014/main" id="{0147FA4E-EBD6-48D6-95CB-A3702F259E41}"/>
+              </a:ext>
+            </a:extLst>
+          </p:cNvPr>
+          <p:cNvSpPr/>
+          <p:nvPr/>
+        </p:nvSpPr>
+        <p:spPr>
+          <a:xfrm>
+            <a:off x="11405115" y="2405108"/>
+            <a:ext cx="358260" cy="85725"/>
+          </a:xfrm>
+          <a:prstGeom prst="flowChartTerminator">
+            <a:avLst/>
+          </a:prstGeom>
+          <a:solidFill>
+            <a:srgbClr val="A51258"/>
+          </a:solidFill>
+          <a:ln>
+            <a:solidFill>
+              <a:schemeClr val="bg1"/>
+            </a:solidFill>
+          </a:ln>
+        </p:spPr>
+        <p:style>
+          <a:lnRef idx="2">
+            <a:schemeClr val="accent1">
+              <a:shade val="50000"/>
+            </a:schemeClr>
+          </a:lnRef>
+          <a:fillRef idx="1">
+            <a:schemeClr val="accent1"/>
+          </a:fillRef>
+          <a:effectRef idx="0">
+            <a:schemeClr val="accent1"/>
+          </a:effectRef>
+          <a:fontRef idx="minor">
+            <a:schemeClr val="lt1"/>
+          </a:fontRef>
+        </p:style>
+        <p:txBody>
+          <a:bodyPr rtlCol="0" anchor="ctr"/>
+          <a:lstStyle/>
+          <a:p>
+            <a:pPr algn="ctr"/>
+            <a:endParaRPr lang="fr-FR"/>
+          </a:p>
+        </p:txBody>
+      </p:sp>
+      <p:sp>
+        <p:nvSpPr>
+          <p:cNvPr id="11" name="Organigramme : Terminateur 10">
+            <a:extLst>
+              <a:ext uri="{FF2B5EF4-FFF2-40B4-BE49-F238E27FC236}">
+                <a16:creationId xmlns:a16="http://schemas.microsoft.com/office/drawing/2014/main" id="{E796141D-0542-46C0-8D5E-4E1963407D8A}"/>
+              </a:ext>
+            </a:extLst>
+          </p:cNvPr>
+          <p:cNvSpPr/>
+          <p:nvPr/>
+        </p:nvSpPr>
+        <p:spPr>
+          <a:xfrm>
+            <a:off x="11405115" y="1374644"/>
+            <a:ext cx="358260" cy="85725"/>
+          </a:xfrm>
+          <a:prstGeom prst="flowChartTerminator">
+            <a:avLst/>
+          </a:prstGeom>
+          <a:solidFill>
+            <a:srgbClr val="A51258"/>
+          </a:solidFill>
+          <a:ln>
+            <a:solidFill>
+              <a:schemeClr val="bg1"/>
+            </a:solidFill>
+          </a:ln>
+        </p:spPr>
+        <p:style>
+          <a:lnRef idx="2">
+            <a:schemeClr val="accent1">
+              <a:shade val="50000"/>
+            </a:schemeClr>
+          </a:lnRef>
+          <a:fillRef idx="1">
+            <a:schemeClr val="accent1"/>
+          </a:fillRef>
+          <a:effectRef idx="0">
+            <a:schemeClr val="accent1"/>
+          </a:effectRef>
+          <a:fontRef idx="minor">
+            <a:schemeClr val="lt1"/>
+          </a:fontRef>
+        </p:style>
+        <p:txBody>
+          <a:bodyPr rtlCol="0" anchor="ctr"/>
+          <a:lstStyle/>
+          <a:p>
+            <a:pPr algn="ctr"/>
+            <a:endParaRPr lang="fr-FR"/>
+          </a:p>
+        </p:txBody>
+      </p:sp>
+      <p:sp>
+        <p:nvSpPr>
+          <p:cNvPr id="12" name="Organigramme : Terminateur 11">
+            <a:extLst>
+              <a:ext uri="{FF2B5EF4-FFF2-40B4-BE49-F238E27FC236}">
+                <a16:creationId xmlns:a16="http://schemas.microsoft.com/office/drawing/2014/main" id="{4D16A4E3-7015-4EA7-AE31-1F830D11C5D6}"/>
+              </a:ext>
+            </a:extLst>
+          </p:cNvPr>
+          <p:cNvSpPr/>
+          <p:nvPr/>
+        </p:nvSpPr>
+        <p:spPr>
+          <a:xfrm>
+            <a:off x="11405115" y="1103173"/>
+            <a:ext cx="358260" cy="85725"/>
+          </a:xfrm>
+          <a:prstGeom prst="flowChartTerminator">
+            <a:avLst/>
+          </a:prstGeom>
+          <a:solidFill>
+            <a:srgbClr val="A51258"/>
+          </a:solidFill>
+          <a:ln>
+            <a:solidFill>
+              <a:schemeClr val="bg1"/>
+            </a:solidFill>
+          </a:ln>
+        </p:spPr>
+        <p:style>
+          <a:lnRef idx="2">
+            <a:schemeClr val="accent1">
+              <a:shade val="50000"/>
+            </a:schemeClr>
+          </a:lnRef>
+          <a:fillRef idx="1">
+            <a:schemeClr val="accent1"/>
+          </a:fillRef>
+          <a:effectRef idx="0">
+            <a:schemeClr val="accent1"/>
+          </a:effectRef>
+          <a:fontRef idx="minor">
+            <a:schemeClr val="lt1"/>
+          </a:fontRef>
+        </p:style>
+        <p:txBody>
+          <a:bodyPr rtlCol="0" anchor="ctr"/>
+          <a:lstStyle/>
+          <a:p>
+            <a:pPr algn="ctr"/>
+            <a:endParaRPr lang="fr-FR"/>
+          </a:p>
+        </p:txBody>
+      </p:sp>
+      <p:sp>
+        <p:nvSpPr>
+          <p:cNvPr id="13" name="Organigramme : Terminateur 12">
+            <a:extLst>
+              <a:ext uri="{FF2B5EF4-FFF2-40B4-BE49-F238E27FC236}">
+                <a16:creationId xmlns:a16="http://schemas.microsoft.com/office/drawing/2014/main" id="{845DB0F9-A940-4960-B5EE-B0CFAAF264EE}"/>
+              </a:ext>
+            </a:extLst>
+          </p:cNvPr>
+          <p:cNvSpPr/>
+          <p:nvPr/>
+        </p:nvSpPr>
+        <p:spPr>
+          <a:xfrm>
+            <a:off x="11402638" y="797984"/>
+            <a:ext cx="358260" cy="85725"/>
+          </a:xfrm>
+          <a:prstGeom prst="flowChartTerminator">
+            <a:avLst/>
+          </a:prstGeom>
+          <a:solidFill>
+            <a:srgbClr val="A8135A"/>
+          </a:solidFill>
+          <a:ln>
+            <a:solidFill>
+              <a:schemeClr val="bg1"/>
+            </a:solidFill>
+          </a:ln>
+        </p:spPr>
+        <p:style>
+          <a:lnRef idx="2">
+            <a:schemeClr val="accent1">
+              <a:shade val="50000"/>
+            </a:schemeClr>
+          </a:lnRef>
+          <a:fillRef idx="1">
+            <a:schemeClr val="accent1"/>
+          </a:fillRef>
+          <a:effectRef idx="0">
+            <a:schemeClr val="accent1"/>
+          </a:effectRef>
+          <a:fontRef idx="minor">
+            <a:schemeClr val="lt1"/>
+          </a:fontRef>
+        </p:style>
+        <p:txBody>
+          <a:bodyPr rtlCol="0" anchor="ctr"/>
+          <a:lstStyle/>
+          <a:p>
+            <a:pPr algn="ctr"/>
+            <a:endParaRPr lang="fr-FR"/>
+          </a:p>
+        </p:txBody>
+      </p:sp>
+      <p:sp>
+        <p:nvSpPr>
+          <p:cNvPr id="14" name="Rectangle 13">
+            <a:extLst>
+              <a:ext uri="{FF2B5EF4-FFF2-40B4-BE49-F238E27FC236}">
+                <a16:creationId xmlns:a16="http://schemas.microsoft.com/office/drawing/2014/main" id="{23E28F36-0181-430B-B3BB-CBCD6C8EC12C}"/>
+              </a:ext>
+            </a:extLst>
+          </p:cNvPr>
+          <p:cNvSpPr/>
+          <p:nvPr/>
+        </p:nvSpPr>
+        <p:spPr>
+          <a:xfrm>
+            <a:off x="11658600" y="429658"/>
+            <a:ext cx="104775" cy="5938155"/>
+          </a:xfrm>
+          <a:prstGeom prst="rect">
+            <a:avLst/>
+          </a:prstGeom>
+          <a:solidFill>
+            <a:schemeClr val="bg1"/>
+          </a:solidFill>
+          <a:ln>
+            <a:solidFill>
+              <a:schemeClr val="bg1"/>
+            </a:solidFill>
+          </a:ln>
+        </p:spPr>
+        <p:style>
+          <a:lnRef idx="2">
+            <a:schemeClr val="accent1">
+              <a:shade val="50000"/>
+            </a:schemeClr>
+          </a:lnRef>
+          <a:fillRef idx="1">
+            <a:schemeClr val="accent1"/>
+          </a:fillRef>
+          <a:effectRef idx="0">
+            <a:schemeClr val="accent1"/>
+          </a:effectRef>
+          <a:fontRef idx="minor">
+            <a:schemeClr val="lt1"/>
+          </a:fontRef>
+        </p:style>
+        <p:txBody>
+          <a:bodyPr rtlCol="0" anchor="ctr"/>
+          <a:lstStyle/>
+          <a:p>
+            <a:pPr algn="ctr"/>
+            <a:endParaRPr lang="fr-FR"/>
+          </a:p>
+        </p:txBody>
+      </p:sp>
+      <p:sp>
+        <p:nvSpPr>
+          <p:cNvPr id="15" name="ZoneTexte 14">
+            <a:extLst>
+              <a:ext uri="{FF2B5EF4-FFF2-40B4-BE49-F238E27FC236}">
+                <a16:creationId xmlns:a16="http://schemas.microsoft.com/office/drawing/2014/main" id="{88319DA3-0883-4060-A117-7BA5FC93C17A}"/>
+              </a:ext>
+            </a:extLst>
+          </p:cNvPr>
+          <p:cNvSpPr txBox="1"/>
+          <p:nvPr/>
+        </p:nvSpPr>
+        <p:spPr>
+          <a:xfrm>
+            <a:off x="10299143" y="138796"/>
+            <a:ext cx="1129785" cy="461665"/>
+          </a:xfrm>
+          <a:prstGeom prst="rect">
+            <a:avLst/>
+          </a:prstGeom>
+          <a:noFill/>
+          <a:effectLst>
+            <a:glow>
+              <a:schemeClr val="bg1"/>
+            </a:glow>
+            <a:reflection endPos="0" dir="5400000" sy="-100000" algn="bl" rotWithShape="0"/>
+          </a:effectLst>
+        </p:spPr>
+        <p:txBody>
+          <a:bodyPr wrap="square" rtlCol="0">
+            <a:spAutoFit/>
+          </a:bodyPr>
+          <a:lstStyle/>
+          <a:p>
+            <a:pPr algn="r"/>
+            <a:r>
+              <a:rPr lang="fr-FR" sz="1200" dirty="0">
+                <a:effectLst>
+                  <a:glow>
+                    <a:schemeClr val="bg1">
+                      <a:alpha val="40000"/>
+                    </a:schemeClr>
+                  </a:glow>
+                </a:effectLst>
+                <a:latin typeface="Eras Medium ITC" panose="020B0602030504020804" pitchFamily="34" charset="0"/>
+              </a:rPr>
+              <a:t>Présentation du projet</a:t>
+            </a:r>
+          </a:p>
+        </p:txBody>
+      </p:sp>
+      <p:sp>
+        <p:nvSpPr>
+          <p:cNvPr id="16" name="ZoneTexte 15">
+            <a:extLst>
+              <a:ext uri="{FF2B5EF4-FFF2-40B4-BE49-F238E27FC236}">
+                <a16:creationId xmlns:a16="http://schemas.microsoft.com/office/drawing/2014/main" id="{27BEA1F5-A47F-41D6-9171-13EF0AB037DD}"/>
+              </a:ext>
+            </a:extLst>
+          </p:cNvPr>
+          <p:cNvSpPr txBox="1"/>
+          <p:nvPr/>
+        </p:nvSpPr>
+        <p:spPr>
+          <a:xfrm>
+            <a:off x="10299143" y="685631"/>
+            <a:ext cx="1129785" cy="276999"/>
+          </a:xfrm>
+          <a:prstGeom prst="rect">
+            <a:avLst/>
+          </a:prstGeom>
+          <a:noFill/>
+        </p:spPr>
+        <p:txBody>
+          <a:bodyPr wrap="square" rtlCol="0">
+            <a:spAutoFit/>
+          </a:bodyPr>
+          <a:lstStyle/>
+          <a:p>
+            <a:pPr algn="r"/>
+            <a:r>
+              <a:rPr lang="fr-FR" sz="1200" dirty="0">
+                <a:effectLst>
+                  <a:glow>
+                    <a:schemeClr val="bg1">
+                      <a:alpha val="40000"/>
+                    </a:schemeClr>
+                  </a:glow>
+                </a:effectLst>
+                <a:latin typeface="Eras Medium ITC" panose="020B0602030504020804" pitchFamily="34" charset="0"/>
+              </a:rPr>
+              <a:t>Générale</a:t>
+            </a:r>
+          </a:p>
+        </p:txBody>
+      </p:sp>
+      <p:sp>
+        <p:nvSpPr>
+          <p:cNvPr id="17" name="ZoneTexte 16">
+            <a:extLst>
+              <a:ext uri="{FF2B5EF4-FFF2-40B4-BE49-F238E27FC236}">
+                <a16:creationId xmlns:a16="http://schemas.microsoft.com/office/drawing/2014/main" id="{457556AC-2FF4-4BFE-A2A1-0B61887B2F0E}"/>
+              </a:ext>
+            </a:extLst>
+          </p:cNvPr>
+          <p:cNvSpPr txBox="1"/>
+          <p:nvPr/>
+        </p:nvSpPr>
+        <p:spPr>
+          <a:xfrm>
+            <a:off x="10272853" y="980780"/>
+            <a:ext cx="1129785" cy="276999"/>
+          </a:xfrm>
+          <a:prstGeom prst="rect">
+            <a:avLst/>
+          </a:prstGeom>
+          <a:noFill/>
+        </p:spPr>
+        <p:txBody>
+          <a:bodyPr wrap="square" rtlCol="0">
+            <a:spAutoFit/>
+          </a:bodyPr>
+          <a:lstStyle/>
+          <a:p>
+            <a:pPr algn="r"/>
+            <a:r>
+              <a:rPr lang="fr-FR" sz="1200" dirty="0">
+                <a:latin typeface="Eras Medium ITC" panose="020B0602030504020804" pitchFamily="34" charset="0"/>
+              </a:rPr>
+              <a:t>Personnalisée</a:t>
+            </a:r>
+          </a:p>
+        </p:txBody>
+      </p:sp>
+      <p:sp>
+        <p:nvSpPr>
+          <p:cNvPr id="18" name="ZoneTexte 17">
+            <a:extLst>
+              <a:ext uri="{FF2B5EF4-FFF2-40B4-BE49-F238E27FC236}">
+                <a16:creationId xmlns:a16="http://schemas.microsoft.com/office/drawing/2014/main" id="{40EB533E-00B5-43D9-A511-9C4E231C19D6}"/>
+              </a:ext>
+            </a:extLst>
+          </p:cNvPr>
+          <p:cNvSpPr txBox="1"/>
+          <p:nvPr/>
+        </p:nvSpPr>
+        <p:spPr>
+          <a:xfrm>
+            <a:off x="10081771" y="4645593"/>
+            <a:ext cx="1315522" cy="461665"/>
+          </a:xfrm>
+          <a:prstGeom prst="rect">
+            <a:avLst/>
+          </a:prstGeom>
+          <a:noFill/>
+          <a:effectLst>
+            <a:glow>
+              <a:schemeClr val="bg1">
+                <a:alpha val="40000"/>
+              </a:schemeClr>
+            </a:glow>
+          </a:effectLst>
+        </p:spPr>
+        <p:txBody>
+          <a:bodyPr wrap="square" rtlCol="0">
+            <a:spAutoFit/>
+          </a:bodyPr>
+          <a:lstStyle/>
+          <a:p>
+            <a:pPr algn="r"/>
+            <a:r>
+              <a:rPr lang="fr-FR" sz="1200" dirty="0">
+                <a:effectLst>
+                  <a:glow>
+                    <a:schemeClr val="bg1">
+                      <a:alpha val="40000"/>
+                    </a:schemeClr>
+                  </a:glow>
+                </a:effectLst>
+                <a:latin typeface="Eras Medium ITC" panose="020B0602030504020804" pitchFamily="34" charset="0"/>
+              </a:rPr>
+              <a:t>Diagramme</a:t>
+            </a:r>
+            <a:r>
+              <a:rPr lang="fr-FR" sz="1200" dirty="0">
+                <a:effectLst>
+                  <a:glow rad="63500">
+                    <a:schemeClr val="bg1">
+                      <a:alpha val="40000"/>
+                    </a:schemeClr>
+                  </a:glow>
+                </a:effectLst>
+                <a:latin typeface="Eras Medium ITC" panose="020B0602030504020804" pitchFamily="34" charset="0"/>
+              </a:rPr>
+              <a:t> </a:t>
+            </a:r>
+            <a:r>
+              <a:rPr lang="fr-FR" sz="1200" dirty="0">
+                <a:effectLst>
+                  <a:glow>
+                    <a:schemeClr val="bg1">
+                      <a:alpha val="40000"/>
+                    </a:schemeClr>
+                  </a:glow>
+                </a:effectLst>
+                <a:latin typeface="Eras Medium ITC" panose="020B0602030504020804" pitchFamily="34" charset="0"/>
+              </a:rPr>
+              <a:t>UML</a:t>
+            </a:r>
+          </a:p>
+        </p:txBody>
+      </p:sp>
+      <p:sp>
+        <p:nvSpPr>
+          <p:cNvPr id="19" name="ZoneTexte 18">
+            <a:extLst>
+              <a:ext uri="{FF2B5EF4-FFF2-40B4-BE49-F238E27FC236}">
+                <a16:creationId xmlns:a16="http://schemas.microsoft.com/office/drawing/2014/main" id="{8AA20E32-14CB-4817-9330-FD51FF28E8A3}"/>
+              </a:ext>
+            </a:extLst>
+          </p:cNvPr>
+          <p:cNvSpPr txBox="1"/>
+          <p:nvPr/>
+        </p:nvSpPr>
+        <p:spPr>
+          <a:xfrm>
+            <a:off x="10272853" y="1197729"/>
+            <a:ext cx="1129785" cy="461665"/>
+          </a:xfrm>
+          <a:prstGeom prst="rect">
+            <a:avLst/>
+          </a:prstGeom>
+          <a:noFill/>
+        </p:spPr>
+        <p:txBody>
+          <a:bodyPr wrap="square" rtlCol="0">
+            <a:spAutoFit/>
+          </a:bodyPr>
+          <a:lstStyle/>
+          <a:p>
+            <a:pPr algn="r"/>
+            <a:r>
+              <a:rPr lang="fr-FR" sz="1200" dirty="0">
+                <a:effectLst>
+                  <a:glow>
+                    <a:schemeClr val="bg1">
+                      <a:alpha val="40000"/>
+                    </a:schemeClr>
+                  </a:glow>
+                </a:effectLst>
+                <a:latin typeface="Eras Medium ITC" panose="020B0602030504020804" pitchFamily="34" charset="0"/>
+              </a:rPr>
+              <a:t>Les tâches personnelles</a:t>
+            </a:r>
+          </a:p>
+        </p:txBody>
+      </p:sp>
+      <p:sp>
+        <p:nvSpPr>
+          <p:cNvPr id="20" name="Rectangle 19">
+            <a:extLst>
+              <a:ext uri="{FF2B5EF4-FFF2-40B4-BE49-F238E27FC236}">
+                <a16:creationId xmlns:a16="http://schemas.microsoft.com/office/drawing/2014/main" id="{DB847651-9CF5-4F65-AB43-0C71B580474B}"/>
+              </a:ext>
+            </a:extLst>
+          </p:cNvPr>
+          <p:cNvSpPr/>
+          <p:nvPr/>
+        </p:nvSpPr>
+        <p:spPr>
+          <a:xfrm>
+            <a:off x="11658599" y="257442"/>
+            <a:ext cx="97587" cy="6264543"/>
+          </a:xfrm>
+          <a:prstGeom prst="rect">
+            <a:avLst/>
+          </a:prstGeom>
+          <a:solidFill>
+            <a:srgbClr val="A8135A"/>
+          </a:solidFill>
+          <a:ln>
+            <a:solidFill>
+              <a:schemeClr val="bg1"/>
+            </a:solidFill>
+          </a:ln>
+        </p:spPr>
+        <p:style>
+          <a:lnRef idx="2">
+            <a:schemeClr val="accent1">
+              <a:shade val="50000"/>
+            </a:schemeClr>
+          </a:lnRef>
+          <a:fillRef idx="1">
+            <a:schemeClr val="accent1"/>
+          </a:fillRef>
+          <a:effectRef idx="0">
+            <a:schemeClr val="accent1"/>
+          </a:effectRef>
+          <a:fontRef idx="minor">
+            <a:schemeClr val="lt1"/>
+          </a:fontRef>
+        </p:style>
+        <p:txBody>
+          <a:bodyPr rtlCol="0" anchor="ctr"/>
+          <a:lstStyle/>
+          <a:p>
+            <a:pPr algn="ctr"/>
+            <a:endParaRPr lang="fr-FR"/>
+          </a:p>
+        </p:txBody>
+      </p:sp>
+      <p:sp>
+        <p:nvSpPr>
+          <p:cNvPr id="21" name="Ellipse 20">
+            <a:extLst>
+              <a:ext uri="{FF2B5EF4-FFF2-40B4-BE49-F238E27FC236}">
+                <a16:creationId xmlns:a16="http://schemas.microsoft.com/office/drawing/2014/main" id="{378A782E-CBD1-4373-B057-36E8D7732145}"/>
+              </a:ext>
+            </a:extLst>
+          </p:cNvPr>
+          <p:cNvSpPr/>
+          <p:nvPr/>
+        </p:nvSpPr>
+        <p:spPr>
+          <a:xfrm>
+            <a:off x="11428928" y="76454"/>
+            <a:ext cx="564118" cy="542925"/>
+          </a:xfrm>
+          <a:prstGeom prst="ellipse">
+            <a:avLst/>
+          </a:prstGeom>
+          <a:solidFill>
+            <a:srgbClr val="A8135A"/>
+          </a:solidFill>
+          <a:ln>
+            <a:solidFill>
+              <a:schemeClr val="bg1"/>
+            </a:solidFill>
+          </a:ln>
+        </p:spPr>
+        <p:style>
+          <a:lnRef idx="2">
+            <a:schemeClr val="accent1">
+              <a:shade val="50000"/>
+            </a:schemeClr>
+          </a:lnRef>
+          <a:fillRef idx="1">
+            <a:schemeClr val="accent1"/>
+          </a:fillRef>
+          <a:effectRef idx="0">
+            <a:schemeClr val="accent1"/>
+          </a:effectRef>
+          <a:fontRef idx="minor">
+            <a:schemeClr val="lt1"/>
+          </a:fontRef>
+        </p:style>
+        <p:txBody>
+          <a:bodyPr rtlCol="0" anchor="ctr"/>
+          <a:lstStyle/>
+          <a:p>
+            <a:pPr algn="ctr"/>
+            <a:endParaRPr lang="fr-FR"/>
+          </a:p>
+        </p:txBody>
+      </p:sp>
+      <p:sp>
+        <p:nvSpPr>
+          <p:cNvPr id="22" name="Ellipse 21">
+            <a:extLst>
+              <a:ext uri="{FF2B5EF4-FFF2-40B4-BE49-F238E27FC236}">
+                <a16:creationId xmlns:a16="http://schemas.microsoft.com/office/drawing/2014/main" id="{CFA016F4-5AC6-48CC-B34D-CC1928527737}"/>
+              </a:ext>
+            </a:extLst>
+          </p:cNvPr>
+          <p:cNvSpPr/>
+          <p:nvPr/>
+        </p:nvSpPr>
+        <p:spPr>
+          <a:xfrm>
+            <a:off x="11428928" y="3276436"/>
+            <a:ext cx="564118" cy="542925"/>
+          </a:xfrm>
+          <a:prstGeom prst="ellipse">
+            <a:avLst/>
+          </a:prstGeom>
+          <a:solidFill>
+            <a:srgbClr val="A51258"/>
+          </a:solidFill>
+          <a:ln>
+            <a:solidFill>
+              <a:schemeClr val="bg1"/>
+            </a:solidFill>
+          </a:ln>
+        </p:spPr>
+        <p:style>
+          <a:lnRef idx="2">
+            <a:schemeClr val="accent1">
+              <a:shade val="50000"/>
+            </a:schemeClr>
+          </a:lnRef>
+          <a:fillRef idx="1">
+            <a:schemeClr val="accent1"/>
+          </a:fillRef>
+          <a:effectRef idx="0">
+            <a:schemeClr val="accent1"/>
+          </a:effectRef>
+          <a:fontRef idx="minor">
+            <a:schemeClr val="lt1"/>
+          </a:fontRef>
+        </p:style>
+        <p:txBody>
+          <a:bodyPr rtlCol="0" anchor="ctr"/>
+          <a:lstStyle/>
+          <a:p>
+            <a:pPr algn="ctr"/>
+            <a:endParaRPr lang="fr-FR"/>
+          </a:p>
+        </p:txBody>
+      </p:sp>
+      <p:sp>
+        <p:nvSpPr>
+          <p:cNvPr id="23" name="Ellipse 22">
+            <a:extLst>
+              <a:ext uri="{FF2B5EF4-FFF2-40B4-BE49-F238E27FC236}">
+                <a16:creationId xmlns:a16="http://schemas.microsoft.com/office/drawing/2014/main" id="{E0A2BF47-D3F7-4393-AA9B-52E72547212A}"/>
+              </a:ext>
+            </a:extLst>
+          </p:cNvPr>
+          <p:cNvSpPr/>
+          <p:nvPr/>
+        </p:nvSpPr>
+        <p:spPr>
+          <a:xfrm>
+            <a:off x="11428928" y="4604964"/>
+            <a:ext cx="564118" cy="542925"/>
+          </a:xfrm>
+          <a:prstGeom prst="ellipse">
+            <a:avLst/>
+          </a:prstGeom>
+          <a:solidFill>
+            <a:srgbClr val="A51258"/>
+          </a:solidFill>
+          <a:ln>
+            <a:solidFill>
+              <a:schemeClr val="bg1"/>
+            </a:solidFill>
+          </a:ln>
+        </p:spPr>
+        <p:style>
+          <a:lnRef idx="2">
+            <a:schemeClr val="accent1">
+              <a:shade val="50000"/>
+            </a:schemeClr>
+          </a:lnRef>
+          <a:fillRef idx="1">
+            <a:schemeClr val="accent1"/>
+          </a:fillRef>
+          <a:effectRef idx="0">
+            <a:schemeClr val="accent1"/>
+          </a:effectRef>
+          <a:fontRef idx="minor">
+            <a:schemeClr val="lt1"/>
+          </a:fontRef>
+        </p:style>
+        <p:txBody>
+          <a:bodyPr rtlCol="0" anchor="ctr"/>
+          <a:lstStyle/>
+          <a:p>
+            <a:pPr algn="ctr"/>
+            <a:endParaRPr lang="fr-FR"/>
+          </a:p>
+        </p:txBody>
+      </p:sp>
+      <p:sp>
+        <p:nvSpPr>
+          <p:cNvPr id="24" name="ZoneTexte 23">
+            <a:extLst>
+              <a:ext uri="{FF2B5EF4-FFF2-40B4-BE49-F238E27FC236}">
+                <a16:creationId xmlns:a16="http://schemas.microsoft.com/office/drawing/2014/main" id="{5993BD75-5291-4BB9-807C-0E77B8527ABC}"/>
+              </a:ext>
+            </a:extLst>
+          </p:cNvPr>
+          <p:cNvSpPr txBox="1"/>
+          <p:nvPr/>
+        </p:nvSpPr>
+        <p:spPr>
+          <a:xfrm>
+            <a:off x="10146108" y="1699669"/>
+            <a:ext cx="1435854" cy="461665"/>
+          </a:xfrm>
+          <a:prstGeom prst="rect">
+            <a:avLst/>
+          </a:prstGeom>
+          <a:noFill/>
+        </p:spPr>
+        <p:txBody>
+          <a:bodyPr wrap="square" rtlCol="0">
+            <a:spAutoFit/>
+          </a:bodyPr>
+          <a:lstStyle/>
+          <a:p>
+            <a:pPr algn="ctr"/>
+            <a:r>
+              <a:rPr lang="fr-FR" sz="1200" dirty="0">
+                <a:effectLst>
+                  <a:glow>
+                    <a:schemeClr val="bg1">
+                      <a:alpha val="40000"/>
+                    </a:schemeClr>
+                  </a:glow>
+                </a:effectLst>
+                <a:latin typeface="Eras Medium ITC" panose="020B0602030504020804" pitchFamily="34" charset="0"/>
+              </a:rPr>
+              <a:t>Langage de programmation </a:t>
+            </a:r>
+          </a:p>
+        </p:txBody>
+      </p:sp>
+      <p:sp>
+        <p:nvSpPr>
+          <p:cNvPr id="25" name="ZoneTexte 24">
+            <a:extLst>
+              <a:ext uri="{FF2B5EF4-FFF2-40B4-BE49-F238E27FC236}">
+                <a16:creationId xmlns:a16="http://schemas.microsoft.com/office/drawing/2014/main" id="{41AE40F1-82F3-49DB-AFD2-7B6706852C19}"/>
+              </a:ext>
+            </a:extLst>
+          </p:cNvPr>
+          <p:cNvSpPr txBox="1"/>
+          <p:nvPr/>
+        </p:nvSpPr>
+        <p:spPr>
+          <a:xfrm>
+            <a:off x="9891258" y="2281165"/>
+            <a:ext cx="1690510" cy="276999"/>
+          </a:xfrm>
+          <a:prstGeom prst="rect">
+            <a:avLst/>
+          </a:prstGeom>
+          <a:noFill/>
+        </p:spPr>
+        <p:txBody>
+          <a:bodyPr wrap="square" rtlCol="0">
+            <a:spAutoFit/>
+          </a:bodyPr>
+          <a:lstStyle/>
+          <a:p>
+            <a:pPr algn="ctr"/>
+            <a:r>
+              <a:rPr lang="fr-FR" sz="1200" dirty="0">
+                <a:effectLst>
+                  <a:glow>
+                    <a:schemeClr val="bg1">
+                      <a:alpha val="40000"/>
+                    </a:schemeClr>
+                  </a:glow>
+                </a:effectLst>
+                <a:latin typeface="Eras Medium ITC" panose="020B0602030504020804" pitchFamily="34" charset="0"/>
+              </a:rPr>
+              <a:t>1</a:t>
+            </a:r>
+            <a:r>
+              <a:rPr lang="fr-FR" sz="1200" baseline="30000" dirty="0">
+                <a:effectLst>
+                  <a:glow>
+                    <a:schemeClr val="bg1">
+                      <a:alpha val="40000"/>
+                    </a:schemeClr>
+                  </a:glow>
+                </a:effectLst>
+                <a:latin typeface="Eras Medium ITC" panose="020B0602030504020804" pitchFamily="34" charset="0"/>
+              </a:rPr>
+              <a:t>er </a:t>
+            </a:r>
+            <a:r>
+              <a:rPr lang="fr-FR" sz="1200" dirty="0">
+                <a:effectLst>
+                  <a:glow>
+                    <a:schemeClr val="bg1">
+                      <a:alpha val="40000"/>
+                    </a:schemeClr>
+                  </a:glow>
+                </a:effectLst>
+                <a:latin typeface="Eras Medium ITC" panose="020B0602030504020804" pitchFamily="34" charset="0"/>
+              </a:rPr>
+              <a:t>environnement</a:t>
+            </a:r>
+          </a:p>
+        </p:txBody>
+      </p:sp>
+      <p:sp>
+        <p:nvSpPr>
+          <p:cNvPr id="26" name="Rectangle 25">
+            <a:extLst>
+              <a:ext uri="{FF2B5EF4-FFF2-40B4-BE49-F238E27FC236}">
+                <a16:creationId xmlns:a16="http://schemas.microsoft.com/office/drawing/2014/main" id="{D8315F37-CF93-49DB-AE1E-66714E0F7FC1}"/>
+              </a:ext>
+            </a:extLst>
+          </p:cNvPr>
+          <p:cNvSpPr/>
+          <p:nvPr/>
+        </p:nvSpPr>
+        <p:spPr>
+          <a:xfrm>
+            <a:off x="9878504" y="2577960"/>
+            <a:ext cx="1550424" cy="276999"/>
+          </a:xfrm>
+          <a:prstGeom prst="rect">
+            <a:avLst/>
+          </a:prstGeom>
+        </p:spPr>
+        <p:txBody>
+          <a:bodyPr wrap="none">
+            <a:spAutoFit/>
+          </a:bodyPr>
+          <a:lstStyle/>
+          <a:p>
+            <a:r>
+              <a:rPr lang="fr-FR" sz="1200" dirty="0">
+                <a:effectLst>
+                  <a:glow>
+                    <a:schemeClr val="bg1">
+                      <a:alpha val="40000"/>
+                    </a:schemeClr>
+                  </a:glow>
+                </a:effectLst>
+                <a:latin typeface="Eras Medium ITC" panose="020B0602030504020804" pitchFamily="34" charset="0"/>
+              </a:rPr>
+              <a:t>2</a:t>
+            </a:r>
+            <a:r>
+              <a:rPr lang="fr-FR" sz="1200" baseline="30000" dirty="0">
+                <a:effectLst>
+                  <a:glow>
+                    <a:schemeClr val="bg1">
+                      <a:alpha val="40000"/>
+                    </a:schemeClr>
+                  </a:glow>
+                </a:effectLst>
+                <a:latin typeface="Eras Medium ITC" panose="020B0602030504020804" pitchFamily="34" charset="0"/>
+              </a:rPr>
+              <a:t>ème </a:t>
+            </a:r>
+            <a:r>
+              <a:rPr lang="fr-FR" sz="1200" dirty="0">
+                <a:effectLst>
+                  <a:glow>
+                    <a:schemeClr val="bg1">
+                      <a:alpha val="40000"/>
+                    </a:schemeClr>
+                  </a:glow>
+                </a:effectLst>
+                <a:latin typeface="Eras Medium ITC" panose="020B0602030504020804" pitchFamily="34" charset="0"/>
+              </a:rPr>
+              <a:t>environnement</a:t>
+            </a:r>
+            <a:endParaRPr lang="fr-FR" sz="1200" dirty="0">
+              <a:effectLst>
+                <a:glow>
+                  <a:schemeClr val="bg1">
+                    <a:alpha val="40000"/>
+                  </a:schemeClr>
+                </a:glow>
+              </a:effectLst>
+            </a:endParaRPr>
+          </a:p>
+        </p:txBody>
+      </p:sp>
+      <p:sp>
+        <p:nvSpPr>
+          <p:cNvPr id="27" name="Rectangle 26">
+            <a:extLst>
+              <a:ext uri="{FF2B5EF4-FFF2-40B4-BE49-F238E27FC236}">
+                <a16:creationId xmlns:a16="http://schemas.microsoft.com/office/drawing/2014/main" id="{923969F8-469C-4A44-AA14-2C70DD436F46}"/>
+              </a:ext>
+            </a:extLst>
+          </p:cNvPr>
+          <p:cNvSpPr/>
+          <p:nvPr/>
+        </p:nvSpPr>
+        <p:spPr>
+          <a:xfrm>
+            <a:off x="10667606" y="2897741"/>
+            <a:ext cx="729687" cy="276999"/>
+          </a:xfrm>
+          <a:prstGeom prst="rect">
+            <a:avLst/>
+          </a:prstGeom>
+        </p:spPr>
+        <p:txBody>
+          <a:bodyPr wrap="none">
+            <a:spAutoFit/>
+          </a:bodyPr>
+          <a:lstStyle/>
+          <a:p>
+            <a:r>
+              <a:rPr lang="fr-FR" sz="1200" dirty="0">
+                <a:effectLst>
+                  <a:glow>
+                    <a:schemeClr val="bg1">
+                      <a:alpha val="40000"/>
+                    </a:schemeClr>
+                  </a:glow>
+                </a:effectLst>
+                <a:latin typeface="Eras Medium ITC" panose="020B0602030504020804" pitchFamily="34" charset="0"/>
+              </a:rPr>
+              <a:t>Librairie</a:t>
+            </a:r>
+            <a:endParaRPr lang="fr-FR" sz="1200" dirty="0">
+              <a:effectLst>
+                <a:glow>
+                  <a:schemeClr val="bg1">
+                    <a:alpha val="40000"/>
+                  </a:schemeClr>
+                </a:glow>
+              </a:effectLst>
+            </a:endParaRPr>
+          </a:p>
+        </p:txBody>
+      </p:sp>
+      <p:sp>
+        <p:nvSpPr>
+          <p:cNvPr id="28" name="ZoneTexte 27">
+            <a:extLst>
+              <a:ext uri="{FF2B5EF4-FFF2-40B4-BE49-F238E27FC236}">
+                <a16:creationId xmlns:a16="http://schemas.microsoft.com/office/drawing/2014/main" id="{A65CFF15-3FB0-444D-8280-AC0FBE3580B1}"/>
+              </a:ext>
+            </a:extLst>
+          </p:cNvPr>
+          <p:cNvSpPr txBox="1"/>
+          <p:nvPr/>
+        </p:nvSpPr>
+        <p:spPr>
+          <a:xfrm>
+            <a:off x="10374688" y="3409399"/>
+            <a:ext cx="1315522" cy="276999"/>
+          </a:xfrm>
+          <a:prstGeom prst="rect">
+            <a:avLst/>
+          </a:prstGeom>
+          <a:noFill/>
+        </p:spPr>
+        <p:txBody>
+          <a:bodyPr wrap="square" rtlCol="0">
+            <a:spAutoFit/>
+          </a:bodyPr>
+          <a:lstStyle/>
+          <a:p>
+            <a:pPr algn="ctr"/>
+            <a:r>
+              <a:rPr lang="fr-FR" sz="1200" dirty="0">
+                <a:effectLst>
+                  <a:glow>
+                    <a:schemeClr val="bg1">
+                      <a:alpha val="40000"/>
+                    </a:schemeClr>
+                  </a:glow>
+                </a:effectLst>
+                <a:latin typeface="Eras Medium ITC" panose="020B0602030504020804" pitchFamily="34" charset="0"/>
+              </a:rPr>
+              <a:t>Câblage</a:t>
+            </a:r>
+          </a:p>
+        </p:txBody>
+      </p:sp>
+      <p:sp>
+        <p:nvSpPr>
+          <p:cNvPr id="29" name="Rectangle 28">
+            <a:extLst>
+              <a:ext uri="{FF2B5EF4-FFF2-40B4-BE49-F238E27FC236}">
+                <a16:creationId xmlns:a16="http://schemas.microsoft.com/office/drawing/2014/main" id="{DD717CF4-4431-429D-92FD-CAFBB480EDCE}"/>
+              </a:ext>
+            </a:extLst>
+          </p:cNvPr>
+          <p:cNvSpPr/>
+          <p:nvPr/>
+        </p:nvSpPr>
+        <p:spPr>
+          <a:xfrm>
+            <a:off x="9449238" y="5521771"/>
+            <a:ext cx="2013693" cy="276999"/>
+          </a:xfrm>
+          <a:prstGeom prst="rect">
+            <a:avLst/>
+          </a:prstGeom>
+        </p:spPr>
+        <p:txBody>
+          <a:bodyPr wrap="none">
+            <a:spAutoFit/>
+          </a:bodyPr>
+          <a:lstStyle/>
+          <a:p>
+            <a:r>
+              <a:rPr lang="fr-FR" sz="1200" dirty="0">
+                <a:latin typeface="Eras Medium ITC" panose="020B0602030504020804" pitchFamily="34" charset="0"/>
+              </a:rPr>
+              <a:t>Diagrammes de </a:t>
+            </a:r>
+            <a:r>
+              <a:rPr lang="fr-FR" sz="1200" dirty="0">
+                <a:effectLst>
+                  <a:glow>
+                    <a:schemeClr val="bg1">
+                      <a:alpha val="40000"/>
+                    </a:schemeClr>
+                  </a:glow>
+                </a:effectLst>
+                <a:latin typeface="Eras Medium ITC" panose="020B0602030504020804" pitchFamily="34" charset="0"/>
+              </a:rPr>
+              <a:t>séquences</a:t>
+            </a:r>
+            <a:endParaRPr lang="fr-FR" sz="1200" dirty="0">
+              <a:effectLst>
+                <a:glow>
+                  <a:schemeClr val="bg1">
+                    <a:alpha val="40000"/>
+                  </a:schemeClr>
+                </a:glow>
+              </a:effectLst>
+            </a:endParaRPr>
+          </a:p>
+        </p:txBody>
+      </p:sp>
+      <p:sp>
+        <p:nvSpPr>
+          <p:cNvPr id="30" name="Rectangle 29">
+            <a:extLst>
+              <a:ext uri="{FF2B5EF4-FFF2-40B4-BE49-F238E27FC236}">
+                <a16:creationId xmlns:a16="http://schemas.microsoft.com/office/drawing/2014/main" id="{3D6AD31E-AEC8-4416-A217-B407AF48B207}"/>
+              </a:ext>
+            </a:extLst>
+          </p:cNvPr>
+          <p:cNvSpPr/>
+          <p:nvPr/>
+        </p:nvSpPr>
+        <p:spPr>
+          <a:xfrm>
+            <a:off x="9765115" y="5831080"/>
+            <a:ext cx="1693092" cy="276999"/>
+          </a:xfrm>
+          <a:prstGeom prst="rect">
+            <a:avLst/>
+          </a:prstGeom>
+        </p:spPr>
+        <p:txBody>
+          <a:bodyPr wrap="none">
+            <a:spAutoFit/>
+          </a:bodyPr>
+          <a:lstStyle/>
+          <a:p>
+            <a:r>
+              <a:rPr lang="fr-FR" sz="1200" dirty="0">
+                <a:latin typeface="Eras Medium ITC" panose="020B0602030504020804" pitchFamily="34" charset="0"/>
+              </a:rPr>
+              <a:t>Diagramme de classes</a:t>
+            </a:r>
+            <a:endParaRPr lang="fr-FR" sz="1200" dirty="0"/>
+          </a:p>
+        </p:txBody>
+      </p:sp>
+      <p:sp>
+        <p:nvSpPr>
+          <p:cNvPr id="31" name="ZoneTexte 30">
+            <a:extLst>
+              <a:ext uri="{FF2B5EF4-FFF2-40B4-BE49-F238E27FC236}">
+                <a16:creationId xmlns:a16="http://schemas.microsoft.com/office/drawing/2014/main" id="{05758958-669F-4181-9016-D07520B886DA}"/>
+              </a:ext>
+            </a:extLst>
+          </p:cNvPr>
+          <p:cNvSpPr txBox="1"/>
+          <p:nvPr/>
+        </p:nvSpPr>
+        <p:spPr>
+          <a:xfrm>
+            <a:off x="10357219" y="6341671"/>
+            <a:ext cx="1188567" cy="276999"/>
+          </a:xfrm>
+          <a:prstGeom prst="rect">
+            <a:avLst/>
+          </a:prstGeom>
+          <a:noFill/>
+        </p:spPr>
+        <p:txBody>
+          <a:bodyPr wrap="square" rtlCol="0">
+            <a:spAutoFit/>
+          </a:bodyPr>
+          <a:lstStyle/>
+          <a:p>
+            <a:pPr algn="ctr"/>
+            <a:r>
+              <a:rPr lang="fr-FR" sz="1200" dirty="0">
+                <a:effectLst>
+                  <a:glow rad="63500">
+                    <a:schemeClr val="bg1">
+                      <a:alpha val="40000"/>
+                    </a:schemeClr>
+                  </a:glow>
+                </a:effectLst>
+                <a:latin typeface="Eras Medium ITC" panose="020B0602030504020804" pitchFamily="34" charset="0"/>
+              </a:rPr>
+              <a:t>Planification</a:t>
+            </a:r>
+          </a:p>
+        </p:txBody>
+      </p:sp>
+      <p:sp>
+        <p:nvSpPr>
+          <p:cNvPr id="32" name="Ellipse 31">
+            <a:extLst>
+              <a:ext uri="{FF2B5EF4-FFF2-40B4-BE49-F238E27FC236}">
+                <a16:creationId xmlns:a16="http://schemas.microsoft.com/office/drawing/2014/main" id="{AF514257-875A-4394-8D82-9BE82991254F}"/>
+              </a:ext>
+            </a:extLst>
+          </p:cNvPr>
+          <p:cNvSpPr/>
+          <p:nvPr/>
+        </p:nvSpPr>
+        <p:spPr>
+          <a:xfrm>
+            <a:off x="11428928" y="1676445"/>
+            <a:ext cx="564118" cy="542925"/>
+          </a:xfrm>
+          <a:prstGeom prst="ellipse">
+            <a:avLst/>
+          </a:prstGeom>
+          <a:solidFill>
+            <a:srgbClr val="A51258"/>
+          </a:solidFill>
+          <a:ln>
+            <a:solidFill>
+              <a:schemeClr val="bg1"/>
+            </a:solidFill>
+          </a:ln>
+        </p:spPr>
+        <p:style>
+          <a:lnRef idx="2">
+            <a:schemeClr val="accent1">
+              <a:shade val="50000"/>
+            </a:schemeClr>
+          </a:lnRef>
+          <a:fillRef idx="1">
+            <a:schemeClr val="accent1"/>
+          </a:fillRef>
+          <a:effectRef idx="0">
+            <a:schemeClr val="accent1"/>
+          </a:effectRef>
+          <a:fontRef idx="minor">
+            <a:schemeClr val="lt1"/>
+          </a:fontRef>
+        </p:style>
+        <p:txBody>
+          <a:bodyPr rtlCol="0" anchor="ctr"/>
+          <a:lstStyle/>
+          <a:p>
+            <a:pPr algn="ctr"/>
+            <a:endParaRPr lang="fr-FR"/>
+          </a:p>
+        </p:txBody>
+      </p:sp>
+      <p:sp>
+        <p:nvSpPr>
+          <p:cNvPr id="33" name="Rectangle 32">
+            <a:extLst>
+              <a:ext uri="{FF2B5EF4-FFF2-40B4-BE49-F238E27FC236}">
+                <a16:creationId xmlns:a16="http://schemas.microsoft.com/office/drawing/2014/main" id="{00A201EB-9C26-4223-9373-5BAA95843830}"/>
+              </a:ext>
+            </a:extLst>
+          </p:cNvPr>
+          <p:cNvSpPr/>
+          <p:nvPr/>
+        </p:nvSpPr>
+        <p:spPr>
+          <a:xfrm>
+            <a:off x="9153946" y="5212462"/>
+            <a:ext cx="2274982" cy="276999"/>
+          </a:xfrm>
+          <a:prstGeom prst="rect">
+            <a:avLst/>
+          </a:prstGeom>
+        </p:spPr>
+        <p:txBody>
+          <a:bodyPr wrap="none">
+            <a:spAutoFit/>
+          </a:bodyPr>
+          <a:lstStyle/>
+          <a:p>
+            <a:r>
+              <a:rPr lang="fr-FR" sz="1200" dirty="0">
+                <a:effectLst>
+                  <a:glow>
+                    <a:schemeClr val="bg1">
+                      <a:alpha val="40000"/>
+                    </a:schemeClr>
+                  </a:glow>
+                </a:effectLst>
+                <a:latin typeface="Eras Medium ITC" panose="020B0602030504020804" pitchFamily="34" charset="0"/>
+              </a:rPr>
+              <a:t>Diagramme de cas d’utilisation</a:t>
+            </a:r>
+            <a:endParaRPr lang="fr-FR" sz="1200" dirty="0">
+              <a:effectLst>
+                <a:glow>
+                  <a:schemeClr val="bg1">
+                    <a:alpha val="40000"/>
+                  </a:schemeClr>
+                </a:glow>
+              </a:effectLst>
+            </a:endParaRPr>
+          </a:p>
+        </p:txBody>
+      </p:sp>
+      <p:sp>
+        <p:nvSpPr>
+          <p:cNvPr id="34" name="Ellipse 33">
+            <a:extLst>
+              <a:ext uri="{FF2B5EF4-FFF2-40B4-BE49-F238E27FC236}">
+                <a16:creationId xmlns:a16="http://schemas.microsoft.com/office/drawing/2014/main" id="{DEF9B0EB-D4DE-42BF-9D66-E76B8B51674D}"/>
+              </a:ext>
+            </a:extLst>
+          </p:cNvPr>
+          <p:cNvSpPr/>
+          <p:nvPr/>
+        </p:nvSpPr>
+        <p:spPr>
+          <a:xfrm>
+            <a:off x="11428928" y="6208709"/>
+            <a:ext cx="564118" cy="542925"/>
+          </a:xfrm>
+          <a:prstGeom prst="ellipse">
+            <a:avLst/>
+          </a:prstGeom>
+          <a:solidFill>
+            <a:srgbClr val="A51258"/>
+          </a:solidFill>
+          <a:ln>
+            <a:solidFill>
+              <a:schemeClr val="bg1"/>
+            </a:solidFill>
+          </a:ln>
+        </p:spPr>
+        <p:style>
+          <a:lnRef idx="2">
+            <a:schemeClr val="accent1">
+              <a:shade val="50000"/>
+            </a:schemeClr>
+          </a:lnRef>
+          <a:fillRef idx="1">
+            <a:schemeClr val="accent1"/>
+          </a:fillRef>
+          <a:effectRef idx="0">
+            <a:schemeClr val="accent1"/>
+          </a:effectRef>
+          <a:fontRef idx="minor">
+            <a:schemeClr val="lt1"/>
+          </a:fontRef>
+        </p:style>
+        <p:txBody>
+          <a:bodyPr rtlCol="0" anchor="ctr"/>
+          <a:lstStyle/>
+          <a:p>
+            <a:pPr algn="ctr"/>
+            <a:endParaRPr lang="fr-FR"/>
+          </a:p>
+        </p:txBody>
+      </p:sp>
+      <p:pic>
+        <p:nvPicPr>
+          <p:cNvPr id="38" name="Image 37">
+            <a:extLst>
+              <a:ext uri="{FF2B5EF4-FFF2-40B4-BE49-F238E27FC236}">
+                <a16:creationId xmlns:a16="http://schemas.microsoft.com/office/drawing/2014/main" id="{BC531F75-9CAA-4479-9C7F-FD6BA7658FE9}"/>
+              </a:ext>
+            </a:extLst>
+          </p:cNvPr>
+          <p:cNvPicPr>
+            <a:picLocks noChangeAspect="1"/>
+          </p:cNvPicPr>
+          <p:nvPr/>
+        </p:nvPicPr>
+        <p:blipFill rotWithShape="1">
+          <a:blip r:embed="rId3"/>
+          <a:srcRect l="84" t="73385" r="-84" b="14941"/>
+          <a:stretch/>
+        </p:blipFill>
+        <p:spPr>
+          <a:xfrm>
+            <a:off x="186987" y="1509467"/>
+            <a:ext cx="9657924" cy="769632"/>
+          </a:xfrm>
+          <a:prstGeom prst="rect">
+            <a:avLst/>
+          </a:prstGeom>
+          <a:effectLst>
+            <a:outerShdw blurRad="63500" sx="102000" sy="102000" algn="ctr" rotWithShape="0">
+              <a:prstClr val="black">
+                <a:alpha val="40000"/>
+              </a:prstClr>
+            </a:outerShdw>
+          </a:effectLst>
+        </p:spPr>
+      </p:pic>
+      <p:pic>
+        <p:nvPicPr>
+          <p:cNvPr id="39" name="Image 38">
+            <a:extLst>
+              <a:ext uri="{FF2B5EF4-FFF2-40B4-BE49-F238E27FC236}">
+                <a16:creationId xmlns:a16="http://schemas.microsoft.com/office/drawing/2014/main" id="{210FCFDE-28DD-4971-96F4-0CAD1291685C}"/>
+              </a:ext>
+            </a:extLst>
+          </p:cNvPr>
+          <p:cNvPicPr>
+            <a:picLocks noChangeAspect="1"/>
+          </p:cNvPicPr>
+          <p:nvPr/>
+        </p:nvPicPr>
+        <p:blipFill rotWithShape="1">
+          <a:blip r:embed="rId3"/>
+          <a:srcRect l="84" t="85448" r="-84" b="-513"/>
+          <a:stretch/>
+        </p:blipFill>
+        <p:spPr>
+          <a:xfrm>
+            <a:off x="186987" y="4015806"/>
+            <a:ext cx="9657924" cy="993207"/>
+          </a:xfrm>
+          <a:prstGeom prst="rect">
+            <a:avLst/>
+          </a:prstGeom>
+          <a:effectLst>
+            <a:outerShdw blurRad="63500" sx="102000" sy="102000" algn="ctr" rotWithShape="0">
+              <a:prstClr val="black">
+                <a:alpha val="40000"/>
+              </a:prstClr>
+            </a:outerShdw>
+          </a:effectLst>
+        </p:spPr>
+      </p:pic>
+    </p:spTree>
+    <p:extLst>
+      <p:ext uri="{BB962C8B-B14F-4D97-AF65-F5344CB8AC3E}">
+        <p14:creationId xmlns:p14="http://schemas.microsoft.com/office/powerpoint/2010/main" val="661856747"/>
       </p:ext>
     </p:extLst>
   </p:cSld>
@@ -23564,7 +27300,7 @@
         <p:spPr>
           <a:xfrm>
             <a:off x="9765115" y="5831080"/>
-            <a:ext cx="1632178" cy="276999"/>
+            <a:ext cx="1693092" cy="276999"/>
           </a:xfrm>
           <a:prstGeom prst="rect">
             <a:avLst/>
@@ -23580,7 +27316,7 @@
               <a:rPr lang="fr-FR" sz="1200" dirty="0">
                 <a:latin typeface="Eras Medium ITC" panose="020B0602030504020804" pitchFamily="34" charset="0"/>
               </a:rPr>
-              <a:t>Diagramme de classe</a:t>
+              <a:t>Diagramme de classes</a:t>
             </a:r>
             <a:endParaRPr lang="fr-FR" sz="1200" dirty="0"/>
           </a:p>
@@ -25605,7 +29341,7 @@
         <p:spPr>
           <a:xfrm>
             <a:off x="9765115" y="5831080"/>
-            <a:ext cx="1632178" cy="276999"/>
+            <a:ext cx="1693092" cy="276999"/>
           </a:xfrm>
           <a:prstGeom prst="rect">
             <a:avLst/>
@@ -25621,7 +29357,7 @@
               <a:rPr lang="fr-FR" sz="1200" dirty="0">
                 <a:latin typeface="Eras Medium ITC" panose="020B0602030504020804" pitchFamily="34" charset="0"/>
               </a:rPr>
-              <a:t>Diagramme de classe</a:t>
+              <a:t>Diagramme de classes</a:t>
             </a:r>
             <a:endParaRPr lang="fr-FR" sz="1200" dirty="0"/>
           </a:p>
@@ -26525,7 +30261,7 @@
         </p:nvSpPr>
         <p:spPr>
           <a:xfrm>
-            <a:off x="4867669" y="1631532"/>
+            <a:off x="4922591" y="1257779"/>
             <a:ext cx="3799332" cy="4801314"/>
           </a:xfrm>
           <a:prstGeom prst="rect">
@@ -28116,7 +31852,7 @@
         <p:spPr>
           <a:xfrm>
             <a:off x="9765115" y="5831080"/>
-            <a:ext cx="1632178" cy="276999"/>
+            <a:ext cx="1693092" cy="276999"/>
           </a:xfrm>
           <a:prstGeom prst="rect">
             <a:avLst/>
@@ -28132,7 +31868,7 @@
               <a:rPr lang="fr-FR" sz="1200" dirty="0">
                 <a:latin typeface="Eras Medium ITC" panose="020B0602030504020804" pitchFamily="34" charset="0"/>
               </a:rPr>
-              <a:t>Diagramme de classe</a:t>
+              <a:t>Diagramme de classes</a:t>
             </a:r>
             <a:endParaRPr lang="fr-FR" sz="1200" dirty="0"/>
           </a:p>
@@ -30286,7 +34022,7 @@
         <p:spPr>
           <a:xfrm>
             <a:off x="9765115" y="5831080"/>
-            <a:ext cx="1632178" cy="276999"/>
+            <a:ext cx="1693092" cy="276999"/>
           </a:xfrm>
           <a:prstGeom prst="rect">
             <a:avLst/>
@@ -30302,7 +34038,7 @@
               <a:rPr lang="fr-FR" sz="1200" dirty="0">
                 <a:latin typeface="Eras Medium ITC" panose="020B0602030504020804" pitchFamily="34" charset="0"/>
               </a:rPr>
-              <a:t>Diagramme de classe</a:t>
+              <a:t>Diagramme de classes</a:t>
             </a:r>
             <a:endParaRPr lang="fr-FR" sz="1200" dirty="0"/>
           </a:p>
@@ -32552,7 +36288,7 @@
         <p:spPr>
           <a:xfrm>
             <a:off x="9765115" y="5831080"/>
-            <a:ext cx="1632178" cy="276999"/>
+            <a:ext cx="1693092" cy="276999"/>
           </a:xfrm>
           <a:prstGeom prst="rect">
             <a:avLst/>
@@ -32568,7 +36304,7 @@
               <a:rPr lang="fr-FR" sz="1200" dirty="0">
                 <a:latin typeface="Eras Medium ITC" panose="020B0602030504020804" pitchFamily="34" charset="0"/>
               </a:rPr>
-              <a:t>Diagramme de classe</a:t>
+              <a:t>Diagramme de classes</a:t>
             </a:r>
             <a:endParaRPr lang="fr-FR" sz="1200" dirty="0"/>
           </a:p>
@@ -34920,7 +38656,7 @@
         <p:spPr>
           <a:xfrm>
             <a:off x="9765115" y="5831080"/>
-            <a:ext cx="1632178" cy="276999"/>
+            <a:ext cx="1693092" cy="276999"/>
           </a:xfrm>
           <a:prstGeom prst="rect">
             <a:avLst/>
@@ -34936,7 +38672,7 @@
               <a:rPr lang="fr-FR" sz="1200" dirty="0">
                 <a:latin typeface="Eras Medium ITC" panose="020B0602030504020804" pitchFamily="34" charset="0"/>
               </a:rPr>
-              <a:t>Diagramme de classe</a:t>
+              <a:t>Diagramme de classes</a:t>
             </a:r>
             <a:endParaRPr lang="fr-FR" sz="1200" dirty="0"/>
           </a:p>
@@ -35241,7 +38977,7 @@
         </p:blipFill>
         <p:spPr>
           <a:xfrm>
-            <a:off x="1729603" y="859862"/>
+            <a:off x="1731054" y="844462"/>
             <a:ext cx="6717629" cy="5998138"/>
           </a:xfrm>
           <a:prstGeom prst="rect">
@@ -36619,7 +40355,7 @@
         <p:spPr>
           <a:xfrm>
             <a:off x="9765115" y="5831080"/>
-            <a:ext cx="1632178" cy="276999"/>
+            <a:ext cx="1693092" cy="276999"/>
           </a:xfrm>
           <a:prstGeom prst="rect">
             <a:avLst/>
@@ -36635,7 +40371,7 @@
               <a:rPr lang="fr-FR" sz="1200" dirty="0">
                 <a:latin typeface="Eras Medium ITC" panose="020B0602030504020804" pitchFamily="34" charset="0"/>
               </a:rPr>
-              <a:t>Diagramme de classe</a:t>
+              <a:t>Diagramme de classes</a:t>
             </a:r>
             <a:endParaRPr lang="fr-FR" sz="1200" dirty="0"/>
           </a:p>
@@ -36767,6 +40503,569 @@
               <a:t>Diagramme de cas d’utilisation</a:t>
             </a:r>
             <a:endParaRPr lang="fr-FR" sz="1200" dirty="0"/>
+          </a:p>
+        </p:txBody>
+      </p:sp>
+      <p:pic>
+        <p:nvPicPr>
+          <p:cNvPr id="5" name="Image 4" descr="Une image contenant objet, horloge&#10;&#10;Description générée automatiquement">
+            <a:extLst>
+              <a:ext uri="{FF2B5EF4-FFF2-40B4-BE49-F238E27FC236}">
+                <a16:creationId xmlns:a16="http://schemas.microsoft.com/office/drawing/2014/main" id="{F3553FC5-A632-4AF1-BA7C-9FAFB76A20C1}"/>
+              </a:ext>
+            </a:extLst>
+          </p:cNvPr>
+          <p:cNvPicPr>
+            <a:picLocks noChangeAspect="1"/>
+          </p:cNvPicPr>
+          <p:nvPr/>
+        </p:nvPicPr>
+        <p:blipFill>
+          <a:blip r:embed="rId4"/>
+          <a:stretch>
+            <a:fillRect/>
+          </a:stretch>
+        </p:blipFill>
+        <p:spPr>
+          <a:xfrm>
+            <a:off x="7102132" y="553554"/>
+            <a:ext cx="1926982" cy="906815"/>
+          </a:xfrm>
+          <a:prstGeom prst="rect">
+            <a:avLst/>
+          </a:prstGeom>
+        </p:spPr>
+      </p:pic>
+      <p:pic>
+        <p:nvPicPr>
+          <p:cNvPr id="49" name="Image 48" descr="Une image contenant objet, horloge&#10;&#10;Description générée automatiquement">
+            <a:extLst>
+              <a:ext uri="{FF2B5EF4-FFF2-40B4-BE49-F238E27FC236}">
+                <a16:creationId xmlns:a16="http://schemas.microsoft.com/office/drawing/2014/main" id="{90FEBFDA-B87E-4D4C-9168-EB8677566F75}"/>
+              </a:ext>
+            </a:extLst>
+          </p:cNvPr>
+          <p:cNvPicPr>
+            <a:picLocks noChangeAspect="1"/>
+          </p:cNvPicPr>
+          <p:nvPr/>
+        </p:nvPicPr>
+        <p:blipFill>
+          <a:blip r:embed="rId4"/>
+          <a:stretch>
+            <a:fillRect/>
+          </a:stretch>
+        </p:blipFill>
+        <p:spPr>
+          <a:xfrm>
+            <a:off x="7102132" y="1584018"/>
+            <a:ext cx="1926982" cy="906815"/>
+          </a:xfrm>
+          <a:prstGeom prst="rect">
+            <a:avLst/>
+          </a:prstGeom>
+        </p:spPr>
+      </p:pic>
+      <p:sp>
+        <p:nvSpPr>
+          <p:cNvPr id="51" name="ZoneTexte 50">
+            <a:extLst>
+              <a:ext uri="{FF2B5EF4-FFF2-40B4-BE49-F238E27FC236}">
+                <a16:creationId xmlns:a16="http://schemas.microsoft.com/office/drawing/2014/main" id="{B0A048D2-F1B0-4243-85C8-E76E2FAC03B6}"/>
+              </a:ext>
+            </a:extLst>
+          </p:cNvPr>
+          <p:cNvSpPr txBox="1"/>
+          <p:nvPr/>
+        </p:nvSpPr>
+        <p:spPr>
+          <a:xfrm>
+            <a:off x="8151101" y="2078638"/>
+            <a:ext cx="445419" cy="369332"/>
+          </a:xfrm>
+          <a:prstGeom prst="rect">
+            <a:avLst/>
+          </a:prstGeom>
+          <a:solidFill>
+            <a:schemeClr val="bg1"/>
+          </a:solidFill>
+        </p:spPr>
+        <p:txBody>
+          <a:bodyPr wrap="square" rtlCol="0">
+            <a:spAutoFit/>
+          </a:bodyPr>
+          <a:lstStyle/>
+          <a:p>
+            <a:r>
+              <a:rPr lang="fr-FR" dirty="0"/>
+              <a:t>20</a:t>
+            </a:r>
+          </a:p>
+        </p:txBody>
+      </p:sp>
+      <p:sp>
+        <p:nvSpPr>
+          <p:cNvPr id="7" name="ZoneTexte 6">
+            <a:extLst>
+              <a:ext uri="{FF2B5EF4-FFF2-40B4-BE49-F238E27FC236}">
+                <a16:creationId xmlns:a16="http://schemas.microsoft.com/office/drawing/2014/main" id="{AD90A800-F6FF-4056-9469-DC53540C8FA6}"/>
+              </a:ext>
+            </a:extLst>
+          </p:cNvPr>
+          <p:cNvSpPr txBox="1"/>
+          <p:nvPr/>
+        </p:nvSpPr>
+        <p:spPr>
+          <a:xfrm>
+            <a:off x="9010326" y="1225241"/>
+            <a:ext cx="521782" cy="369332"/>
+          </a:xfrm>
+          <a:prstGeom prst="rect">
+            <a:avLst/>
+          </a:prstGeom>
+          <a:noFill/>
+        </p:spPr>
+        <p:txBody>
+          <a:bodyPr wrap="square" rtlCol="0">
+            <a:spAutoFit/>
+          </a:bodyPr>
+          <a:lstStyle/>
+          <a:p>
+            <a:r>
+              <a:rPr lang="fr-FR" dirty="0"/>
+              <a:t>mA</a:t>
+            </a:r>
+          </a:p>
+        </p:txBody>
+      </p:sp>
+      <p:cxnSp>
+        <p:nvCxnSpPr>
+          <p:cNvPr id="9" name="Connecteur droit avec flèche 8">
+            <a:extLst>
+              <a:ext uri="{FF2B5EF4-FFF2-40B4-BE49-F238E27FC236}">
+                <a16:creationId xmlns:a16="http://schemas.microsoft.com/office/drawing/2014/main" id="{7AFD5D2D-40E8-4979-9452-64106822A330}"/>
+              </a:ext>
+            </a:extLst>
+          </p:cNvPr>
+          <p:cNvCxnSpPr>
+            <a:cxnSpLocks/>
+            <a:stCxn id="7" idx="1"/>
+          </p:cNvCxnSpPr>
+          <p:nvPr/>
+        </p:nvCxnSpPr>
+        <p:spPr>
+          <a:xfrm flipH="1" flipV="1">
+            <a:off x="8513453" y="1257779"/>
+            <a:ext cx="496873" cy="152128"/>
+          </a:xfrm>
+          <a:prstGeom prst="straightConnector1">
+            <a:avLst/>
+          </a:prstGeom>
+          <a:ln>
+            <a:solidFill>
+              <a:schemeClr val="tx1"/>
+            </a:solidFill>
+            <a:tailEnd type="triangle"/>
+          </a:ln>
+        </p:spPr>
+        <p:style>
+          <a:lnRef idx="1">
+            <a:schemeClr val="accent1"/>
+          </a:lnRef>
+          <a:fillRef idx="0">
+            <a:schemeClr val="accent1"/>
+          </a:fillRef>
+          <a:effectRef idx="0">
+            <a:schemeClr val="accent1"/>
+          </a:effectRef>
+          <a:fontRef idx="minor">
+            <a:schemeClr val="tx1"/>
+          </a:fontRef>
+        </p:style>
+      </p:cxnSp>
+      <p:sp>
+        <p:nvSpPr>
+          <p:cNvPr id="52" name="ZoneTexte 51">
+            <a:extLst>
+              <a:ext uri="{FF2B5EF4-FFF2-40B4-BE49-F238E27FC236}">
+                <a16:creationId xmlns:a16="http://schemas.microsoft.com/office/drawing/2014/main" id="{2128CCB3-C1FE-439D-B4CA-929873BEF2FD}"/>
+              </a:ext>
+            </a:extLst>
+          </p:cNvPr>
+          <p:cNvSpPr txBox="1"/>
+          <p:nvPr/>
+        </p:nvSpPr>
+        <p:spPr>
+          <a:xfrm>
+            <a:off x="7251520" y="78910"/>
+            <a:ext cx="260891" cy="369332"/>
+          </a:xfrm>
+          <a:prstGeom prst="rect">
+            <a:avLst/>
+          </a:prstGeom>
+          <a:noFill/>
+        </p:spPr>
+        <p:txBody>
+          <a:bodyPr wrap="square" rtlCol="0">
+            <a:spAutoFit/>
+          </a:bodyPr>
+          <a:lstStyle/>
+          <a:p>
+            <a:r>
+              <a:rPr lang="fr-FR" dirty="0"/>
+              <a:t>V</a:t>
+            </a:r>
+          </a:p>
+        </p:txBody>
+      </p:sp>
+      <p:cxnSp>
+        <p:nvCxnSpPr>
+          <p:cNvPr id="53" name="Connecteur droit avec flèche 52">
+            <a:extLst>
+              <a:ext uri="{FF2B5EF4-FFF2-40B4-BE49-F238E27FC236}">
+                <a16:creationId xmlns:a16="http://schemas.microsoft.com/office/drawing/2014/main" id="{8313F16B-ABF4-4D1E-AC55-7A3BB75153FE}"/>
+              </a:ext>
+            </a:extLst>
+          </p:cNvPr>
+          <p:cNvCxnSpPr>
+            <a:cxnSpLocks/>
+            <a:stCxn id="52" idx="3"/>
+          </p:cNvCxnSpPr>
+          <p:nvPr/>
+        </p:nvCxnSpPr>
+        <p:spPr>
+          <a:xfrm>
+            <a:off x="7512411" y="263576"/>
+            <a:ext cx="442869" cy="422055"/>
+          </a:xfrm>
+          <a:prstGeom prst="straightConnector1">
+            <a:avLst/>
+          </a:prstGeom>
+          <a:ln>
+            <a:solidFill>
+              <a:schemeClr val="tx1"/>
+            </a:solidFill>
+            <a:tailEnd type="triangle"/>
+          </a:ln>
+        </p:spPr>
+        <p:style>
+          <a:lnRef idx="1">
+            <a:schemeClr val="accent1"/>
+          </a:lnRef>
+          <a:fillRef idx="0">
+            <a:schemeClr val="accent1"/>
+          </a:fillRef>
+          <a:effectRef idx="0">
+            <a:schemeClr val="accent1"/>
+          </a:effectRef>
+          <a:fontRef idx="minor">
+            <a:schemeClr val="tx1"/>
+          </a:fontRef>
+        </p:style>
+      </p:cxnSp>
+      <p:cxnSp>
+        <p:nvCxnSpPr>
+          <p:cNvPr id="54" name="Connecteur droit avec flèche 53">
+            <a:extLst>
+              <a:ext uri="{FF2B5EF4-FFF2-40B4-BE49-F238E27FC236}">
+                <a16:creationId xmlns:a16="http://schemas.microsoft.com/office/drawing/2014/main" id="{D016BC00-F5C0-4D81-A310-3EFD62F19779}"/>
+              </a:ext>
+            </a:extLst>
+          </p:cNvPr>
+          <p:cNvCxnSpPr>
+            <a:cxnSpLocks/>
+            <a:stCxn id="55" idx="1"/>
+          </p:cNvCxnSpPr>
+          <p:nvPr/>
+        </p:nvCxnSpPr>
+        <p:spPr>
+          <a:xfrm flipH="1">
+            <a:off x="8782440" y="381891"/>
+            <a:ext cx="263951" cy="258553"/>
+          </a:xfrm>
+          <a:prstGeom prst="straightConnector1">
+            <a:avLst/>
+          </a:prstGeom>
+          <a:ln>
+            <a:solidFill>
+              <a:schemeClr val="tx1"/>
+            </a:solidFill>
+            <a:tailEnd type="triangle"/>
+          </a:ln>
+        </p:spPr>
+        <p:style>
+          <a:lnRef idx="1">
+            <a:schemeClr val="accent1"/>
+          </a:lnRef>
+          <a:fillRef idx="0">
+            <a:schemeClr val="accent1"/>
+          </a:fillRef>
+          <a:effectRef idx="0">
+            <a:schemeClr val="accent1"/>
+          </a:effectRef>
+          <a:fontRef idx="minor">
+            <a:schemeClr val="tx1"/>
+          </a:fontRef>
+        </p:style>
+      </p:cxnSp>
+      <p:sp>
+        <p:nvSpPr>
+          <p:cNvPr id="55" name="ZoneTexte 54">
+            <a:extLst>
+              <a:ext uri="{FF2B5EF4-FFF2-40B4-BE49-F238E27FC236}">
+                <a16:creationId xmlns:a16="http://schemas.microsoft.com/office/drawing/2014/main" id="{B0F834EE-B98F-4C5D-8915-0CB595A82262}"/>
+              </a:ext>
+            </a:extLst>
+          </p:cNvPr>
+          <p:cNvSpPr txBox="1"/>
+          <p:nvPr/>
+        </p:nvSpPr>
+        <p:spPr>
+          <a:xfrm>
+            <a:off x="9046391" y="197225"/>
+            <a:ext cx="260891" cy="369332"/>
+          </a:xfrm>
+          <a:prstGeom prst="rect">
+            <a:avLst/>
+          </a:prstGeom>
+          <a:noFill/>
+        </p:spPr>
+        <p:txBody>
+          <a:bodyPr wrap="square" rtlCol="0">
+            <a:spAutoFit/>
+          </a:bodyPr>
+          <a:lstStyle/>
+          <a:p>
+            <a:r>
+              <a:rPr lang="fr-FR" dirty="0"/>
+              <a:t>V</a:t>
+            </a:r>
+          </a:p>
+        </p:txBody>
+      </p:sp>
+      <p:pic>
+        <p:nvPicPr>
+          <p:cNvPr id="58" name="Image 57" descr="Une image contenant objet, horloge&#10;&#10;Description générée automatiquement">
+            <a:extLst>
+              <a:ext uri="{FF2B5EF4-FFF2-40B4-BE49-F238E27FC236}">
+                <a16:creationId xmlns:a16="http://schemas.microsoft.com/office/drawing/2014/main" id="{CDFCA844-73F2-4EE1-93FD-8C964E88DBB2}"/>
+              </a:ext>
+            </a:extLst>
+          </p:cNvPr>
+          <p:cNvPicPr>
+            <a:picLocks noChangeAspect="1"/>
+          </p:cNvPicPr>
+          <p:nvPr/>
+        </p:nvPicPr>
+        <p:blipFill>
+          <a:blip r:embed="rId4"/>
+          <a:stretch>
+            <a:fillRect/>
+          </a:stretch>
+        </p:blipFill>
+        <p:spPr>
+          <a:xfrm>
+            <a:off x="7146244" y="2335481"/>
+            <a:ext cx="1926982" cy="906815"/>
+          </a:xfrm>
+          <a:prstGeom prst="rect">
+            <a:avLst/>
+          </a:prstGeom>
+        </p:spPr>
+      </p:pic>
+      <p:sp>
+        <p:nvSpPr>
+          <p:cNvPr id="57" name="Rectangle 56">
+            <a:extLst>
+              <a:ext uri="{FF2B5EF4-FFF2-40B4-BE49-F238E27FC236}">
+                <a16:creationId xmlns:a16="http://schemas.microsoft.com/office/drawing/2014/main" id="{8476EC36-621A-46F0-90C8-DFCCCA196595}"/>
+              </a:ext>
+            </a:extLst>
+          </p:cNvPr>
+          <p:cNvSpPr/>
+          <p:nvPr/>
+        </p:nvSpPr>
+        <p:spPr>
+          <a:xfrm>
+            <a:off x="7853479" y="2437086"/>
+            <a:ext cx="1175635" cy="703603"/>
+          </a:xfrm>
+          <a:prstGeom prst="rect">
+            <a:avLst/>
+          </a:prstGeom>
+          <a:solidFill>
+            <a:schemeClr val="bg1"/>
+          </a:solidFill>
+          <a:ln>
+            <a:solidFill>
+              <a:schemeClr val="bg1"/>
+            </a:solidFill>
+          </a:ln>
+        </p:spPr>
+        <p:style>
+          <a:lnRef idx="2">
+            <a:schemeClr val="accent1">
+              <a:shade val="50000"/>
+            </a:schemeClr>
+          </a:lnRef>
+          <a:fillRef idx="1">
+            <a:schemeClr val="accent1"/>
+          </a:fillRef>
+          <a:effectRef idx="0">
+            <a:schemeClr val="accent1"/>
+          </a:effectRef>
+          <a:fontRef idx="minor">
+            <a:schemeClr val="lt1"/>
+          </a:fontRef>
+        </p:style>
+        <p:txBody>
+          <a:bodyPr rtlCol="0" anchor="ctr"/>
+          <a:lstStyle/>
+          <a:p>
+            <a:pPr algn="ctr"/>
+            <a:r>
+              <a:rPr lang="fr-FR" dirty="0">
+                <a:solidFill>
+                  <a:schemeClr val="tx1"/>
+                </a:solidFill>
+              </a:rPr>
+              <a:t>90 </a:t>
+            </a:r>
+            <a:r>
+              <a:rPr lang="el-GR" dirty="0">
+                <a:solidFill>
+                  <a:schemeClr val="tx1"/>
+                </a:solidFill>
+              </a:rPr>
+              <a:t>Ω</a:t>
+            </a:r>
+            <a:endParaRPr lang="fr-FR" dirty="0">
+              <a:solidFill>
+                <a:schemeClr val="tx1"/>
+              </a:solidFill>
+            </a:endParaRPr>
+          </a:p>
+        </p:txBody>
+      </p:sp>
+      <p:sp>
+        <p:nvSpPr>
+          <p:cNvPr id="60" name="Rectangle 59">
+            <a:extLst>
+              <a:ext uri="{FF2B5EF4-FFF2-40B4-BE49-F238E27FC236}">
+                <a16:creationId xmlns:a16="http://schemas.microsoft.com/office/drawing/2014/main" id="{940C53DD-C2F1-419E-8014-CA32CC59C2F8}"/>
+              </a:ext>
+            </a:extLst>
+          </p:cNvPr>
+          <p:cNvSpPr/>
+          <p:nvPr/>
+        </p:nvSpPr>
+        <p:spPr>
+          <a:xfrm>
+            <a:off x="8483883" y="1632123"/>
+            <a:ext cx="526443" cy="368951"/>
+          </a:xfrm>
+          <a:prstGeom prst="rect">
+            <a:avLst/>
+          </a:prstGeom>
+          <a:solidFill>
+            <a:schemeClr val="bg1"/>
+          </a:solidFill>
+          <a:ln>
+            <a:solidFill>
+              <a:schemeClr val="bg1"/>
+            </a:solidFill>
+          </a:ln>
+        </p:spPr>
+        <p:style>
+          <a:lnRef idx="2">
+            <a:schemeClr val="accent1">
+              <a:shade val="50000"/>
+            </a:schemeClr>
+          </a:lnRef>
+          <a:fillRef idx="1">
+            <a:schemeClr val="accent1"/>
+          </a:fillRef>
+          <a:effectRef idx="0">
+            <a:schemeClr val="accent1"/>
+          </a:effectRef>
+          <a:fontRef idx="minor">
+            <a:schemeClr val="lt1"/>
+          </a:fontRef>
+        </p:style>
+        <p:txBody>
+          <a:bodyPr rtlCol="0" anchor="ctr"/>
+          <a:lstStyle/>
+          <a:p>
+            <a:pPr algn="ctr"/>
+            <a:r>
+              <a:rPr lang="fr-FR" dirty="0">
+                <a:solidFill>
+                  <a:schemeClr val="tx1"/>
+                </a:solidFill>
+              </a:rPr>
+              <a:t>1,2</a:t>
+            </a:r>
+          </a:p>
+        </p:txBody>
+      </p:sp>
+      <p:sp>
+        <p:nvSpPr>
+          <p:cNvPr id="61" name="Rectangle 60">
+            <a:extLst>
+              <a:ext uri="{FF2B5EF4-FFF2-40B4-BE49-F238E27FC236}">
+                <a16:creationId xmlns:a16="http://schemas.microsoft.com/office/drawing/2014/main" id="{4D8EA669-4A10-4DB9-A208-80DCC12CCA2E}"/>
+              </a:ext>
+            </a:extLst>
+          </p:cNvPr>
+          <p:cNvSpPr/>
+          <p:nvPr/>
+        </p:nvSpPr>
+        <p:spPr>
+          <a:xfrm>
+            <a:off x="7955280" y="1669671"/>
+            <a:ext cx="268987" cy="307360"/>
+          </a:xfrm>
+          <a:prstGeom prst="rect">
+            <a:avLst/>
+          </a:prstGeom>
+          <a:solidFill>
+            <a:schemeClr val="bg1"/>
+          </a:solidFill>
+          <a:ln>
+            <a:solidFill>
+              <a:schemeClr val="bg1"/>
+            </a:solidFill>
+          </a:ln>
+        </p:spPr>
+        <p:style>
+          <a:lnRef idx="2">
+            <a:schemeClr val="accent1">
+              <a:shade val="50000"/>
+            </a:schemeClr>
+          </a:lnRef>
+          <a:fillRef idx="1">
+            <a:schemeClr val="accent1"/>
+          </a:fillRef>
+          <a:effectRef idx="0">
+            <a:schemeClr val="accent1"/>
+          </a:effectRef>
+          <a:fontRef idx="minor">
+            <a:schemeClr val="lt1"/>
+          </a:fontRef>
+        </p:style>
+        <p:txBody>
+          <a:bodyPr rtlCol="0" anchor="ctr"/>
+          <a:lstStyle/>
+          <a:p>
+            <a:pPr algn="ctr"/>
+            <a:r>
+              <a:rPr lang="fr-FR" dirty="0">
+                <a:solidFill>
+                  <a:schemeClr val="tx1"/>
+                </a:solidFill>
+              </a:rPr>
+              <a:t>3</a:t>
+            </a:r>
           </a:p>
         </p:txBody>
       </p:sp>
